--- a/Session 10 - Random Numbers and Algorithms/Session 10 - Random Numbers and Algorithms.pptx
+++ b/Session 10 - Random Numbers and Algorithms/Session 10 - Random Numbers and Algorithms.pptx
@@ -292,7 +292,7 @@
           <a:p>
             <a:fld id="{A241AC98-512A-4A35-865E-757B6C1F07A2}" type="datetimeFigureOut">
               <a:rPr lang="en-US" smtClean="0"/>
-              <a:t>10/20/2023</a:t>
+              <a:t>1/28/2024</a:t>
             </a:fld>
             <a:endParaRPr lang="en-US"/>
           </a:p>
@@ -458,7 +458,7 @@
           <a:p>
             <a:fld id="{3854CEE7-15DE-41D9-8CA2-D1E137B1D850}" type="datetimeFigureOut">
               <a:rPr lang="en-US" smtClean="0"/>
-              <a:t>10/20/2023</a:t>
+              <a:t>1/28/2024</a:t>
             </a:fld>
             <a:endParaRPr lang="en-US"/>
           </a:p>
@@ -1361,7 +1361,7 @@
           <a:p>
             <a:fld id="{5555EB2C-244D-4423-AD97-018ED6478B87}" type="datetime1">
               <a:rPr lang="en-US" smtClean="0"/>
-              <a:t>10/20/2023</a:t>
+              <a:t>1/28/2024</a:t>
             </a:fld>
             <a:endParaRPr lang="en-US"/>
           </a:p>
@@ -1540,7 +1540,7 @@
           <a:p>
             <a:fld id="{A2B41D1F-7576-4C60-B4EB-5115BC56CF40}" type="datetime1">
               <a:rPr lang="en-US" smtClean="0"/>
-              <a:t>10/20/2023</a:t>
+              <a:t>1/28/2024</a:t>
             </a:fld>
             <a:endParaRPr lang="en-US"/>
           </a:p>
@@ -1732,7 +1732,7 @@
           <a:p>
             <a:fld id="{E79D1398-4D56-44F9-BA35-34ACF3159A64}" type="datetime1">
               <a:rPr lang="en-US" smtClean="0"/>
-              <a:t>10/20/2023</a:t>
+              <a:t>1/28/2024</a:t>
             </a:fld>
             <a:endParaRPr lang="en-US"/>
           </a:p>
@@ -1914,7 +1914,7 @@
           <a:p>
             <a:fld id="{A3CF632E-48CB-4EEB-A6B6-DEC7AD7CC976}" type="datetime1">
               <a:rPr lang="en-US" smtClean="0"/>
-              <a:t>10/20/2023</a:t>
+              <a:t>1/28/2024</a:t>
             </a:fld>
             <a:endParaRPr lang="en-US"/>
           </a:p>
@@ -2167,7 +2167,7 @@
           <a:p>
             <a:fld id="{BAEEE52C-3A57-458E-95F6-96B2FA9D1DD4}" type="datetime1">
               <a:rPr lang="en-US" smtClean="0"/>
-              <a:t>10/20/2023</a:t>
+              <a:t>1/28/2024</a:t>
             </a:fld>
             <a:endParaRPr lang="en-US"/>
           </a:p>
@@ -2411,7 +2411,7 @@
           <a:p>
             <a:fld id="{766FC747-A48A-4FF2-8EE4-3E95ECD1C2A8}" type="datetime1">
               <a:rPr lang="en-US" smtClean="0"/>
-              <a:t>10/20/2023</a:t>
+              <a:t>1/28/2024</a:t>
             </a:fld>
             <a:endParaRPr lang="en-US"/>
           </a:p>
@@ -2790,7 +2790,7 @@
           <a:p>
             <a:fld id="{C9BF5758-AB7F-463D-B638-E1729B95E126}" type="datetime1">
               <a:rPr lang="en-US" smtClean="0"/>
-              <a:t>10/20/2023</a:t>
+              <a:t>1/28/2024</a:t>
             </a:fld>
             <a:endParaRPr lang="en-US"/>
           </a:p>
@@ -2920,7 +2920,7 @@
           <a:p>
             <a:fld id="{F3718C77-7DD0-4738-BF52-D0EC9F78A76E}" type="datetime1">
               <a:rPr lang="en-US" smtClean="0"/>
-              <a:t>10/20/2023</a:t>
+              <a:t>1/28/2024</a:t>
             </a:fld>
             <a:endParaRPr lang="en-US"/>
           </a:p>
@@ -3027,7 +3027,7 @@
           <a:p>
             <a:fld id="{948970CF-13D9-4E1D-A74F-2CFE4953FCDB}" type="datetime1">
               <a:rPr lang="en-US" smtClean="0"/>
-              <a:t>10/20/2023</a:t>
+              <a:t>1/28/2024</a:t>
             </a:fld>
             <a:endParaRPr lang="en-US"/>
           </a:p>
@@ -3316,7 +3316,7 @@
           <a:p>
             <a:fld id="{F68C49B9-4E1C-4967-B9CF-0BF9FECBE837}" type="datetime1">
               <a:rPr lang="en-US" smtClean="0"/>
-              <a:t>10/20/2023</a:t>
+              <a:t>1/28/2024</a:t>
             </a:fld>
             <a:endParaRPr lang="en-US"/>
           </a:p>
@@ -3584,7 +3584,7 @@
           <a:p>
             <a:fld id="{7E338CBB-1F06-4333-9BBF-66628B15E581}" type="datetime1">
               <a:rPr lang="en-US" smtClean="0"/>
-              <a:t>10/20/2023</a:t>
+              <a:t>1/28/2024</a:t>
             </a:fld>
             <a:endParaRPr lang="en-US"/>
           </a:p>
@@ -3809,7 +3809,7 @@
           <a:p>
             <a:fld id="{705EC883-F03C-4CA3-AF62-BEF30EEA4F65}" type="datetime1">
               <a:rPr lang="en-US" smtClean="0"/>
-              <a:t>10/20/2023</a:t>
+              <a:t>1/28/2024</a:t>
             </a:fld>
             <a:endParaRPr lang="en-US"/>
           </a:p>
@@ -20482,6 +20482,110 @@
           </p:style>
         </p:cxnSp>
       </p:grpSp>
+      <p:sp>
+        <p:nvSpPr>
+          <p:cNvPr id="3" name="Rectangle 2">
+            <a:extLst>
+              <a:ext uri="{FF2B5EF4-FFF2-40B4-BE49-F238E27FC236}">
+                <a16:creationId xmlns:a16="http://schemas.microsoft.com/office/drawing/2014/main" id="{07AF3030-8382-AA9C-6787-69229F6D510E}"/>
+              </a:ext>
+            </a:extLst>
+          </p:cNvPr>
+          <p:cNvSpPr/>
+          <p:nvPr/>
+        </p:nvSpPr>
+        <p:spPr>
+          <a:xfrm>
+            <a:off x="4126136" y="3121051"/>
+            <a:ext cx="191070" cy="226705"/>
+          </a:xfrm>
+          <a:prstGeom prst="rect">
+            <a:avLst/>
+          </a:prstGeom>
+          <a:noFill/>
+          <a:ln w="38100">
+            <a:solidFill>
+              <a:srgbClr val="00B050"/>
+            </a:solidFill>
+          </a:ln>
+        </p:spPr>
+        <p:style>
+          <a:lnRef idx="2">
+            <a:schemeClr val="accent1">
+              <a:shade val="15000"/>
+            </a:schemeClr>
+          </a:lnRef>
+          <a:fillRef idx="1">
+            <a:schemeClr val="accent1"/>
+          </a:fillRef>
+          <a:effectRef idx="0">
+            <a:schemeClr val="accent1"/>
+          </a:effectRef>
+          <a:fontRef idx="minor">
+            <a:schemeClr val="lt1"/>
+          </a:fontRef>
+        </p:style>
+        <p:txBody>
+          <a:bodyPr rtlCol="0" anchor="ctr"/>
+          <a:lstStyle/>
+          <a:p>
+            <a:pPr algn="ctr"/>
+            <a:endParaRPr lang="en-US"/>
+          </a:p>
+        </p:txBody>
+      </p:sp>
+      <p:sp>
+        <p:nvSpPr>
+          <p:cNvPr id="5" name="Rectangle 4">
+            <a:extLst>
+              <a:ext uri="{FF2B5EF4-FFF2-40B4-BE49-F238E27FC236}">
+                <a16:creationId xmlns:a16="http://schemas.microsoft.com/office/drawing/2014/main" id="{383A60C9-6BFA-C53A-FD14-819320DA2229}"/>
+              </a:ext>
+            </a:extLst>
+          </p:cNvPr>
+          <p:cNvSpPr/>
+          <p:nvPr/>
+        </p:nvSpPr>
+        <p:spPr>
+          <a:xfrm>
+            <a:off x="4647414" y="3116891"/>
+            <a:ext cx="191070" cy="226705"/>
+          </a:xfrm>
+          <a:prstGeom prst="rect">
+            <a:avLst/>
+          </a:prstGeom>
+          <a:noFill/>
+          <a:ln w="38100">
+            <a:solidFill>
+              <a:srgbClr val="00B050"/>
+            </a:solidFill>
+          </a:ln>
+        </p:spPr>
+        <p:style>
+          <a:lnRef idx="2">
+            <a:schemeClr val="accent1">
+              <a:shade val="15000"/>
+            </a:schemeClr>
+          </a:lnRef>
+          <a:fillRef idx="1">
+            <a:schemeClr val="accent1"/>
+          </a:fillRef>
+          <a:effectRef idx="0">
+            <a:schemeClr val="accent1"/>
+          </a:effectRef>
+          <a:fontRef idx="minor">
+            <a:schemeClr val="lt1"/>
+          </a:fontRef>
+        </p:style>
+        <p:txBody>
+          <a:bodyPr rtlCol="0" anchor="ctr"/>
+          <a:lstStyle/>
+          <a:p>
+            <a:pPr algn="ctr"/>
+            <a:endParaRPr lang="en-US"/>
+          </a:p>
+        </p:txBody>
+      </p:sp>
     </p:spTree>
     <p:extLst>
       <p:ext uri="{BB962C8B-B14F-4D97-AF65-F5344CB8AC3E}">
@@ -20650,30 +20754,21 @@
                             </p:childTnLst>
                           </p:cTn>
                         </p:par>
-                      </p:childTnLst>
-                    </p:cTn>
-                  </p:par>
-                  <p:par>
-                    <p:cTn id="17" fill="hold">
-                      <p:stCondLst>
-                        <p:cond delay="indefinite"/>
-                      </p:stCondLst>
-                      <p:childTnLst>
                         <p:par>
-                          <p:cTn id="18" fill="hold">
+                          <p:cTn id="17" fill="hold">
                             <p:stCondLst>
-                              <p:cond delay="0"/>
+                              <p:cond delay="500"/>
                             </p:stCondLst>
                             <p:childTnLst>
                               <p:par>
-                                <p:cTn id="19" presetID="22" presetClass="entr" presetSubtype="2" fill="hold" nodeType="clickEffect">
+                                <p:cTn id="18" presetID="22" presetClass="entr" presetSubtype="2" fill="hold" nodeType="afterEffect">
                                   <p:stCondLst>
                                     <p:cond delay="0"/>
                                   </p:stCondLst>
                                   <p:childTnLst>
                                     <p:set>
                                       <p:cBhvr>
-                                        <p:cTn id="20" dur="1" fill="hold">
+                                        <p:cTn id="19" dur="1" fill="hold">
                                           <p:stCondLst>
                                             <p:cond delay="0"/>
                                           </p:stCondLst>
@@ -20691,7 +20786,7 @@
                                     </p:set>
                                     <p:animEffect transition="in" filter="wipe(right)">
                                       <p:cBhvr>
-                                        <p:cTn id="21" dur="500"/>
+                                        <p:cTn id="20" dur="500"/>
                                         <p:tgtEl>
                                           <p:spTgt spid="14"/>
                                         </p:tgtEl>
@@ -20707,26 +20802,26 @@
                     </p:cTn>
                   </p:par>
                   <p:par>
-                    <p:cTn id="22" fill="hold">
+                    <p:cTn id="21" fill="hold">
                       <p:stCondLst>
                         <p:cond delay="indefinite"/>
                       </p:stCondLst>
                       <p:childTnLst>
                         <p:par>
-                          <p:cTn id="23" fill="hold">
+                          <p:cTn id="22" fill="hold">
                             <p:stCondLst>
                               <p:cond delay="0"/>
                             </p:stCondLst>
                             <p:childTnLst>
                               <p:par>
-                                <p:cTn id="24" presetID="22" presetClass="entr" presetSubtype="2" fill="hold" nodeType="clickEffect">
+                                <p:cTn id="23" presetID="22" presetClass="entr" presetSubtype="2" fill="hold" nodeType="clickEffect">
                                   <p:stCondLst>
                                     <p:cond delay="0"/>
                                   </p:stCondLst>
                                   <p:childTnLst>
                                     <p:set>
                                       <p:cBhvr>
-                                        <p:cTn id="25" dur="1" fill="hold">
+                                        <p:cTn id="24" dur="1" fill="hold">
                                           <p:stCondLst>
                                             <p:cond delay="0"/>
                                           </p:stCondLst>
@@ -20744,9 +20839,106 @@
                                     </p:set>
                                     <p:animEffect transition="in" filter="wipe(right)">
                                       <p:cBhvr>
-                                        <p:cTn id="26" dur="500"/>
+                                        <p:cTn id="25" dur="500"/>
                                         <p:tgtEl>
                                           <p:spTgt spid="17"/>
+                                        </p:tgtEl>
+                                      </p:cBhvr>
+                                    </p:animEffect>
+                                  </p:childTnLst>
+                                </p:cTn>
+                              </p:par>
+                            </p:childTnLst>
+                          </p:cTn>
+                        </p:par>
+                        <p:par>
+                          <p:cTn id="26" fill="hold">
+                            <p:stCondLst>
+                              <p:cond delay="500"/>
+                            </p:stCondLst>
+                            <p:childTnLst>
+                              <p:par>
+                                <p:cTn id="27" presetID="16" presetClass="entr" presetSubtype="21" fill="hold" grpId="0" nodeType="afterEffect">
+                                  <p:stCondLst>
+                                    <p:cond delay="0"/>
+                                  </p:stCondLst>
+                                  <p:childTnLst>
+                                    <p:set>
+                                      <p:cBhvr>
+                                        <p:cTn id="28" dur="1" fill="hold">
+                                          <p:stCondLst>
+                                            <p:cond delay="0"/>
+                                          </p:stCondLst>
+                                        </p:cTn>
+                                        <p:tgtEl>
+                                          <p:spTgt spid="3"/>
+                                        </p:tgtEl>
+                                        <p:attrNameLst>
+                                          <p:attrName>style.visibility</p:attrName>
+                                        </p:attrNameLst>
+                                      </p:cBhvr>
+                                      <p:to>
+                                        <p:strVal val="visible"/>
+                                      </p:to>
+                                    </p:set>
+                                    <p:animEffect transition="in" filter="barn(inVertical)">
+                                      <p:cBhvr>
+                                        <p:cTn id="29" dur="500"/>
+                                        <p:tgtEl>
+                                          <p:spTgt spid="3"/>
+                                        </p:tgtEl>
+                                      </p:cBhvr>
+                                    </p:animEffect>
+                                  </p:childTnLst>
+                                </p:cTn>
+                              </p:par>
+                            </p:childTnLst>
+                          </p:cTn>
+                        </p:par>
+                      </p:childTnLst>
+                    </p:cTn>
+                  </p:par>
+                  <p:par>
+                    <p:cTn id="30" fill="hold">
+                      <p:stCondLst>
+                        <p:cond delay="indefinite"/>
+                      </p:stCondLst>
+                      <p:childTnLst>
+                        <p:par>
+                          <p:cTn id="31" fill="hold">
+                            <p:stCondLst>
+                              <p:cond delay="0"/>
+                            </p:stCondLst>
+                            <p:childTnLst>
+                              <p:par>
+                                <p:cTn id="32" presetID="16" presetClass="entr" presetSubtype="21" fill="hold" grpId="0" nodeType="clickEffect">
+                                  <p:stCondLst>
+                                    <p:cond delay="0"/>
+                                  </p:stCondLst>
+                                  <p:childTnLst>
+                                    <p:set>
+                                      <p:cBhvr>
+                                        <p:cTn id="33" dur="1" fill="hold">
+                                          <p:stCondLst>
+                                            <p:cond delay="0"/>
+                                          </p:stCondLst>
+                                        </p:cTn>
+                                        <p:tgtEl>
+                                          <p:spTgt spid="5"/>
+                                        </p:tgtEl>
+                                        <p:attrNameLst>
+                                          <p:attrName>style.visibility</p:attrName>
+                                        </p:attrNameLst>
+                                      </p:cBhvr>
+                                      <p:to>
+                                        <p:strVal val="visible"/>
+                                      </p:to>
+                                    </p:set>
+                                    <p:animEffect transition="in" filter="barn(inVertical)">
+                                      <p:cBhvr>
+                                        <p:cTn id="34" dur="500"/>
+                                        <p:tgtEl>
+                                          <p:spTgt spid="5"/>
                                         </p:tgtEl>
                                       </p:cBhvr>
                                     </p:animEffect>
@@ -20780,6 +20972,10 @@
         </p:cTn>
       </p:par>
     </p:tnLst>
+    <p:bldLst>
+      <p:bldP spid="3" grpId="0" animBg="1"/>
+      <p:bldP spid="5" grpId="0" animBg="1"/>
+    </p:bldLst>
   </p:timing>
 </p:sld>
 </file>
@@ -21675,7 +21871,7 @@
                   <a:srgbClr val="0070C0"/>
                 </a:solidFill>
               </a:rPr>
-              <a:t>card #</a:t>
+              <a:t>card#</a:t>
             </a:r>
             <a:r>
               <a:rPr lang="en-US" sz="2400" dirty="0"/>
@@ -25447,6 +25643,153 @@
           </p:txBody>
         </p:sp>
       </p:grpSp>
+      <p:sp>
+        <p:nvSpPr>
+          <p:cNvPr id="8" name="Rectangle 7">
+            <a:extLst>
+              <a:ext uri="{FF2B5EF4-FFF2-40B4-BE49-F238E27FC236}">
+                <a16:creationId xmlns:a16="http://schemas.microsoft.com/office/drawing/2014/main" id="{7987E086-F32A-3DD6-E518-4E4BD496BBD2}"/>
+              </a:ext>
+            </a:extLst>
+          </p:cNvPr>
+          <p:cNvSpPr/>
+          <p:nvPr/>
+        </p:nvSpPr>
+        <p:spPr>
+          <a:xfrm>
+            <a:off x="4420858" y="3121051"/>
+            <a:ext cx="1670103" cy="226705"/>
+          </a:xfrm>
+          <a:prstGeom prst="rect">
+            <a:avLst/>
+          </a:prstGeom>
+          <a:noFill/>
+          <a:ln w="38100">
+            <a:solidFill>
+              <a:srgbClr val="00B050"/>
+            </a:solidFill>
+          </a:ln>
+        </p:spPr>
+        <p:style>
+          <a:lnRef idx="2">
+            <a:schemeClr val="accent1">
+              <a:shade val="15000"/>
+            </a:schemeClr>
+          </a:lnRef>
+          <a:fillRef idx="1">
+            <a:schemeClr val="accent1"/>
+          </a:fillRef>
+          <a:effectRef idx="0">
+            <a:schemeClr val="accent1"/>
+          </a:effectRef>
+          <a:fontRef idx="minor">
+            <a:schemeClr val="lt1"/>
+          </a:fontRef>
+        </p:style>
+        <p:txBody>
+          <a:bodyPr rtlCol="0" anchor="ctr"/>
+          <a:lstStyle/>
+          <a:p>
+            <a:pPr algn="ctr"/>
+            <a:endParaRPr lang="en-US"/>
+          </a:p>
+        </p:txBody>
+      </p:sp>
+      <p:sp>
+        <p:nvSpPr>
+          <p:cNvPr id="9" name="TextBox 8">
+            <a:extLst>
+              <a:ext uri="{FF2B5EF4-FFF2-40B4-BE49-F238E27FC236}">
+                <a16:creationId xmlns:a16="http://schemas.microsoft.com/office/drawing/2014/main" id="{F17B281E-D5F6-A15B-D9F7-71615027ED29}"/>
+              </a:ext>
+            </a:extLst>
+          </p:cNvPr>
+          <p:cNvSpPr txBox="1"/>
+          <p:nvPr/>
+        </p:nvSpPr>
+        <p:spPr>
+          <a:xfrm>
+            <a:off x="4039228" y="1913513"/>
+            <a:ext cx="2320481" cy="923330"/>
+          </a:xfrm>
+          <a:prstGeom prst="rect">
+            <a:avLst/>
+          </a:prstGeom>
+          <a:noFill/>
+        </p:spPr>
+        <p:txBody>
+          <a:bodyPr wrap="square" rtlCol="0">
+            <a:spAutoFit/>
+          </a:bodyPr>
+          <a:lstStyle/>
+          <a:p>
+            <a:pPr algn="ctr"/>
+            <a:r>
+              <a:rPr lang="en-US" dirty="0">
+                <a:solidFill>
+                  <a:srgbClr val="00B050"/>
+                </a:solidFill>
+              </a:rPr>
+              <a:t>At least one prime factor </a:t>
+            </a:r>
+            <a:r>
+              <a:rPr lang="en-US" b="1" dirty="0">
+                <a:ln>
+                  <a:solidFill>
+                    <a:srgbClr val="00B050"/>
+                  </a:solidFill>
+                </a:ln>
+                <a:solidFill>
+                  <a:srgbClr val="00B050"/>
+                </a:solidFill>
+              </a:rPr>
+              <a:t>p</a:t>
+            </a:r>
+            <a:r>
+              <a:rPr lang="en-US" dirty="0">
+                <a:solidFill>
+                  <a:srgbClr val="00B050"/>
+                </a:solidFill>
+              </a:rPr>
+              <a:t> of </a:t>
+            </a:r>
+            <a:r>
+              <a:rPr lang="en-US" b="1" dirty="0">
+                <a:ln>
+                  <a:solidFill>
+                    <a:srgbClr val="00B050"/>
+                  </a:solidFill>
+                </a:ln>
+                <a:solidFill>
+                  <a:srgbClr val="00B050"/>
+                </a:solidFill>
+              </a:rPr>
+              <a:t>n</a:t>
+            </a:r>
+            <a:r>
+              <a:rPr lang="en-US" dirty="0">
+                <a:solidFill>
+                  <a:srgbClr val="00B050"/>
+                </a:solidFill>
+              </a:rPr>
+              <a:t> must be less than or equal to </a:t>
+            </a:r>
+            <a:r>
+              <a:rPr lang="en-US" b="1" dirty="0">
+                <a:ln>
+                  <a:solidFill>
+                    <a:srgbClr val="00B050"/>
+                  </a:solidFill>
+                </a:ln>
+                <a:solidFill>
+                  <a:srgbClr val="00B050"/>
+                </a:solidFill>
+              </a:rPr>
+              <a:t>n</a:t>
+            </a:r>
+          </a:p>
+        </p:txBody>
+      </p:sp>
     </p:spTree>
     <p:extLst>
       <p:ext uri="{BB962C8B-B14F-4D97-AF65-F5344CB8AC3E}">
@@ -25562,6 +25905,94 @@
                             </p:childTnLst>
                           </p:cTn>
                         </p:par>
+                        <p:par>
+                          <p:cTn id="12" fill="hold">
+                            <p:stCondLst>
+                              <p:cond delay="1000"/>
+                            </p:stCondLst>
+                            <p:childTnLst>
+                              <p:par>
+                                <p:cTn id="13" presetID="22" presetClass="entr" presetSubtype="8" fill="hold" grpId="0" nodeType="afterEffect">
+                                  <p:stCondLst>
+                                    <p:cond delay="0"/>
+                                  </p:stCondLst>
+                                  <p:childTnLst>
+                                    <p:set>
+                                      <p:cBhvr>
+                                        <p:cTn id="14" dur="1" fill="hold">
+                                          <p:stCondLst>
+                                            <p:cond delay="0"/>
+                                          </p:stCondLst>
+                                        </p:cTn>
+                                        <p:tgtEl>
+                                          <p:spTgt spid="9"/>
+                                        </p:tgtEl>
+                                        <p:attrNameLst>
+                                          <p:attrName>style.visibility</p:attrName>
+                                        </p:attrNameLst>
+                                      </p:cBhvr>
+                                      <p:to>
+                                        <p:strVal val="visible"/>
+                                      </p:to>
+                                    </p:set>
+                                    <p:animEffect transition="in" filter="wipe(left)">
+                                      <p:cBhvr>
+                                        <p:cTn id="15" dur="500"/>
+                                        <p:tgtEl>
+                                          <p:spTgt spid="9"/>
+                                        </p:tgtEl>
+                                      </p:cBhvr>
+                                    </p:animEffect>
+                                  </p:childTnLst>
+                                </p:cTn>
+                              </p:par>
+                            </p:childTnLst>
+                          </p:cTn>
+                        </p:par>
+                        <p:par>
+                          <p:cTn id="16" fill="hold">
+                            <p:stCondLst>
+                              <p:cond delay="1500"/>
+                            </p:stCondLst>
+                            <p:childTnLst>
+                              <p:par>
+                                <p:cTn id="17" presetID="16" presetClass="entr" presetSubtype="21" fill="hold" grpId="0" nodeType="afterEffect">
+                                  <p:stCondLst>
+                                    <p:cond delay="0"/>
+                                  </p:stCondLst>
+                                  <p:childTnLst>
+                                    <p:set>
+                                      <p:cBhvr>
+                                        <p:cTn id="18" dur="1" fill="hold">
+                                          <p:stCondLst>
+                                            <p:cond delay="0"/>
+                                          </p:stCondLst>
+                                        </p:cTn>
+                                        <p:tgtEl>
+                                          <p:spTgt spid="8"/>
+                                        </p:tgtEl>
+                                        <p:attrNameLst>
+                                          <p:attrName>style.visibility</p:attrName>
+                                        </p:attrNameLst>
+                                      </p:cBhvr>
+                                      <p:to>
+                                        <p:strVal val="visible"/>
+                                      </p:to>
+                                    </p:set>
+                                    <p:animEffect transition="in" filter="barn(inVertical)">
+                                      <p:cBhvr>
+                                        <p:cTn id="19" dur="500"/>
+                                        <p:tgtEl>
+                                          <p:spTgt spid="8"/>
+                                        </p:tgtEl>
+                                      </p:cBhvr>
+                                    </p:animEffect>
+                                  </p:childTnLst>
+                                </p:cTn>
+                              </p:par>
+                            </p:childTnLst>
+                          </p:cTn>
+                        </p:par>
                       </p:childTnLst>
                     </p:cTn>
                   </p:par>
@@ -25586,6 +26017,10 @@
         </p:cTn>
       </p:par>
     </p:tnLst>
+    <p:bldLst>
+      <p:bldP spid="8" grpId="0" animBg="1"/>
+      <p:bldP spid="9" grpId="0"/>
+    </p:bldLst>
   </p:timing>
 </p:sld>
 </file>
@@ -26248,8 +26683,8 @@
         </p:nvSpPr>
         <p:spPr>
           <a:xfrm>
-            <a:off x="2149763" y="5948182"/>
-            <a:ext cx="4796853" cy="400110"/>
+            <a:off x="1935516" y="5858241"/>
+            <a:ext cx="5482832" cy="707886"/>
           </a:xfrm>
           <a:prstGeom prst="rect">
             <a:avLst/>
@@ -26269,7 +26704,7 @@
                   <a:srgbClr val="7030A0"/>
                 </a:solidFill>
               </a:rPr>
-              <a:t>We reduced the run time by 90%</a:t>
+              <a:t>We reduced the run time by 90% by just thinking through the problem beyond brute force</a:t>
             </a:r>
           </a:p>
         </p:txBody>
@@ -28252,7 +28687,7 @@
                   <a:srgbClr val="0070C0"/>
                 </a:solidFill>
               </a:rPr>
-              <a:t>Card # </a:t>
+              <a:t>Card# </a:t>
             </a:r>
             <a:r>
               <a:rPr lang="en-US" sz="2400" b="1" dirty="0"/>
@@ -32139,7 +32574,7 @@
                   <a:srgbClr val="0070C0"/>
                 </a:solidFill>
               </a:rPr>
-              <a:t>(Card #) </a:t>
+              <a:t>Card# </a:t>
             </a:r>
             <a:r>
               <a:rPr lang="en-US" sz="2400" b="1" dirty="0"/>
@@ -32179,7 +32614,7 @@
                   <a:srgbClr val="0070C0"/>
                 </a:solidFill>
               </a:rPr>
-              <a:t>(Card #)</a:t>
+              <a:t>Card#</a:t>
             </a:r>
             <a:r>
               <a:rPr lang="en-US" sz="2400" b="1" dirty="0"/>
@@ -35935,7 +36370,7 @@
                   <a:srgbClr val="0070C0"/>
                 </a:solidFill>
               </a:rPr>
-              <a:t>(Card #) </a:t>
+              <a:t>Card# </a:t>
             </a:r>
             <a:r>
               <a:rPr lang="en-US" sz="2400" b="1" dirty="0"/>
@@ -35975,7 +36410,7 @@
                   <a:srgbClr val="0070C0"/>
                 </a:solidFill>
               </a:rPr>
-              <a:t>(Card #)</a:t>
+              <a:t>Card#</a:t>
             </a:r>
             <a:r>
               <a:rPr lang="en-US" sz="2400" b="1" dirty="0"/>

--- a/Session 10 - Random Numbers and Algorithms/Session 10 - Random Numbers and Algorithms.pptx
+++ b/Session 10 - Random Numbers and Algorithms/Session 10 - Random Numbers and Algorithms.pptx
@@ -292,7 +292,7 @@
           <a:p>
             <a:fld id="{A241AC98-512A-4A35-865E-757B6C1F07A2}" type="datetimeFigureOut">
               <a:rPr lang="en-US" smtClean="0"/>
-              <a:t>1/28/2024</a:t>
+              <a:t>1/29/2024</a:t>
             </a:fld>
             <a:endParaRPr lang="en-US"/>
           </a:p>
@@ -458,7 +458,7 @@
           <a:p>
             <a:fld id="{3854CEE7-15DE-41D9-8CA2-D1E137B1D850}" type="datetimeFigureOut">
               <a:rPr lang="en-US" smtClean="0"/>
-              <a:t>1/28/2024</a:t>
+              <a:t>1/29/2024</a:t>
             </a:fld>
             <a:endParaRPr lang="en-US"/>
           </a:p>
@@ -1361,7 +1361,7 @@
           <a:p>
             <a:fld id="{5555EB2C-244D-4423-AD97-018ED6478B87}" type="datetime1">
               <a:rPr lang="en-US" smtClean="0"/>
-              <a:t>1/28/2024</a:t>
+              <a:t>1/29/2024</a:t>
             </a:fld>
             <a:endParaRPr lang="en-US"/>
           </a:p>
@@ -1540,7 +1540,7 @@
           <a:p>
             <a:fld id="{A2B41D1F-7576-4C60-B4EB-5115BC56CF40}" type="datetime1">
               <a:rPr lang="en-US" smtClean="0"/>
-              <a:t>1/28/2024</a:t>
+              <a:t>1/29/2024</a:t>
             </a:fld>
             <a:endParaRPr lang="en-US"/>
           </a:p>
@@ -1732,7 +1732,7 @@
           <a:p>
             <a:fld id="{E79D1398-4D56-44F9-BA35-34ACF3159A64}" type="datetime1">
               <a:rPr lang="en-US" smtClean="0"/>
-              <a:t>1/28/2024</a:t>
+              <a:t>1/29/2024</a:t>
             </a:fld>
             <a:endParaRPr lang="en-US"/>
           </a:p>
@@ -1914,7 +1914,7 @@
           <a:p>
             <a:fld id="{A3CF632E-48CB-4EEB-A6B6-DEC7AD7CC976}" type="datetime1">
               <a:rPr lang="en-US" smtClean="0"/>
-              <a:t>1/28/2024</a:t>
+              <a:t>1/29/2024</a:t>
             </a:fld>
             <a:endParaRPr lang="en-US"/>
           </a:p>
@@ -2167,7 +2167,7 @@
           <a:p>
             <a:fld id="{BAEEE52C-3A57-458E-95F6-96B2FA9D1DD4}" type="datetime1">
               <a:rPr lang="en-US" smtClean="0"/>
-              <a:t>1/28/2024</a:t>
+              <a:t>1/29/2024</a:t>
             </a:fld>
             <a:endParaRPr lang="en-US"/>
           </a:p>
@@ -2411,7 +2411,7 @@
           <a:p>
             <a:fld id="{766FC747-A48A-4FF2-8EE4-3E95ECD1C2A8}" type="datetime1">
               <a:rPr lang="en-US" smtClean="0"/>
-              <a:t>1/28/2024</a:t>
+              <a:t>1/29/2024</a:t>
             </a:fld>
             <a:endParaRPr lang="en-US"/>
           </a:p>
@@ -2790,7 +2790,7 @@
           <a:p>
             <a:fld id="{C9BF5758-AB7F-463D-B638-E1729B95E126}" type="datetime1">
               <a:rPr lang="en-US" smtClean="0"/>
-              <a:t>1/28/2024</a:t>
+              <a:t>1/29/2024</a:t>
             </a:fld>
             <a:endParaRPr lang="en-US"/>
           </a:p>
@@ -2920,7 +2920,7 @@
           <a:p>
             <a:fld id="{F3718C77-7DD0-4738-BF52-D0EC9F78A76E}" type="datetime1">
               <a:rPr lang="en-US" smtClean="0"/>
-              <a:t>1/28/2024</a:t>
+              <a:t>1/29/2024</a:t>
             </a:fld>
             <a:endParaRPr lang="en-US"/>
           </a:p>
@@ -3027,7 +3027,7 @@
           <a:p>
             <a:fld id="{948970CF-13D9-4E1D-A74F-2CFE4953FCDB}" type="datetime1">
               <a:rPr lang="en-US" smtClean="0"/>
-              <a:t>1/28/2024</a:t>
+              <a:t>1/29/2024</a:t>
             </a:fld>
             <a:endParaRPr lang="en-US"/>
           </a:p>
@@ -3316,7 +3316,7 @@
           <a:p>
             <a:fld id="{F68C49B9-4E1C-4967-B9CF-0BF9FECBE837}" type="datetime1">
               <a:rPr lang="en-US" smtClean="0"/>
-              <a:t>1/28/2024</a:t>
+              <a:t>1/29/2024</a:t>
             </a:fld>
             <a:endParaRPr lang="en-US"/>
           </a:p>
@@ -3584,7 +3584,7 @@
           <a:p>
             <a:fld id="{7E338CBB-1F06-4333-9BBF-66628B15E581}" type="datetime1">
               <a:rPr lang="en-US" smtClean="0"/>
-              <a:t>1/28/2024</a:t>
+              <a:t>1/29/2024</a:t>
             </a:fld>
             <a:endParaRPr lang="en-US"/>
           </a:p>
@@ -3809,7 +3809,7 @@
           <a:p>
             <a:fld id="{705EC883-F03C-4CA3-AF62-BEF30EEA4F65}" type="datetime1">
               <a:rPr lang="en-US" smtClean="0"/>
-              <a:t>1/28/2024</a:t>
+              <a:t>1/29/2024</a:t>
             </a:fld>
             <a:endParaRPr lang="en-US"/>
           </a:p>
@@ -25695,101 +25695,221 @@
           </a:p>
         </p:txBody>
       </p:sp>
-      <p:sp>
-        <p:nvSpPr>
-          <p:cNvPr id="9" name="TextBox 8">
-            <a:extLst>
-              <a:ext uri="{FF2B5EF4-FFF2-40B4-BE49-F238E27FC236}">
-                <a16:creationId xmlns:a16="http://schemas.microsoft.com/office/drawing/2014/main" id="{F17B281E-D5F6-A15B-D9F7-71615027ED29}"/>
-              </a:ext>
-            </a:extLst>
-          </p:cNvPr>
-          <p:cNvSpPr txBox="1"/>
-          <p:nvPr/>
-        </p:nvSpPr>
-        <p:spPr>
-          <a:xfrm>
-            <a:off x="4039228" y="1913513"/>
-            <a:ext cx="2320481" cy="923330"/>
-          </a:xfrm>
-          <a:prstGeom prst="rect">
-            <a:avLst/>
-          </a:prstGeom>
-          <a:noFill/>
-        </p:spPr>
-        <p:txBody>
-          <a:bodyPr wrap="square" rtlCol="0">
-            <a:spAutoFit/>
-          </a:bodyPr>
-          <a:lstStyle/>
-          <a:p>
-            <a:pPr algn="ctr"/>
-            <a:r>
-              <a:rPr lang="en-US" dirty="0">
-                <a:solidFill>
-                  <a:srgbClr val="00B050"/>
-                </a:solidFill>
-              </a:rPr>
-              <a:t>At least one prime factor </a:t>
-            </a:r>
-            <a:r>
-              <a:rPr lang="en-US" b="1" dirty="0">
-                <a:ln>
+      <mc:AlternateContent xmlns:mc="http://schemas.openxmlformats.org/markup-compatibility/2006">
+        <mc:Choice xmlns:a14="http://schemas.microsoft.com/office/drawing/2010/main" Requires="a14">
+          <p:sp>
+            <p:nvSpPr>
+              <p:cNvPr id="9" name="TextBox 8">
+                <a:extLst>
+                  <a:ext uri="{FF2B5EF4-FFF2-40B4-BE49-F238E27FC236}">
+                    <a16:creationId xmlns:a16="http://schemas.microsoft.com/office/drawing/2014/main" id="{F17B281E-D5F6-A15B-D9F7-71615027ED29}"/>
+                  </a:ext>
+                </a:extLst>
+              </p:cNvPr>
+              <p:cNvSpPr txBox="1"/>
+              <p:nvPr/>
+            </p:nvSpPr>
+            <p:spPr>
+              <a:xfrm>
+                <a:off x="3874862" y="2064879"/>
+                <a:ext cx="2762094" cy="681982"/>
+              </a:xfrm>
+              <a:prstGeom prst="rect">
+                <a:avLst/>
+              </a:prstGeom>
+              <a:noFill/>
+            </p:spPr>
+            <p:txBody>
+              <a:bodyPr wrap="square" rtlCol="0">
+                <a:spAutoFit/>
+              </a:bodyPr>
+              <a:lstStyle/>
+              <a:p>
+                <a:pPr algn="ctr"/>
+                <a:r>
+                  <a:rPr lang="en-US" dirty="0">
+                    <a:solidFill>
+                      <a:srgbClr val="00B050"/>
+                    </a:solidFill>
+                  </a:rPr>
+                  <a:t>At least one prime factor </a:t>
+                </a:r>
+                <a:r>
+                  <a:rPr lang="en-US" b="1" dirty="0">
+                    <a:ln>
+                      <a:solidFill>
+                        <a:srgbClr val="00B050"/>
+                      </a:solidFill>
+                    </a:ln>
+                    <a:solidFill>
+                      <a:srgbClr val="00B050"/>
+                    </a:solidFill>
+                  </a:rPr>
+                  <a:t>p</a:t>
+                </a:r>
+                <a:r>
+                  <a:rPr lang="en-US" dirty="0">
+                    <a:solidFill>
+                      <a:srgbClr val="00B050"/>
+                    </a:solidFill>
+                  </a:rPr>
+                  <a:t> of </a:t>
+                </a:r>
+                <a:r>
+                  <a:rPr lang="en-US" b="1" dirty="0">
+                    <a:ln>
+                      <a:solidFill>
+                        <a:srgbClr val="00B050"/>
+                      </a:solidFill>
+                    </a:ln>
+                    <a:solidFill>
+                      <a:srgbClr val="00B050"/>
+                    </a:solidFill>
+                  </a:rPr>
+                  <a:t>n</a:t>
+                </a:r>
+                <a:r>
+                  <a:rPr lang="en-US" dirty="0">
+                    <a:solidFill>
+                      <a:srgbClr val="00B050"/>
+                    </a:solidFill>
+                  </a:rPr>
+                  <a:t> must be </a:t>
+                </a:r>
+                <a14:m>
+                  <m:oMath xmlns:m="http://schemas.openxmlformats.org/officeDocument/2006/math">
+                    <m:r>
+                      <a:rPr lang="en-US" b="1" i="1" dirty="0" smtClean="0">
+                        <a:ln>
+                          <a:solidFill>
+                            <a:srgbClr val="00B050"/>
+                          </a:solidFill>
+                        </a:ln>
+                        <a:solidFill>
+                          <a:srgbClr val="00B050"/>
+                        </a:solidFill>
+                        <a:latin typeface="Cambria Math" panose="02040503050406030204" pitchFamily="18" charset="0"/>
+                        <a:ea typeface="Cambria Math" panose="02040503050406030204" pitchFamily="18" charset="0"/>
+                      </a:rPr>
+                      <m:t>≤</m:t>
+                    </m:r>
+                    <m:d>
+                      <m:dPr>
+                        <m:begChr m:val="⌊"/>
+                        <m:endChr m:val="⌋"/>
+                        <m:ctrlPr>
+                          <a:rPr lang="en-US" b="1" i="1" dirty="0" smtClean="0">
+                            <a:ln>
+                              <a:solidFill>
+                                <a:srgbClr val="00B050"/>
+                              </a:solidFill>
+                            </a:ln>
+                            <a:solidFill>
+                              <a:srgbClr val="00B050"/>
+                            </a:solidFill>
+                            <a:latin typeface="Cambria Math" panose="02040503050406030204" pitchFamily="18" charset="0"/>
+                          </a:rPr>
+                        </m:ctrlPr>
+                      </m:dPr>
+                      <m:e>
+                        <m:rad>
+                          <m:radPr>
+                            <m:degHide m:val="on"/>
+                            <m:ctrlPr>
+                              <a:rPr lang="en-US" b="1" i="1" dirty="0">
+                                <a:ln>
+                                  <a:solidFill>
+                                    <a:srgbClr val="00B050"/>
+                                  </a:solidFill>
+                                </a:ln>
+                                <a:solidFill>
+                                  <a:srgbClr val="00B050"/>
+                                </a:solidFill>
+                                <a:latin typeface="Cambria Math" panose="02040503050406030204" pitchFamily="18" charset="0"/>
+                              </a:rPr>
+                            </m:ctrlPr>
+                          </m:radPr>
+                          <m:deg/>
+                          <m:e>
+                            <m:r>
+                              <a:rPr lang="en-US" b="1" i="1" dirty="0">
+                                <a:ln>
+                                  <a:solidFill>
+                                    <a:srgbClr val="00B050"/>
+                                  </a:solidFill>
+                                </a:ln>
+                                <a:solidFill>
+                                  <a:srgbClr val="00B050"/>
+                                </a:solidFill>
+                                <a:latin typeface="Cambria Math" panose="02040503050406030204" pitchFamily="18" charset="0"/>
+                              </a:rPr>
+                              <m:t>𝒏</m:t>
+                            </m:r>
+                          </m:e>
+                        </m:rad>
+                      </m:e>
+                    </m:d>
+                  </m:oMath>
+                </a14:m>
+                <a:endParaRPr lang="en-US" b="1" dirty="0">
+                  <a:ln>
+                    <a:solidFill>
+                      <a:srgbClr val="00B050"/>
+                    </a:solidFill>
+                  </a:ln>
                   <a:solidFill>
                     <a:srgbClr val="00B050"/>
                   </a:solidFill>
-                </a:ln>
-                <a:solidFill>
-                  <a:srgbClr val="00B050"/>
-                </a:solidFill>
-              </a:rPr>
-              <a:t>p</a:t>
-            </a:r>
-            <a:r>
-              <a:rPr lang="en-US" dirty="0">
-                <a:solidFill>
-                  <a:srgbClr val="00B050"/>
-                </a:solidFill>
-              </a:rPr>
-              <a:t> of </a:t>
-            </a:r>
-            <a:r>
-              <a:rPr lang="en-US" b="1" dirty="0">
-                <a:ln>
-                  <a:solidFill>
-                    <a:srgbClr val="00B050"/>
-                  </a:solidFill>
-                </a:ln>
-                <a:solidFill>
-                  <a:srgbClr val="00B050"/>
-                </a:solidFill>
-              </a:rPr>
-              <a:t>n</a:t>
-            </a:r>
-            <a:r>
-              <a:rPr lang="en-US" dirty="0">
-                <a:solidFill>
-                  <a:srgbClr val="00B050"/>
-                </a:solidFill>
-              </a:rPr>
-              <a:t> must be less than or equal to </a:t>
-            </a:r>
-            <a:r>
-              <a:rPr lang="en-US" b="1" dirty="0">
-                <a:ln>
-                  <a:solidFill>
-                    <a:srgbClr val="00B050"/>
-                  </a:solidFill>
-                </a:ln>
-                <a:solidFill>
-                  <a:srgbClr val="00B050"/>
-                </a:solidFill>
-              </a:rPr>
-              <a:t>n</a:t>
-            </a:r>
-          </a:p>
-        </p:txBody>
-      </p:sp>
+                </a:endParaRPr>
+              </a:p>
+            </p:txBody>
+          </p:sp>
+        </mc:Choice>
+        <mc:Fallback>
+          <p:sp>
+            <p:nvSpPr>
+              <p:cNvPr id="9" name="TextBox 8">
+                <a:extLst>
+                  <a:ext uri="{FF2B5EF4-FFF2-40B4-BE49-F238E27FC236}">
+                    <a16:creationId xmlns:a16="http://schemas.microsoft.com/office/drawing/2014/main" id="{F17B281E-D5F6-A15B-D9F7-71615027ED29}"/>
+                  </a:ext>
+                </a:extLst>
+              </p:cNvPr>
+              <p:cNvSpPr txBox="1">
+                <a:spLocks noRot="1" noChangeAspect="1" noMove="1" noResize="1" noEditPoints="1" noAdjustHandles="1" noChangeArrowheads="1" noChangeShapeType="1" noTextEdit="1"/>
+              </p:cNvSpPr>
+              <p:nvPr/>
+            </p:nvSpPr>
+            <p:spPr>
+              <a:xfrm>
+                <a:off x="3874862" y="2064879"/>
+                <a:ext cx="2762094" cy="681982"/>
+              </a:xfrm>
+              <a:prstGeom prst="rect">
+                <a:avLst/>
+              </a:prstGeom>
+              <a:blipFill>
+                <a:blip r:embed="rId3"/>
+                <a:stretch>
+                  <a:fillRect l="-221" t="-5357" b="-11607"/>
+                </a:stretch>
+              </a:blipFill>
+            </p:spPr>
+            <p:txBody>
+              <a:bodyPr/>
+              <a:lstStyle/>
+              <a:p>
+                <a:r>
+                  <a:rPr lang="en-US">
+                    <a:noFill/>
+                  </a:rPr>
+                  <a:t> </a:t>
+                </a:r>
+              </a:p>
+            </p:txBody>
+          </p:sp>
+        </mc:Fallback>
+      </mc:AlternateContent>
     </p:spTree>
     <p:extLst>
       <p:ext uri="{BB962C8B-B14F-4D97-AF65-F5344CB8AC3E}">

--- a/Session 10 - Random Numbers and Algorithms/Session 10 - Random Numbers and Algorithms.pptx
+++ b/Session 10 - Random Numbers and Algorithms/Session 10 - Random Numbers and Algorithms.pptx
@@ -17,14 +17,14 @@
     <p:sldId id="370" r:id="rId5"/>
     <p:sldId id="371" r:id="rId6"/>
     <p:sldId id="372" r:id="rId7"/>
-    <p:sldId id="1035" r:id="rId8"/>
+    <p:sldId id="1045" r:id="rId8"/>
     <p:sldId id="977" r:id="rId9"/>
-    <p:sldId id="1021" r:id="rId10"/>
+    <p:sldId id="1046" r:id="rId10"/>
     <p:sldId id="980" r:id="rId11"/>
     <p:sldId id="382" r:id="rId12"/>
     <p:sldId id="981" r:id="rId13"/>
     <p:sldId id="383" r:id="rId14"/>
-    <p:sldId id="483" r:id="rId15"/>
+    <p:sldId id="1047" r:id="rId15"/>
     <p:sldId id="982" r:id="rId16"/>
     <p:sldId id="387" r:id="rId17"/>
     <p:sldId id="388" r:id="rId18"/>
@@ -35,7 +35,7 @@
     <p:sldId id="473" r:id="rId23"/>
     <p:sldId id="474" r:id="rId24"/>
     <p:sldId id="476" r:id="rId25"/>
-    <p:sldId id="1038" r:id="rId26"/>
+    <p:sldId id="1048" r:id="rId26"/>
     <p:sldId id="1041" r:id="rId27"/>
     <p:sldId id="1042" r:id="rId28"/>
     <p:sldId id="1039" r:id="rId29"/>
@@ -292,7 +292,7 @@
           <a:p>
             <a:fld id="{A241AC98-512A-4A35-865E-757B6C1F07A2}" type="datetimeFigureOut">
               <a:rPr lang="en-US" smtClean="0"/>
-              <a:t>1/29/2024</a:t>
+              <a:t>2/3/2024</a:t>
             </a:fld>
             <a:endParaRPr lang="en-US"/>
           </a:p>
@@ -458,7 +458,7 @@
           <a:p>
             <a:fld id="{3854CEE7-15DE-41D9-8CA2-D1E137B1D850}" type="datetimeFigureOut">
               <a:rPr lang="en-US" smtClean="0"/>
-              <a:t>1/29/2024</a:t>
+              <a:t>2/3/2024</a:t>
             </a:fld>
             <a:endParaRPr lang="en-US"/>
           </a:p>
@@ -1361,7 +1361,7 @@
           <a:p>
             <a:fld id="{5555EB2C-244D-4423-AD97-018ED6478B87}" type="datetime1">
               <a:rPr lang="en-US" smtClean="0"/>
-              <a:t>1/29/2024</a:t>
+              <a:t>2/3/2024</a:t>
             </a:fld>
             <a:endParaRPr lang="en-US"/>
           </a:p>
@@ -1540,7 +1540,7 @@
           <a:p>
             <a:fld id="{A2B41D1F-7576-4C60-B4EB-5115BC56CF40}" type="datetime1">
               <a:rPr lang="en-US" smtClean="0"/>
-              <a:t>1/29/2024</a:t>
+              <a:t>2/3/2024</a:t>
             </a:fld>
             <a:endParaRPr lang="en-US"/>
           </a:p>
@@ -1732,7 +1732,7 @@
           <a:p>
             <a:fld id="{E79D1398-4D56-44F9-BA35-34ACF3159A64}" type="datetime1">
               <a:rPr lang="en-US" smtClean="0"/>
-              <a:t>1/29/2024</a:t>
+              <a:t>2/3/2024</a:t>
             </a:fld>
             <a:endParaRPr lang="en-US"/>
           </a:p>
@@ -1914,7 +1914,7 @@
           <a:p>
             <a:fld id="{A3CF632E-48CB-4EEB-A6B6-DEC7AD7CC976}" type="datetime1">
               <a:rPr lang="en-US" smtClean="0"/>
-              <a:t>1/29/2024</a:t>
+              <a:t>2/3/2024</a:t>
             </a:fld>
             <a:endParaRPr lang="en-US"/>
           </a:p>
@@ -2167,7 +2167,7 @@
           <a:p>
             <a:fld id="{BAEEE52C-3A57-458E-95F6-96B2FA9D1DD4}" type="datetime1">
               <a:rPr lang="en-US" smtClean="0"/>
-              <a:t>1/29/2024</a:t>
+              <a:t>2/3/2024</a:t>
             </a:fld>
             <a:endParaRPr lang="en-US"/>
           </a:p>
@@ -2411,7 +2411,7 @@
           <a:p>
             <a:fld id="{766FC747-A48A-4FF2-8EE4-3E95ECD1C2A8}" type="datetime1">
               <a:rPr lang="en-US" smtClean="0"/>
-              <a:t>1/29/2024</a:t>
+              <a:t>2/3/2024</a:t>
             </a:fld>
             <a:endParaRPr lang="en-US"/>
           </a:p>
@@ -2790,7 +2790,7 @@
           <a:p>
             <a:fld id="{C9BF5758-AB7F-463D-B638-E1729B95E126}" type="datetime1">
               <a:rPr lang="en-US" smtClean="0"/>
-              <a:t>1/29/2024</a:t>
+              <a:t>2/3/2024</a:t>
             </a:fld>
             <a:endParaRPr lang="en-US"/>
           </a:p>
@@ -2920,7 +2920,7 @@
           <a:p>
             <a:fld id="{F3718C77-7DD0-4738-BF52-D0EC9F78A76E}" type="datetime1">
               <a:rPr lang="en-US" smtClean="0"/>
-              <a:t>1/29/2024</a:t>
+              <a:t>2/3/2024</a:t>
             </a:fld>
             <a:endParaRPr lang="en-US"/>
           </a:p>
@@ -3027,7 +3027,7 @@
           <a:p>
             <a:fld id="{948970CF-13D9-4E1D-A74F-2CFE4953FCDB}" type="datetime1">
               <a:rPr lang="en-US" smtClean="0"/>
-              <a:t>1/29/2024</a:t>
+              <a:t>2/3/2024</a:t>
             </a:fld>
             <a:endParaRPr lang="en-US"/>
           </a:p>
@@ -3316,7 +3316,7 @@
           <a:p>
             <a:fld id="{F68C49B9-4E1C-4967-B9CF-0BF9FECBE837}" type="datetime1">
               <a:rPr lang="en-US" smtClean="0"/>
-              <a:t>1/29/2024</a:t>
+              <a:t>2/3/2024</a:t>
             </a:fld>
             <a:endParaRPr lang="en-US"/>
           </a:p>
@@ -3584,7 +3584,7 @@
           <a:p>
             <a:fld id="{7E338CBB-1F06-4333-9BBF-66628B15E581}" type="datetime1">
               <a:rPr lang="en-US" smtClean="0"/>
-              <a:t>1/29/2024</a:t>
+              <a:t>2/3/2024</a:t>
             </a:fld>
             <a:endParaRPr lang="en-US"/>
           </a:p>
@@ -3809,7 +3809,7 @@
           <a:p>
             <a:fld id="{705EC883-F03C-4CA3-AF62-BEF30EEA4F65}" type="datetime1">
               <a:rPr lang="en-US" smtClean="0"/>
-              <a:t>1/29/2024</a:t>
+              <a:t>2/3/2024</a:t>
             </a:fld>
             <a:endParaRPr lang="en-US"/>
           </a:p>
@@ -6449,7 +6449,7 @@
         </p:blipFill>
         <p:spPr>
           <a:xfrm>
-            <a:off x="1873911" y="3638712"/>
+            <a:off x="1873911" y="3804966"/>
             <a:ext cx="5396178" cy="2672146"/>
           </a:xfrm>
           <a:prstGeom prst="rect">
@@ -6547,7 +6547,7 @@
         </p:nvGrpSpPr>
         <p:grpSpPr>
           <a:xfrm>
-            <a:off x="3783225" y="3638712"/>
+            <a:off x="3783225" y="3804966"/>
             <a:ext cx="1076632" cy="369332"/>
             <a:chOff x="4968362" y="2079211"/>
             <a:chExt cx="1076632" cy="369332"/>
@@ -6667,7 +6667,7 @@
         </p:nvGrpSpPr>
         <p:grpSpPr>
           <a:xfrm>
-            <a:off x="4844229" y="3888216"/>
+            <a:off x="4844229" y="4054470"/>
             <a:ext cx="1076632" cy="369332"/>
             <a:chOff x="4704120" y="2356972"/>
             <a:chExt cx="1076632" cy="369332"/>
@@ -6787,7 +6787,7 @@
         </p:nvGrpSpPr>
         <p:grpSpPr>
           <a:xfrm>
-            <a:off x="7132443" y="4152350"/>
+            <a:off x="7132443" y="4318604"/>
             <a:ext cx="1068643" cy="369332"/>
             <a:chOff x="3647644" y="4910075"/>
             <a:chExt cx="1068643" cy="369332"/>
@@ -6907,7 +6907,7 @@
         </p:nvGrpSpPr>
         <p:grpSpPr>
           <a:xfrm>
-            <a:off x="5455935" y="4442214"/>
+            <a:off x="5455935" y="4608468"/>
             <a:ext cx="1064340" cy="369332"/>
             <a:chOff x="3647644" y="5421073"/>
             <a:chExt cx="1064340" cy="369332"/>
@@ -7027,7 +7027,7 @@
         </p:nvGrpSpPr>
         <p:grpSpPr>
           <a:xfrm>
-            <a:off x="6666835" y="4678337"/>
+            <a:off x="6666835" y="4844591"/>
             <a:ext cx="1068643" cy="369332"/>
             <a:chOff x="3647644" y="5359159"/>
             <a:chExt cx="1068643" cy="369332"/>
@@ -7147,7 +7147,7 @@
         </p:nvGrpSpPr>
         <p:grpSpPr>
           <a:xfrm>
-            <a:off x="7074169" y="5201391"/>
+            <a:off x="7074169" y="5367645"/>
             <a:ext cx="1076632" cy="369332"/>
             <a:chOff x="2157212" y="5356391"/>
             <a:chExt cx="1076632" cy="369332"/>
@@ -7267,7 +7267,7 @@
         </p:nvGrpSpPr>
         <p:grpSpPr>
           <a:xfrm>
-            <a:off x="5903768" y="5457108"/>
+            <a:off x="5903768" y="5623362"/>
             <a:ext cx="1076632" cy="369332"/>
             <a:chOff x="2157212" y="5356391"/>
             <a:chExt cx="1076632" cy="369332"/>
@@ -7387,7 +7387,7 @@
         </p:nvGrpSpPr>
         <p:grpSpPr>
           <a:xfrm>
-            <a:off x="6455865" y="4935918"/>
+            <a:off x="6455865" y="5102172"/>
             <a:ext cx="1076632" cy="369332"/>
             <a:chOff x="2157212" y="5356391"/>
             <a:chExt cx="1076632" cy="369332"/>
@@ -7508,7 +7508,7 @@
         <p:spPr>
           <a:xfrm>
             <a:off x="929478" y="1527873"/>
-            <a:ext cx="7285045" cy="1785104"/>
+            <a:ext cx="7285045" cy="2092881"/>
           </a:xfrm>
           <a:prstGeom prst="rect">
             <a:avLst/>
@@ -7578,7 +7578,7 @@
             </a:pPr>
             <a:r>
               <a:rPr lang="en-US" sz="2000" dirty="0"/>
-              <a:t>We keep picking random trial card numbers until a card number is found that has yet to be dealt. Then, we update the helper array to record that card number has been dealt so it cannot be picked again.</a:t>
+              <a:t>Then we need to keep picking random trial card numbers until a card number is found that has yet to be dealt. When that card is found, we update the helper array to record that card number has been dealt so it cannot be picked again.</a:t>
             </a:r>
           </a:p>
         </p:txBody>
@@ -7597,7 +7597,7 @@
         </p:nvGrpSpPr>
         <p:grpSpPr>
           <a:xfrm>
-            <a:off x="6590636" y="5721024"/>
+            <a:off x="6590636" y="5887278"/>
             <a:ext cx="1076632" cy="369332"/>
             <a:chOff x="2157212" y="5356391"/>
             <a:chExt cx="1076632" cy="369332"/>
@@ -7717,7 +7717,7 @@
         </p:nvGrpSpPr>
         <p:grpSpPr>
           <a:xfrm>
-            <a:off x="3752032" y="5973945"/>
+            <a:off x="3752032" y="6140199"/>
             <a:ext cx="1076632" cy="369332"/>
             <a:chOff x="2157212" y="5356391"/>
             <a:chExt cx="1076632" cy="369332"/>
@@ -7837,7 +7837,7 @@
         </p:nvSpPr>
         <p:spPr>
           <a:xfrm>
-            <a:off x="5771213" y="4199510"/>
+            <a:off x="5771213" y="4365764"/>
             <a:ext cx="1201692" cy="292551"/>
           </a:xfrm>
           <a:prstGeom prst="rect">
@@ -7875,6 +7875,46 @@
           </a:p>
         </p:txBody>
       </p:sp>
+      <p:sp>
+        <p:nvSpPr>
+          <p:cNvPr id="3" name="TextBox 2">
+            <a:extLst>
+              <a:ext uri="{FF2B5EF4-FFF2-40B4-BE49-F238E27FC236}">
+                <a16:creationId xmlns:a16="http://schemas.microsoft.com/office/drawing/2014/main" id="{CBCF3D42-1E0E-9FFB-4E87-480349B2C05F}"/>
+              </a:ext>
+            </a:extLst>
+          </p:cNvPr>
+          <p:cNvSpPr txBox="1"/>
+          <p:nvPr/>
+        </p:nvSpPr>
+        <p:spPr>
+          <a:xfrm>
+            <a:off x="7252353" y="497779"/>
+            <a:ext cx="1514007" cy="923330"/>
+          </a:xfrm>
+          <a:prstGeom prst="rect">
+            <a:avLst/>
+          </a:prstGeom>
+          <a:noFill/>
+        </p:spPr>
+        <p:txBody>
+          <a:bodyPr wrap="square" rtlCol="0">
+            <a:spAutoFit/>
+          </a:bodyPr>
+          <a:lstStyle/>
+          <a:p>
+            <a:pPr algn="ctr"/>
+            <a:r>
+              <a:rPr lang="en-US" b="1" dirty="0">
+                <a:solidFill>
+                  <a:srgbClr val="00B050"/>
+                </a:solidFill>
+              </a:rPr>
+              <a:t>Note: You should not edit this file!</a:t>
+            </a:r>
+          </a:p>
+        </p:txBody>
+      </p:sp>
     </p:spTree>
     <p:extLst>
       <p:ext uri="{BB962C8B-B14F-4D97-AF65-F5344CB8AC3E}">
@@ -7909,7 +7949,7 @@
                             </p:stCondLst>
                             <p:childTnLst>
                               <p:par>
-                                <p:cTn id="5" presetID="22" presetClass="entr" presetSubtype="1" fill="hold" nodeType="afterEffect">
+                                <p:cTn id="5" presetID="2" presetClass="entr" presetSubtype="1" fill="hold" grpId="0" nodeType="afterEffect">
                                   <p:stCondLst>
                                     <p:cond delay="0"/>
                                   </p:stCondLst>
@@ -7922,7 +7962,7 @@
                                           </p:stCondLst>
                                         </p:cTn>
                                         <p:tgtEl>
-                                          <p:spTgt spid="5"/>
+                                          <p:spTgt spid="3"/>
                                         </p:tgtEl>
                                         <p:attrNameLst>
                                           <p:attrName>style.visibility</p:attrName>
@@ -7932,14 +7972,52 @@
                                         <p:strVal val="visible"/>
                                       </p:to>
                                     </p:set>
-                                    <p:animEffect transition="in" filter="wipe(up)">
-                                      <p:cBhvr>
-                                        <p:cTn id="7" dur="500"/>
+                                    <p:anim calcmode="lin" valueType="num">
+                                      <p:cBhvr additive="base">
+                                        <p:cTn id="7" dur="500" fill="hold"/>
                                         <p:tgtEl>
-                                          <p:spTgt spid="5"/>
+                                          <p:spTgt spid="3"/>
                                         </p:tgtEl>
+                                        <p:attrNameLst>
+                                          <p:attrName>ppt_x</p:attrName>
+                                        </p:attrNameLst>
                                       </p:cBhvr>
-                                    </p:animEffect>
+                                      <p:tavLst>
+                                        <p:tav tm="0">
+                                          <p:val>
+                                            <p:strVal val="#ppt_x"/>
+                                          </p:val>
+                                        </p:tav>
+                                        <p:tav tm="100000">
+                                          <p:val>
+                                            <p:strVal val="#ppt_x"/>
+                                          </p:val>
+                                        </p:tav>
+                                      </p:tavLst>
+                                    </p:anim>
+                                    <p:anim calcmode="lin" valueType="num">
+                                      <p:cBhvr additive="base">
+                                        <p:cTn id="8" dur="500" fill="hold"/>
+                                        <p:tgtEl>
+                                          <p:spTgt spid="3"/>
+                                        </p:tgtEl>
+                                        <p:attrNameLst>
+                                          <p:attrName>ppt_y</p:attrName>
+                                        </p:attrNameLst>
+                                      </p:cBhvr>
+                                      <p:tavLst>
+                                        <p:tav tm="0">
+                                          <p:val>
+                                            <p:strVal val="0-#ppt_h/2"/>
+                                          </p:val>
+                                        </p:tav>
+                                        <p:tav tm="100000">
+                                          <p:val>
+                                            <p:strVal val="#ppt_y"/>
+                                          </p:val>
+                                        </p:tav>
+                                      </p:tavLst>
+                                    </p:anim>
                                   </p:childTnLst>
                                 </p:cTn>
                               </p:par>
@@ -7947,117 +8025,20 @@
                           </p:cTn>
                         </p:par>
                         <p:par>
-                          <p:cTn id="8" fill="hold">
+                          <p:cTn id="9" fill="hold">
                             <p:stCondLst>
                               <p:cond delay="500"/>
                             </p:stCondLst>
                             <p:childTnLst>
                               <p:par>
-                                <p:cTn id="9" presetID="22" presetClass="entr" presetSubtype="2" fill="hold" nodeType="afterEffect">
+                                <p:cTn id="10" presetID="22" presetClass="entr" presetSubtype="1" fill="hold" nodeType="afterEffect">
                                   <p:stCondLst>
                                     <p:cond delay="0"/>
                                   </p:stCondLst>
                                   <p:childTnLst>
                                     <p:set>
                                       <p:cBhvr>
-                                        <p:cTn id="10" dur="1" fill="hold">
-                                          <p:stCondLst>
-                                            <p:cond delay="0"/>
-                                          </p:stCondLst>
-                                        </p:cTn>
-                                        <p:tgtEl>
-                                          <p:spTgt spid="27"/>
-                                        </p:tgtEl>
-                                        <p:attrNameLst>
-                                          <p:attrName>style.visibility</p:attrName>
-                                        </p:attrNameLst>
-                                      </p:cBhvr>
-                                      <p:to>
-                                        <p:strVal val="visible"/>
-                                      </p:to>
-                                    </p:set>
-                                    <p:animEffect transition="in" filter="wipe(right)">
-                                      <p:cBhvr>
-                                        <p:cTn id="11" dur="500"/>
-                                        <p:tgtEl>
-                                          <p:spTgt spid="27"/>
-                                        </p:tgtEl>
-                                      </p:cBhvr>
-                                    </p:animEffect>
-                                  </p:childTnLst>
-                                </p:cTn>
-                              </p:par>
-                            </p:childTnLst>
-                          </p:cTn>
-                        </p:par>
-                        <p:par>
-                          <p:cTn id="12" fill="hold">
-                            <p:stCondLst>
-                              <p:cond delay="1000"/>
-                            </p:stCondLst>
-                            <p:childTnLst>
-                              <p:par>
-                                <p:cTn id="13" presetID="22" presetClass="entr" presetSubtype="2" fill="hold" nodeType="afterEffect">
-                                  <p:stCondLst>
-                                    <p:cond delay="0"/>
-                                  </p:stCondLst>
-                                  <p:childTnLst>
-                                    <p:set>
-                                      <p:cBhvr>
-                                        <p:cTn id="14" dur="1" fill="hold">
-                                          <p:stCondLst>
-                                            <p:cond delay="0"/>
-                                          </p:stCondLst>
-                                        </p:cTn>
-                                        <p:tgtEl>
-                                          <p:spTgt spid="30"/>
-                                        </p:tgtEl>
-                                        <p:attrNameLst>
-                                          <p:attrName>style.visibility</p:attrName>
-                                        </p:attrNameLst>
-                                      </p:cBhvr>
-                                      <p:to>
-                                        <p:strVal val="visible"/>
-                                      </p:to>
-                                    </p:set>
-                                    <p:animEffect transition="in" filter="wipe(right)">
-                                      <p:cBhvr>
-                                        <p:cTn id="15" dur="500"/>
-                                        <p:tgtEl>
-                                          <p:spTgt spid="30"/>
-                                        </p:tgtEl>
-                                      </p:cBhvr>
-                                    </p:animEffect>
-                                  </p:childTnLst>
-                                </p:cTn>
-                              </p:par>
-                            </p:childTnLst>
-                          </p:cTn>
-                        </p:par>
-                      </p:childTnLst>
-                    </p:cTn>
-                  </p:par>
-                  <p:par>
-                    <p:cTn id="16" fill="hold">
-                      <p:stCondLst>
-                        <p:cond delay="indefinite"/>
-                      </p:stCondLst>
-                      <p:childTnLst>
-                        <p:par>
-                          <p:cTn id="17" fill="hold">
-                            <p:stCondLst>
-                              <p:cond delay="0"/>
-                            </p:stCondLst>
-                            <p:childTnLst>
-                              <p:par>
-                                <p:cTn id="18" presetID="1" presetClass="entr" presetSubtype="0" fill="hold" nodeType="clickEffect">
-                                  <p:stCondLst>
-                                    <p:cond delay="0"/>
-                                  </p:stCondLst>
-                                  <p:childTnLst>
-                                    <p:set>
-                                      <p:cBhvr>
-                                        <p:cTn id="19" dur="1" fill="hold">
+                                        <p:cTn id="11" dur="1" fill="hold">
                                           <p:stCondLst>
                                             <p:cond delay="0"/>
                                           </p:stCondLst>
@@ -8077,91 +8058,15 @@
                                         <p:strVal val="visible"/>
                                       </p:to>
                                     </p:set>
-                                  </p:childTnLst>
-                                </p:cTn>
-                              </p:par>
-                            </p:childTnLst>
-                          </p:cTn>
-                        </p:par>
-                        <p:par>
-                          <p:cTn id="20" fill="hold">
-                            <p:stCondLst>
-                              <p:cond delay="0"/>
-                            </p:stCondLst>
-                            <p:childTnLst>
-                              <p:par>
-                                <p:cTn id="21" presetID="22" presetClass="entr" presetSubtype="2" fill="hold" nodeType="afterEffect">
-                                  <p:stCondLst>
-                                    <p:cond delay="0"/>
-                                  </p:stCondLst>
-                                  <p:childTnLst>
-                                    <p:set>
+                                    <p:animEffect transition="in" filter="wipe(up)">
                                       <p:cBhvr>
-                                        <p:cTn id="22" dur="1" fill="hold">
-                                          <p:stCondLst>
-                                            <p:cond delay="0"/>
-                                          </p:stCondLst>
-                                        </p:cTn>
+                                        <p:cTn id="12" dur="500"/>
                                         <p:tgtEl>
-                                          <p:spTgt spid="33"/>
-                                        </p:tgtEl>
-                                        <p:attrNameLst>
-                                          <p:attrName>style.visibility</p:attrName>
-                                        </p:attrNameLst>
-                                      </p:cBhvr>
-                                      <p:to>
-                                        <p:strVal val="visible"/>
-                                      </p:to>
-                                    </p:set>
-                                    <p:animEffect transition="in" filter="wipe(right)">
-                                      <p:cBhvr>
-                                        <p:cTn id="23" dur="500"/>
-                                        <p:tgtEl>
-                                          <p:spTgt spid="33"/>
-                                        </p:tgtEl>
-                                      </p:cBhvr>
-                                    </p:animEffect>
-                                  </p:childTnLst>
-                                </p:cTn>
-                              </p:par>
-                            </p:childTnLst>
-                          </p:cTn>
-                        </p:par>
-                        <p:par>
-                          <p:cTn id="24" fill="hold">
-                            <p:stCondLst>
-                              <p:cond delay="500"/>
-                            </p:stCondLst>
-                            <p:childTnLst>
-                              <p:par>
-                                <p:cTn id="25" presetID="16" presetClass="entr" presetSubtype="21" fill="hold" grpId="0" nodeType="afterEffect">
-                                  <p:stCondLst>
-                                    <p:cond delay="0"/>
-                                  </p:stCondLst>
-                                  <p:childTnLst>
-                                    <p:set>
-                                      <p:cBhvr>
-                                        <p:cTn id="26" dur="1" fill="hold">
-                                          <p:stCondLst>
-                                            <p:cond delay="0"/>
-                                          </p:stCondLst>
-                                        </p:cTn>
-                                        <p:tgtEl>
-                                          <p:spTgt spid="13"/>
-                                        </p:tgtEl>
-                                        <p:attrNameLst>
-                                          <p:attrName>style.visibility</p:attrName>
-                                        </p:attrNameLst>
-                                      </p:cBhvr>
-                                      <p:to>
-                                        <p:strVal val="visible"/>
-                                      </p:to>
-                                    </p:set>
-                                    <p:animEffect transition="in" filter="barn(inVertical)">
-                                      <p:cBhvr>
-                                        <p:cTn id="27" dur="500"/>
-                                        <p:tgtEl>
-                                          <p:spTgt spid="13"/>
+                                          <p:spTgt spid="58">
+                                            <p:txEl>
+                                              <p:pRg st="0" end="0"/>
+                                            </p:txEl>
+                                          </p:spTgt>
                                         </p:tgtEl>
                                       </p:cBhvr>
                                     </p:animEffect>
@@ -8175,132 +8080,26 @@
                     </p:cTn>
                   </p:par>
                   <p:par>
-                    <p:cTn id="28" fill="hold">
+                    <p:cTn id="13" fill="hold">
                       <p:stCondLst>
                         <p:cond delay="indefinite"/>
                       </p:stCondLst>
                       <p:childTnLst>
                         <p:par>
-                          <p:cTn id="29" fill="hold">
+                          <p:cTn id="14" fill="hold">
                             <p:stCondLst>
                               <p:cond delay="0"/>
                             </p:stCondLst>
                             <p:childTnLst>
                               <p:par>
-                                <p:cTn id="30" presetID="22" presetClass="entr" presetSubtype="2" fill="hold" nodeType="clickEffect">
+                                <p:cTn id="15" presetID="22" presetClass="entr" presetSubtype="1" fill="hold" nodeType="clickEffect">
                                   <p:stCondLst>
                                     <p:cond delay="0"/>
                                   </p:stCondLst>
                                   <p:childTnLst>
                                     <p:set>
                                       <p:cBhvr>
-                                        <p:cTn id="31" dur="1" fill="hold">
-                                          <p:stCondLst>
-                                            <p:cond delay="0"/>
-                                          </p:stCondLst>
-                                        </p:cTn>
-                                        <p:tgtEl>
-                                          <p:spTgt spid="36"/>
-                                        </p:tgtEl>
-                                        <p:attrNameLst>
-                                          <p:attrName>style.visibility</p:attrName>
-                                        </p:attrNameLst>
-                                      </p:cBhvr>
-                                      <p:to>
-                                        <p:strVal val="visible"/>
-                                      </p:to>
-                                    </p:set>
-                                    <p:animEffect transition="in" filter="wipe(right)">
-                                      <p:cBhvr>
-                                        <p:cTn id="32" dur="500"/>
-                                        <p:tgtEl>
-                                          <p:spTgt spid="36"/>
-                                        </p:tgtEl>
-                                      </p:cBhvr>
-                                    </p:animEffect>
-                                  </p:childTnLst>
-                                </p:cTn>
-                              </p:par>
-                            </p:childTnLst>
-                          </p:cTn>
-                        </p:par>
-                      </p:childTnLst>
-                    </p:cTn>
-                  </p:par>
-                  <p:par>
-                    <p:cTn id="33" fill="hold">
-                      <p:stCondLst>
-                        <p:cond delay="indefinite"/>
-                      </p:stCondLst>
-                      <p:childTnLst>
-                        <p:par>
-                          <p:cTn id="34" fill="hold">
-                            <p:stCondLst>
-                              <p:cond delay="0"/>
-                            </p:stCondLst>
-                            <p:childTnLst>
-                              <p:par>
-                                <p:cTn id="35" presetID="22" presetClass="entr" presetSubtype="2" fill="hold" nodeType="clickEffect">
-                                  <p:stCondLst>
-                                    <p:cond delay="0"/>
-                                  </p:stCondLst>
-                                  <p:childTnLst>
-                                    <p:set>
-                                      <p:cBhvr>
-                                        <p:cTn id="36" dur="1" fill="hold">
-                                          <p:stCondLst>
-                                            <p:cond delay="0"/>
-                                          </p:stCondLst>
-                                        </p:cTn>
-                                        <p:tgtEl>
-                                          <p:spTgt spid="39"/>
-                                        </p:tgtEl>
-                                        <p:attrNameLst>
-                                          <p:attrName>style.visibility</p:attrName>
-                                        </p:attrNameLst>
-                                      </p:cBhvr>
-                                      <p:to>
-                                        <p:strVal val="visible"/>
-                                      </p:to>
-                                    </p:set>
-                                    <p:animEffect transition="in" filter="wipe(right)">
-                                      <p:cBhvr>
-                                        <p:cTn id="37" dur="500"/>
-                                        <p:tgtEl>
-                                          <p:spTgt spid="39"/>
-                                        </p:tgtEl>
-                                      </p:cBhvr>
-                                    </p:animEffect>
-                                  </p:childTnLst>
-                                </p:cTn>
-                              </p:par>
-                            </p:childTnLst>
-                          </p:cTn>
-                        </p:par>
-                      </p:childTnLst>
-                    </p:cTn>
-                  </p:par>
-                  <p:par>
-                    <p:cTn id="38" fill="hold">
-                      <p:stCondLst>
-                        <p:cond delay="indefinite"/>
-                      </p:stCondLst>
-                      <p:childTnLst>
-                        <p:par>
-                          <p:cTn id="39" fill="hold">
-                            <p:stCondLst>
-                              <p:cond delay="0"/>
-                            </p:stCondLst>
-                            <p:childTnLst>
-                              <p:par>
-                                <p:cTn id="40" presetID="1" presetClass="entr" presetSubtype="0" fill="hold" nodeType="clickEffect">
-                                  <p:stCondLst>
-                                    <p:cond delay="0"/>
-                                  </p:stCondLst>
-                                  <p:childTnLst>
-                                    <p:set>
-                                      <p:cBhvr>
-                                        <p:cTn id="41" dur="1" fill="hold">
+                                        <p:cTn id="16" dur="1" fill="hold">
                                           <p:stCondLst>
                                             <p:cond delay="0"/>
                                           </p:stCondLst>
@@ -8320,6 +8119,71 @@
                                         <p:strVal val="visible"/>
                                       </p:to>
                                     </p:set>
+                                    <p:animEffect transition="in" filter="wipe(up)">
+                                      <p:cBhvr>
+                                        <p:cTn id="17" dur="500"/>
+                                        <p:tgtEl>
+                                          <p:spTgt spid="58">
+                                            <p:txEl>
+                                              <p:pRg st="1" end="1"/>
+                                            </p:txEl>
+                                          </p:spTgt>
+                                        </p:tgtEl>
+                                      </p:cBhvr>
+                                    </p:animEffect>
+                                  </p:childTnLst>
+                                </p:cTn>
+                              </p:par>
+                            </p:childTnLst>
+                          </p:cTn>
+                        </p:par>
+                      </p:childTnLst>
+                    </p:cTn>
+                  </p:par>
+                  <p:par>
+                    <p:cTn id="18" fill="hold">
+                      <p:stCondLst>
+                        <p:cond delay="indefinite"/>
+                      </p:stCondLst>
+                      <p:childTnLst>
+                        <p:par>
+                          <p:cTn id="19" fill="hold">
+                            <p:stCondLst>
+                              <p:cond delay="0"/>
+                            </p:stCondLst>
+                            <p:childTnLst>
+                              <p:par>
+                                <p:cTn id="20" presetID="22" presetClass="entr" presetSubtype="1" fill="hold" nodeType="clickEffect">
+                                  <p:stCondLst>
+                                    <p:cond delay="0"/>
+                                  </p:stCondLst>
+                                  <p:childTnLst>
+                                    <p:set>
+                                      <p:cBhvr>
+                                        <p:cTn id="21" dur="1" fill="hold">
+                                          <p:stCondLst>
+                                            <p:cond delay="0"/>
+                                          </p:stCondLst>
+                                        </p:cTn>
+                                        <p:tgtEl>
+                                          <p:spTgt spid="5"/>
+                                        </p:tgtEl>
+                                        <p:attrNameLst>
+                                          <p:attrName>style.visibility</p:attrName>
+                                        </p:attrNameLst>
+                                      </p:cBhvr>
+                                      <p:to>
+                                        <p:strVal val="visible"/>
+                                      </p:to>
+                                    </p:set>
+                                    <p:animEffect transition="in" filter="wipe(up)">
+                                      <p:cBhvr>
+                                        <p:cTn id="22" dur="500"/>
+                                        <p:tgtEl>
+                                          <p:spTgt spid="5"/>
+                                        </p:tgtEl>
+                                      </p:cBhvr>
+                                    </p:animEffect>
                                   </p:childTnLst>
                                 </p:cTn>
                               </p:par>
@@ -8327,20 +8191,311 @@
                           </p:cTn>
                         </p:par>
                         <p:par>
-                          <p:cTn id="42" fill="hold">
+                          <p:cTn id="23" fill="hold">
                             <p:stCondLst>
-                              <p:cond delay="0"/>
+                              <p:cond delay="1000"/>
                             </p:stCondLst>
                             <p:childTnLst>
                               <p:par>
-                                <p:cTn id="43" presetID="22" presetClass="entr" presetSubtype="2" fill="hold" nodeType="afterEffect">
+                                <p:cTn id="24" presetID="22" presetClass="entr" presetSubtype="2" fill="hold" nodeType="afterEffect">
                                   <p:stCondLst>
                                     <p:cond delay="0"/>
                                   </p:stCondLst>
                                   <p:childTnLst>
                                     <p:set>
                                       <p:cBhvr>
-                                        <p:cTn id="44" dur="1" fill="hold">
+                                        <p:cTn id="25" dur="1" fill="hold">
+                                          <p:stCondLst>
+                                            <p:cond delay="0"/>
+                                          </p:stCondLst>
+                                        </p:cTn>
+                                        <p:tgtEl>
+                                          <p:spTgt spid="27"/>
+                                        </p:tgtEl>
+                                        <p:attrNameLst>
+                                          <p:attrName>style.visibility</p:attrName>
+                                        </p:attrNameLst>
+                                      </p:cBhvr>
+                                      <p:to>
+                                        <p:strVal val="visible"/>
+                                      </p:to>
+                                    </p:set>
+                                    <p:animEffect transition="in" filter="wipe(right)">
+                                      <p:cBhvr>
+                                        <p:cTn id="26" dur="500"/>
+                                        <p:tgtEl>
+                                          <p:spTgt spid="27"/>
+                                        </p:tgtEl>
+                                      </p:cBhvr>
+                                    </p:animEffect>
+                                  </p:childTnLst>
+                                </p:cTn>
+                              </p:par>
+                            </p:childTnLst>
+                          </p:cTn>
+                        </p:par>
+                      </p:childTnLst>
+                    </p:cTn>
+                  </p:par>
+                  <p:par>
+                    <p:cTn id="27" fill="hold">
+                      <p:stCondLst>
+                        <p:cond delay="indefinite"/>
+                      </p:stCondLst>
+                      <p:childTnLst>
+                        <p:par>
+                          <p:cTn id="28" fill="hold">
+                            <p:stCondLst>
+                              <p:cond delay="0"/>
+                            </p:stCondLst>
+                            <p:childTnLst>
+                              <p:par>
+                                <p:cTn id="29" presetID="22" presetClass="entr" presetSubtype="2" fill="hold" nodeType="clickEffect">
+                                  <p:stCondLst>
+                                    <p:cond delay="0"/>
+                                  </p:stCondLst>
+                                  <p:childTnLst>
+                                    <p:set>
+                                      <p:cBhvr>
+                                        <p:cTn id="30" dur="1" fill="hold">
+                                          <p:stCondLst>
+                                            <p:cond delay="0"/>
+                                          </p:stCondLst>
+                                        </p:cTn>
+                                        <p:tgtEl>
+                                          <p:spTgt spid="30"/>
+                                        </p:tgtEl>
+                                        <p:attrNameLst>
+                                          <p:attrName>style.visibility</p:attrName>
+                                        </p:attrNameLst>
+                                      </p:cBhvr>
+                                      <p:to>
+                                        <p:strVal val="visible"/>
+                                      </p:to>
+                                    </p:set>
+                                    <p:animEffect transition="in" filter="wipe(right)">
+                                      <p:cBhvr>
+                                        <p:cTn id="31" dur="500"/>
+                                        <p:tgtEl>
+                                          <p:spTgt spid="30"/>
+                                        </p:tgtEl>
+                                      </p:cBhvr>
+                                    </p:animEffect>
+                                  </p:childTnLst>
+                                </p:cTn>
+                              </p:par>
+                            </p:childTnLst>
+                          </p:cTn>
+                        </p:par>
+                        <p:par>
+                          <p:cTn id="32" fill="hold">
+                            <p:stCondLst>
+                              <p:cond delay="500"/>
+                            </p:stCondLst>
+                            <p:childTnLst>
+                              <p:par>
+                                <p:cTn id="33" presetID="22" presetClass="entr" presetSubtype="2" fill="hold" nodeType="afterEffect">
+                                  <p:stCondLst>
+                                    <p:cond delay="0"/>
+                                  </p:stCondLst>
+                                  <p:childTnLst>
+                                    <p:set>
+                                      <p:cBhvr>
+                                        <p:cTn id="34" dur="1" fill="hold">
+                                          <p:stCondLst>
+                                            <p:cond delay="0"/>
+                                          </p:stCondLst>
+                                        </p:cTn>
+                                        <p:tgtEl>
+                                          <p:spTgt spid="33"/>
+                                        </p:tgtEl>
+                                        <p:attrNameLst>
+                                          <p:attrName>style.visibility</p:attrName>
+                                        </p:attrNameLst>
+                                      </p:cBhvr>
+                                      <p:to>
+                                        <p:strVal val="visible"/>
+                                      </p:to>
+                                    </p:set>
+                                    <p:animEffect transition="in" filter="wipe(right)">
+                                      <p:cBhvr>
+                                        <p:cTn id="35" dur="500"/>
+                                        <p:tgtEl>
+                                          <p:spTgt spid="33"/>
+                                        </p:tgtEl>
+                                      </p:cBhvr>
+                                    </p:animEffect>
+                                  </p:childTnLst>
+                                </p:cTn>
+                              </p:par>
+                            </p:childTnLst>
+                          </p:cTn>
+                        </p:par>
+                        <p:par>
+                          <p:cTn id="36" fill="hold">
+                            <p:stCondLst>
+                              <p:cond delay="1000"/>
+                            </p:stCondLst>
+                            <p:childTnLst>
+                              <p:par>
+                                <p:cTn id="37" presetID="16" presetClass="entr" presetSubtype="21" fill="hold" grpId="0" nodeType="afterEffect">
+                                  <p:stCondLst>
+                                    <p:cond delay="0"/>
+                                  </p:stCondLst>
+                                  <p:childTnLst>
+                                    <p:set>
+                                      <p:cBhvr>
+                                        <p:cTn id="38" dur="1" fill="hold">
+                                          <p:stCondLst>
+                                            <p:cond delay="0"/>
+                                          </p:stCondLst>
+                                        </p:cTn>
+                                        <p:tgtEl>
+                                          <p:spTgt spid="13"/>
+                                        </p:tgtEl>
+                                        <p:attrNameLst>
+                                          <p:attrName>style.visibility</p:attrName>
+                                        </p:attrNameLst>
+                                      </p:cBhvr>
+                                      <p:to>
+                                        <p:strVal val="visible"/>
+                                      </p:to>
+                                    </p:set>
+                                    <p:animEffect transition="in" filter="barn(inVertical)">
+                                      <p:cBhvr>
+                                        <p:cTn id="39" dur="500"/>
+                                        <p:tgtEl>
+                                          <p:spTgt spid="13"/>
+                                        </p:tgtEl>
+                                      </p:cBhvr>
+                                    </p:animEffect>
+                                  </p:childTnLst>
+                                </p:cTn>
+                              </p:par>
+                            </p:childTnLst>
+                          </p:cTn>
+                        </p:par>
+                      </p:childTnLst>
+                    </p:cTn>
+                  </p:par>
+                  <p:par>
+                    <p:cTn id="40" fill="hold">
+                      <p:stCondLst>
+                        <p:cond delay="indefinite"/>
+                      </p:stCondLst>
+                      <p:childTnLst>
+                        <p:par>
+                          <p:cTn id="41" fill="hold">
+                            <p:stCondLst>
+                              <p:cond delay="0"/>
+                            </p:stCondLst>
+                            <p:childTnLst>
+                              <p:par>
+                                <p:cTn id="42" presetID="22" presetClass="entr" presetSubtype="2" fill="hold" nodeType="clickEffect">
+                                  <p:stCondLst>
+                                    <p:cond delay="0"/>
+                                  </p:stCondLst>
+                                  <p:childTnLst>
+                                    <p:set>
+                                      <p:cBhvr>
+                                        <p:cTn id="43" dur="1" fill="hold">
+                                          <p:stCondLst>
+                                            <p:cond delay="0"/>
+                                          </p:stCondLst>
+                                        </p:cTn>
+                                        <p:tgtEl>
+                                          <p:spTgt spid="36"/>
+                                        </p:tgtEl>
+                                        <p:attrNameLst>
+                                          <p:attrName>style.visibility</p:attrName>
+                                        </p:attrNameLst>
+                                      </p:cBhvr>
+                                      <p:to>
+                                        <p:strVal val="visible"/>
+                                      </p:to>
+                                    </p:set>
+                                    <p:animEffect transition="in" filter="wipe(right)">
+                                      <p:cBhvr>
+                                        <p:cTn id="44" dur="500"/>
+                                        <p:tgtEl>
+                                          <p:spTgt spid="36"/>
+                                        </p:tgtEl>
+                                      </p:cBhvr>
+                                    </p:animEffect>
+                                  </p:childTnLst>
+                                </p:cTn>
+                              </p:par>
+                            </p:childTnLst>
+                          </p:cTn>
+                        </p:par>
+                      </p:childTnLst>
+                    </p:cTn>
+                  </p:par>
+                  <p:par>
+                    <p:cTn id="45" fill="hold">
+                      <p:stCondLst>
+                        <p:cond delay="indefinite"/>
+                      </p:stCondLst>
+                      <p:childTnLst>
+                        <p:par>
+                          <p:cTn id="46" fill="hold">
+                            <p:stCondLst>
+                              <p:cond delay="0"/>
+                            </p:stCondLst>
+                            <p:childTnLst>
+                              <p:par>
+                                <p:cTn id="47" presetID="22" presetClass="entr" presetSubtype="2" fill="hold" nodeType="clickEffect">
+                                  <p:stCondLst>
+                                    <p:cond delay="0"/>
+                                  </p:stCondLst>
+                                  <p:childTnLst>
+                                    <p:set>
+                                      <p:cBhvr>
+                                        <p:cTn id="48" dur="1" fill="hold">
+                                          <p:stCondLst>
+                                            <p:cond delay="0"/>
+                                          </p:stCondLst>
+                                        </p:cTn>
+                                        <p:tgtEl>
+                                          <p:spTgt spid="39"/>
+                                        </p:tgtEl>
+                                        <p:attrNameLst>
+                                          <p:attrName>style.visibility</p:attrName>
+                                        </p:attrNameLst>
+                                      </p:cBhvr>
+                                      <p:to>
+                                        <p:strVal val="visible"/>
+                                      </p:to>
+                                    </p:set>
+                                    <p:animEffect transition="in" filter="wipe(right)">
+                                      <p:cBhvr>
+                                        <p:cTn id="49" dur="500"/>
+                                        <p:tgtEl>
+                                          <p:spTgt spid="39"/>
+                                        </p:tgtEl>
+                                      </p:cBhvr>
+                                    </p:animEffect>
+                                  </p:childTnLst>
+                                </p:cTn>
+                              </p:par>
+                            </p:childTnLst>
+                          </p:cTn>
+                        </p:par>
+                        <p:par>
+                          <p:cTn id="50" fill="hold">
+                            <p:stCondLst>
+                              <p:cond delay="500"/>
+                            </p:stCondLst>
+                            <p:childTnLst>
+                              <p:par>
+                                <p:cTn id="51" presetID="22" presetClass="entr" presetSubtype="2" fill="hold" nodeType="afterEffect">
+                                  <p:stCondLst>
+                                    <p:cond delay="0"/>
+                                  </p:stCondLst>
+                                  <p:childTnLst>
+                                    <p:set>
+                                      <p:cBhvr>
+                                        <p:cTn id="52" dur="1" fill="hold">
                                           <p:stCondLst>
                                             <p:cond delay="0"/>
                                           </p:stCondLst>
@@ -8358,7 +8513,7 @@
                                     </p:set>
                                     <p:animEffect transition="in" filter="wipe(right)">
                                       <p:cBhvr>
-                                        <p:cTn id="45" dur="500"/>
+                                        <p:cTn id="53" dur="500"/>
                                         <p:tgtEl>
                                           <p:spTgt spid="51"/>
                                         </p:tgtEl>
@@ -8374,26 +8529,26 @@
                     </p:cTn>
                   </p:par>
                   <p:par>
-                    <p:cTn id="46" fill="hold">
+                    <p:cTn id="54" fill="hold">
                       <p:stCondLst>
                         <p:cond delay="indefinite"/>
                       </p:stCondLst>
                       <p:childTnLst>
                         <p:par>
-                          <p:cTn id="47" fill="hold">
+                          <p:cTn id="55" fill="hold">
                             <p:stCondLst>
                               <p:cond delay="0"/>
                             </p:stCondLst>
                             <p:childTnLst>
                               <p:par>
-                                <p:cTn id="48" presetID="22" presetClass="entr" presetSubtype="2" fill="hold" nodeType="clickEffect">
+                                <p:cTn id="56" presetID="22" presetClass="entr" presetSubtype="2" fill="hold" nodeType="clickEffect">
                                   <p:stCondLst>
                                     <p:cond delay="0"/>
                                   </p:stCondLst>
                                   <p:childTnLst>
                                     <p:set>
                                       <p:cBhvr>
-                                        <p:cTn id="49" dur="1" fill="hold">
+                                        <p:cTn id="57" dur="1" fill="hold">
                                           <p:stCondLst>
                                             <p:cond delay="0"/>
                                           </p:stCondLst>
@@ -8411,7 +8566,7 @@
                                     </p:set>
                                     <p:animEffect transition="in" filter="wipe(right)">
                                       <p:cBhvr>
-                                        <p:cTn id="50" dur="500"/>
+                                        <p:cTn id="58" dur="500"/>
                                         <p:tgtEl>
                                           <p:spTgt spid="42"/>
                                         </p:tgtEl>
@@ -8427,26 +8582,26 @@
                     </p:cTn>
                   </p:par>
                   <p:par>
-                    <p:cTn id="51" fill="hold">
+                    <p:cTn id="59" fill="hold">
                       <p:stCondLst>
                         <p:cond delay="indefinite"/>
                       </p:stCondLst>
                       <p:childTnLst>
                         <p:par>
-                          <p:cTn id="52" fill="hold">
+                          <p:cTn id="60" fill="hold">
                             <p:stCondLst>
                               <p:cond delay="0"/>
                             </p:stCondLst>
                             <p:childTnLst>
                               <p:par>
-                                <p:cTn id="53" presetID="22" presetClass="entr" presetSubtype="2" fill="hold" nodeType="clickEffect">
+                                <p:cTn id="61" presetID="22" presetClass="entr" presetSubtype="2" fill="hold" nodeType="clickEffect">
                                   <p:stCondLst>
                                     <p:cond delay="0"/>
                                   </p:stCondLst>
                                   <p:childTnLst>
                                     <p:set>
                                       <p:cBhvr>
-                                        <p:cTn id="54" dur="1" fill="hold">
+                                        <p:cTn id="62" dur="1" fill="hold">
                                           <p:stCondLst>
                                             <p:cond delay="0"/>
                                           </p:stCondLst>
@@ -8464,7 +8619,7 @@
                                     </p:set>
                                     <p:animEffect transition="in" filter="wipe(right)">
                                       <p:cBhvr>
-                                        <p:cTn id="55" dur="500"/>
+                                        <p:cTn id="63" dur="500"/>
                                         <p:tgtEl>
                                           <p:spTgt spid="45"/>
                                         </p:tgtEl>
@@ -8480,26 +8635,26 @@
                     </p:cTn>
                   </p:par>
                   <p:par>
-                    <p:cTn id="56" fill="hold">
+                    <p:cTn id="64" fill="hold">
                       <p:stCondLst>
                         <p:cond delay="indefinite"/>
                       </p:stCondLst>
                       <p:childTnLst>
                         <p:par>
-                          <p:cTn id="57" fill="hold">
+                          <p:cTn id="65" fill="hold">
                             <p:stCondLst>
                               <p:cond delay="0"/>
                             </p:stCondLst>
                             <p:childTnLst>
                               <p:par>
-                                <p:cTn id="58" presetID="22" presetClass="entr" presetSubtype="2" fill="hold" nodeType="clickEffect">
+                                <p:cTn id="66" presetID="22" presetClass="entr" presetSubtype="2" fill="hold" nodeType="clickEffect">
                                   <p:stCondLst>
                                     <p:cond delay="0"/>
                                   </p:stCondLst>
                                   <p:childTnLst>
                                     <p:set>
                                       <p:cBhvr>
-                                        <p:cTn id="59" dur="1" fill="hold">
+                                        <p:cTn id="67" dur="1" fill="hold">
                                           <p:stCondLst>
                                             <p:cond delay="0"/>
                                           </p:stCondLst>
@@ -8517,7 +8672,7 @@
                                     </p:set>
                                     <p:animEffect transition="in" filter="wipe(right)">
                                       <p:cBhvr>
-                                        <p:cTn id="60" dur="500"/>
+                                        <p:cTn id="68" dur="500"/>
                                         <p:tgtEl>
                                           <p:spTgt spid="6"/>
                                         </p:tgtEl>
@@ -8533,26 +8688,26 @@
                     </p:cTn>
                   </p:par>
                   <p:par>
-                    <p:cTn id="61" fill="hold">
+                    <p:cTn id="69" fill="hold">
                       <p:stCondLst>
                         <p:cond delay="indefinite"/>
                       </p:stCondLst>
                       <p:childTnLst>
                         <p:par>
-                          <p:cTn id="62" fill="hold">
+                          <p:cTn id="70" fill="hold">
                             <p:stCondLst>
                               <p:cond delay="0"/>
                             </p:stCondLst>
                             <p:childTnLst>
                               <p:par>
-                                <p:cTn id="63" presetID="22" presetClass="entr" presetSubtype="2" fill="hold" nodeType="clickEffect">
+                                <p:cTn id="71" presetID="22" presetClass="entr" presetSubtype="2" fill="hold" nodeType="clickEffect">
                                   <p:stCondLst>
                                     <p:cond delay="0"/>
                                   </p:stCondLst>
                                   <p:childTnLst>
                                     <p:set>
                                       <p:cBhvr>
-                                        <p:cTn id="64" dur="1" fill="hold">
+                                        <p:cTn id="72" dur="1" fill="hold">
                                           <p:stCondLst>
                                             <p:cond delay="0"/>
                                           </p:stCondLst>
@@ -8570,7 +8725,7 @@
                                     </p:set>
                                     <p:animEffect transition="in" filter="wipe(right)">
                                       <p:cBhvr>
-                                        <p:cTn id="65" dur="500"/>
+                                        <p:cTn id="73" dur="500"/>
                                         <p:tgtEl>
                                           <p:spTgt spid="9"/>
                                         </p:tgtEl>
@@ -8608,6 +8763,7 @@
     </p:tnLst>
     <p:bldLst>
       <p:bldP spid="13" grpId="0" animBg="1"/>
+      <p:bldP spid="3" grpId="0"/>
     </p:bldLst>
   </p:timing>
 </p:sld>
@@ -8904,6 +9060,9 @@
                     <p:cTn id="3" fill="hold">
                       <p:stCondLst>
                         <p:cond delay="indefinite"/>
+                        <p:cond evt="onBegin" delay="0">
+                          <p:tn val="2"/>
+                        </p:cond>
                       </p:stCondLst>
                       <p:childTnLst>
                         <p:par>
@@ -8913,7 +9072,7 @@
                             </p:stCondLst>
                             <p:childTnLst>
                               <p:par>
-                                <p:cTn id="5" presetID="1" presetClass="entr" presetSubtype="0" fill="hold" nodeType="clickEffect">
+                                <p:cTn id="5" presetID="22" presetClass="entr" presetSubtype="1" fill="hold" nodeType="afterEffect">
                                   <p:stCondLst>
                                     <p:cond delay="0"/>
                                   </p:stCondLst>
@@ -8921,6 +9080,157 @@
                                     <p:set>
                                       <p:cBhvr>
                                         <p:cTn id="6" dur="1" fill="hold">
+                                          <p:stCondLst>
+                                            <p:cond delay="0"/>
+                                          </p:stCondLst>
+                                        </p:cTn>
+                                        <p:tgtEl>
+                                          <p:spTgt spid="3">
+                                            <p:txEl>
+                                              <p:pRg st="0" end="0"/>
+                                            </p:txEl>
+                                          </p:spTgt>
+                                        </p:tgtEl>
+                                        <p:attrNameLst>
+                                          <p:attrName>style.visibility</p:attrName>
+                                        </p:attrNameLst>
+                                      </p:cBhvr>
+                                      <p:to>
+                                        <p:strVal val="visible"/>
+                                      </p:to>
+                                    </p:set>
+                                    <p:animEffect transition="in" filter="wipe(up)">
+                                      <p:cBhvr>
+                                        <p:cTn id="7" dur="500"/>
+                                        <p:tgtEl>
+                                          <p:spTgt spid="3">
+                                            <p:txEl>
+                                              <p:pRg st="0" end="0"/>
+                                            </p:txEl>
+                                          </p:spTgt>
+                                        </p:tgtEl>
+                                      </p:cBhvr>
+                                    </p:animEffect>
+                                  </p:childTnLst>
+                                </p:cTn>
+                              </p:par>
+                            </p:childTnLst>
+                          </p:cTn>
+                        </p:par>
+                        <p:par>
+                          <p:cTn id="8" fill="hold">
+                            <p:stCondLst>
+                              <p:cond delay="500"/>
+                            </p:stCondLst>
+                            <p:childTnLst>
+                              <p:par>
+                                <p:cTn id="9" presetID="53" presetClass="entr" presetSubtype="16" fill="hold" nodeType="afterEffect">
+                                  <p:stCondLst>
+                                    <p:cond delay="0"/>
+                                  </p:stCondLst>
+                                  <p:childTnLst>
+                                    <p:set>
+                                      <p:cBhvr>
+                                        <p:cTn id="10" dur="1" fill="hold">
+                                          <p:stCondLst>
+                                            <p:cond delay="0"/>
+                                          </p:stCondLst>
+                                        </p:cTn>
+                                        <p:tgtEl>
+                                          <p:spTgt spid="8"/>
+                                        </p:tgtEl>
+                                        <p:attrNameLst>
+                                          <p:attrName>style.visibility</p:attrName>
+                                        </p:attrNameLst>
+                                      </p:cBhvr>
+                                      <p:to>
+                                        <p:strVal val="visible"/>
+                                      </p:to>
+                                    </p:set>
+                                    <p:anim calcmode="lin" valueType="num">
+                                      <p:cBhvr>
+                                        <p:cTn id="11" dur="500" fill="hold"/>
+                                        <p:tgtEl>
+                                          <p:spTgt spid="8"/>
+                                        </p:tgtEl>
+                                        <p:attrNameLst>
+                                          <p:attrName>ppt_w</p:attrName>
+                                        </p:attrNameLst>
+                                      </p:cBhvr>
+                                      <p:tavLst>
+                                        <p:tav tm="0">
+                                          <p:val>
+                                            <p:fltVal val="0"/>
+                                          </p:val>
+                                        </p:tav>
+                                        <p:tav tm="100000">
+                                          <p:val>
+                                            <p:strVal val="#ppt_w"/>
+                                          </p:val>
+                                        </p:tav>
+                                      </p:tavLst>
+                                    </p:anim>
+                                    <p:anim calcmode="lin" valueType="num">
+                                      <p:cBhvr>
+                                        <p:cTn id="12" dur="500" fill="hold"/>
+                                        <p:tgtEl>
+                                          <p:spTgt spid="8"/>
+                                        </p:tgtEl>
+                                        <p:attrNameLst>
+                                          <p:attrName>ppt_h</p:attrName>
+                                        </p:attrNameLst>
+                                      </p:cBhvr>
+                                      <p:tavLst>
+                                        <p:tav tm="0">
+                                          <p:val>
+                                            <p:fltVal val="0"/>
+                                          </p:val>
+                                        </p:tav>
+                                        <p:tav tm="100000">
+                                          <p:val>
+                                            <p:strVal val="#ppt_h"/>
+                                          </p:val>
+                                        </p:tav>
+                                      </p:tavLst>
+                                    </p:anim>
+                                    <p:animEffect transition="in" filter="fade">
+                                      <p:cBhvr>
+                                        <p:cTn id="13" dur="500"/>
+                                        <p:tgtEl>
+                                          <p:spTgt spid="8"/>
+                                        </p:tgtEl>
+                                      </p:cBhvr>
+                                    </p:animEffect>
+                                  </p:childTnLst>
+                                </p:cTn>
+                              </p:par>
+                            </p:childTnLst>
+                          </p:cTn>
+                        </p:par>
+                      </p:childTnLst>
+                    </p:cTn>
+                  </p:par>
+                  <p:par>
+                    <p:cTn id="14" fill="hold">
+                      <p:stCondLst>
+                        <p:cond delay="indefinite"/>
+                      </p:stCondLst>
+                      <p:childTnLst>
+                        <p:par>
+                          <p:cTn id="15" fill="hold">
+                            <p:stCondLst>
+                              <p:cond delay="0"/>
+                            </p:stCondLst>
+                            <p:childTnLst>
+                              <p:par>
+                                <p:cTn id="16" presetID="1" presetClass="entr" presetSubtype="0" fill="hold" nodeType="clickEffect">
+                                  <p:stCondLst>
+                                    <p:cond delay="0"/>
+                                  </p:stCondLst>
+                                  <p:childTnLst>
+                                    <p:set>
+                                      <p:cBhvr>
+                                        <p:cTn id="17" dur="1" fill="hold">
                                           <p:stCondLst>
                                             <p:cond delay="0"/>
                                           </p:stCondLst>
@@ -8950,26 +9260,26 @@
                     </p:cTn>
                   </p:par>
                   <p:par>
-                    <p:cTn id="7" fill="hold">
+                    <p:cTn id="18" fill="hold">
                       <p:stCondLst>
                         <p:cond delay="indefinite"/>
                       </p:stCondLst>
                       <p:childTnLst>
                         <p:par>
-                          <p:cTn id="8" fill="hold">
+                          <p:cTn id="19" fill="hold">
                             <p:stCondLst>
                               <p:cond delay="0"/>
                             </p:stCondLst>
                             <p:childTnLst>
                               <p:par>
-                                <p:cTn id="9" presetID="1" presetClass="entr" presetSubtype="0" fill="hold" nodeType="clickEffect">
+                                <p:cTn id="20" presetID="1" presetClass="entr" presetSubtype="0" fill="hold" nodeType="clickEffect">
                                   <p:stCondLst>
                                     <p:cond delay="0"/>
                                   </p:stCondLst>
                                   <p:childTnLst>
                                     <p:set>
                                       <p:cBhvr>
-                                        <p:cTn id="10" dur="1" fill="hold">
+                                        <p:cTn id="21" dur="1" fill="hold">
                                           <p:stCondLst>
                                             <p:cond delay="0"/>
                                           </p:stCondLst>
@@ -8995,120 +9305,30 @@
                             </p:childTnLst>
                           </p:cTn>
                         </p:par>
+                      </p:childTnLst>
+                    </p:cTn>
+                  </p:par>
+                  <p:par>
+                    <p:cTn id="22" fill="hold">
+                      <p:stCondLst>
+                        <p:cond delay="indefinite"/>
+                      </p:stCondLst>
+                      <p:childTnLst>
                         <p:par>
-                          <p:cTn id="11" fill="hold">
+                          <p:cTn id="23" fill="hold">
                             <p:stCondLst>
                               <p:cond delay="0"/>
                             </p:stCondLst>
                             <p:childTnLst>
                               <p:par>
-                                <p:cTn id="12" presetID="53" presetClass="entr" presetSubtype="16" fill="hold" nodeType="afterEffect">
+                                <p:cTn id="24" presetID="1" presetClass="entr" presetSubtype="0" fill="hold" nodeType="clickEffect">
                                   <p:stCondLst>
                                     <p:cond delay="0"/>
                                   </p:stCondLst>
                                   <p:childTnLst>
                                     <p:set>
                                       <p:cBhvr>
-                                        <p:cTn id="13" dur="1" fill="hold">
-                                          <p:stCondLst>
-                                            <p:cond delay="0"/>
-                                          </p:stCondLst>
-                                        </p:cTn>
-                                        <p:tgtEl>
-                                          <p:spTgt spid="8"/>
-                                        </p:tgtEl>
-                                        <p:attrNameLst>
-                                          <p:attrName>style.visibility</p:attrName>
-                                        </p:attrNameLst>
-                                      </p:cBhvr>
-                                      <p:to>
-                                        <p:strVal val="visible"/>
-                                      </p:to>
-                                    </p:set>
-                                    <p:anim calcmode="lin" valueType="num">
-                                      <p:cBhvr>
-                                        <p:cTn id="14" dur="500" fill="hold"/>
-                                        <p:tgtEl>
-                                          <p:spTgt spid="8"/>
-                                        </p:tgtEl>
-                                        <p:attrNameLst>
-                                          <p:attrName>ppt_w</p:attrName>
-                                        </p:attrNameLst>
-                                      </p:cBhvr>
-                                      <p:tavLst>
-                                        <p:tav tm="0">
-                                          <p:val>
-                                            <p:fltVal val="0"/>
-                                          </p:val>
-                                        </p:tav>
-                                        <p:tav tm="100000">
-                                          <p:val>
-                                            <p:strVal val="#ppt_w"/>
-                                          </p:val>
-                                        </p:tav>
-                                      </p:tavLst>
-                                    </p:anim>
-                                    <p:anim calcmode="lin" valueType="num">
-                                      <p:cBhvr>
-                                        <p:cTn id="15" dur="500" fill="hold"/>
-                                        <p:tgtEl>
-                                          <p:spTgt spid="8"/>
-                                        </p:tgtEl>
-                                        <p:attrNameLst>
-                                          <p:attrName>ppt_h</p:attrName>
-                                        </p:attrNameLst>
-                                      </p:cBhvr>
-                                      <p:tavLst>
-                                        <p:tav tm="0">
-                                          <p:val>
-                                            <p:fltVal val="0"/>
-                                          </p:val>
-                                        </p:tav>
-                                        <p:tav tm="100000">
-                                          <p:val>
-                                            <p:strVal val="#ppt_h"/>
-                                          </p:val>
-                                        </p:tav>
-                                      </p:tavLst>
-                                    </p:anim>
-                                    <p:animEffect transition="in" filter="fade">
-                                      <p:cBhvr>
-                                        <p:cTn id="16" dur="500"/>
-                                        <p:tgtEl>
-                                          <p:spTgt spid="8"/>
-                                        </p:tgtEl>
-                                      </p:cBhvr>
-                                    </p:animEffect>
-                                  </p:childTnLst>
-                                </p:cTn>
-                              </p:par>
-                            </p:childTnLst>
-                          </p:cTn>
-                        </p:par>
-                      </p:childTnLst>
-                    </p:cTn>
-                  </p:par>
-                  <p:par>
-                    <p:cTn id="17" fill="hold">
-                      <p:stCondLst>
-                        <p:cond delay="indefinite"/>
-                      </p:stCondLst>
-                      <p:childTnLst>
-                        <p:par>
-                          <p:cTn id="18" fill="hold">
-                            <p:stCondLst>
-                              <p:cond delay="0"/>
-                            </p:stCondLst>
-                            <p:childTnLst>
-                              <p:par>
-                                <p:cTn id="19" presetID="1" presetClass="entr" presetSubtype="0" fill="hold" nodeType="clickEffect">
-                                  <p:stCondLst>
-                                    <p:cond delay="0"/>
-                                  </p:stCondLst>
-                                  <p:childTnLst>
-                                    <p:set>
-                                      <p:cBhvr>
-                                        <p:cTn id="20" dur="1" fill="hold">
+                                        <p:cTn id="25" dur="1" fill="hold">
                                           <p:stCondLst>
                                             <p:cond delay="0"/>
                                           </p:stCondLst>
@@ -9167,7 +9387,13 @@
   <p:cSld>
     <p:spTree>
       <p:nvGrpSpPr>
-        <p:cNvPr id="1" name=""/>
+        <p:cNvPr id="1" name="">
+          <a:extLst>
+            <a:ext uri="{FF2B5EF4-FFF2-40B4-BE49-F238E27FC236}">
+              <a16:creationId xmlns:a16="http://schemas.microsoft.com/office/drawing/2014/main" id="{42681478-6CD0-99B0-710E-AED9F1239D6B}"/>
+            </a:ext>
+          </a:extLst>
+        </p:cNvPr>
         <p:cNvGrpSpPr/>
         <p:nvPr/>
       </p:nvGrpSpPr>
@@ -9181,10 +9407,10 @@
       </p:grpSpPr>
       <p:pic>
         <p:nvPicPr>
-          <p:cNvPr id="28" name="Picture 27">
+          <p:cNvPr id="10" name="Picture 9">
             <a:extLst>
               <a:ext uri="{FF2B5EF4-FFF2-40B4-BE49-F238E27FC236}">
-                <a16:creationId xmlns:a16="http://schemas.microsoft.com/office/drawing/2014/main" id="{1A7317F9-AC76-D585-1146-E133E2C6B5A7}"/>
+                <a16:creationId xmlns:a16="http://schemas.microsoft.com/office/drawing/2014/main" id="{234737F2-0169-16FF-CCBB-5D2D41386AB5}"/>
               </a:ext>
             </a:extLst>
           </p:cNvPr>
@@ -9201,8 +9427,8 @@
         </p:blipFill>
         <p:spPr>
           <a:xfrm>
-            <a:off x="2052830" y="2946923"/>
-            <a:ext cx="5480909" cy="2761535"/>
+            <a:off x="2052830" y="2935260"/>
+            <a:ext cx="5721068" cy="2761535"/>
           </a:xfrm>
           <a:prstGeom prst="rect">
             <a:avLst/>
@@ -9223,7 +9449,13 @@
       </p:pic>
       <p:sp>
         <p:nvSpPr>
-          <p:cNvPr id="2" name="Title 1"/>
+          <p:cNvPr id="2" name="Title 1">
+            <a:extLst>
+              <a:ext uri="{FF2B5EF4-FFF2-40B4-BE49-F238E27FC236}">
+                <a16:creationId xmlns:a16="http://schemas.microsoft.com/office/drawing/2014/main" id="{58BA0920-C9AB-E153-25B9-5F09B04EB16E}"/>
+              </a:ext>
+            </a:extLst>
+          </p:cNvPr>
           <p:cNvSpPr>
             <a:spLocks noGrp="1"/>
           </p:cNvSpPr>
@@ -9259,7 +9491,13 @@
       </p:sp>
       <p:sp>
         <p:nvSpPr>
-          <p:cNvPr id="4" name="Slide Number Placeholder 3"/>
+          <p:cNvPr id="4" name="Slide Number Placeholder 3">
+            <a:extLst>
+              <a:ext uri="{FF2B5EF4-FFF2-40B4-BE49-F238E27FC236}">
+                <a16:creationId xmlns:a16="http://schemas.microsoft.com/office/drawing/2014/main" id="{E3930F71-7CD0-248B-D5BC-FA197CBA038F}"/>
+              </a:ext>
+            </a:extLst>
+          </p:cNvPr>
           <p:cNvSpPr>
             <a:spLocks noGrp="1"/>
           </p:cNvSpPr>
@@ -9282,14 +9520,20 @@
       </p:sp>
       <p:sp>
         <p:nvSpPr>
-          <p:cNvPr id="7" name="Rectangle 6"/>
+          <p:cNvPr id="7" name="Rectangle 6">
+            <a:extLst>
+              <a:ext uri="{FF2B5EF4-FFF2-40B4-BE49-F238E27FC236}">
+                <a16:creationId xmlns:a16="http://schemas.microsoft.com/office/drawing/2014/main" id="{2672BAB7-71BB-C241-7E0F-48788CB58126}"/>
+              </a:ext>
+            </a:extLst>
+          </p:cNvPr>
           <p:cNvSpPr/>
           <p:nvPr/>
         </p:nvSpPr>
         <p:spPr>
           <a:xfrm>
-            <a:off x="2161590" y="3588672"/>
-            <a:ext cx="3497100" cy="208252"/>
+            <a:off x="2781264" y="3800268"/>
+            <a:ext cx="3238838" cy="208252"/>
           </a:xfrm>
           <a:prstGeom prst="rect">
             <a:avLst/>
@@ -9328,14 +9572,20 @@
       </p:sp>
       <p:sp>
         <p:nvSpPr>
-          <p:cNvPr id="8" name="Rectangle 7"/>
+          <p:cNvPr id="8" name="Rectangle 7">
+            <a:extLst>
+              <a:ext uri="{FF2B5EF4-FFF2-40B4-BE49-F238E27FC236}">
+                <a16:creationId xmlns:a16="http://schemas.microsoft.com/office/drawing/2014/main" id="{1003A4C6-5510-CA41-4ACA-FA09963AA104}"/>
+              </a:ext>
+            </a:extLst>
+          </p:cNvPr>
           <p:cNvSpPr/>
           <p:nvPr/>
         </p:nvSpPr>
         <p:spPr>
           <a:xfrm>
-            <a:off x="2161590" y="5272884"/>
-            <a:ext cx="5206076" cy="210431"/>
+            <a:off x="2781264" y="5469366"/>
+            <a:ext cx="4889944" cy="210431"/>
           </a:xfrm>
           <a:prstGeom prst="rect">
             <a:avLst/>
@@ -9374,14 +9624,20 @@
       </p:sp>
       <p:sp>
         <p:nvSpPr>
-          <p:cNvPr id="9" name="Rectangle 8"/>
+          <p:cNvPr id="9" name="Rectangle 8">
+            <a:extLst>
+              <a:ext uri="{FF2B5EF4-FFF2-40B4-BE49-F238E27FC236}">
+                <a16:creationId xmlns:a16="http://schemas.microsoft.com/office/drawing/2014/main" id="{D4CC9C79-FC22-CA6A-9A0A-F99F78BAE6A9}"/>
+              </a:ext>
+            </a:extLst>
+          </p:cNvPr>
           <p:cNvSpPr/>
           <p:nvPr/>
         </p:nvSpPr>
         <p:spPr>
           <a:xfrm>
-            <a:off x="2161589" y="4226427"/>
-            <a:ext cx="4943747" cy="202994"/>
+            <a:off x="2781263" y="4430466"/>
+            <a:ext cx="4638111" cy="202994"/>
           </a:xfrm>
           <a:prstGeom prst="rect">
             <a:avLst/>
@@ -9420,13 +9676,19 @@
       </p:sp>
       <p:sp>
         <p:nvSpPr>
-          <p:cNvPr id="3" name="Arrow: Curved Up 2"/>
+          <p:cNvPr id="3" name="Arrow: Curved Up 2">
+            <a:extLst>
+              <a:ext uri="{FF2B5EF4-FFF2-40B4-BE49-F238E27FC236}">
+                <a16:creationId xmlns:a16="http://schemas.microsoft.com/office/drawing/2014/main" id="{E5A2028A-5FA9-1E8C-1EEE-CD43B40C55B1}"/>
+              </a:ext>
+            </a:extLst>
+          </p:cNvPr>
           <p:cNvSpPr/>
           <p:nvPr/>
         </p:nvSpPr>
         <p:spPr>
           <a:xfrm rot="5400000">
-            <a:off x="1488084" y="3812442"/>
+            <a:off x="2107758" y="4024038"/>
             <a:ext cx="830998" cy="383458"/>
           </a:xfrm>
           <a:prstGeom prst="curvedUpArrow">
@@ -9464,7 +9726,13 @@
       </p:sp>
       <p:sp>
         <p:nvSpPr>
-          <p:cNvPr id="5" name="Rectangle 4"/>
+          <p:cNvPr id="5" name="Rectangle 4">
+            <a:extLst>
+              <a:ext uri="{FF2B5EF4-FFF2-40B4-BE49-F238E27FC236}">
+                <a16:creationId xmlns:a16="http://schemas.microsoft.com/office/drawing/2014/main" id="{CF78BBDE-23B5-74FC-FEE1-40A7A5B5920C}"/>
+              </a:ext>
+            </a:extLst>
+          </p:cNvPr>
           <p:cNvSpPr/>
           <p:nvPr/>
         </p:nvSpPr>
@@ -9523,7 +9791,7 @@
           <p:cNvPr id="12" name="Group 11">
             <a:extLst>
               <a:ext uri="{FF2B5EF4-FFF2-40B4-BE49-F238E27FC236}">
-                <a16:creationId xmlns:a16="http://schemas.microsoft.com/office/drawing/2014/main" id="{9575EDA6-6E6C-5350-20D9-ED25F81D72B7}"/>
+                <a16:creationId xmlns:a16="http://schemas.microsoft.com/office/drawing/2014/main" id="{C8B78BCC-0D6F-151C-4D28-B308BA6E1505}"/>
               </a:ext>
             </a:extLst>
           </p:cNvPr>
@@ -9532,7 +9800,7 @@
         </p:nvGrpSpPr>
         <p:grpSpPr>
           <a:xfrm>
-            <a:off x="4587110" y="2876475"/>
+            <a:off x="4851605" y="3095628"/>
             <a:ext cx="1076632" cy="369332"/>
             <a:chOff x="4968362" y="2079211"/>
             <a:chExt cx="1076632" cy="369332"/>
@@ -9543,7 +9811,7 @@
             <p:cNvPr id="13" name="Straight Arrow Connector 12">
               <a:extLst>
                 <a:ext uri="{FF2B5EF4-FFF2-40B4-BE49-F238E27FC236}">
-                  <a16:creationId xmlns:a16="http://schemas.microsoft.com/office/drawing/2014/main" id="{F549B789-BBAC-87BB-2808-FA62B606D878}"/>
+                  <a16:creationId xmlns:a16="http://schemas.microsoft.com/office/drawing/2014/main" id="{B99F2777-C684-DAA1-9C95-0A49B2C5BF4E}"/>
                 </a:ext>
               </a:extLst>
             </p:cNvPr>
@@ -9587,7 +9855,7 @@
             <p:cNvPr id="14" name="TextBox 13">
               <a:extLst>
                 <a:ext uri="{FF2B5EF4-FFF2-40B4-BE49-F238E27FC236}">
-                  <a16:creationId xmlns:a16="http://schemas.microsoft.com/office/drawing/2014/main" id="{4E7906DF-ED5F-E5EC-2690-79AC3F1AF8EC}"/>
+                  <a16:creationId xmlns:a16="http://schemas.microsoft.com/office/drawing/2014/main" id="{E5613562-C6F0-C92B-AC58-1DED4644101A}"/>
                 </a:ext>
               </a:extLst>
             </p:cNvPr>
@@ -9643,7 +9911,7 @@
           <p:cNvPr id="15" name="Group 14">
             <a:extLst>
               <a:ext uri="{FF2B5EF4-FFF2-40B4-BE49-F238E27FC236}">
-                <a16:creationId xmlns:a16="http://schemas.microsoft.com/office/drawing/2014/main" id="{CB07581C-58EB-1044-7FE9-E718C64B153E}"/>
+                <a16:creationId xmlns:a16="http://schemas.microsoft.com/office/drawing/2014/main" id="{9FD2F459-6AB2-65D6-77BB-53A7AD399F36}"/>
               </a:ext>
             </a:extLst>
           </p:cNvPr>
@@ -9652,7 +9920,7 @@
         </p:nvGrpSpPr>
         <p:grpSpPr>
           <a:xfrm>
-            <a:off x="4588854" y="3089207"/>
+            <a:off x="4853349" y="3308360"/>
             <a:ext cx="1076632" cy="369332"/>
             <a:chOff x="4704120" y="2356972"/>
             <a:chExt cx="1076632" cy="369332"/>
@@ -9663,7 +9931,7 @@
             <p:cNvPr id="16" name="Straight Arrow Connector 15">
               <a:extLst>
                 <a:ext uri="{FF2B5EF4-FFF2-40B4-BE49-F238E27FC236}">
-                  <a16:creationId xmlns:a16="http://schemas.microsoft.com/office/drawing/2014/main" id="{382BC5EB-E905-478F-0F30-B9F6DEB142BB}"/>
+                  <a16:creationId xmlns:a16="http://schemas.microsoft.com/office/drawing/2014/main" id="{C2578402-79C7-03CB-2B0B-5D8F9753D410}"/>
                 </a:ext>
               </a:extLst>
             </p:cNvPr>
@@ -9707,7 +9975,7 @@
             <p:cNvPr id="17" name="TextBox 16">
               <a:extLst>
                 <a:ext uri="{FF2B5EF4-FFF2-40B4-BE49-F238E27FC236}">
-                  <a16:creationId xmlns:a16="http://schemas.microsoft.com/office/drawing/2014/main" id="{5C86C9C9-0849-FFA4-0D2E-06D1FBECC51C}"/>
+                  <a16:creationId xmlns:a16="http://schemas.microsoft.com/office/drawing/2014/main" id="{76DAEBC0-C916-40E2-EC5B-10C6367DF228}"/>
                 </a:ext>
               </a:extLst>
             </p:cNvPr>
@@ -9763,7 +10031,7 @@
           <p:cNvPr id="18" name="Group 17">
             <a:extLst>
               <a:ext uri="{FF2B5EF4-FFF2-40B4-BE49-F238E27FC236}">
-                <a16:creationId xmlns:a16="http://schemas.microsoft.com/office/drawing/2014/main" id="{63062899-F733-FD5B-9BBF-F2A811BCC24E}"/>
+                <a16:creationId xmlns:a16="http://schemas.microsoft.com/office/drawing/2014/main" id="{A2103DF9-BF64-F944-E26A-8B6E0439483A}"/>
               </a:ext>
             </a:extLst>
           </p:cNvPr>
@@ -9772,7 +10040,7 @@
         </p:nvGrpSpPr>
         <p:grpSpPr>
           <a:xfrm>
-            <a:off x="5671747" y="3505634"/>
+            <a:off x="6105316" y="3721232"/>
             <a:ext cx="1068643" cy="369332"/>
             <a:chOff x="3647644" y="4910075"/>
             <a:chExt cx="1068643" cy="369332"/>
@@ -9783,7 +10051,7 @@
             <p:cNvPr id="19" name="TextBox 18">
               <a:extLst>
                 <a:ext uri="{FF2B5EF4-FFF2-40B4-BE49-F238E27FC236}">
-                  <a16:creationId xmlns:a16="http://schemas.microsoft.com/office/drawing/2014/main" id="{DD00A841-48AA-2C42-858E-4BAAD2F44B94}"/>
+                  <a16:creationId xmlns:a16="http://schemas.microsoft.com/office/drawing/2014/main" id="{A760D8FE-EC2C-0CEF-A7A6-2CAE384261D1}"/>
                 </a:ext>
               </a:extLst>
             </p:cNvPr>
@@ -9838,7 +10106,7 @@
             <p:cNvPr id="20" name="Straight Arrow Connector 19">
               <a:extLst>
                 <a:ext uri="{FF2B5EF4-FFF2-40B4-BE49-F238E27FC236}">
-                  <a16:creationId xmlns:a16="http://schemas.microsoft.com/office/drawing/2014/main" id="{3D4AB3CB-C243-3951-81C0-324A90C461DF}"/>
+                  <a16:creationId xmlns:a16="http://schemas.microsoft.com/office/drawing/2014/main" id="{BD7FA7B6-49B7-FBAD-8775-EE09B9B9E41B}"/>
                 </a:ext>
               </a:extLst>
             </p:cNvPr>
@@ -9883,7 +10151,7 @@
           <p:cNvPr id="21" name="Group 20">
             <a:extLst>
               <a:ext uri="{FF2B5EF4-FFF2-40B4-BE49-F238E27FC236}">
-                <a16:creationId xmlns:a16="http://schemas.microsoft.com/office/drawing/2014/main" id="{CC4F2D0F-A746-CC55-FB97-009D937D17A0}"/>
+                <a16:creationId xmlns:a16="http://schemas.microsoft.com/office/drawing/2014/main" id="{79C78508-857B-908B-B775-8847FB7EB713}"/>
               </a:ext>
             </a:extLst>
           </p:cNvPr>
@@ -9892,7 +10160,7 @@
         </p:nvGrpSpPr>
         <p:grpSpPr>
           <a:xfrm>
-            <a:off x="5276299" y="3747464"/>
+            <a:off x="5630033" y="3943399"/>
             <a:ext cx="1064340" cy="369332"/>
             <a:chOff x="3647644" y="5421073"/>
             <a:chExt cx="1064340" cy="369332"/>
@@ -9903,7 +10171,7 @@
             <p:cNvPr id="22" name="TextBox 21">
               <a:extLst>
                 <a:ext uri="{FF2B5EF4-FFF2-40B4-BE49-F238E27FC236}">
-                  <a16:creationId xmlns:a16="http://schemas.microsoft.com/office/drawing/2014/main" id="{AE50DC16-AD4B-ADA8-25F5-F5A6C4E88B2A}"/>
+                  <a16:creationId xmlns:a16="http://schemas.microsoft.com/office/drawing/2014/main" id="{7EF4B4B8-BB6B-D6D8-D861-F3B5FA0A4EA9}"/>
                 </a:ext>
               </a:extLst>
             </p:cNvPr>
@@ -9958,7 +10226,7 @@
             <p:cNvPr id="23" name="Straight Arrow Connector 22">
               <a:extLst>
                 <a:ext uri="{FF2B5EF4-FFF2-40B4-BE49-F238E27FC236}">
-                  <a16:creationId xmlns:a16="http://schemas.microsoft.com/office/drawing/2014/main" id="{80A59B4B-FC67-A2D1-195D-16D8A7B03A23}"/>
+                  <a16:creationId xmlns:a16="http://schemas.microsoft.com/office/drawing/2014/main" id="{E41068EF-9F29-A3A0-761E-8441F7A1EDB0}"/>
                 </a:ext>
               </a:extLst>
             </p:cNvPr>
@@ -10003,7 +10271,7 @@
           <p:cNvPr id="29" name="Group 28">
             <a:extLst>
               <a:ext uri="{FF2B5EF4-FFF2-40B4-BE49-F238E27FC236}">
-                <a16:creationId xmlns:a16="http://schemas.microsoft.com/office/drawing/2014/main" id="{0BAEABF1-CFE9-3704-2CA4-D1EFDDDDFD53}"/>
+                <a16:creationId xmlns:a16="http://schemas.microsoft.com/office/drawing/2014/main" id="{D9383A2C-D9BE-856D-6898-6551D23354D0}"/>
               </a:ext>
             </a:extLst>
           </p:cNvPr>
@@ -10012,7 +10280,7 @@
         </p:nvGrpSpPr>
         <p:grpSpPr>
           <a:xfrm>
-            <a:off x="4707254" y="3935138"/>
+            <a:off x="5049244" y="4144267"/>
             <a:ext cx="1068643" cy="369332"/>
             <a:chOff x="3647644" y="5359159"/>
             <a:chExt cx="1068643" cy="369332"/>
@@ -10023,7 +10291,7 @@
             <p:cNvPr id="30" name="TextBox 29">
               <a:extLst>
                 <a:ext uri="{FF2B5EF4-FFF2-40B4-BE49-F238E27FC236}">
-                  <a16:creationId xmlns:a16="http://schemas.microsoft.com/office/drawing/2014/main" id="{4E8C7996-944A-8CE7-6886-BC55AAF8D276}"/>
+                  <a16:creationId xmlns:a16="http://schemas.microsoft.com/office/drawing/2014/main" id="{E5C0ED34-0226-4C64-F469-7F51F254D2E3}"/>
                 </a:ext>
               </a:extLst>
             </p:cNvPr>
@@ -10078,7 +10346,7 @@
             <p:cNvPr id="31" name="Straight Arrow Connector 30">
               <a:extLst>
                 <a:ext uri="{FF2B5EF4-FFF2-40B4-BE49-F238E27FC236}">
-                  <a16:creationId xmlns:a16="http://schemas.microsoft.com/office/drawing/2014/main" id="{A86F9C16-F270-9617-D088-114E3F0285BC}"/>
+                  <a16:creationId xmlns:a16="http://schemas.microsoft.com/office/drawing/2014/main" id="{88533B7F-2F85-955C-7344-C2B7DD9090C4}"/>
                 </a:ext>
               </a:extLst>
             </p:cNvPr>
@@ -10123,7 +10391,7 @@
           <p:cNvPr id="32" name="Group 31">
             <a:extLst>
               <a:ext uri="{FF2B5EF4-FFF2-40B4-BE49-F238E27FC236}">
-                <a16:creationId xmlns:a16="http://schemas.microsoft.com/office/drawing/2014/main" id="{55445E62-D284-AB11-7E06-0EB0F86500D9}"/>
+                <a16:creationId xmlns:a16="http://schemas.microsoft.com/office/drawing/2014/main" id="{ADAB10C7-607D-356E-BA3D-260D93684578}"/>
               </a:ext>
             </a:extLst>
           </p:cNvPr>
@@ -10132,7 +10400,7 @@
         </p:nvGrpSpPr>
         <p:grpSpPr>
           <a:xfrm>
-            <a:off x="7183158" y="4143024"/>
+            <a:off x="7457364" y="4346255"/>
             <a:ext cx="1076632" cy="369332"/>
             <a:chOff x="2157212" y="5356391"/>
             <a:chExt cx="1076632" cy="369332"/>
@@ -10143,7 +10411,7 @@
             <p:cNvPr id="33" name="TextBox 32">
               <a:extLst>
                 <a:ext uri="{FF2B5EF4-FFF2-40B4-BE49-F238E27FC236}">
-                  <a16:creationId xmlns:a16="http://schemas.microsoft.com/office/drawing/2014/main" id="{4CAE571A-7945-ECC4-4B3B-116443F45D9B}"/>
+                  <a16:creationId xmlns:a16="http://schemas.microsoft.com/office/drawing/2014/main" id="{AE611E04-1FA1-0048-7428-EED37D85546D}"/>
                 </a:ext>
               </a:extLst>
             </p:cNvPr>
@@ -10198,7 +10466,7 @@
             <p:cNvPr id="34" name="Straight Arrow Connector 33">
               <a:extLst>
                 <a:ext uri="{FF2B5EF4-FFF2-40B4-BE49-F238E27FC236}">
-                  <a16:creationId xmlns:a16="http://schemas.microsoft.com/office/drawing/2014/main" id="{EEDCFCFD-A764-002A-41A3-11F23F7F9A78}"/>
+                  <a16:creationId xmlns:a16="http://schemas.microsoft.com/office/drawing/2014/main" id="{2B9D9CEB-5FE1-7988-2A17-D97D937B033B}"/>
                 </a:ext>
               </a:extLst>
             </p:cNvPr>
@@ -10243,7 +10511,7 @@
           <p:cNvPr id="35" name="Group 34">
             <a:extLst>
               <a:ext uri="{FF2B5EF4-FFF2-40B4-BE49-F238E27FC236}">
-                <a16:creationId xmlns:a16="http://schemas.microsoft.com/office/drawing/2014/main" id="{75FC72E6-EA3B-47B9-F2DA-0B87DAB76226}"/>
+                <a16:creationId xmlns:a16="http://schemas.microsoft.com/office/drawing/2014/main" id="{93194517-9FFC-B684-00EA-DFED026A6A20}"/>
               </a:ext>
             </a:extLst>
           </p:cNvPr>
@@ -10252,7 +10520,7 @@
         </p:nvGrpSpPr>
         <p:grpSpPr>
           <a:xfrm>
-            <a:off x="4168938" y="4563838"/>
+            <a:off x="4475704" y="4754392"/>
             <a:ext cx="1076632" cy="369332"/>
             <a:chOff x="2157212" y="5356391"/>
             <a:chExt cx="1076632" cy="369332"/>
@@ -10263,7 +10531,7 @@
             <p:cNvPr id="36" name="TextBox 35">
               <a:extLst>
                 <a:ext uri="{FF2B5EF4-FFF2-40B4-BE49-F238E27FC236}">
-                  <a16:creationId xmlns:a16="http://schemas.microsoft.com/office/drawing/2014/main" id="{31E89847-4C63-5C69-E1DC-47DE947256CF}"/>
+                  <a16:creationId xmlns:a16="http://schemas.microsoft.com/office/drawing/2014/main" id="{25FAFF77-D9D5-F424-E264-E45571FCD568}"/>
                 </a:ext>
               </a:extLst>
             </p:cNvPr>
@@ -10318,7 +10586,7 @@
             <p:cNvPr id="37" name="Straight Arrow Connector 36">
               <a:extLst>
                 <a:ext uri="{FF2B5EF4-FFF2-40B4-BE49-F238E27FC236}">
-                  <a16:creationId xmlns:a16="http://schemas.microsoft.com/office/drawing/2014/main" id="{37B262B2-BF1C-1797-7456-535AEE0549D3}"/>
+                  <a16:creationId xmlns:a16="http://schemas.microsoft.com/office/drawing/2014/main" id="{8CEFE934-C22C-290C-ACEF-776281698B80}"/>
                 </a:ext>
               </a:extLst>
             </p:cNvPr>
@@ -10363,7 +10631,7 @@
           <p:cNvPr id="38" name="Picture 37">
             <a:extLst>
               <a:ext uri="{FF2B5EF4-FFF2-40B4-BE49-F238E27FC236}">
-                <a16:creationId xmlns:a16="http://schemas.microsoft.com/office/drawing/2014/main" id="{E10C7389-9590-80C3-26D2-CBEEC4380545}"/>
+                <a16:creationId xmlns:a16="http://schemas.microsoft.com/office/drawing/2014/main" id="{C780008E-1DF4-BB5C-F92F-60D67010FAE2}"/>
               </a:ext>
             </a:extLst>
           </p:cNvPr>
@@ -10398,7 +10666,7 @@
     </p:spTree>
     <p:extLst>
       <p:ext uri="{BB962C8B-B14F-4D97-AF65-F5344CB8AC3E}">
-        <p14:creationId xmlns:p14="http://schemas.microsoft.com/office/powerpoint/2010/main" val="1580521705"/>
+        <p14:creationId xmlns:p14="http://schemas.microsoft.com/office/powerpoint/2010/main" val="1449069037"/>
       </p:ext>
     </p:extLst>
   </p:cSld>
@@ -10442,7 +10710,7 @@
                                           </p:stCondLst>
                                         </p:cTn>
                                         <p:tgtEl>
-                                          <p:spTgt spid="28"/>
+                                          <p:spTgt spid="10"/>
                                         </p:tgtEl>
                                         <p:attrNameLst>
                                           <p:attrName>style.visibility</p:attrName>
@@ -10456,7 +10724,7 @@
                                       <p:cBhvr>
                                         <p:cTn id="7" dur="500"/>
                                         <p:tgtEl>
-                                          <p:spTgt spid="28"/>
+                                          <p:spTgt spid="10"/>
                                         </p:tgtEl>
                                       </p:cBhvr>
                                     </p:animEffect>
@@ -10616,36 +10884,27 @@
                             </p:childTnLst>
                           </p:cTn>
                         </p:par>
-                      </p:childTnLst>
-                    </p:cTn>
-                  </p:par>
-                  <p:par>
-                    <p:cTn id="22" fill="hold">
-                      <p:stCondLst>
-                        <p:cond delay="indefinite"/>
-                      </p:stCondLst>
-                      <p:childTnLst>
                         <p:par>
-                          <p:cTn id="23" fill="hold">
+                          <p:cTn id="22" fill="hold">
                             <p:stCondLst>
-                              <p:cond delay="0"/>
+                              <p:cond delay="500"/>
                             </p:stCondLst>
                             <p:childTnLst>
                               <p:par>
-                                <p:cTn id="24" presetID="22" presetClass="entr" presetSubtype="2" fill="hold" nodeType="clickEffect">
+                                <p:cTn id="23" presetID="2" presetClass="entr" presetSubtype="8" fill="hold" nodeType="afterEffect">
                                   <p:stCondLst>
                                     <p:cond delay="0"/>
                                   </p:stCondLst>
                                   <p:childTnLst>
                                     <p:set>
                                       <p:cBhvr>
-                                        <p:cTn id="25" dur="1" fill="hold">
+                                        <p:cTn id="24" dur="1" fill="hold">
                                           <p:stCondLst>
                                             <p:cond delay="0"/>
                                           </p:stCondLst>
                                         </p:cTn>
                                         <p:tgtEl>
-                                          <p:spTgt spid="21"/>
+                                          <p:spTgt spid="38"/>
                                         </p:tgtEl>
                                         <p:attrNameLst>
                                           <p:attrName>style.visibility</p:attrName>
@@ -10655,14 +10914,52 @@
                                         <p:strVal val="visible"/>
                                       </p:to>
                                     </p:set>
-                                    <p:animEffect transition="in" filter="wipe(right)">
-                                      <p:cBhvr>
-                                        <p:cTn id="26" dur="500"/>
+                                    <p:anim calcmode="lin" valueType="num">
+                                      <p:cBhvr additive="base">
+                                        <p:cTn id="25" dur="500" fill="hold"/>
                                         <p:tgtEl>
-                                          <p:spTgt spid="21"/>
+                                          <p:spTgt spid="38"/>
                                         </p:tgtEl>
+                                        <p:attrNameLst>
+                                          <p:attrName>ppt_x</p:attrName>
+                                        </p:attrNameLst>
                                       </p:cBhvr>
-                                    </p:animEffect>
+                                      <p:tavLst>
+                                        <p:tav tm="0">
+                                          <p:val>
+                                            <p:strVal val="0-#ppt_w/2"/>
+                                          </p:val>
+                                        </p:tav>
+                                        <p:tav tm="100000">
+                                          <p:val>
+                                            <p:strVal val="#ppt_x"/>
+                                          </p:val>
+                                        </p:tav>
+                                      </p:tavLst>
+                                    </p:anim>
+                                    <p:anim calcmode="lin" valueType="num">
+                                      <p:cBhvr additive="base">
+                                        <p:cTn id="26" dur="500" fill="hold"/>
+                                        <p:tgtEl>
+                                          <p:spTgt spid="38"/>
+                                        </p:tgtEl>
+                                        <p:attrNameLst>
+                                          <p:attrName>ppt_y</p:attrName>
+                                        </p:attrNameLst>
+                                      </p:cBhvr>
+                                      <p:tavLst>
+                                        <p:tav tm="0">
+                                          <p:val>
+                                            <p:strVal val="#ppt_y"/>
+                                          </p:val>
+                                        </p:tav>
+                                        <p:tav tm="100000">
+                                          <p:val>
+                                            <p:strVal val="#ppt_y"/>
+                                          </p:val>
+                                        </p:tav>
+                                      </p:tavLst>
+                                    </p:anim>
                                   </p:childTnLst>
                                 </p:cTn>
                               </p:par>
@@ -10698,7 +10995,7 @@
                                           </p:stCondLst>
                                         </p:cTn>
                                         <p:tgtEl>
-                                          <p:spTgt spid="29"/>
+                                          <p:spTgt spid="21"/>
                                         </p:tgtEl>
                                         <p:attrNameLst>
                                           <p:attrName>style.visibility</p:attrName>
@@ -10712,7 +11009,7 @@
                                       <p:cBhvr>
                                         <p:cTn id="31" dur="500"/>
                                         <p:tgtEl>
-                                          <p:spTgt spid="29"/>
+                                          <p:spTgt spid="21"/>
                                         </p:tgtEl>
                                       </p:cBhvr>
                                     </p:animEffect>
@@ -10751,7 +11048,7 @@
                                           </p:stCondLst>
                                         </p:cTn>
                                         <p:tgtEl>
-                                          <p:spTgt spid="32"/>
+                                          <p:spTgt spid="29"/>
                                         </p:tgtEl>
                                         <p:attrNameLst>
                                           <p:attrName>style.visibility</p:attrName>
@@ -10765,7 +11062,7 @@
                                       <p:cBhvr>
                                         <p:cTn id="36" dur="500"/>
                                         <p:tgtEl>
-                                          <p:spTgt spid="32"/>
+                                          <p:spTgt spid="29"/>
                                         </p:tgtEl>
                                       </p:cBhvr>
                                     </p:animEffect>
@@ -10791,7 +11088,7 @@
                             </p:stCondLst>
                             <p:childTnLst>
                               <p:par>
-                                <p:cTn id="39" presetID="22" presetClass="entr" presetSubtype="8" fill="hold" grpId="0" nodeType="clickEffect">
+                                <p:cTn id="39" presetID="22" presetClass="entr" presetSubtype="2" fill="hold" nodeType="clickEffect">
                                   <p:stCondLst>
                                     <p:cond delay="0"/>
                                   </p:stCondLst>
@@ -10804,7 +11101,7 @@
                                           </p:stCondLst>
                                         </p:cTn>
                                         <p:tgtEl>
-                                          <p:spTgt spid="7"/>
+                                          <p:spTgt spid="32"/>
                                         </p:tgtEl>
                                         <p:attrNameLst>
                                           <p:attrName>style.visibility</p:attrName>
@@ -10814,11 +11111,11 @@
                                         <p:strVal val="visible"/>
                                       </p:to>
                                     </p:set>
-                                    <p:animEffect transition="in" filter="wipe(left)">
+                                    <p:animEffect transition="in" filter="wipe(right)">
                                       <p:cBhvr>
                                         <p:cTn id="41" dur="500"/>
                                         <p:tgtEl>
-                                          <p:spTgt spid="7"/>
+                                          <p:spTgt spid="32"/>
                                         </p:tgtEl>
                                       </p:cBhvr>
                                     </p:animEffect>
@@ -10848,7 +11145,7 @@
                                           </p:stCondLst>
                                         </p:cTn>
                                         <p:tgtEl>
-                                          <p:spTgt spid="9"/>
+                                          <p:spTgt spid="7"/>
                                         </p:tgtEl>
                                         <p:attrNameLst>
                                           <p:attrName>style.visibility</p:attrName>
@@ -10862,7 +11159,7 @@
                                       <p:cBhvr>
                                         <p:cTn id="45" dur="500"/>
                                         <p:tgtEl>
-                                          <p:spTgt spid="9"/>
+                                          <p:spTgt spid="7"/>
                                         </p:tgtEl>
                                       </p:cBhvr>
                                     </p:animEffect>
@@ -10879,7 +11176,7 @@
                             </p:stCondLst>
                             <p:childTnLst>
                               <p:par>
-                                <p:cTn id="47" presetID="2" presetClass="entr" presetSubtype="8" fill="hold" nodeType="afterEffect">
+                                <p:cTn id="47" presetID="22" presetClass="entr" presetSubtype="8" fill="hold" grpId="0" nodeType="afterEffect">
                                   <p:stCondLst>
                                     <p:cond delay="0"/>
                                   </p:stCondLst>
@@ -10892,7 +11189,7 @@
                                           </p:stCondLst>
                                         </p:cTn>
                                         <p:tgtEl>
-                                          <p:spTgt spid="38"/>
+                                          <p:spTgt spid="9"/>
                                         </p:tgtEl>
                                         <p:attrNameLst>
                                           <p:attrName>style.visibility</p:attrName>
@@ -10902,52 +11199,14 @@
                                         <p:strVal val="visible"/>
                                       </p:to>
                                     </p:set>
-                                    <p:anim calcmode="lin" valueType="num">
-                                      <p:cBhvr additive="base">
-                                        <p:cTn id="49" dur="500" fill="hold"/>
+                                    <p:animEffect transition="in" filter="wipe(left)">
+                                      <p:cBhvr>
+                                        <p:cTn id="49" dur="500"/>
                                         <p:tgtEl>
-                                          <p:spTgt spid="38"/>
+                                          <p:spTgt spid="9"/>
                                         </p:tgtEl>
-                                        <p:attrNameLst>
-                                          <p:attrName>ppt_x</p:attrName>
-                                        </p:attrNameLst>
                                       </p:cBhvr>
-                                      <p:tavLst>
-                                        <p:tav tm="0">
-                                          <p:val>
-                                            <p:strVal val="0-#ppt_w/2"/>
-                                          </p:val>
-                                        </p:tav>
-                                        <p:tav tm="100000">
-                                          <p:val>
-                                            <p:strVal val="#ppt_x"/>
-                                          </p:val>
-                                        </p:tav>
-                                      </p:tavLst>
-                                    </p:anim>
-                                    <p:anim calcmode="lin" valueType="num">
-                                      <p:cBhvr additive="base">
-                                        <p:cTn id="50" dur="500" fill="hold"/>
-                                        <p:tgtEl>
-                                          <p:spTgt spid="38"/>
-                                        </p:tgtEl>
-                                        <p:attrNameLst>
-                                          <p:attrName>ppt_y</p:attrName>
-                                        </p:attrNameLst>
-                                      </p:cBhvr>
-                                      <p:tavLst>
-                                        <p:tav tm="0">
-                                          <p:val>
-                                            <p:strVal val="#ppt_y"/>
-                                          </p:val>
-                                        </p:tav>
-                                        <p:tav tm="100000">
-                                          <p:val>
-                                            <p:strVal val="#ppt_y"/>
-                                          </p:val>
-                                        </p:tav>
-                                      </p:tavLst>
-                                    </p:anim>
+                                    </p:animEffect>
                                   </p:childTnLst>
                                 </p:cTn>
                               </p:par>
@@ -10955,20 +11214,20 @@
                           </p:cTn>
                         </p:par>
                         <p:par>
-                          <p:cTn id="51" fill="hold">
+                          <p:cTn id="50" fill="hold">
                             <p:stCondLst>
                               <p:cond delay="1500"/>
                             </p:stCondLst>
                             <p:childTnLst>
                               <p:par>
-                                <p:cTn id="52" presetID="22" presetClass="entr" presetSubtype="1" fill="hold" grpId="0" nodeType="afterEffect">
+                                <p:cTn id="51" presetID="22" presetClass="entr" presetSubtype="1" fill="hold" grpId="0" nodeType="afterEffect">
                                   <p:stCondLst>
                                     <p:cond delay="0"/>
                                   </p:stCondLst>
                                   <p:childTnLst>
                                     <p:set>
                                       <p:cBhvr>
-                                        <p:cTn id="53" dur="1" fill="hold">
+                                        <p:cTn id="52" dur="1" fill="hold">
                                           <p:stCondLst>
                                             <p:cond delay="0"/>
                                           </p:stCondLst>
@@ -10986,7 +11245,7 @@
                                     </p:set>
                                     <p:animEffect transition="in" filter="wipe(up)">
                                       <p:cBhvr>
-                                        <p:cTn id="54" dur="500"/>
+                                        <p:cTn id="53" dur="500"/>
                                         <p:tgtEl>
                                           <p:spTgt spid="3"/>
                                         </p:tgtEl>
@@ -11002,26 +11261,26 @@
                     </p:cTn>
                   </p:par>
                   <p:par>
-                    <p:cTn id="55" fill="hold">
+                    <p:cTn id="54" fill="hold">
                       <p:stCondLst>
                         <p:cond delay="indefinite"/>
                       </p:stCondLst>
                       <p:childTnLst>
                         <p:par>
-                          <p:cTn id="56" fill="hold">
+                          <p:cTn id="55" fill="hold">
                             <p:stCondLst>
                               <p:cond delay="0"/>
                             </p:stCondLst>
                             <p:childTnLst>
                               <p:par>
-                                <p:cTn id="57" presetID="22" presetClass="entr" presetSubtype="2" fill="hold" nodeType="clickEffect">
+                                <p:cTn id="56" presetID="22" presetClass="entr" presetSubtype="2" fill="hold" nodeType="clickEffect">
                                   <p:stCondLst>
                                     <p:cond delay="0"/>
                                   </p:stCondLst>
                                   <p:childTnLst>
                                     <p:set>
                                       <p:cBhvr>
-                                        <p:cTn id="58" dur="1" fill="hold">
+                                        <p:cTn id="57" dur="1" fill="hold">
                                           <p:stCondLst>
                                             <p:cond delay="0"/>
                                           </p:stCondLst>
@@ -11039,7 +11298,7 @@
                                     </p:set>
                                     <p:animEffect transition="in" filter="wipe(right)">
                                       <p:cBhvr>
-                                        <p:cTn id="59" dur="500"/>
+                                        <p:cTn id="58" dur="500"/>
                                         <p:tgtEl>
                                           <p:spTgt spid="35"/>
                                         </p:tgtEl>
@@ -11055,26 +11314,26 @@
                     </p:cTn>
                   </p:par>
                   <p:par>
-                    <p:cTn id="60" fill="hold">
+                    <p:cTn id="59" fill="hold">
                       <p:stCondLst>
                         <p:cond delay="indefinite"/>
                       </p:stCondLst>
                       <p:childTnLst>
                         <p:par>
-                          <p:cTn id="61" fill="hold">
+                          <p:cTn id="60" fill="hold">
                             <p:stCondLst>
                               <p:cond delay="0"/>
                             </p:stCondLst>
                             <p:childTnLst>
                               <p:par>
-                                <p:cTn id="62" presetID="22" presetClass="entr" presetSubtype="8" fill="hold" grpId="0" nodeType="clickEffect">
+                                <p:cTn id="61" presetID="22" presetClass="entr" presetSubtype="8" fill="hold" grpId="0" nodeType="clickEffect">
                                   <p:stCondLst>
                                     <p:cond delay="0"/>
                                   </p:stCondLst>
                                   <p:childTnLst>
                                     <p:set>
                                       <p:cBhvr>
-                                        <p:cTn id="63" dur="1" fill="hold">
+                                        <p:cTn id="62" dur="1" fill="hold">
                                           <p:stCondLst>
                                             <p:cond delay="0"/>
                                           </p:stCondLst>
@@ -11092,7 +11351,7 @@
                                     </p:set>
                                     <p:animEffect transition="in" filter="wipe(left)">
                                       <p:cBhvr>
-                                        <p:cTn id="64" dur="500"/>
+                                        <p:cTn id="63" dur="500"/>
                                         <p:tgtEl>
                                           <p:spTgt spid="8"/>
                                         </p:tgtEl>
@@ -12867,6 +13126,46 @@
           </a:effectLst>
         </p:spPr>
       </p:pic>
+      <p:sp>
+        <p:nvSpPr>
+          <p:cNvPr id="5" name="TextBox 4">
+            <a:extLst>
+              <a:ext uri="{FF2B5EF4-FFF2-40B4-BE49-F238E27FC236}">
+                <a16:creationId xmlns:a16="http://schemas.microsoft.com/office/drawing/2014/main" id="{E62CA739-AC0A-A03D-44CF-01E1E5EF7A8E}"/>
+              </a:ext>
+            </a:extLst>
+          </p:cNvPr>
+          <p:cNvSpPr txBox="1"/>
+          <p:nvPr/>
+        </p:nvSpPr>
+        <p:spPr>
+          <a:xfrm>
+            <a:off x="7252353" y="497779"/>
+            <a:ext cx="1514007" cy="923330"/>
+          </a:xfrm>
+          <a:prstGeom prst="rect">
+            <a:avLst/>
+          </a:prstGeom>
+          <a:noFill/>
+        </p:spPr>
+        <p:txBody>
+          <a:bodyPr wrap="square" rtlCol="0">
+            <a:spAutoFit/>
+          </a:bodyPr>
+          <a:lstStyle/>
+          <a:p>
+            <a:pPr algn="ctr"/>
+            <a:r>
+              <a:rPr lang="en-US" b="1" dirty="0">
+                <a:solidFill>
+                  <a:srgbClr val="00B050"/>
+                </a:solidFill>
+              </a:rPr>
+              <a:t>Note: You should not edit this file!</a:t>
+            </a:r>
+          </a:p>
+        </p:txBody>
+      </p:sp>
     </p:spTree>
     <p:extLst>
       <p:ext uri="{BB962C8B-B14F-4D97-AF65-F5344CB8AC3E}">
@@ -12901,7 +13200,7 @@
                             </p:stCondLst>
                             <p:childTnLst>
                               <p:par>
-                                <p:cTn id="5" presetID="22" presetClass="entr" presetSubtype="1" fill="hold" nodeType="afterEffect">
+                                <p:cTn id="5" presetID="2" presetClass="entr" presetSubtype="1" fill="hold" grpId="0" nodeType="afterEffect">
                                   <p:stCondLst>
                                     <p:cond delay="0"/>
                                   </p:stCondLst>
@@ -12909,6 +13208,88 @@
                                     <p:set>
                                       <p:cBhvr>
                                         <p:cTn id="6" dur="1" fill="hold">
+                                          <p:stCondLst>
+                                            <p:cond delay="0"/>
+                                          </p:stCondLst>
+                                        </p:cTn>
+                                        <p:tgtEl>
+                                          <p:spTgt spid="5"/>
+                                        </p:tgtEl>
+                                        <p:attrNameLst>
+                                          <p:attrName>style.visibility</p:attrName>
+                                        </p:attrNameLst>
+                                      </p:cBhvr>
+                                      <p:to>
+                                        <p:strVal val="visible"/>
+                                      </p:to>
+                                    </p:set>
+                                    <p:anim calcmode="lin" valueType="num">
+                                      <p:cBhvr additive="base">
+                                        <p:cTn id="7" dur="500" fill="hold"/>
+                                        <p:tgtEl>
+                                          <p:spTgt spid="5"/>
+                                        </p:tgtEl>
+                                        <p:attrNameLst>
+                                          <p:attrName>ppt_x</p:attrName>
+                                        </p:attrNameLst>
+                                      </p:cBhvr>
+                                      <p:tavLst>
+                                        <p:tav tm="0">
+                                          <p:val>
+                                            <p:strVal val="#ppt_x"/>
+                                          </p:val>
+                                        </p:tav>
+                                        <p:tav tm="100000">
+                                          <p:val>
+                                            <p:strVal val="#ppt_x"/>
+                                          </p:val>
+                                        </p:tav>
+                                      </p:tavLst>
+                                    </p:anim>
+                                    <p:anim calcmode="lin" valueType="num">
+                                      <p:cBhvr additive="base">
+                                        <p:cTn id="8" dur="500" fill="hold"/>
+                                        <p:tgtEl>
+                                          <p:spTgt spid="5"/>
+                                        </p:tgtEl>
+                                        <p:attrNameLst>
+                                          <p:attrName>ppt_y</p:attrName>
+                                        </p:attrNameLst>
+                                      </p:cBhvr>
+                                      <p:tavLst>
+                                        <p:tav tm="0">
+                                          <p:val>
+                                            <p:strVal val="0-#ppt_h/2"/>
+                                          </p:val>
+                                        </p:tav>
+                                        <p:tav tm="100000">
+                                          <p:val>
+                                            <p:strVal val="#ppt_y"/>
+                                          </p:val>
+                                        </p:tav>
+                                      </p:tavLst>
+                                    </p:anim>
+                                  </p:childTnLst>
+                                </p:cTn>
+                              </p:par>
+                            </p:childTnLst>
+                          </p:cTn>
+                        </p:par>
+                        <p:par>
+                          <p:cTn id="9" fill="hold">
+                            <p:stCondLst>
+                              <p:cond delay="500"/>
+                            </p:stCondLst>
+                            <p:childTnLst>
+                              <p:par>
+                                <p:cTn id="10" presetID="22" presetClass="entr" presetSubtype="1" fill="hold" nodeType="afterEffect">
+                                  <p:stCondLst>
+                                    <p:cond delay="0"/>
+                                  </p:stCondLst>
+                                  <p:childTnLst>
+                                    <p:set>
+                                      <p:cBhvr>
+                                        <p:cTn id="11" dur="1" fill="hold">
                                           <p:stCondLst>
                                             <p:cond delay="0"/>
                                           </p:stCondLst>
@@ -12926,7 +13307,7 @@
                                     </p:set>
                                     <p:animEffect transition="in" filter="wipe(up)">
                                       <p:cBhvr>
-                                        <p:cTn id="7" dur="500"/>
+                                        <p:cTn id="12" dur="500"/>
                                         <p:tgtEl>
                                           <p:spTgt spid="6"/>
                                         </p:tgtEl>
@@ -12942,26 +13323,26 @@
                     </p:cTn>
                   </p:par>
                   <p:par>
-                    <p:cTn id="8" fill="hold">
+                    <p:cTn id="13" fill="hold">
                       <p:stCondLst>
                         <p:cond delay="indefinite"/>
                       </p:stCondLst>
                       <p:childTnLst>
                         <p:par>
-                          <p:cTn id="9" fill="hold">
+                          <p:cTn id="14" fill="hold">
                             <p:stCondLst>
                               <p:cond delay="0"/>
                             </p:stCondLst>
                             <p:childTnLst>
                               <p:par>
-                                <p:cTn id="10" presetID="1" presetClass="entr" presetSubtype="0" fill="hold" nodeType="clickEffect">
+                                <p:cTn id="15" presetID="1" presetClass="entr" presetSubtype="0" fill="hold" nodeType="clickEffect">
                                   <p:stCondLst>
                                     <p:cond delay="0"/>
                                   </p:stCondLst>
                                   <p:childTnLst>
                                     <p:set>
                                       <p:cBhvr>
-                                        <p:cTn id="11" dur="1" fill="hold">
+                                        <p:cTn id="16" dur="1" fill="hold">
                                           <p:stCondLst>
                                             <p:cond delay="0"/>
                                           </p:stCondLst>
@@ -13011,6 +13392,9 @@
         </p:cTn>
       </p:par>
     </p:tnLst>
+    <p:bldLst>
+      <p:bldP spid="5" grpId="0"/>
+    </p:bldLst>
   </p:timing>
 </p:sld>
 </file>
@@ -16907,7 +17291,13 @@
   <p:cSld>
     <p:spTree>
       <p:nvGrpSpPr>
-        <p:cNvPr id="1" name=""/>
+        <p:cNvPr id="1" name="">
+          <a:extLst>
+            <a:ext uri="{FF2B5EF4-FFF2-40B4-BE49-F238E27FC236}">
+              <a16:creationId xmlns:a16="http://schemas.microsoft.com/office/drawing/2014/main" id="{39F641BD-09EB-CACB-EE25-AA270F669DBA}"/>
+            </a:ext>
+          </a:extLst>
+        </p:cNvPr>
         <p:cNvGrpSpPr/>
         <p:nvPr/>
       </p:nvGrpSpPr>
@@ -16921,10 +17311,10 @@
       </p:grpSpPr>
       <p:pic>
         <p:nvPicPr>
-          <p:cNvPr id="6" name="Picture 5">
+          <p:cNvPr id="25" name="Picture 24">
             <a:extLst>
               <a:ext uri="{FF2B5EF4-FFF2-40B4-BE49-F238E27FC236}">
-                <a16:creationId xmlns:a16="http://schemas.microsoft.com/office/drawing/2014/main" id="{B8CE5530-4C45-6C70-0E88-A6AE7DD3EE50}"/>
+                <a16:creationId xmlns:a16="http://schemas.microsoft.com/office/drawing/2014/main" id="{284DF1B8-50FA-88CC-EC10-1B61AB39F44C}"/>
               </a:ext>
             </a:extLst>
           </p:cNvPr>
@@ -16941,8 +17331,2077 @@
         </p:blipFill>
         <p:spPr>
           <a:xfrm>
-            <a:off x="2076762" y="1373018"/>
-            <a:ext cx="4990476" cy="4914286"/>
+            <a:off x="2086286" y="1448588"/>
+            <a:ext cx="4971429" cy="5047619"/>
+          </a:xfrm>
+          <a:prstGeom prst="rect">
+            <a:avLst/>
+          </a:prstGeom>
+          <a:ln>
+            <a:solidFill>
+              <a:schemeClr val="tx1"/>
+            </a:solidFill>
+          </a:ln>
+        </p:spPr>
+      </p:pic>
+      <p:sp>
+        <p:nvSpPr>
+          <p:cNvPr id="2" name="Title 1">
+            <a:extLst>
+              <a:ext uri="{FF2B5EF4-FFF2-40B4-BE49-F238E27FC236}">
+                <a16:creationId xmlns:a16="http://schemas.microsoft.com/office/drawing/2014/main" id="{962D0E42-B7B0-AD33-89EA-7D7CD174B16F}"/>
+              </a:ext>
+            </a:extLst>
+          </p:cNvPr>
+          <p:cNvSpPr>
+            <a:spLocks noGrp="1"/>
+          </p:cNvSpPr>
+          <p:nvPr>
+            <p:ph type="title"/>
+          </p:nvPr>
+        </p:nvSpPr>
+        <p:spPr/>
+        <p:txBody>
+          <a:bodyPr>
+            <a:normAutofit/>
+          </a:bodyPr>
+          <a:lstStyle/>
+          <a:p>
+            <a:pPr algn="ctr"/>
+            <a:r>
+              <a:rPr lang="en-US" sz="3200" b="1" dirty="0">
+                <a:solidFill>
+                  <a:srgbClr val="0070C0"/>
+                </a:solidFill>
+                <a:latin typeface="+mn-lt"/>
+              </a:rPr>
+              <a:t>Open</a:t>
+            </a:r>
+            <a:r>
+              <a:rPr lang="en-US" sz="3200" dirty="0">
+                <a:latin typeface="+mn-lt"/>
+              </a:rPr>
+              <a:t> prime_racer1.py</a:t>
+            </a:r>
+          </a:p>
+        </p:txBody>
+      </p:sp>
+      <p:sp>
+        <p:nvSpPr>
+          <p:cNvPr id="4" name="Slide Number Placeholder 3">
+            <a:extLst>
+              <a:ext uri="{FF2B5EF4-FFF2-40B4-BE49-F238E27FC236}">
+                <a16:creationId xmlns:a16="http://schemas.microsoft.com/office/drawing/2014/main" id="{28A019AC-80A0-4CD2-E0F9-16792B976E89}"/>
+              </a:ext>
+            </a:extLst>
+          </p:cNvPr>
+          <p:cNvSpPr>
+            <a:spLocks noGrp="1"/>
+          </p:cNvSpPr>
+          <p:nvPr>
+            <p:ph type="sldNum" sz="quarter" idx="12"/>
+          </p:nvPr>
+        </p:nvSpPr>
+        <p:spPr/>
+        <p:txBody>
+          <a:bodyPr/>
+          <a:lstStyle/>
+          <a:p>
+            <a:fld id="{650AD656-6FF9-465D-B7B0-1CD0DD39CD23}" type="slidenum">
+              <a:rPr lang="en-US" smtClean="0"/>
+              <a:pPr/>
+              <a:t>25</a:t>
+            </a:fld>
+            <a:endParaRPr lang="en-US"/>
+          </a:p>
+        </p:txBody>
+      </p:sp>
+      <p:grpSp>
+        <p:nvGrpSpPr>
+          <p:cNvPr id="7" name="Group 6">
+            <a:extLst>
+              <a:ext uri="{FF2B5EF4-FFF2-40B4-BE49-F238E27FC236}">
+                <a16:creationId xmlns:a16="http://schemas.microsoft.com/office/drawing/2014/main" id="{5DA4D5ED-E286-7F57-A14B-60B5AFF00322}"/>
+              </a:ext>
+            </a:extLst>
+          </p:cNvPr>
+          <p:cNvGrpSpPr/>
+          <p:nvPr/>
+        </p:nvGrpSpPr>
+        <p:grpSpPr>
+          <a:xfrm>
+            <a:off x="4224349" y="4096208"/>
+            <a:ext cx="1076632" cy="369332"/>
+            <a:chOff x="4968362" y="2079211"/>
+            <a:chExt cx="1076632" cy="369332"/>
+          </a:xfrm>
+        </p:grpSpPr>
+        <p:cxnSp>
+          <p:nvCxnSpPr>
+            <p:cNvPr id="8" name="Straight Arrow Connector 7">
+              <a:extLst>
+                <a:ext uri="{FF2B5EF4-FFF2-40B4-BE49-F238E27FC236}">
+                  <a16:creationId xmlns:a16="http://schemas.microsoft.com/office/drawing/2014/main" id="{11F464AA-2538-DF4C-4D17-51DCCD2183CF}"/>
+                </a:ext>
+              </a:extLst>
+            </p:cNvPr>
+            <p:cNvCxnSpPr>
+              <a:cxnSpLocks/>
+            </p:cNvCxnSpPr>
+            <p:nvPr/>
+          </p:nvCxnSpPr>
+          <p:spPr>
+            <a:xfrm flipH="1">
+              <a:off x="4968362" y="2263877"/>
+              <a:ext cx="693174" cy="0"/>
+            </a:xfrm>
+            <a:prstGeom prst="straightConnector1">
+              <a:avLst/>
+            </a:prstGeom>
+            <a:ln w="38100">
+              <a:solidFill>
+                <a:srgbClr val="FF0000"/>
+              </a:solidFill>
+              <a:tailEnd type="triangle"/>
+            </a:ln>
+          </p:spPr>
+          <p:style>
+            <a:lnRef idx="1">
+              <a:schemeClr val="accent1"/>
+            </a:lnRef>
+            <a:fillRef idx="0">
+              <a:schemeClr val="accent1"/>
+            </a:fillRef>
+            <a:effectRef idx="0">
+              <a:schemeClr val="accent1"/>
+            </a:effectRef>
+            <a:fontRef idx="minor">
+              <a:schemeClr val="tx1"/>
+            </a:fontRef>
+          </p:style>
+        </p:cxnSp>
+        <p:sp>
+          <p:nvSpPr>
+            <p:cNvPr id="9" name="TextBox 8">
+              <a:extLst>
+                <a:ext uri="{FF2B5EF4-FFF2-40B4-BE49-F238E27FC236}">
+                  <a16:creationId xmlns:a16="http://schemas.microsoft.com/office/drawing/2014/main" id="{CF67CACC-949E-D865-9275-6807F681C7FA}"/>
+                </a:ext>
+              </a:extLst>
+            </p:cNvPr>
+            <p:cNvSpPr txBox="1"/>
+            <p:nvPr/>
+          </p:nvSpPr>
+          <p:spPr>
+            <a:xfrm>
+              <a:off x="5661536" y="2079211"/>
+              <a:ext cx="383458" cy="369332"/>
+            </a:xfrm>
+            <a:prstGeom prst="rect">
+              <a:avLst/>
+            </a:prstGeom>
+            <a:noFill/>
+          </p:spPr>
+          <p:txBody>
+            <a:bodyPr wrap="square" rtlCol="0">
+              <a:spAutoFit/>
+            </a:bodyPr>
+            <a:lstStyle/>
+            <a:p>
+              <a:r>
+                <a:rPr lang="en-US" dirty="0">
+                  <a:ln>
+                    <a:solidFill>
+                      <a:srgbClr val="FF0000"/>
+                    </a:solidFill>
+                  </a:ln>
+                  <a:solidFill>
+                    <a:srgbClr val="FF0000"/>
+                  </a:solidFill>
+                  <a:sym typeface="Wingdings" panose="05000000000000000000" pitchFamily="2" charset="2"/>
+                </a:rPr>
+                <a:t></a:t>
+              </a:r>
+              <a:endParaRPr lang="en-US" dirty="0">
+                <a:ln>
+                  <a:solidFill>
+                    <a:srgbClr val="FF0000"/>
+                  </a:solidFill>
+                </a:ln>
+                <a:solidFill>
+                  <a:srgbClr val="FF0000"/>
+                </a:solidFill>
+              </a:endParaRPr>
+            </a:p>
+          </p:txBody>
+        </p:sp>
+      </p:grpSp>
+      <p:grpSp>
+        <p:nvGrpSpPr>
+          <p:cNvPr id="10" name="Group 9">
+            <a:extLst>
+              <a:ext uri="{FF2B5EF4-FFF2-40B4-BE49-F238E27FC236}">
+                <a16:creationId xmlns:a16="http://schemas.microsoft.com/office/drawing/2014/main" id="{C8FD0CEF-D05A-8406-9882-697355A7C7B0}"/>
+              </a:ext>
+            </a:extLst>
+          </p:cNvPr>
+          <p:cNvGrpSpPr/>
+          <p:nvPr/>
+        </p:nvGrpSpPr>
+        <p:grpSpPr>
+          <a:xfrm>
+            <a:off x="3735121" y="4281850"/>
+            <a:ext cx="1076632" cy="369332"/>
+            <a:chOff x="4704120" y="2356972"/>
+            <a:chExt cx="1076632" cy="369332"/>
+          </a:xfrm>
+        </p:grpSpPr>
+        <p:cxnSp>
+          <p:nvCxnSpPr>
+            <p:cNvPr id="11" name="Straight Arrow Connector 10">
+              <a:extLst>
+                <a:ext uri="{FF2B5EF4-FFF2-40B4-BE49-F238E27FC236}">
+                  <a16:creationId xmlns:a16="http://schemas.microsoft.com/office/drawing/2014/main" id="{5E22F26C-7F3D-A9FB-2253-F666DC66974C}"/>
+                </a:ext>
+              </a:extLst>
+            </p:cNvPr>
+            <p:cNvCxnSpPr>
+              <a:cxnSpLocks/>
+            </p:cNvCxnSpPr>
+            <p:nvPr/>
+          </p:nvCxnSpPr>
+          <p:spPr>
+            <a:xfrm flipH="1">
+              <a:off x="4704120" y="2541638"/>
+              <a:ext cx="693174" cy="0"/>
+            </a:xfrm>
+            <a:prstGeom prst="straightConnector1">
+              <a:avLst/>
+            </a:prstGeom>
+            <a:ln w="38100">
+              <a:solidFill>
+                <a:srgbClr val="FF0000"/>
+              </a:solidFill>
+              <a:tailEnd type="triangle"/>
+            </a:ln>
+          </p:spPr>
+          <p:style>
+            <a:lnRef idx="1">
+              <a:schemeClr val="accent1"/>
+            </a:lnRef>
+            <a:fillRef idx="0">
+              <a:schemeClr val="accent1"/>
+            </a:fillRef>
+            <a:effectRef idx="0">
+              <a:schemeClr val="accent1"/>
+            </a:effectRef>
+            <a:fontRef idx="minor">
+              <a:schemeClr val="tx1"/>
+            </a:fontRef>
+          </p:style>
+        </p:cxnSp>
+        <p:sp>
+          <p:nvSpPr>
+            <p:cNvPr id="12" name="TextBox 11">
+              <a:extLst>
+                <a:ext uri="{FF2B5EF4-FFF2-40B4-BE49-F238E27FC236}">
+                  <a16:creationId xmlns:a16="http://schemas.microsoft.com/office/drawing/2014/main" id="{B6197A3E-DC0E-A397-2C9E-513AE11F4356}"/>
+                </a:ext>
+              </a:extLst>
+            </p:cNvPr>
+            <p:cNvSpPr txBox="1"/>
+            <p:nvPr/>
+          </p:nvSpPr>
+          <p:spPr>
+            <a:xfrm>
+              <a:off x="5397294" y="2356972"/>
+              <a:ext cx="383458" cy="369332"/>
+            </a:xfrm>
+            <a:prstGeom prst="rect">
+              <a:avLst/>
+            </a:prstGeom>
+            <a:noFill/>
+          </p:spPr>
+          <p:txBody>
+            <a:bodyPr wrap="square" rtlCol="0">
+              <a:spAutoFit/>
+            </a:bodyPr>
+            <a:lstStyle/>
+            <a:p>
+              <a:r>
+                <a:rPr lang="en-US" dirty="0">
+                  <a:ln>
+                    <a:solidFill>
+                      <a:srgbClr val="FF0000"/>
+                    </a:solidFill>
+                  </a:ln>
+                  <a:solidFill>
+                    <a:srgbClr val="FF0000"/>
+                  </a:solidFill>
+                  <a:sym typeface="Wingdings" panose="05000000000000000000" pitchFamily="2" charset="2"/>
+                </a:rPr>
+                <a:t></a:t>
+              </a:r>
+              <a:endParaRPr lang="en-US" dirty="0">
+                <a:ln>
+                  <a:solidFill>
+                    <a:srgbClr val="FF0000"/>
+                  </a:solidFill>
+                </a:ln>
+                <a:solidFill>
+                  <a:srgbClr val="FF0000"/>
+                </a:solidFill>
+              </a:endParaRPr>
+            </a:p>
+          </p:txBody>
+        </p:sp>
+      </p:grpSp>
+      <p:grpSp>
+        <p:nvGrpSpPr>
+          <p:cNvPr id="13" name="Group 12">
+            <a:extLst>
+              <a:ext uri="{FF2B5EF4-FFF2-40B4-BE49-F238E27FC236}">
+                <a16:creationId xmlns:a16="http://schemas.microsoft.com/office/drawing/2014/main" id="{ED36B72B-07CE-329D-A5CD-6A96EE9BA0D9}"/>
+              </a:ext>
+            </a:extLst>
+          </p:cNvPr>
+          <p:cNvGrpSpPr/>
+          <p:nvPr/>
+        </p:nvGrpSpPr>
+        <p:grpSpPr>
+          <a:xfrm>
+            <a:off x="5241438" y="4659715"/>
+            <a:ext cx="1068643" cy="369332"/>
+            <a:chOff x="3647644" y="4910075"/>
+            <a:chExt cx="1068643" cy="369332"/>
+          </a:xfrm>
+        </p:grpSpPr>
+        <p:sp>
+          <p:nvSpPr>
+            <p:cNvPr id="14" name="TextBox 13">
+              <a:extLst>
+                <a:ext uri="{FF2B5EF4-FFF2-40B4-BE49-F238E27FC236}">
+                  <a16:creationId xmlns:a16="http://schemas.microsoft.com/office/drawing/2014/main" id="{33EAB436-B35F-DBE8-275E-990AF78BBB41}"/>
+                </a:ext>
+              </a:extLst>
+            </p:cNvPr>
+            <p:cNvSpPr txBox="1"/>
+            <p:nvPr/>
+          </p:nvSpPr>
+          <p:spPr>
+            <a:xfrm>
+              <a:off x="4332829" y="4910075"/>
+              <a:ext cx="383458" cy="369332"/>
+            </a:xfrm>
+            <a:prstGeom prst="rect">
+              <a:avLst/>
+            </a:prstGeom>
+            <a:noFill/>
+          </p:spPr>
+          <p:txBody>
+            <a:bodyPr wrap="square" rtlCol="0">
+              <a:spAutoFit/>
+            </a:bodyPr>
+            <a:lstStyle/>
+            <a:p>
+              <a:r>
+                <a:rPr lang="en-US" dirty="0">
+                  <a:ln>
+                    <a:solidFill>
+                      <a:srgbClr val="FF0000"/>
+                    </a:solidFill>
+                  </a:ln>
+                  <a:solidFill>
+                    <a:srgbClr val="FF0000"/>
+                  </a:solidFill>
+                  <a:sym typeface="Wingdings" panose="05000000000000000000" pitchFamily="2" charset="2"/>
+                </a:rPr>
+                <a:t></a:t>
+              </a:r>
+              <a:endParaRPr lang="en-US" dirty="0">
+                <a:ln>
+                  <a:solidFill>
+                    <a:srgbClr val="FF0000"/>
+                  </a:solidFill>
+                </a:ln>
+                <a:solidFill>
+                  <a:srgbClr val="FF0000"/>
+                </a:solidFill>
+              </a:endParaRPr>
+            </a:p>
+          </p:txBody>
+        </p:sp>
+        <p:cxnSp>
+          <p:nvCxnSpPr>
+            <p:cNvPr id="15" name="Straight Arrow Connector 14">
+              <a:extLst>
+                <a:ext uri="{FF2B5EF4-FFF2-40B4-BE49-F238E27FC236}">
+                  <a16:creationId xmlns:a16="http://schemas.microsoft.com/office/drawing/2014/main" id="{2886B72C-3C36-B1E7-E752-329C1F4C0067}"/>
+                </a:ext>
+              </a:extLst>
+            </p:cNvPr>
+            <p:cNvCxnSpPr>
+              <a:cxnSpLocks/>
+            </p:cNvCxnSpPr>
+            <p:nvPr/>
+          </p:nvCxnSpPr>
+          <p:spPr>
+            <a:xfrm flipH="1">
+              <a:off x="3647644" y="5094741"/>
+              <a:ext cx="693174" cy="0"/>
+            </a:xfrm>
+            <a:prstGeom prst="straightConnector1">
+              <a:avLst/>
+            </a:prstGeom>
+            <a:ln w="38100">
+              <a:solidFill>
+                <a:srgbClr val="FF0000"/>
+              </a:solidFill>
+              <a:tailEnd type="triangle"/>
+            </a:ln>
+          </p:spPr>
+          <p:style>
+            <a:lnRef idx="1">
+              <a:schemeClr val="accent1"/>
+            </a:lnRef>
+            <a:fillRef idx="0">
+              <a:schemeClr val="accent1"/>
+            </a:fillRef>
+            <a:effectRef idx="0">
+              <a:schemeClr val="accent1"/>
+            </a:effectRef>
+            <a:fontRef idx="minor">
+              <a:schemeClr val="tx1"/>
+            </a:fontRef>
+          </p:style>
+        </p:cxnSp>
+      </p:grpSp>
+      <p:grpSp>
+        <p:nvGrpSpPr>
+          <p:cNvPr id="16" name="Group 15">
+            <a:extLst>
+              <a:ext uri="{FF2B5EF4-FFF2-40B4-BE49-F238E27FC236}">
+                <a16:creationId xmlns:a16="http://schemas.microsoft.com/office/drawing/2014/main" id="{6565B8EC-47C8-DFBC-64AB-FBE9E1483478}"/>
+              </a:ext>
+            </a:extLst>
+          </p:cNvPr>
+          <p:cNvGrpSpPr/>
+          <p:nvPr/>
+        </p:nvGrpSpPr>
+        <p:grpSpPr>
+          <a:xfrm>
+            <a:off x="4602199" y="4860897"/>
+            <a:ext cx="1064340" cy="369332"/>
+            <a:chOff x="3647644" y="5421073"/>
+            <a:chExt cx="1064340" cy="369332"/>
+          </a:xfrm>
+        </p:grpSpPr>
+        <p:sp>
+          <p:nvSpPr>
+            <p:cNvPr id="17" name="TextBox 16">
+              <a:extLst>
+                <a:ext uri="{FF2B5EF4-FFF2-40B4-BE49-F238E27FC236}">
+                  <a16:creationId xmlns:a16="http://schemas.microsoft.com/office/drawing/2014/main" id="{4D5F93C6-1F47-DC58-8D00-D77323B98281}"/>
+                </a:ext>
+              </a:extLst>
+            </p:cNvPr>
+            <p:cNvSpPr txBox="1"/>
+            <p:nvPr/>
+          </p:nvSpPr>
+          <p:spPr>
+            <a:xfrm>
+              <a:off x="4328526" y="5421073"/>
+              <a:ext cx="383458" cy="369332"/>
+            </a:xfrm>
+            <a:prstGeom prst="rect">
+              <a:avLst/>
+            </a:prstGeom>
+            <a:noFill/>
+          </p:spPr>
+          <p:txBody>
+            <a:bodyPr wrap="square" rtlCol="0">
+              <a:spAutoFit/>
+            </a:bodyPr>
+            <a:lstStyle/>
+            <a:p>
+              <a:r>
+                <a:rPr lang="en-US" dirty="0">
+                  <a:ln>
+                    <a:solidFill>
+                      <a:srgbClr val="FF0000"/>
+                    </a:solidFill>
+                  </a:ln>
+                  <a:solidFill>
+                    <a:srgbClr val="FF0000"/>
+                  </a:solidFill>
+                  <a:sym typeface="Wingdings" panose="05000000000000000000" pitchFamily="2" charset="2"/>
+                </a:rPr>
+                <a:t></a:t>
+              </a:r>
+              <a:endParaRPr lang="en-US" dirty="0">
+                <a:ln>
+                  <a:solidFill>
+                    <a:srgbClr val="FF0000"/>
+                  </a:solidFill>
+                </a:ln>
+                <a:solidFill>
+                  <a:srgbClr val="FF0000"/>
+                </a:solidFill>
+              </a:endParaRPr>
+            </a:p>
+          </p:txBody>
+        </p:sp>
+        <p:cxnSp>
+          <p:nvCxnSpPr>
+            <p:cNvPr id="18" name="Straight Arrow Connector 17">
+              <a:extLst>
+                <a:ext uri="{FF2B5EF4-FFF2-40B4-BE49-F238E27FC236}">
+                  <a16:creationId xmlns:a16="http://schemas.microsoft.com/office/drawing/2014/main" id="{DAD81DE0-1720-C2D3-1A90-F527805D172E}"/>
+                </a:ext>
+              </a:extLst>
+            </p:cNvPr>
+            <p:cNvCxnSpPr>
+              <a:cxnSpLocks/>
+            </p:cNvCxnSpPr>
+            <p:nvPr/>
+          </p:nvCxnSpPr>
+          <p:spPr>
+            <a:xfrm flipH="1">
+              <a:off x="3647644" y="5594437"/>
+              <a:ext cx="693174" cy="0"/>
+            </a:xfrm>
+            <a:prstGeom prst="straightConnector1">
+              <a:avLst/>
+            </a:prstGeom>
+            <a:ln w="38100">
+              <a:solidFill>
+                <a:srgbClr val="FF0000"/>
+              </a:solidFill>
+              <a:tailEnd type="triangle"/>
+            </a:ln>
+          </p:spPr>
+          <p:style>
+            <a:lnRef idx="1">
+              <a:schemeClr val="accent1"/>
+            </a:lnRef>
+            <a:fillRef idx="0">
+              <a:schemeClr val="accent1"/>
+            </a:fillRef>
+            <a:effectRef idx="0">
+              <a:schemeClr val="accent1"/>
+            </a:effectRef>
+            <a:fontRef idx="minor">
+              <a:schemeClr val="tx1"/>
+            </a:fontRef>
+          </p:style>
+        </p:cxnSp>
+      </p:grpSp>
+      <p:grpSp>
+        <p:nvGrpSpPr>
+          <p:cNvPr id="19" name="Group 18">
+            <a:extLst>
+              <a:ext uri="{FF2B5EF4-FFF2-40B4-BE49-F238E27FC236}">
+                <a16:creationId xmlns:a16="http://schemas.microsoft.com/office/drawing/2014/main" id="{D2D0D31B-4F03-672D-E17F-B439BCCDD0AF}"/>
+              </a:ext>
+            </a:extLst>
+          </p:cNvPr>
+          <p:cNvGrpSpPr/>
+          <p:nvPr/>
+        </p:nvGrpSpPr>
+        <p:grpSpPr>
+          <a:xfrm>
+            <a:off x="5926623" y="5045563"/>
+            <a:ext cx="1068643" cy="369332"/>
+            <a:chOff x="3647644" y="5359159"/>
+            <a:chExt cx="1068643" cy="369332"/>
+          </a:xfrm>
+        </p:grpSpPr>
+        <p:sp>
+          <p:nvSpPr>
+            <p:cNvPr id="20" name="TextBox 19">
+              <a:extLst>
+                <a:ext uri="{FF2B5EF4-FFF2-40B4-BE49-F238E27FC236}">
+                  <a16:creationId xmlns:a16="http://schemas.microsoft.com/office/drawing/2014/main" id="{A6FDFA79-BB05-B680-ECF2-755A1C6F5844}"/>
+                </a:ext>
+              </a:extLst>
+            </p:cNvPr>
+            <p:cNvSpPr txBox="1"/>
+            <p:nvPr/>
+          </p:nvSpPr>
+          <p:spPr>
+            <a:xfrm>
+              <a:off x="4332829" y="5359159"/>
+              <a:ext cx="383458" cy="369332"/>
+            </a:xfrm>
+            <a:prstGeom prst="rect">
+              <a:avLst/>
+            </a:prstGeom>
+            <a:noFill/>
+          </p:spPr>
+          <p:txBody>
+            <a:bodyPr wrap="square" rtlCol="0">
+              <a:spAutoFit/>
+            </a:bodyPr>
+            <a:lstStyle/>
+            <a:p>
+              <a:r>
+                <a:rPr lang="en-US" dirty="0">
+                  <a:ln>
+                    <a:solidFill>
+                      <a:srgbClr val="FF0000"/>
+                    </a:solidFill>
+                  </a:ln>
+                  <a:solidFill>
+                    <a:srgbClr val="FF0000"/>
+                  </a:solidFill>
+                  <a:sym typeface="Wingdings" panose="05000000000000000000" pitchFamily="2" charset="2"/>
+                </a:rPr>
+                <a:t></a:t>
+              </a:r>
+              <a:endParaRPr lang="en-US" dirty="0">
+                <a:ln>
+                  <a:solidFill>
+                    <a:srgbClr val="FF0000"/>
+                  </a:solidFill>
+                </a:ln>
+                <a:solidFill>
+                  <a:srgbClr val="FF0000"/>
+                </a:solidFill>
+              </a:endParaRPr>
+            </a:p>
+          </p:txBody>
+        </p:sp>
+        <p:cxnSp>
+          <p:nvCxnSpPr>
+            <p:cNvPr id="21" name="Straight Arrow Connector 20">
+              <a:extLst>
+                <a:ext uri="{FF2B5EF4-FFF2-40B4-BE49-F238E27FC236}">
+                  <a16:creationId xmlns:a16="http://schemas.microsoft.com/office/drawing/2014/main" id="{EBF4D38A-E89B-6303-6075-84A2C9AAB0BC}"/>
+                </a:ext>
+              </a:extLst>
+            </p:cNvPr>
+            <p:cNvCxnSpPr>
+              <a:cxnSpLocks/>
+            </p:cNvCxnSpPr>
+            <p:nvPr/>
+          </p:nvCxnSpPr>
+          <p:spPr>
+            <a:xfrm flipH="1">
+              <a:off x="3647644" y="5541057"/>
+              <a:ext cx="693174" cy="0"/>
+            </a:xfrm>
+            <a:prstGeom prst="straightConnector1">
+              <a:avLst/>
+            </a:prstGeom>
+            <a:ln w="38100">
+              <a:solidFill>
+                <a:srgbClr val="FF0000"/>
+              </a:solidFill>
+              <a:tailEnd type="triangle"/>
+            </a:ln>
+          </p:spPr>
+          <p:style>
+            <a:lnRef idx="1">
+              <a:schemeClr val="accent1"/>
+            </a:lnRef>
+            <a:fillRef idx="0">
+              <a:schemeClr val="accent1"/>
+            </a:fillRef>
+            <a:effectRef idx="0">
+              <a:schemeClr val="accent1"/>
+            </a:effectRef>
+            <a:fontRef idx="minor">
+              <a:schemeClr val="tx1"/>
+            </a:fontRef>
+          </p:style>
+        </p:cxnSp>
+      </p:grpSp>
+      <p:grpSp>
+        <p:nvGrpSpPr>
+          <p:cNvPr id="22" name="Group 21">
+            <a:extLst>
+              <a:ext uri="{FF2B5EF4-FFF2-40B4-BE49-F238E27FC236}">
+                <a16:creationId xmlns:a16="http://schemas.microsoft.com/office/drawing/2014/main" id="{020E079E-CFF0-DD26-F362-ED0D2CF8A20A}"/>
+              </a:ext>
+            </a:extLst>
+          </p:cNvPr>
+          <p:cNvGrpSpPr/>
+          <p:nvPr/>
+        </p:nvGrpSpPr>
+        <p:grpSpPr>
+          <a:xfrm>
+            <a:off x="4178445" y="5233651"/>
+            <a:ext cx="1076632" cy="369332"/>
+            <a:chOff x="2157212" y="5356391"/>
+            <a:chExt cx="1076632" cy="369332"/>
+          </a:xfrm>
+        </p:grpSpPr>
+        <p:sp>
+          <p:nvSpPr>
+            <p:cNvPr id="23" name="TextBox 22">
+              <a:extLst>
+                <a:ext uri="{FF2B5EF4-FFF2-40B4-BE49-F238E27FC236}">
+                  <a16:creationId xmlns:a16="http://schemas.microsoft.com/office/drawing/2014/main" id="{01D5C5A2-05FA-068C-969E-6279D579CD01}"/>
+                </a:ext>
+              </a:extLst>
+            </p:cNvPr>
+            <p:cNvSpPr txBox="1"/>
+            <p:nvPr/>
+          </p:nvSpPr>
+          <p:spPr>
+            <a:xfrm>
+              <a:off x="2850386" y="5356391"/>
+              <a:ext cx="383458" cy="369332"/>
+            </a:xfrm>
+            <a:prstGeom prst="rect">
+              <a:avLst/>
+            </a:prstGeom>
+            <a:noFill/>
+          </p:spPr>
+          <p:txBody>
+            <a:bodyPr wrap="square" rtlCol="0">
+              <a:spAutoFit/>
+            </a:bodyPr>
+            <a:lstStyle/>
+            <a:p>
+              <a:r>
+                <a:rPr lang="en-US" dirty="0">
+                  <a:ln>
+                    <a:solidFill>
+                      <a:srgbClr val="FF0000"/>
+                    </a:solidFill>
+                  </a:ln>
+                  <a:solidFill>
+                    <a:srgbClr val="FF0000"/>
+                  </a:solidFill>
+                  <a:sym typeface="Wingdings" panose="05000000000000000000" pitchFamily="2" charset="2"/>
+                </a:rPr>
+                <a:t></a:t>
+              </a:r>
+              <a:endParaRPr lang="en-US" dirty="0">
+                <a:ln>
+                  <a:solidFill>
+                    <a:srgbClr val="FF0000"/>
+                  </a:solidFill>
+                </a:ln>
+                <a:solidFill>
+                  <a:srgbClr val="FF0000"/>
+                </a:solidFill>
+              </a:endParaRPr>
+            </a:p>
+          </p:txBody>
+        </p:sp>
+        <p:cxnSp>
+          <p:nvCxnSpPr>
+            <p:cNvPr id="24" name="Straight Arrow Connector 23">
+              <a:extLst>
+                <a:ext uri="{FF2B5EF4-FFF2-40B4-BE49-F238E27FC236}">
+                  <a16:creationId xmlns:a16="http://schemas.microsoft.com/office/drawing/2014/main" id="{4BA44A6E-18ED-5CA1-2C85-BA2955470002}"/>
+                </a:ext>
+              </a:extLst>
+            </p:cNvPr>
+            <p:cNvCxnSpPr>
+              <a:cxnSpLocks/>
+            </p:cNvCxnSpPr>
+            <p:nvPr/>
+          </p:nvCxnSpPr>
+          <p:spPr>
+            <a:xfrm flipH="1">
+              <a:off x="2157212" y="5545146"/>
+              <a:ext cx="693174" cy="0"/>
+            </a:xfrm>
+            <a:prstGeom prst="straightConnector1">
+              <a:avLst/>
+            </a:prstGeom>
+            <a:ln w="38100">
+              <a:solidFill>
+                <a:srgbClr val="FF0000"/>
+              </a:solidFill>
+              <a:tailEnd type="triangle"/>
+            </a:ln>
+          </p:spPr>
+          <p:style>
+            <a:lnRef idx="1">
+              <a:schemeClr val="accent1"/>
+            </a:lnRef>
+            <a:fillRef idx="0">
+              <a:schemeClr val="accent1"/>
+            </a:fillRef>
+            <a:effectRef idx="0">
+              <a:schemeClr val="accent1"/>
+            </a:effectRef>
+            <a:fontRef idx="minor">
+              <a:schemeClr val="tx1"/>
+            </a:fontRef>
+          </p:style>
+        </p:cxnSp>
+      </p:grpSp>
+      <p:sp>
+        <p:nvSpPr>
+          <p:cNvPr id="3" name="TextBox 2">
+            <a:extLst>
+              <a:ext uri="{FF2B5EF4-FFF2-40B4-BE49-F238E27FC236}">
+                <a16:creationId xmlns:a16="http://schemas.microsoft.com/office/drawing/2014/main" id="{C0FAA360-7D92-9485-73BF-C51CE89B4417}"/>
+              </a:ext>
+            </a:extLst>
+          </p:cNvPr>
+          <p:cNvSpPr txBox="1"/>
+          <p:nvPr/>
+        </p:nvSpPr>
+        <p:spPr>
+          <a:xfrm>
+            <a:off x="7252353" y="497779"/>
+            <a:ext cx="1514007" cy="923330"/>
+          </a:xfrm>
+          <a:prstGeom prst="rect">
+            <a:avLst/>
+          </a:prstGeom>
+          <a:noFill/>
+        </p:spPr>
+        <p:txBody>
+          <a:bodyPr wrap="square" rtlCol="0">
+            <a:spAutoFit/>
+          </a:bodyPr>
+          <a:lstStyle/>
+          <a:p>
+            <a:pPr algn="ctr"/>
+            <a:r>
+              <a:rPr lang="en-US" b="1" dirty="0">
+                <a:solidFill>
+                  <a:srgbClr val="00B050"/>
+                </a:solidFill>
+              </a:rPr>
+              <a:t>Note: You should not edit this file!</a:t>
+            </a:r>
+          </a:p>
+        </p:txBody>
+      </p:sp>
+      <p:grpSp>
+        <p:nvGrpSpPr>
+          <p:cNvPr id="5" name="Group 4">
+            <a:extLst>
+              <a:ext uri="{FF2B5EF4-FFF2-40B4-BE49-F238E27FC236}">
+                <a16:creationId xmlns:a16="http://schemas.microsoft.com/office/drawing/2014/main" id="{C08AEAF4-C2D2-D9E6-E4AA-F196DDA13792}"/>
+              </a:ext>
+            </a:extLst>
+          </p:cNvPr>
+          <p:cNvGrpSpPr/>
+          <p:nvPr/>
+        </p:nvGrpSpPr>
+        <p:grpSpPr>
+          <a:xfrm>
+            <a:off x="4476714" y="5414895"/>
+            <a:ext cx="1076632" cy="369332"/>
+            <a:chOff x="2157212" y="5356391"/>
+            <a:chExt cx="1076632" cy="369332"/>
+          </a:xfrm>
+        </p:grpSpPr>
+        <p:sp>
+          <p:nvSpPr>
+            <p:cNvPr id="26" name="TextBox 25">
+              <a:extLst>
+                <a:ext uri="{FF2B5EF4-FFF2-40B4-BE49-F238E27FC236}">
+                  <a16:creationId xmlns:a16="http://schemas.microsoft.com/office/drawing/2014/main" id="{93070726-F53D-093E-B408-D223267D5B3F}"/>
+                </a:ext>
+              </a:extLst>
+            </p:cNvPr>
+            <p:cNvSpPr txBox="1"/>
+            <p:nvPr/>
+          </p:nvSpPr>
+          <p:spPr>
+            <a:xfrm>
+              <a:off x="2850386" y="5356391"/>
+              <a:ext cx="383458" cy="369332"/>
+            </a:xfrm>
+            <a:prstGeom prst="rect">
+              <a:avLst/>
+            </a:prstGeom>
+            <a:noFill/>
+          </p:spPr>
+          <p:txBody>
+            <a:bodyPr wrap="square" rtlCol="0">
+              <a:spAutoFit/>
+            </a:bodyPr>
+            <a:lstStyle/>
+            <a:p>
+              <a:r>
+                <a:rPr lang="en-US" dirty="0">
+                  <a:ln>
+                    <a:solidFill>
+                      <a:srgbClr val="FF0000"/>
+                    </a:solidFill>
+                  </a:ln>
+                  <a:solidFill>
+                    <a:srgbClr val="FF0000"/>
+                  </a:solidFill>
+                  <a:sym typeface="Wingdings" panose="05000000000000000000" pitchFamily="2" charset="2"/>
+                </a:rPr>
+                <a:t></a:t>
+              </a:r>
+              <a:endParaRPr lang="en-US" dirty="0">
+                <a:ln>
+                  <a:solidFill>
+                    <a:srgbClr val="FF0000"/>
+                  </a:solidFill>
+                </a:ln>
+                <a:solidFill>
+                  <a:srgbClr val="FF0000"/>
+                </a:solidFill>
+              </a:endParaRPr>
+            </a:p>
+          </p:txBody>
+        </p:sp>
+        <p:cxnSp>
+          <p:nvCxnSpPr>
+            <p:cNvPr id="27" name="Straight Arrow Connector 26">
+              <a:extLst>
+                <a:ext uri="{FF2B5EF4-FFF2-40B4-BE49-F238E27FC236}">
+                  <a16:creationId xmlns:a16="http://schemas.microsoft.com/office/drawing/2014/main" id="{EF986F95-BFB5-4D99-24C3-5631B8A6A239}"/>
+                </a:ext>
+              </a:extLst>
+            </p:cNvPr>
+            <p:cNvCxnSpPr>
+              <a:cxnSpLocks/>
+            </p:cNvCxnSpPr>
+            <p:nvPr/>
+          </p:nvCxnSpPr>
+          <p:spPr>
+            <a:xfrm flipH="1">
+              <a:off x="2157212" y="5545146"/>
+              <a:ext cx="693174" cy="0"/>
+            </a:xfrm>
+            <a:prstGeom prst="straightConnector1">
+              <a:avLst/>
+            </a:prstGeom>
+            <a:ln w="38100">
+              <a:solidFill>
+                <a:srgbClr val="FF0000"/>
+              </a:solidFill>
+              <a:tailEnd type="triangle"/>
+            </a:ln>
+          </p:spPr>
+          <p:style>
+            <a:lnRef idx="1">
+              <a:schemeClr val="accent1"/>
+            </a:lnRef>
+            <a:fillRef idx="0">
+              <a:schemeClr val="accent1"/>
+            </a:fillRef>
+            <a:effectRef idx="0">
+              <a:schemeClr val="accent1"/>
+            </a:effectRef>
+            <a:fontRef idx="minor">
+              <a:schemeClr val="tx1"/>
+            </a:fontRef>
+          </p:style>
+        </p:cxnSp>
+      </p:grpSp>
+      <p:grpSp>
+        <p:nvGrpSpPr>
+          <p:cNvPr id="28" name="Group 27">
+            <a:extLst>
+              <a:ext uri="{FF2B5EF4-FFF2-40B4-BE49-F238E27FC236}">
+                <a16:creationId xmlns:a16="http://schemas.microsoft.com/office/drawing/2014/main" id="{32644E5F-0092-65E9-8825-13A2DF34DD1A}"/>
+              </a:ext>
+            </a:extLst>
+          </p:cNvPr>
+          <p:cNvGrpSpPr/>
+          <p:nvPr/>
+        </p:nvGrpSpPr>
+        <p:grpSpPr>
+          <a:xfrm>
+            <a:off x="6579509" y="5614611"/>
+            <a:ext cx="1076632" cy="369332"/>
+            <a:chOff x="2157212" y="5356391"/>
+            <a:chExt cx="1076632" cy="369332"/>
+          </a:xfrm>
+        </p:grpSpPr>
+        <p:sp>
+          <p:nvSpPr>
+            <p:cNvPr id="29" name="TextBox 28">
+              <a:extLst>
+                <a:ext uri="{FF2B5EF4-FFF2-40B4-BE49-F238E27FC236}">
+                  <a16:creationId xmlns:a16="http://schemas.microsoft.com/office/drawing/2014/main" id="{37E3FAD3-A4B3-0E05-CF9C-AE270B4004E5}"/>
+                </a:ext>
+              </a:extLst>
+            </p:cNvPr>
+            <p:cNvSpPr txBox="1"/>
+            <p:nvPr/>
+          </p:nvSpPr>
+          <p:spPr>
+            <a:xfrm>
+              <a:off x="2850386" y="5356391"/>
+              <a:ext cx="383458" cy="369332"/>
+            </a:xfrm>
+            <a:prstGeom prst="rect">
+              <a:avLst/>
+            </a:prstGeom>
+            <a:noFill/>
+          </p:spPr>
+          <p:txBody>
+            <a:bodyPr wrap="square" rtlCol="0">
+              <a:spAutoFit/>
+            </a:bodyPr>
+            <a:lstStyle/>
+            <a:p>
+              <a:r>
+                <a:rPr lang="en-US" dirty="0">
+                  <a:ln>
+                    <a:solidFill>
+                      <a:srgbClr val="FF0000"/>
+                    </a:solidFill>
+                  </a:ln>
+                  <a:solidFill>
+                    <a:srgbClr val="FF0000"/>
+                  </a:solidFill>
+                  <a:sym typeface="Wingdings" panose="05000000000000000000" pitchFamily="2" charset="2"/>
+                </a:rPr>
+                <a:t></a:t>
+              </a:r>
+              <a:endParaRPr lang="en-US" dirty="0">
+                <a:ln>
+                  <a:solidFill>
+                    <a:srgbClr val="FF0000"/>
+                  </a:solidFill>
+                </a:ln>
+                <a:solidFill>
+                  <a:srgbClr val="FF0000"/>
+                </a:solidFill>
+              </a:endParaRPr>
+            </a:p>
+          </p:txBody>
+        </p:sp>
+        <p:cxnSp>
+          <p:nvCxnSpPr>
+            <p:cNvPr id="30" name="Straight Arrow Connector 29">
+              <a:extLst>
+                <a:ext uri="{FF2B5EF4-FFF2-40B4-BE49-F238E27FC236}">
+                  <a16:creationId xmlns:a16="http://schemas.microsoft.com/office/drawing/2014/main" id="{2A662B0D-3961-127E-6085-D7902161D6D4}"/>
+                </a:ext>
+              </a:extLst>
+            </p:cNvPr>
+            <p:cNvCxnSpPr>
+              <a:cxnSpLocks/>
+            </p:cNvCxnSpPr>
+            <p:nvPr/>
+          </p:nvCxnSpPr>
+          <p:spPr>
+            <a:xfrm flipH="1">
+              <a:off x="2157212" y="5545146"/>
+              <a:ext cx="693174" cy="0"/>
+            </a:xfrm>
+            <a:prstGeom prst="straightConnector1">
+              <a:avLst/>
+            </a:prstGeom>
+            <a:ln w="38100">
+              <a:solidFill>
+                <a:srgbClr val="FF0000"/>
+              </a:solidFill>
+              <a:tailEnd type="triangle"/>
+            </a:ln>
+          </p:spPr>
+          <p:style>
+            <a:lnRef idx="1">
+              <a:schemeClr val="accent1"/>
+            </a:lnRef>
+            <a:fillRef idx="0">
+              <a:schemeClr val="accent1"/>
+            </a:fillRef>
+            <a:effectRef idx="0">
+              <a:schemeClr val="accent1"/>
+            </a:effectRef>
+            <a:fontRef idx="minor">
+              <a:schemeClr val="tx1"/>
+            </a:fontRef>
+          </p:style>
+        </p:cxnSp>
+      </p:grpSp>
+      <p:grpSp>
+        <p:nvGrpSpPr>
+          <p:cNvPr id="31" name="Group 30">
+            <a:extLst>
+              <a:ext uri="{FF2B5EF4-FFF2-40B4-BE49-F238E27FC236}">
+                <a16:creationId xmlns:a16="http://schemas.microsoft.com/office/drawing/2014/main" id="{B1E75AF6-1917-9B93-2D71-AA4EF78F3405}"/>
+              </a:ext>
+            </a:extLst>
+          </p:cNvPr>
+          <p:cNvGrpSpPr/>
+          <p:nvPr/>
+        </p:nvGrpSpPr>
+        <p:grpSpPr>
+          <a:xfrm>
+            <a:off x="6607968" y="5987019"/>
+            <a:ext cx="1076632" cy="369332"/>
+            <a:chOff x="2157212" y="5356391"/>
+            <a:chExt cx="1076632" cy="369332"/>
+          </a:xfrm>
+        </p:grpSpPr>
+        <p:sp>
+          <p:nvSpPr>
+            <p:cNvPr id="32" name="TextBox 31">
+              <a:extLst>
+                <a:ext uri="{FF2B5EF4-FFF2-40B4-BE49-F238E27FC236}">
+                  <a16:creationId xmlns:a16="http://schemas.microsoft.com/office/drawing/2014/main" id="{F038B716-5197-DE90-2132-62D2511EB247}"/>
+                </a:ext>
+              </a:extLst>
+            </p:cNvPr>
+            <p:cNvSpPr txBox="1"/>
+            <p:nvPr/>
+          </p:nvSpPr>
+          <p:spPr>
+            <a:xfrm>
+              <a:off x="2850386" y="5356391"/>
+              <a:ext cx="383458" cy="369332"/>
+            </a:xfrm>
+            <a:prstGeom prst="rect">
+              <a:avLst/>
+            </a:prstGeom>
+            <a:noFill/>
+          </p:spPr>
+          <p:txBody>
+            <a:bodyPr wrap="square" rtlCol="0">
+              <a:spAutoFit/>
+            </a:bodyPr>
+            <a:lstStyle/>
+            <a:p>
+              <a:r>
+                <a:rPr lang="en-US" dirty="0">
+                  <a:ln>
+                    <a:solidFill>
+                      <a:srgbClr val="FF0000"/>
+                    </a:solidFill>
+                  </a:ln>
+                  <a:solidFill>
+                    <a:srgbClr val="FF0000"/>
+                  </a:solidFill>
+                  <a:sym typeface="Wingdings" panose="05000000000000000000" pitchFamily="2" charset="2"/>
+                </a:rPr>
+                <a:t></a:t>
+              </a:r>
+              <a:endParaRPr lang="en-US" dirty="0">
+                <a:ln>
+                  <a:solidFill>
+                    <a:srgbClr val="FF0000"/>
+                  </a:solidFill>
+                </a:ln>
+                <a:solidFill>
+                  <a:srgbClr val="FF0000"/>
+                </a:solidFill>
+              </a:endParaRPr>
+            </a:p>
+          </p:txBody>
+        </p:sp>
+        <p:cxnSp>
+          <p:nvCxnSpPr>
+            <p:cNvPr id="33" name="Straight Arrow Connector 32">
+              <a:extLst>
+                <a:ext uri="{FF2B5EF4-FFF2-40B4-BE49-F238E27FC236}">
+                  <a16:creationId xmlns:a16="http://schemas.microsoft.com/office/drawing/2014/main" id="{C6AB0DB8-9660-B9AB-133D-1101BB0D7279}"/>
+                </a:ext>
+              </a:extLst>
+            </p:cNvPr>
+            <p:cNvCxnSpPr>
+              <a:cxnSpLocks/>
+            </p:cNvCxnSpPr>
+            <p:nvPr/>
+          </p:nvCxnSpPr>
+          <p:spPr>
+            <a:xfrm flipH="1">
+              <a:off x="2157212" y="5545146"/>
+              <a:ext cx="693174" cy="0"/>
+            </a:xfrm>
+            <a:prstGeom prst="straightConnector1">
+              <a:avLst/>
+            </a:prstGeom>
+            <a:ln w="38100">
+              <a:solidFill>
+                <a:srgbClr val="FF0000"/>
+              </a:solidFill>
+              <a:tailEnd type="triangle"/>
+            </a:ln>
+          </p:spPr>
+          <p:style>
+            <a:lnRef idx="1">
+              <a:schemeClr val="accent1"/>
+            </a:lnRef>
+            <a:fillRef idx="0">
+              <a:schemeClr val="accent1"/>
+            </a:fillRef>
+            <a:effectRef idx="0">
+              <a:schemeClr val="accent1"/>
+            </a:effectRef>
+            <a:fontRef idx="minor">
+              <a:schemeClr val="tx1"/>
+            </a:fontRef>
+          </p:style>
+        </p:cxnSp>
+      </p:grpSp>
+      <p:grpSp>
+        <p:nvGrpSpPr>
+          <p:cNvPr id="34" name="Group 33">
+            <a:extLst>
+              <a:ext uri="{FF2B5EF4-FFF2-40B4-BE49-F238E27FC236}">
+                <a16:creationId xmlns:a16="http://schemas.microsoft.com/office/drawing/2014/main" id="{B6DFB51F-7CC0-EFB2-404A-963271C7E936}"/>
+              </a:ext>
+            </a:extLst>
+          </p:cNvPr>
+          <p:cNvGrpSpPr/>
+          <p:nvPr/>
+        </p:nvGrpSpPr>
+        <p:grpSpPr>
+          <a:xfrm>
+            <a:off x="6789825" y="6183537"/>
+            <a:ext cx="1076632" cy="369332"/>
+            <a:chOff x="2157212" y="5356391"/>
+            <a:chExt cx="1076632" cy="369332"/>
+          </a:xfrm>
+        </p:grpSpPr>
+        <p:sp>
+          <p:nvSpPr>
+            <p:cNvPr id="35" name="TextBox 34">
+              <a:extLst>
+                <a:ext uri="{FF2B5EF4-FFF2-40B4-BE49-F238E27FC236}">
+                  <a16:creationId xmlns:a16="http://schemas.microsoft.com/office/drawing/2014/main" id="{027CA281-03C1-471C-3D93-0F9AAB32D2D1}"/>
+                </a:ext>
+              </a:extLst>
+            </p:cNvPr>
+            <p:cNvSpPr txBox="1"/>
+            <p:nvPr/>
+          </p:nvSpPr>
+          <p:spPr>
+            <a:xfrm>
+              <a:off x="2850386" y="5356391"/>
+              <a:ext cx="383458" cy="369332"/>
+            </a:xfrm>
+            <a:prstGeom prst="rect">
+              <a:avLst/>
+            </a:prstGeom>
+            <a:noFill/>
+          </p:spPr>
+          <p:txBody>
+            <a:bodyPr wrap="square" rtlCol="0">
+              <a:spAutoFit/>
+            </a:bodyPr>
+            <a:lstStyle/>
+            <a:p>
+              <a:r>
+                <a:rPr lang="en-US" dirty="0">
+                  <a:ln>
+                    <a:solidFill>
+                      <a:srgbClr val="FF0000"/>
+                    </a:solidFill>
+                  </a:ln>
+                  <a:solidFill>
+                    <a:srgbClr val="FF0000"/>
+                  </a:solidFill>
+                  <a:sym typeface="Wingdings" panose="05000000000000000000" pitchFamily="2" charset="2"/>
+                </a:rPr>
+                <a:t></a:t>
+              </a:r>
+              <a:endParaRPr lang="en-US" dirty="0">
+                <a:ln>
+                  <a:solidFill>
+                    <a:srgbClr val="FF0000"/>
+                  </a:solidFill>
+                </a:ln>
+                <a:solidFill>
+                  <a:srgbClr val="FF0000"/>
+                </a:solidFill>
+              </a:endParaRPr>
+            </a:p>
+          </p:txBody>
+        </p:sp>
+        <p:cxnSp>
+          <p:nvCxnSpPr>
+            <p:cNvPr id="36" name="Straight Arrow Connector 35">
+              <a:extLst>
+                <a:ext uri="{FF2B5EF4-FFF2-40B4-BE49-F238E27FC236}">
+                  <a16:creationId xmlns:a16="http://schemas.microsoft.com/office/drawing/2014/main" id="{39BA3974-5DB1-6637-B731-E849828766B2}"/>
+                </a:ext>
+              </a:extLst>
+            </p:cNvPr>
+            <p:cNvCxnSpPr>
+              <a:cxnSpLocks/>
+            </p:cNvCxnSpPr>
+            <p:nvPr/>
+          </p:nvCxnSpPr>
+          <p:spPr>
+            <a:xfrm flipH="1">
+              <a:off x="2157212" y="5545146"/>
+              <a:ext cx="693174" cy="0"/>
+            </a:xfrm>
+            <a:prstGeom prst="straightConnector1">
+              <a:avLst/>
+            </a:prstGeom>
+            <a:ln w="38100">
+              <a:solidFill>
+                <a:srgbClr val="FF0000"/>
+              </a:solidFill>
+              <a:tailEnd type="triangle"/>
+            </a:ln>
+          </p:spPr>
+          <p:style>
+            <a:lnRef idx="1">
+              <a:schemeClr val="accent1"/>
+            </a:lnRef>
+            <a:fillRef idx="0">
+              <a:schemeClr val="accent1"/>
+            </a:fillRef>
+            <a:effectRef idx="0">
+              <a:schemeClr val="accent1"/>
+            </a:effectRef>
+            <a:fontRef idx="minor">
+              <a:schemeClr val="tx1"/>
+            </a:fontRef>
+          </p:style>
+        </p:cxnSp>
+      </p:grpSp>
+    </p:spTree>
+    <p:extLst>
+      <p:ext uri="{BB962C8B-B14F-4D97-AF65-F5344CB8AC3E}">
+        <p14:creationId xmlns:p14="http://schemas.microsoft.com/office/powerpoint/2010/main" val="824915184"/>
+      </p:ext>
+    </p:extLst>
+  </p:cSld>
+  <p:clrMapOvr>
+    <a:masterClrMapping/>
+  </p:clrMapOvr>
+  <p:timing>
+    <p:tnLst>
+      <p:par>
+        <p:cTn id="1" dur="indefinite" restart="never" nodeType="tmRoot">
+          <p:childTnLst>
+            <p:seq concurrent="1" nextAc="seek">
+              <p:cTn id="2" dur="indefinite" nodeType="mainSeq">
+                <p:childTnLst>
+                  <p:par>
+                    <p:cTn id="3" fill="hold">
+                      <p:stCondLst>
+                        <p:cond delay="indefinite"/>
+                        <p:cond evt="onBegin" delay="0">
+                          <p:tn val="2"/>
+                        </p:cond>
+                      </p:stCondLst>
+                      <p:childTnLst>
+                        <p:par>
+                          <p:cTn id="4" fill="hold">
+                            <p:stCondLst>
+                              <p:cond delay="0"/>
+                            </p:stCondLst>
+                            <p:childTnLst>
+                              <p:par>
+                                <p:cTn id="5" presetID="2" presetClass="entr" presetSubtype="1" fill="hold" grpId="0" nodeType="afterEffect">
+                                  <p:stCondLst>
+                                    <p:cond delay="0"/>
+                                  </p:stCondLst>
+                                  <p:childTnLst>
+                                    <p:set>
+                                      <p:cBhvr>
+                                        <p:cTn id="6" dur="1" fill="hold">
+                                          <p:stCondLst>
+                                            <p:cond delay="0"/>
+                                          </p:stCondLst>
+                                        </p:cTn>
+                                        <p:tgtEl>
+                                          <p:spTgt spid="3"/>
+                                        </p:tgtEl>
+                                        <p:attrNameLst>
+                                          <p:attrName>style.visibility</p:attrName>
+                                        </p:attrNameLst>
+                                      </p:cBhvr>
+                                      <p:to>
+                                        <p:strVal val="visible"/>
+                                      </p:to>
+                                    </p:set>
+                                    <p:anim calcmode="lin" valueType="num">
+                                      <p:cBhvr additive="base">
+                                        <p:cTn id="7" dur="500" fill="hold"/>
+                                        <p:tgtEl>
+                                          <p:spTgt spid="3"/>
+                                        </p:tgtEl>
+                                        <p:attrNameLst>
+                                          <p:attrName>ppt_x</p:attrName>
+                                        </p:attrNameLst>
+                                      </p:cBhvr>
+                                      <p:tavLst>
+                                        <p:tav tm="0">
+                                          <p:val>
+                                            <p:strVal val="#ppt_x"/>
+                                          </p:val>
+                                        </p:tav>
+                                        <p:tav tm="100000">
+                                          <p:val>
+                                            <p:strVal val="#ppt_x"/>
+                                          </p:val>
+                                        </p:tav>
+                                      </p:tavLst>
+                                    </p:anim>
+                                    <p:anim calcmode="lin" valueType="num">
+                                      <p:cBhvr additive="base">
+                                        <p:cTn id="8" dur="500" fill="hold"/>
+                                        <p:tgtEl>
+                                          <p:spTgt spid="3"/>
+                                        </p:tgtEl>
+                                        <p:attrNameLst>
+                                          <p:attrName>ppt_y</p:attrName>
+                                        </p:attrNameLst>
+                                      </p:cBhvr>
+                                      <p:tavLst>
+                                        <p:tav tm="0">
+                                          <p:val>
+                                            <p:strVal val="0-#ppt_h/2"/>
+                                          </p:val>
+                                        </p:tav>
+                                        <p:tav tm="100000">
+                                          <p:val>
+                                            <p:strVal val="#ppt_y"/>
+                                          </p:val>
+                                        </p:tav>
+                                      </p:tavLst>
+                                    </p:anim>
+                                  </p:childTnLst>
+                                </p:cTn>
+                              </p:par>
+                            </p:childTnLst>
+                          </p:cTn>
+                        </p:par>
+                        <p:par>
+                          <p:cTn id="9" fill="hold">
+                            <p:stCondLst>
+                              <p:cond delay="500"/>
+                            </p:stCondLst>
+                            <p:childTnLst>
+                              <p:par>
+                                <p:cTn id="10" presetID="22" presetClass="entr" presetSubtype="1" fill="hold" nodeType="afterEffect">
+                                  <p:stCondLst>
+                                    <p:cond delay="0"/>
+                                  </p:stCondLst>
+                                  <p:childTnLst>
+                                    <p:set>
+                                      <p:cBhvr>
+                                        <p:cTn id="11" dur="1" fill="hold">
+                                          <p:stCondLst>
+                                            <p:cond delay="0"/>
+                                          </p:stCondLst>
+                                        </p:cTn>
+                                        <p:tgtEl>
+                                          <p:spTgt spid="25"/>
+                                        </p:tgtEl>
+                                        <p:attrNameLst>
+                                          <p:attrName>style.visibility</p:attrName>
+                                        </p:attrNameLst>
+                                      </p:cBhvr>
+                                      <p:to>
+                                        <p:strVal val="visible"/>
+                                      </p:to>
+                                    </p:set>
+                                    <p:animEffect transition="in" filter="wipe(up)">
+                                      <p:cBhvr>
+                                        <p:cTn id="12" dur="500"/>
+                                        <p:tgtEl>
+                                          <p:spTgt spid="25"/>
+                                        </p:tgtEl>
+                                      </p:cBhvr>
+                                    </p:animEffect>
+                                  </p:childTnLst>
+                                </p:cTn>
+                              </p:par>
+                            </p:childTnLst>
+                          </p:cTn>
+                        </p:par>
+                        <p:par>
+                          <p:cTn id="13" fill="hold">
+                            <p:stCondLst>
+                              <p:cond delay="1000"/>
+                            </p:stCondLst>
+                            <p:childTnLst>
+                              <p:par>
+                                <p:cTn id="14" presetID="22" presetClass="entr" presetSubtype="2" fill="hold" nodeType="afterEffect">
+                                  <p:stCondLst>
+                                    <p:cond delay="0"/>
+                                  </p:stCondLst>
+                                  <p:childTnLst>
+                                    <p:set>
+                                      <p:cBhvr>
+                                        <p:cTn id="15" dur="1" fill="hold">
+                                          <p:stCondLst>
+                                            <p:cond delay="0"/>
+                                          </p:stCondLst>
+                                        </p:cTn>
+                                        <p:tgtEl>
+                                          <p:spTgt spid="7"/>
+                                        </p:tgtEl>
+                                        <p:attrNameLst>
+                                          <p:attrName>style.visibility</p:attrName>
+                                        </p:attrNameLst>
+                                      </p:cBhvr>
+                                      <p:to>
+                                        <p:strVal val="visible"/>
+                                      </p:to>
+                                    </p:set>
+                                    <p:animEffect transition="in" filter="wipe(right)">
+                                      <p:cBhvr>
+                                        <p:cTn id="16" dur="500"/>
+                                        <p:tgtEl>
+                                          <p:spTgt spid="7"/>
+                                        </p:tgtEl>
+                                      </p:cBhvr>
+                                    </p:animEffect>
+                                  </p:childTnLst>
+                                </p:cTn>
+                              </p:par>
+                            </p:childTnLst>
+                          </p:cTn>
+                        </p:par>
+                      </p:childTnLst>
+                    </p:cTn>
+                  </p:par>
+                  <p:par>
+                    <p:cTn id="17" fill="hold">
+                      <p:stCondLst>
+                        <p:cond delay="indefinite"/>
+                      </p:stCondLst>
+                      <p:childTnLst>
+                        <p:par>
+                          <p:cTn id="18" fill="hold">
+                            <p:stCondLst>
+                              <p:cond delay="0"/>
+                            </p:stCondLst>
+                            <p:childTnLst>
+                              <p:par>
+                                <p:cTn id="19" presetID="22" presetClass="entr" presetSubtype="2" fill="hold" nodeType="clickEffect">
+                                  <p:stCondLst>
+                                    <p:cond delay="0"/>
+                                  </p:stCondLst>
+                                  <p:childTnLst>
+                                    <p:set>
+                                      <p:cBhvr>
+                                        <p:cTn id="20" dur="1" fill="hold">
+                                          <p:stCondLst>
+                                            <p:cond delay="0"/>
+                                          </p:stCondLst>
+                                        </p:cTn>
+                                        <p:tgtEl>
+                                          <p:spTgt spid="10"/>
+                                        </p:tgtEl>
+                                        <p:attrNameLst>
+                                          <p:attrName>style.visibility</p:attrName>
+                                        </p:attrNameLst>
+                                      </p:cBhvr>
+                                      <p:to>
+                                        <p:strVal val="visible"/>
+                                      </p:to>
+                                    </p:set>
+                                    <p:animEffect transition="in" filter="wipe(right)">
+                                      <p:cBhvr>
+                                        <p:cTn id="21" dur="500"/>
+                                        <p:tgtEl>
+                                          <p:spTgt spid="10"/>
+                                        </p:tgtEl>
+                                      </p:cBhvr>
+                                    </p:animEffect>
+                                  </p:childTnLst>
+                                </p:cTn>
+                              </p:par>
+                            </p:childTnLst>
+                          </p:cTn>
+                        </p:par>
+                      </p:childTnLst>
+                    </p:cTn>
+                  </p:par>
+                  <p:par>
+                    <p:cTn id="22" fill="hold">
+                      <p:stCondLst>
+                        <p:cond delay="indefinite"/>
+                      </p:stCondLst>
+                      <p:childTnLst>
+                        <p:par>
+                          <p:cTn id="23" fill="hold">
+                            <p:stCondLst>
+                              <p:cond delay="0"/>
+                            </p:stCondLst>
+                            <p:childTnLst>
+                              <p:par>
+                                <p:cTn id="24" presetID="22" presetClass="entr" presetSubtype="2" fill="hold" nodeType="clickEffect">
+                                  <p:stCondLst>
+                                    <p:cond delay="0"/>
+                                  </p:stCondLst>
+                                  <p:childTnLst>
+                                    <p:set>
+                                      <p:cBhvr>
+                                        <p:cTn id="25" dur="1" fill="hold">
+                                          <p:stCondLst>
+                                            <p:cond delay="0"/>
+                                          </p:stCondLst>
+                                        </p:cTn>
+                                        <p:tgtEl>
+                                          <p:spTgt spid="13"/>
+                                        </p:tgtEl>
+                                        <p:attrNameLst>
+                                          <p:attrName>style.visibility</p:attrName>
+                                        </p:attrNameLst>
+                                      </p:cBhvr>
+                                      <p:to>
+                                        <p:strVal val="visible"/>
+                                      </p:to>
+                                    </p:set>
+                                    <p:animEffect transition="in" filter="wipe(right)">
+                                      <p:cBhvr>
+                                        <p:cTn id="26" dur="500"/>
+                                        <p:tgtEl>
+                                          <p:spTgt spid="13"/>
+                                        </p:tgtEl>
+                                      </p:cBhvr>
+                                    </p:animEffect>
+                                  </p:childTnLst>
+                                </p:cTn>
+                              </p:par>
+                            </p:childTnLst>
+                          </p:cTn>
+                        </p:par>
+                      </p:childTnLst>
+                    </p:cTn>
+                  </p:par>
+                  <p:par>
+                    <p:cTn id="27" fill="hold">
+                      <p:stCondLst>
+                        <p:cond delay="indefinite"/>
+                      </p:stCondLst>
+                      <p:childTnLst>
+                        <p:par>
+                          <p:cTn id="28" fill="hold">
+                            <p:stCondLst>
+                              <p:cond delay="0"/>
+                            </p:stCondLst>
+                            <p:childTnLst>
+                              <p:par>
+                                <p:cTn id="29" presetID="22" presetClass="entr" presetSubtype="2" fill="hold" nodeType="clickEffect">
+                                  <p:stCondLst>
+                                    <p:cond delay="0"/>
+                                  </p:stCondLst>
+                                  <p:childTnLst>
+                                    <p:set>
+                                      <p:cBhvr>
+                                        <p:cTn id="30" dur="1" fill="hold">
+                                          <p:stCondLst>
+                                            <p:cond delay="0"/>
+                                          </p:stCondLst>
+                                        </p:cTn>
+                                        <p:tgtEl>
+                                          <p:spTgt spid="16"/>
+                                        </p:tgtEl>
+                                        <p:attrNameLst>
+                                          <p:attrName>style.visibility</p:attrName>
+                                        </p:attrNameLst>
+                                      </p:cBhvr>
+                                      <p:to>
+                                        <p:strVal val="visible"/>
+                                      </p:to>
+                                    </p:set>
+                                    <p:animEffect transition="in" filter="wipe(right)">
+                                      <p:cBhvr>
+                                        <p:cTn id="31" dur="500"/>
+                                        <p:tgtEl>
+                                          <p:spTgt spid="16"/>
+                                        </p:tgtEl>
+                                      </p:cBhvr>
+                                    </p:animEffect>
+                                  </p:childTnLst>
+                                </p:cTn>
+                              </p:par>
+                            </p:childTnLst>
+                          </p:cTn>
+                        </p:par>
+                      </p:childTnLst>
+                    </p:cTn>
+                  </p:par>
+                  <p:par>
+                    <p:cTn id="32" fill="hold">
+                      <p:stCondLst>
+                        <p:cond delay="indefinite"/>
+                      </p:stCondLst>
+                      <p:childTnLst>
+                        <p:par>
+                          <p:cTn id="33" fill="hold">
+                            <p:stCondLst>
+                              <p:cond delay="0"/>
+                            </p:stCondLst>
+                            <p:childTnLst>
+                              <p:par>
+                                <p:cTn id="34" presetID="22" presetClass="entr" presetSubtype="2" fill="hold" nodeType="clickEffect">
+                                  <p:stCondLst>
+                                    <p:cond delay="0"/>
+                                  </p:stCondLst>
+                                  <p:childTnLst>
+                                    <p:set>
+                                      <p:cBhvr>
+                                        <p:cTn id="35" dur="1" fill="hold">
+                                          <p:stCondLst>
+                                            <p:cond delay="0"/>
+                                          </p:stCondLst>
+                                        </p:cTn>
+                                        <p:tgtEl>
+                                          <p:spTgt spid="19"/>
+                                        </p:tgtEl>
+                                        <p:attrNameLst>
+                                          <p:attrName>style.visibility</p:attrName>
+                                        </p:attrNameLst>
+                                      </p:cBhvr>
+                                      <p:to>
+                                        <p:strVal val="visible"/>
+                                      </p:to>
+                                    </p:set>
+                                    <p:animEffect transition="in" filter="wipe(right)">
+                                      <p:cBhvr>
+                                        <p:cTn id="36" dur="500"/>
+                                        <p:tgtEl>
+                                          <p:spTgt spid="19"/>
+                                        </p:tgtEl>
+                                      </p:cBhvr>
+                                    </p:animEffect>
+                                  </p:childTnLst>
+                                </p:cTn>
+                              </p:par>
+                            </p:childTnLst>
+                          </p:cTn>
+                        </p:par>
+                      </p:childTnLst>
+                    </p:cTn>
+                  </p:par>
+                  <p:par>
+                    <p:cTn id="37" fill="hold">
+                      <p:stCondLst>
+                        <p:cond delay="indefinite"/>
+                      </p:stCondLst>
+                      <p:childTnLst>
+                        <p:par>
+                          <p:cTn id="38" fill="hold">
+                            <p:stCondLst>
+                              <p:cond delay="0"/>
+                            </p:stCondLst>
+                            <p:childTnLst>
+                              <p:par>
+                                <p:cTn id="39" presetID="22" presetClass="entr" presetSubtype="2" fill="hold" nodeType="clickEffect">
+                                  <p:stCondLst>
+                                    <p:cond delay="0"/>
+                                  </p:stCondLst>
+                                  <p:childTnLst>
+                                    <p:set>
+                                      <p:cBhvr>
+                                        <p:cTn id="40" dur="1" fill="hold">
+                                          <p:stCondLst>
+                                            <p:cond delay="0"/>
+                                          </p:stCondLst>
+                                        </p:cTn>
+                                        <p:tgtEl>
+                                          <p:spTgt spid="22"/>
+                                        </p:tgtEl>
+                                        <p:attrNameLst>
+                                          <p:attrName>style.visibility</p:attrName>
+                                        </p:attrNameLst>
+                                      </p:cBhvr>
+                                      <p:to>
+                                        <p:strVal val="visible"/>
+                                      </p:to>
+                                    </p:set>
+                                    <p:animEffect transition="in" filter="wipe(right)">
+                                      <p:cBhvr>
+                                        <p:cTn id="41" dur="500"/>
+                                        <p:tgtEl>
+                                          <p:spTgt spid="22"/>
+                                        </p:tgtEl>
+                                      </p:cBhvr>
+                                    </p:animEffect>
+                                  </p:childTnLst>
+                                </p:cTn>
+                              </p:par>
+                            </p:childTnLst>
+                          </p:cTn>
+                        </p:par>
+                      </p:childTnLst>
+                    </p:cTn>
+                  </p:par>
+                  <p:par>
+                    <p:cTn id="42" fill="hold">
+                      <p:stCondLst>
+                        <p:cond delay="indefinite"/>
+                      </p:stCondLst>
+                      <p:childTnLst>
+                        <p:par>
+                          <p:cTn id="43" fill="hold">
+                            <p:stCondLst>
+                              <p:cond delay="0"/>
+                            </p:stCondLst>
+                            <p:childTnLst>
+                              <p:par>
+                                <p:cTn id="44" presetID="22" presetClass="entr" presetSubtype="2" fill="hold" nodeType="clickEffect">
+                                  <p:stCondLst>
+                                    <p:cond delay="0"/>
+                                  </p:stCondLst>
+                                  <p:childTnLst>
+                                    <p:set>
+                                      <p:cBhvr>
+                                        <p:cTn id="45" dur="1" fill="hold">
+                                          <p:stCondLst>
+                                            <p:cond delay="0"/>
+                                          </p:stCondLst>
+                                        </p:cTn>
+                                        <p:tgtEl>
+                                          <p:spTgt spid="5"/>
+                                        </p:tgtEl>
+                                        <p:attrNameLst>
+                                          <p:attrName>style.visibility</p:attrName>
+                                        </p:attrNameLst>
+                                      </p:cBhvr>
+                                      <p:to>
+                                        <p:strVal val="visible"/>
+                                      </p:to>
+                                    </p:set>
+                                    <p:animEffect transition="in" filter="wipe(right)">
+                                      <p:cBhvr>
+                                        <p:cTn id="46" dur="500"/>
+                                        <p:tgtEl>
+                                          <p:spTgt spid="5"/>
+                                        </p:tgtEl>
+                                      </p:cBhvr>
+                                    </p:animEffect>
+                                  </p:childTnLst>
+                                </p:cTn>
+                              </p:par>
+                            </p:childTnLst>
+                          </p:cTn>
+                        </p:par>
+                      </p:childTnLst>
+                    </p:cTn>
+                  </p:par>
+                  <p:par>
+                    <p:cTn id="47" fill="hold">
+                      <p:stCondLst>
+                        <p:cond delay="indefinite"/>
+                      </p:stCondLst>
+                      <p:childTnLst>
+                        <p:par>
+                          <p:cTn id="48" fill="hold">
+                            <p:stCondLst>
+                              <p:cond delay="0"/>
+                            </p:stCondLst>
+                            <p:childTnLst>
+                              <p:par>
+                                <p:cTn id="49" presetID="22" presetClass="entr" presetSubtype="2" fill="hold" nodeType="clickEffect">
+                                  <p:stCondLst>
+                                    <p:cond delay="0"/>
+                                  </p:stCondLst>
+                                  <p:childTnLst>
+                                    <p:set>
+                                      <p:cBhvr>
+                                        <p:cTn id="50" dur="1" fill="hold">
+                                          <p:stCondLst>
+                                            <p:cond delay="0"/>
+                                          </p:stCondLst>
+                                        </p:cTn>
+                                        <p:tgtEl>
+                                          <p:spTgt spid="28"/>
+                                        </p:tgtEl>
+                                        <p:attrNameLst>
+                                          <p:attrName>style.visibility</p:attrName>
+                                        </p:attrNameLst>
+                                      </p:cBhvr>
+                                      <p:to>
+                                        <p:strVal val="visible"/>
+                                      </p:to>
+                                    </p:set>
+                                    <p:animEffect transition="in" filter="wipe(right)">
+                                      <p:cBhvr>
+                                        <p:cTn id="51" dur="500"/>
+                                        <p:tgtEl>
+                                          <p:spTgt spid="28"/>
+                                        </p:tgtEl>
+                                      </p:cBhvr>
+                                    </p:animEffect>
+                                  </p:childTnLst>
+                                </p:cTn>
+                              </p:par>
+                            </p:childTnLst>
+                          </p:cTn>
+                        </p:par>
+                      </p:childTnLst>
+                    </p:cTn>
+                  </p:par>
+                  <p:par>
+                    <p:cTn id="52" fill="hold">
+                      <p:stCondLst>
+                        <p:cond delay="indefinite"/>
+                      </p:stCondLst>
+                      <p:childTnLst>
+                        <p:par>
+                          <p:cTn id="53" fill="hold">
+                            <p:stCondLst>
+                              <p:cond delay="0"/>
+                            </p:stCondLst>
+                            <p:childTnLst>
+                              <p:par>
+                                <p:cTn id="54" presetID="22" presetClass="entr" presetSubtype="2" fill="hold" nodeType="clickEffect">
+                                  <p:stCondLst>
+                                    <p:cond delay="0"/>
+                                  </p:stCondLst>
+                                  <p:childTnLst>
+                                    <p:set>
+                                      <p:cBhvr>
+                                        <p:cTn id="55" dur="1" fill="hold">
+                                          <p:stCondLst>
+                                            <p:cond delay="0"/>
+                                          </p:stCondLst>
+                                        </p:cTn>
+                                        <p:tgtEl>
+                                          <p:spTgt spid="31"/>
+                                        </p:tgtEl>
+                                        <p:attrNameLst>
+                                          <p:attrName>style.visibility</p:attrName>
+                                        </p:attrNameLst>
+                                      </p:cBhvr>
+                                      <p:to>
+                                        <p:strVal val="visible"/>
+                                      </p:to>
+                                    </p:set>
+                                    <p:animEffect transition="in" filter="wipe(right)">
+                                      <p:cBhvr>
+                                        <p:cTn id="56" dur="500"/>
+                                        <p:tgtEl>
+                                          <p:spTgt spid="31"/>
+                                        </p:tgtEl>
+                                      </p:cBhvr>
+                                    </p:animEffect>
+                                  </p:childTnLst>
+                                </p:cTn>
+                              </p:par>
+                            </p:childTnLst>
+                          </p:cTn>
+                        </p:par>
+                      </p:childTnLst>
+                    </p:cTn>
+                  </p:par>
+                  <p:par>
+                    <p:cTn id="57" fill="hold">
+                      <p:stCondLst>
+                        <p:cond delay="indefinite"/>
+                      </p:stCondLst>
+                      <p:childTnLst>
+                        <p:par>
+                          <p:cTn id="58" fill="hold">
+                            <p:stCondLst>
+                              <p:cond delay="0"/>
+                            </p:stCondLst>
+                            <p:childTnLst>
+                              <p:par>
+                                <p:cTn id="59" presetID="22" presetClass="entr" presetSubtype="2" fill="hold" nodeType="clickEffect">
+                                  <p:stCondLst>
+                                    <p:cond delay="0"/>
+                                  </p:stCondLst>
+                                  <p:childTnLst>
+                                    <p:set>
+                                      <p:cBhvr>
+                                        <p:cTn id="60" dur="1" fill="hold">
+                                          <p:stCondLst>
+                                            <p:cond delay="0"/>
+                                          </p:stCondLst>
+                                        </p:cTn>
+                                        <p:tgtEl>
+                                          <p:spTgt spid="34"/>
+                                        </p:tgtEl>
+                                        <p:attrNameLst>
+                                          <p:attrName>style.visibility</p:attrName>
+                                        </p:attrNameLst>
+                                      </p:cBhvr>
+                                      <p:to>
+                                        <p:strVal val="visible"/>
+                                      </p:to>
+                                    </p:set>
+                                    <p:animEffect transition="in" filter="wipe(right)">
+                                      <p:cBhvr>
+                                        <p:cTn id="61" dur="500"/>
+                                        <p:tgtEl>
+                                          <p:spTgt spid="34"/>
+                                        </p:tgtEl>
+                                      </p:cBhvr>
+                                    </p:animEffect>
+                                  </p:childTnLst>
+                                </p:cTn>
+                              </p:par>
+                            </p:childTnLst>
+                          </p:cTn>
+                        </p:par>
+                      </p:childTnLst>
+                    </p:cTn>
+                  </p:par>
+                </p:childTnLst>
+              </p:cTn>
+              <p:prevCondLst>
+                <p:cond evt="onPrev" delay="0">
+                  <p:tgtEl>
+                    <p:sldTgt/>
+                  </p:tgtEl>
+                </p:cond>
+              </p:prevCondLst>
+              <p:nextCondLst>
+                <p:cond evt="onNext" delay="0">
+                  <p:tgtEl>
+                    <p:sldTgt/>
+                  </p:tgtEl>
+                </p:cond>
+              </p:nextCondLst>
+            </p:seq>
+          </p:childTnLst>
+        </p:cTn>
+      </p:par>
+    </p:tnLst>
+    <p:bldLst>
+      <p:bldP spid="3" grpId="0"/>
+    </p:bldLst>
+  </p:timing>
+</p:sld>
+</file>
+
+<file path=ppt/slides/slide26.xml><?xml version="1.0" encoding="utf-8"?>
+<p:sld xmlns:a="http://schemas.openxmlformats.org/drawingml/2006/main" xmlns:r="http://schemas.openxmlformats.org/officeDocument/2006/relationships" xmlns:p="http://schemas.openxmlformats.org/presentationml/2006/main">
+  <p:cSld>
+    <p:spTree>
+      <p:nvGrpSpPr>
+        <p:cNvPr id="1" name=""/>
+        <p:cNvGrpSpPr/>
+        <p:nvPr/>
+      </p:nvGrpSpPr>
+      <p:grpSpPr>
+        <a:xfrm>
+          <a:off x="0" y="0"/>
+          <a:ext cx="0" cy="0"/>
+          <a:chOff x="0" y="0"/>
+          <a:chExt cx="0" cy="0"/>
+        </a:xfrm>
+      </p:grpSpPr>
+      <p:pic>
+        <p:nvPicPr>
+          <p:cNvPr id="5" name="Picture 4">
+            <a:extLst>
+              <a:ext uri="{FF2B5EF4-FFF2-40B4-BE49-F238E27FC236}">
+                <a16:creationId xmlns:a16="http://schemas.microsoft.com/office/drawing/2014/main" id="{F522ABFC-9FA4-5F27-A4C3-1DE50E770BAF}"/>
+              </a:ext>
+            </a:extLst>
+          </p:cNvPr>
+          <p:cNvPicPr>
+            <a:picLocks noChangeAspect="1"/>
+          </p:cNvPicPr>
+          <p:nvPr/>
+        </p:nvPicPr>
+        <p:blipFill>
+          <a:blip r:embed="rId2"/>
+          <a:stretch>
+            <a:fillRect/>
+          </a:stretch>
+        </p:blipFill>
+        <p:spPr>
+          <a:xfrm>
+            <a:off x="2086286" y="1448588"/>
+            <a:ext cx="4971429" cy="5047619"/>
           </a:xfrm>
           <a:prstGeom prst="rect">
             <a:avLst/>
@@ -16985,7 +19444,7 @@
                 </a:solidFill>
                 <a:latin typeface="+mn-lt"/>
               </a:rPr>
-              <a:t>Open</a:t>
+              <a:t>View</a:t>
             </a:r>
             <a:r>
               <a:rPr lang="en-US" sz="3200" dirty="0">
@@ -17020,7 +19479,7 @@
             <a:fld id="{650AD656-6FF9-465D-B7B0-1CD0DD39CD23}" type="slidenum">
               <a:rPr lang="en-US" smtClean="0"/>
               <a:pPr/>
-              <a:t>25</a:t>
+              <a:t>26</a:t>
             </a:fld>
             <a:endParaRPr lang="en-US"/>
           </a:p>
@@ -17040,7 +19499,7 @@
         </p:nvGrpSpPr>
         <p:grpSpPr>
           <a:xfrm>
-            <a:off x="4033684" y="3914156"/>
+            <a:off x="3510482" y="2570042"/>
             <a:ext cx="1076632" cy="369332"/>
             <a:chOff x="4968362" y="2079211"/>
             <a:chExt cx="1076632" cy="369332"/>
@@ -17160,7 +19619,7 @@
         </p:nvGrpSpPr>
         <p:grpSpPr>
           <a:xfrm>
-            <a:off x="4267742" y="4584770"/>
+            <a:off x="4772854" y="2754708"/>
             <a:ext cx="1076632" cy="369332"/>
             <a:chOff x="4704120" y="2356972"/>
             <a:chExt cx="1076632" cy="369332"/>
@@ -17280,7 +19739,7 @@
         </p:nvGrpSpPr>
         <p:grpSpPr>
           <a:xfrm>
-            <a:off x="5586876" y="4769436"/>
+            <a:off x="4550745" y="2947665"/>
             <a:ext cx="1068643" cy="369332"/>
             <a:chOff x="3647644" y="4910075"/>
             <a:chExt cx="1068643" cy="369332"/>
@@ -17400,7 +19859,7 @@
         </p:nvGrpSpPr>
         <p:grpSpPr>
           <a:xfrm>
-            <a:off x="3823799" y="4974372"/>
+            <a:off x="4260450" y="3150290"/>
             <a:ext cx="1064340" cy="369332"/>
             <a:chOff x="3647644" y="5421073"/>
             <a:chExt cx="1064340" cy="369332"/>
@@ -17520,7 +19979,7 @@
         </p:nvGrpSpPr>
         <p:grpSpPr>
           <a:xfrm>
-            <a:off x="4162088" y="5159037"/>
+            <a:off x="3487650" y="3334956"/>
             <a:ext cx="1068643" cy="369332"/>
             <a:chOff x="3647644" y="5359159"/>
             <a:chExt cx="1068643" cy="369332"/>
@@ -17626,1258 +20085,46 @@
           </p:style>
         </p:cxnSp>
       </p:grpSp>
-      <p:grpSp>
-        <p:nvGrpSpPr>
-          <p:cNvPr id="22" name="Group 21">
+      <p:sp>
+        <p:nvSpPr>
+          <p:cNvPr id="3" name="TextBox 2">
             <a:extLst>
               <a:ext uri="{FF2B5EF4-FFF2-40B4-BE49-F238E27FC236}">
-                <a16:creationId xmlns:a16="http://schemas.microsoft.com/office/drawing/2014/main" id="{220CE117-B248-0F92-855A-EFB828FFDCC4}"/>
+                <a16:creationId xmlns:a16="http://schemas.microsoft.com/office/drawing/2014/main" id="{FA5A91A8-5AA3-9330-5134-C30E2BEF73FD}"/>
               </a:ext>
             </a:extLst>
           </p:cNvPr>
-          <p:cNvGrpSpPr/>
+          <p:cNvSpPr txBox="1"/>
           <p:nvPr/>
-        </p:nvGrpSpPr>
-        <p:grpSpPr>
-          <a:xfrm>
-            <a:off x="6598712" y="5767830"/>
-            <a:ext cx="1076632" cy="369332"/>
-            <a:chOff x="2157212" y="5356391"/>
-            <a:chExt cx="1076632" cy="369332"/>
-          </a:xfrm>
-        </p:grpSpPr>
-        <p:sp>
-          <p:nvSpPr>
-            <p:cNvPr id="23" name="TextBox 22">
-              <a:extLst>
-                <a:ext uri="{FF2B5EF4-FFF2-40B4-BE49-F238E27FC236}">
-                  <a16:creationId xmlns:a16="http://schemas.microsoft.com/office/drawing/2014/main" id="{AB1E2112-7258-060A-C814-9D36FBBE17CF}"/>
-                </a:ext>
-              </a:extLst>
-            </p:cNvPr>
-            <p:cNvSpPr txBox="1"/>
-            <p:nvPr/>
-          </p:nvSpPr>
-          <p:spPr>
-            <a:xfrm>
-              <a:off x="2850386" y="5356391"/>
-              <a:ext cx="383458" cy="369332"/>
-            </a:xfrm>
-            <a:prstGeom prst="rect">
-              <a:avLst/>
-            </a:prstGeom>
-            <a:noFill/>
-          </p:spPr>
-          <p:txBody>
-            <a:bodyPr wrap="square" rtlCol="0">
-              <a:spAutoFit/>
-            </a:bodyPr>
-            <a:lstStyle/>
-            <a:p>
-              <a:r>
-                <a:rPr lang="en-US" dirty="0">
-                  <a:ln>
-                    <a:solidFill>
-                      <a:srgbClr val="FF0000"/>
-                    </a:solidFill>
-                  </a:ln>
-                  <a:solidFill>
-                    <a:srgbClr val="FF0000"/>
-                  </a:solidFill>
-                  <a:sym typeface="Wingdings" panose="05000000000000000000" pitchFamily="2" charset="2"/>
-                </a:rPr>
-                <a:t></a:t>
-              </a:r>
-              <a:endParaRPr lang="en-US" dirty="0">
-                <a:ln>
-                  <a:solidFill>
-                    <a:srgbClr val="FF0000"/>
-                  </a:solidFill>
-                </a:ln>
-                <a:solidFill>
-                  <a:srgbClr val="FF0000"/>
-                </a:solidFill>
-              </a:endParaRPr>
-            </a:p>
-          </p:txBody>
-        </p:sp>
-        <p:cxnSp>
-          <p:nvCxnSpPr>
-            <p:cNvPr id="24" name="Straight Arrow Connector 23">
-              <a:extLst>
-                <a:ext uri="{FF2B5EF4-FFF2-40B4-BE49-F238E27FC236}">
-                  <a16:creationId xmlns:a16="http://schemas.microsoft.com/office/drawing/2014/main" id="{5FD592E6-995B-B614-A41F-44420C9AE7CB}"/>
-                </a:ext>
-              </a:extLst>
-            </p:cNvPr>
-            <p:cNvCxnSpPr>
-              <a:cxnSpLocks/>
-            </p:cNvCxnSpPr>
-            <p:nvPr/>
-          </p:nvCxnSpPr>
-          <p:spPr>
-            <a:xfrm flipH="1">
-              <a:off x="2157212" y="5545146"/>
-              <a:ext cx="693174" cy="0"/>
-            </a:xfrm>
-            <a:prstGeom prst="straightConnector1">
-              <a:avLst/>
-            </a:prstGeom>
-            <a:ln w="38100">
-              <a:solidFill>
-                <a:srgbClr val="FF0000"/>
-              </a:solidFill>
-              <a:tailEnd type="triangle"/>
-            </a:ln>
-          </p:spPr>
-          <p:style>
-            <a:lnRef idx="1">
-              <a:schemeClr val="accent1"/>
-            </a:lnRef>
-            <a:fillRef idx="0">
-              <a:schemeClr val="accent1"/>
-            </a:fillRef>
-            <a:effectRef idx="0">
-              <a:schemeClr val="accent1"/>
-            </a:effectRef>
-            <a:fontRef idx="minor">
-              <a:schemeClr val="tx1"/>
-            </a:fontRef>
-          </p:style>
-        </p:cxnSp>
-      </p:grpSp>
-    </p:spTree>
-    <p:extLst>
-      <p:ext uri="{BB962C8B-B14F-4D97-AF65-F5344CB8AC3E}">
-        <p14:creationId xmlns:p14="http://schemas.microsoft.com/office/powerpoint/2010/main" val="2551548156"/>
-      </p:ext>
-    </p:extLst>
-  </p:cSld>
-  <p:clrMapOvr>
-    <a:masterClrMapping/>
-  </p:clrMapOvr>
-  <p:timing>
-    <p:tnLst>
-      <p:par>
-        <p:cTn id="1" dur="indefinite" restart="never" nodeType="tmRoot">
-          <p:childTnLst>
-            <p:seq concurrent="1" nextAc="seek">
-              <p:cTn id="2" dur="indefinite" nodeType="mainSeq">
-                <p:childTnLst>
-                  <p:par>
-                    <p:cTn id="3" fill="hold">
-                      <p:stCondLst>
-                        <p:cond delay="indefinite"/>
-                        <p:cond evt="onBegin" delay="0">
-                          <p:tn val="2"/>
-                        </p:cond>
-                      </p:stCondLst>
-                      <p:childTnLst>
-                        <p:par>
-                          <p:cTn id="4" fill="hold">
-                            <p:stCondLst>
-                              <p:cond delay="0"/>
-                            </p:stCondLst>
-                            <p:childTnLst>
-                              <p:par>
-                                <p:cTn id="5" presetID="22" presetClass="entr" presetSubtype="1" fill="hold" nodeType="afterEffect">
-                                  <p:stCondLst>
-                                    <p:cond delay="0"/>
-                                  </p:stCondLst>
-                                  <p:childTnLst>
-                                    <p:set>
-                                      <p:cBhvr>
-                                        <p:cTn id="6" dur="1" fill="hold">
-                                          <p:stCondLst>
-                                            <p:cond delay="0"/>
-                                          </p:stCondLst>
-                                        </p:cTn>
-                                        <p:tgtEl>
-                                          <p:spTgt spid="6"/>
-                                        </p:tgtEl>
-                                        <p:attrNameLst>
-                                          <p:attrName>style.visibility</p:attrName>
-                                        </p:attrNameLst>
-                                      </p:cBhvr>
-                                      <p:to>
-                                        <p:strVal val="visible"/>
-                                      </p:to>
-                                    </p:set>
-                                    <p:animEffect transition="in" filter="wipe(up)">
-                                      <p:cBhvr>
-                                        <p:cTn id="7" dur="500"/>
-                                        <p:tgtEl>
-                                          <p:spTgt spid="6"/>
-                                        </p:tgtEl>
-                                      </p:cBhvr>
-                                    </p:animEffect>
-                                  </p:childTnLst>
-                                </p:cTn>
-                              </p:par>
-                            </p:childTnLst>
-                          </p:cTn>
-                        </p:par>
-                        <p:par>
-                          <p:cTn id="8" fill="hold">
-                            <p:stCondLst>
-                              <p:cond delay="500"/>
-                            </p:stCondLst>
-                            <p:childTnLst>
-                              <p:par>
-                                <p:cTn id="9" presetID="22" presetClass="entr" presetSubtype="2" fill="hold" nodeType="afterEffect">
-                                  <p:stCondLst>
-                                    <p:cond delay="0"/>
-                                  </p:stCondLst>
-                                  <p:childTnLst>
-                                    <p:set>
-                                      <p:cBhvr>
-                                        <p:cTn id="10" dur="1" fill="hold">
-                                          <p:stCondLst>
-                                            <p:cond delay="0"/>
-                                          </p:stCondLst>
-                                        </p:cTn>
-                                        <p:tgtEl>
-                                          <p:spTgt spid="7"/>
-                                        </p:tgtEl>
-                                        <p:attrNameLst>
-                                          <p:attrName>style.visibility</p:attrName>
-                                        </p:attrNameLst>
-                                      </p:cBhvr>
-                                      <p:to>
-                                        <p:strVal val="visible"/>
-                                      </p:to>
-                                    </p:set>
-                                    <p:animEffect transition="in" filter="wipe(right)">
-                                      <p:cBhvr>
-                                        <p:cTn id="11" dur="500"/>
-                                        <p:tgtEl>
-                                          <p:spTgt spid="7"/>
-                                        </p:tgtEl>
-                                      </p:cBhvr>
-                                    </p:animEffect>
-                                  </p:childTnLst>
-                                </p:cTn>
-                              </p:par>
-                            </p:childTnLst>
-                          </p:cTn>
-                        </p:par>
-                      </p:childTnLst>
-                    </p:cTn>
-                  </p:par>
-                  <p:par>
-                    <p:cTn id="12" fill="hold">
-                      <p:stCondLst>
-                        <p:cond delay="indefinite"/>
-                      </p:stCondLst>
-                      <p:childTnLst>
-                        <p:par>
-                          <p:cTn id="13" fill="hold">
-                            <p:stCondLst>
-                              <p:cond delay="0"/>
-                            </p:stCondLst>
-                            <p:childTnLst>
-                              <p:par>
-                                <p:cTn id="14" presetID="22" presetClass="entr" presetSubtype="2" fill="hold" nodeType="clickEffect">
-                                  <p:stCondLst>
-                                    <p:cond delay="0"/>
-                                  </p:stCondLst>
-                                  <p:childTnLst>
-                                    <p:set>
-                                      <p:cBhvr>
-                                        <p:cTn id="15" dur="1" fill="hold">
-                                          <p:stCondLst>
-                                            <p:cond delay="0"/>
-                                          </p:stCondLst>
-                                        </p:cTn>
-                                        <p:tgtEl>
-                                          <p:spTgt spid="10"/>
-                                        </p:tgtEl>
-                                        <p:attrNameLst>
-                                          <p:attrName>style.visibility</p:attrName>
-                                        </p:attrNameLst>
-                                      </p:cBhvr>
-                                      <p:to>
-                                        <p:strVal val="visible"/>
-                                      </p:to>
-                                    </p:set>
-                                    <p:animEffect transition="in" filter="wipe(right)">
-                                      <p:cBhvr>
-                                        <p:cTn id="16" dur="500"/>
-                                        <p:tgtEl>
-                                          <p:spTgt spid="10"/>
-                                        </p:tgtEl>
-                                      </p:cBhvr>
-                                    </p:animEffect>
-                                  </p:childTnLst>
-                                </p:cTn>
-                              </p:par>
-                            </p:childTnLst>
-                          </p:cTn>
-                        </p:par>
-                      </p:childTnLst>
-                    </p:cTn>
-                  </p:par>
-                  <p:par>
-                    <p:cTn id="17" fill="hold">
-                      <p:stCondLst>
-                        <p:cond delay="indefinite"/>
-                      </p:stCondLst>
-                      <p:childTnLst>
-                        <p:par>
-                          <p:cTn id="18" fill="hold">
-                            <p:stCondLst>
-                              <p:cond delay="0"/>
-                            </p:stCondLst>
-                            <p:childTnLst>
-                              <p:par>
-                                <p:cTn id="19" presetID="22" presetClass="entr" presetSubtype="2" fill="hold" nodeType="clickEffect">
-                                  <p:stCondLst>
-                                    <p:cond delay="0"/>
-                                  </p:stCondLst>
-                                  <p:childTnLst>
-                                    <p:set>
-                                      <p:cBhvr>
-                                        <p:cTn id="20" dur="1" fill="hold">
-                                          <p:stCondLst>
-                                            <p:cond delay="0"/>
-                                          </p:stCondLst>
-                                        </p:cTn>
-                                        <p:tgtEl>
-                                          <p:spTgt spid="13"/>
-                                        </p:tgtEl>
-                                        <p:attrNameLst>
-                                          <p:attrName>style.visibility</p:attrName>
-                                        </p:attrNameLst>
-                                      </p:cBhvr>
-                                      <p:to>
-                                        <p:strVal val="visible"/>
-                                      </p:to>
-                                    </p:set>
-                                    <p:animEffect transition="in" filter="wipe(right)">
-                                      <p:cBhvr>
-                                        <p:cTn id="21" dur="500"/>
-                                        <p:tgtEl>
-                                          <p:spTgt spid="13"/>
-                                        </p:tgtEl>
-                                      </p:cBhvr>
-                                    </p:animEffect>
-                                  </p:childTnLst>
-                                </p:cTn>
-                              </p:par>
-                            </p:childTnLst>
-                          </p:cTn>
-                        </p:par>
-                      </p:childTnLst>
-                    </p:cTn>
-                  </p:par>
-                  <p:par>
-                    <p:cTn id="22" fill="hold">
-                      <p:stCondLst>
-                        <p:cond delay="indefinite"/>
-                      </p:stCondLst>
-                      <p:childTnLst>
-                        <p:par>
-                          <p:cTn id="23" fill="hold">
-                            <p:stCondLst>
-                              <p:cond delay="0"/>
-                            </p:stCondLst>
-                            <p:childTnLst>
-                              <p:par>
-                                <p:cTn id="24" presetID="22" presetClass="entr" presetSubtype="2" fill="hold" nodeType="clickEffect">
-                                  <p:stCondLst>
-                                    <p:cond delay="0"/>
-                                  </p:stCondLst>
-                                  <p:childTnLst>
-                                    <p:set>
-                                      <p:cBhvr>
-                                        <p:cTn id="25" dur="1" fill="hold">
-                                          <p:stCondLst>
-                                            <p:cond delay="0"/>
-                                          </p:stCondLst>
-                                        </p:cTn>
-                                        <p:tgtEl>
-                                          <p:spTgt spid="16"/>
-                                        </p:tgtEl>
-                                        <p:attrNameLst>
-                                          <p:attrName>style.visibility</p:attrName>
-                                        </p:attrNameLst>
-                                      </p:cBhvr>
-                                      <p:to>
-                                        <p:strVal val="visible"/>
-                                      </p:to>
-                                    </p:set>
-                                    <p:animEffect transition="in" filter="wipe(right)">
-                                      <p:cBhvr>
-                                        <p:cTn id="26" dur="500"/>
-                                        <p:tgtEl>
-                                          <p:spTgt spid="16"/>
-                                        </p:tgtEl>
-                                      </p:cBhvr>
-                                    </p:animEffect>
-                                  </p:childTnLst>
-                                </p:cTn>
-                              </p:par>
-                            </p:childTnLst>
-                          </p:cTn>
-                        </p:par>
-                      </p:childTnLst>
-                    </p:cTn>
-                  </p:par>
-                  <p:par>
-                    <p:cTn id="27" fill="hold">
-                      <p:stCondLst>
-                        <p:cond delay="indefinite"/>
-                      </p:stCondLst>
-                      <p:childTnLst>
-                        <p:par>
-                          <p:cTn id="28" fill="hold">
-                            <p:stCondLst>
-                              <p:cond delay="0"/>
-                            </p:stCondLst>
-                            <p:childTnLst>
-                              <p:par>
-                                <p:cTn id="29" presetID="22" presetClass="entr" presetSubtype="2" fill="hold" nodeType="clickEffect">
-                                  <p:stCondLst>
-                                    <p:cond delay="0"/>
-                                  </p:stCondLst>
-                                  <p:childTnLst>
-                                    <p:set>
-                                      <p:cBhvr>
-                                        <p:cTn id="30" dur="1" fill="hold">
-                                          <p:stCondLst>
-                                            <p:cond delay="0"/>
-                                          </p:stCondLst>
-                                        </p:cTn>
-                                        <p:tgtEl>
-                                          <p:spTgt spid="19"/>
-                                        </p:tgtEl>
-                                        <p:attrNameLst>
-                                          <p:attrName>style.visibility</p:attrName>
-                                        </p:attrNameLst>
-                                      </p:cBhvr>
-                                      <p:to>
-                                        <p:strVal val="visible"/>
-                                      </p:to>
-                                    </p:set>
-                                    <p:animEffect transition="in" filter="wipe(right)">
-                                      <p:cBhvr>
-                                        <p:cTn id="31" dur="500"/>
-                                        <p:tgtEl>
-                                          <p:spTgt spid="19"/>
-                                        </p:tgtEl>
-                                      </p:cBhvr>
-                                    </p:animEffect>
-                                  </p:childTnLst>
-                                </p:cTn>
-                              </p:par>
-                            </p:childTnLst>
-                          </p:cTn>
-                        </p:par>
-                      </p:childTnLst>
-                    </p:cTn>
-                  </p:par>
-                  <p:par>
-                    <p:cTn id="32" fill="hold">
-                      <p:stCondLst>
-                        <p:cond delay="indefinite"/>
-                      </p:stCondLst>
-                      <p:childTnLst>
-                        <p:par>
-                          <p:cTn id="33" fill="hold">
-                            <p:stCondLst>
-                              <p:cond delay="0"/>
-                            </p:stCondLst>
-                            <p:childTnLst>
-                              <p:par>
-                                <p:cTn id="34" presetID="22" presetClass="entr" presetSubtype="2" fill="hold" nodeType="clickEffect">
-                                  <p:stCondLst>
-                                    <p:cond delay="0"/>
-                                  </p:stCondLst>
-                                  <p:childTnLst>
-                                    <p:set>
-                                      <p:cBhvr>
-                                        <p:cTn id="35" dur="1" fill="hold">
-                                          <p:stCondLst>
-                                            <p:cond delay="0"/>
-                                          </p:stCondLst>
-                                        </p:cTn>
-                                        <p:tgtEl>
-                                          <p:spTgt spid="22"/>
-                                        </p:tgtEl>
-                                        <p:attrNameLst>
-                                          <p:attrName>style.visibility</p:attrName>
-                                        </p:attrNameLst>
-                                      </p:cBhvr>
-                                      <p:to>
-                                        <p:strVal val="visible"/>
-                                      </p:to>
-                                    </p:set>
-                                    <p:animEffect transition="in" filter="wipe(right)">
-                                      <p:cBhvr>
-                                        <p:cTn id="36" dur="500"/>
-                                        <p:tgtEl>
-                                          <p:spTgt spid="22"/>
-                                        </p:tgtEl>
-                                      </p:cBhvr>
-                                    </p:animEffect>
-                                  </p:childTnLst>
-                                </p:cTn>
-                              </p:par>
-                            </p:childTnLst>
-                          </p:cTn>
-                        </p:par>
-                      </p:childTnLst>
-                    </p:cTn>
-                  </p:par>
-                </p:childTnLst>
-              </p:cTn>
-              <p:prevCondLst>
-                <p:cond evt="onPrev" delay="0">
-                  <p:tgtEl>
-                    <p:sldTgt/>
-                  </p:tgtEl>
-                </p:cond>
-              </p:prevCondLst>
-              <p:nextCondLst>
-                <p:cond evt="onNext" delay="0">
-                  <p:tgtEl>
-                    <p:sldTgt/>
-                  </p:tgtEl>
-                </p:cond>
-              </p:nextCondLst>
-            </p:seq>
-          </p:childTnLst>
-        </p:cTn>
-      </p:par>
-    </p:tnLst>
-  </p:timing>
-</p:sld>
-</file>
-
-<file path=ppt/slides/slide26.xml><?xml version="1.0" encoding="utf-8"?>
-<p:sld xmlns:a="http://schemas.openxmlformats.org/drawingml/2006/main" xmlns:r="http://schemas.openxmlformats.org/officeDocument/2006/relationships" xmlns:p="http://schemas.openxmlformats.org/presentationml/2006/main">
-  <p:cSld>
-    <p:spTree>
-      <p:nvGrpSpPr>
-        <p:cNvPr id="1" name=""/>
-        <p:cNvGrpSpPr/>
-        <p:nvPr/>
-      </p:nvGrpSpPr>
-      <p:grpSpPr>
-        <a:xfrm>
-          <a:off x="0" y="0"/>
-          <a:ext cx="0" cy="0"/>
-          <a:chOff x="0" y="0"/>
-          <a:chExt cx="0" cy="0"/>
-        </a:xfrm>
-      </p:grpSpPr>
-      <p:pic>
-        <p:nvPicPr>
-          <p:cNvPr id="6" name="Picture 5">
-            <a:extLst>
-              <a:ext uri="{FF2B5EF4-FFF2-40B4-BE49-F238E27FC236}">
-                <a16:creationId xmlns:a16="http://schemas.microsoft.com/office/drawing/2014/main" id="{B8CE5530-4C45-6C70-0E88-A6AE7DD3EE50}"/>
-              </a:ext>
-            </a:extLst>
-          </p:cNvPr>
-          <p:cNvPicPr>
-            <a:picLocks noChangeAspect="1"/>
-          </p:cNvPicPr>
-          <p:nvPr/>
-        </p:nvPicPr>
-        <p:blipFill>
-          <a:blip r:embed="rId2"/>
-          <a:stretch>
-            <a:fillRect/>
-          </a:stretch>
-        </p:blipFill>
+        </p:nvSpPr>
         <p:spPr>
           <a:xfrm>
-            <a:off x="2076762" y="1373018"/>
-            <a:ext cx="4990476" cy="4914286"/>
+            <a:off x="7252353" y="497779"/>
+            <a:ext cx="1514007" cy="923330"/>
           </a:xfrm>
           <a:prstGeom prst="rect">
             <a:avLst/>
           </a:prstGeom>
-          <a:ln>
-            <a:solidFill>
-              <a:schemeClr val="tx1"/>
-            </a:solidFill>
-          </a:ln>
+          <a:noFill/>
         </p:spPr>
-      </p:pic>
-      <p:sp>
-        <p:nvSpPr>
-          <p:cNvPr id="2" name="Title 1">
-            <a:extLst>
-              <a:ext uri="{FF2B5EF4-FFF2-40B4-BE49-F238E27FC236}">
-                <a16:creationId xmlns:a16="http://schemas.microsoft.com/office/drawing/2014/main" id="{B15B6439-41E6-140A-FAE2-84DA1CCE9574}"/>
-              </a:ext>
-            </a:extLst>
-          </p:cNvPr>
-          <p:cNvSpPr>
-            <a:spLocks noGrp="1"/>
-          </p:cNvSpPr>
-          <p:nvPr>
-            <p:ph type="title"/>
-          </p:nvPr>
-        </p:nvSpPr>
-        <p:spPr/>
         <p:txBody>
-          <a:bodyPr>
-            <a:normAutofit/>
+          <a:bodyPr wrap="square" rtlCol="0">
+            <a:spAutoFit/>
           </a:bodyPr>
           <a:lstStyle/>
           <a:p>
             <a:pPr algn="ctr"/>
             <a:r>
-              <a:rPr lang="en-US" sz="3200" b="1" dirty="0">
+              <a:rPr lang="en-US" b="1" dirty="0">
                 <a:solidFill>
-                  <a:srgbClr val="0070C0"/>
+                  <a:srgbClr val="00B050"/>
                 </a:solidFill>
-                <a:latin typeface="+mn-lt"/>
               </a:rPr>
-              <a:t>Open</a:t>
-            </a:r>
-            <a:r>
-              <a:rPr lang="en-US" sz="3200" dirty="0">
-                <a:latin typeface="+mn-lt"/>
-              </a:rPr>
-              <a:t> prime_racer1.py</a:t>
+              <a:t>Note: You should not edit this file!</a:t>
             </a:r>
           </a:p>
         </p:txBody>
       </p:sp>
-      <p:sp>
-        <p:nvSpPr>
-          <p:cNvPr id="4" name="Slide Number Placeholder 3">
-            <a:extLst>
-              <a:ext uri="{FF2B5EF4-FFF2-40B4-BE49-F238E27FC236}">
-                <a16:creationId xmlns:a16="http://schemas.microsoft.com/office/drawing/2014/main" id="{80CC9F32-161F-C116-92EA-A6FCC6DD8558}"/>
-              </a:ext>
-            </a:extLst>
-          </p:cNvPr>
-          <p:cNvSpPr>
-            <a:spLocks noGrp="1"/>
-          </p:cNvSpPr>
-          <p:nvPr>
-            <p:ph type="sldNum" sz="quarter" idx="12"/>
-          </p:nvPr>
-        </p:nvSpPr>
-        <p:spPr/>
-        <p:txBody>
-          <a:bodyPr/>
-          <a:lstStyle/>
-          <a:p>
-            <a:fld id="{650AD656-6FF9-465D-B7B0-1CD0DD39CD23}" type="slidenum">
-              <a:rPr lang="en-US" smtClean="0"/>
-              <a:pPr/>
-              <a:t>26</a:t>
-            </a:fld>
-            <a:endParaRPr lang="en-US"/>
-          </a:p>
-        </p:txBody>
-      </p:sp>
-      <p:grpSp>
-        <p:nvGrpSpPr>
-          <p:cNvPr id="7" name="Group 6">
-            <a:extLst>
-              <a:ext uri="{FF2B5EF4-FFF2-40B4-BE49-F238E27FC236}">
-                <a16:creationId xmlns:a16="http://schemas.microsoft.com/office/drawing/2014/main" id="{D70CB59F-D358-1B36-EB3F-9E8308AD04AC}"/>
-              </a:ext>
-            </a:extLst>
-          </p:cNvPr>
-          <p:cNvGrpSpPr/>
-          <p:nvPr/>
-        </p:nvGrpSpPr>
-        <p:grpSpPr>
-          <a:xfrm>
-            <a:off x="3495368" y="2486915"/>
-            <a:ext cx="1076632" cy="369332"/>
-            <a:chOff x="4968362" y="2079211"/>
-            <a:chExt cx="1076632" cy="369332"/>
-          </a:xfrm>
-        </p:grpSpPr>
-        <p:cxnSp>
-          <p:nvCxnSpPr>
-            <p:cNvPr id="8" name="Straight Arrow Connector 7">
-              <a:extLst>
-                <a:ext uri="{FF2B5EF4-FFF2-40B4-BE49-F238E27FC236}">
-                  <a16:creationId xmlns:a16="http://schemas.microsoft.com/office/drawing/2014/main" id="{379FA682-0667-1937-0DD1-CA4C6455FBB9}"/>
-                </a:ext>
-              </a:extLst>
-            </p:cNvPr>
-            <p:cNvCxnSpPr>
-              <a:cxnSpLocks/>
-            </p:cNvCxnSpPr>
-            <p:nvPr/>
-          </p:nvCxnSpPr>
-          <p:spPr>
-            <a:xfrm flipH="1">
-              <a:off x="4968362" y="2263877"/>
-              <a:ext cx="693174" cy="0"/>
-            </a:xfrm>
-            <a:prstGeom prst="straightConnector1">
-              <a:avLst/>
-            </a:prstGeom>
-            <a:ln w="38100">
-              <a:solidFill>
-                <a:srgbClr val="FF0000"/>
-              </a:solidFill>
-              <a:tailEnd type="triangle"/>
-            </a:ln>
-          </p:spPr>
-          <p:style>
-            <a:lnRef idx="1">
-              <a:schemeClr val="accent1"/>
-            </a:lnRef>
-            <a:fillRef idx="0">
-              <a:schemeClr val="accent1"/>
-            </a:fillRef>
-            <a:effectRef idx="0">
-              <a:schemeClr val="accent1"/>
-            </a:effectRef>
-            <a:fontRef idx="minor">
-              <a:schemeClr val="tx1"/>
-            </a:fontRef>
-          </p:style>
-        </p:cxnSp>
-        <p:sp>
-          <p:nvSpPr>
-            <p:cNvPr id="9" name="TextBox 8">
-              <a:extLst>
-                <a:ext uri="{FF2B5EF4-FFF2-40B4-BE49-F238E27FC236}">
-                  <a16:creationId xmlns:a16="http://schemas.microsoft.com/office/drawing/2014/main" id="{D26CBC2A-4850-21AE-C289-2A6CE8F76DB2}"/>
-                </a:ext>
-              </a:extLst>
-            </p:cNvPr>
-            <p:cNvSpPr txBox="1"/>
-            <p:nvPr/>
-          </p:nvSpPr>
-          <p:spPr>
-            <a:xfrm>
-              <a:off x="5661536" y="2079211"/>
-              <a:ext cx="383458" cy="369332"/>
-            </a:xfrm>
-            <a:prstGeom prst="rect">
-              <a:avLst/>
-            </a:prstGeom>
-            <a:noFill/>
-          </p:spPr>
-          <p:txBody>
-            <a:bodyPr wrap="square" rtlCol="0">
-              <a:spAutoFit/>
-            </a:bodyPr>
-            <a:lstStyle/>
-            <a:p>
-              <a:r>
-                <a:rPr lang="en-US" dirty="0">
-                  <a:ln>
-                    <a:solidFill>
-                      <a:srgbClr val="FF0000"/>
-                    </a:solidFill>
-                  </a:ln>
-                  <a:solidFill>
-                    <a:srgbClr val="FF0000"/>
-                  </a:solidFill>
-                  <a:sym typeface="Wingdings" panose="05000000000000000000" pitchFamily="2" charset="2"/>
-                </a:rPr>
-                <a:t></a:t>
-              </a:r>
-              <a:endParaRPr lang="en-US" dirty="0">
-                <a:ln>
-                  <a:solidFill>
-                    <a:srgbClr val="FF0000"/>
-                  </a:solidFill>
-                </a:ln>
-                <a:solidFill>
-                  <a:srgbClr val="FF0000"/>
-                </a:solidFill>
-              </a:endParaRPr>
-            </a:p>
-          </p:txBody>
-        </p:sp>
-      </p:grpSp>
-      <p:grpSp>
-        <p:nvGrpSpPr>
-          <p:cNvPr id="10" name="Group 9">
-            <a:extLst>
-              <a:ext uri="{FF2B5EF4-FFF2-40B4-BE49-F238E27FC236}">
-                <a16:creationId xmlns:a16="http://schemas.microsoft.com/office/drawing/2014/main" id="{721FC3AF-EAB6-4BF2-D210-27E40A70FBFC}"/>
-              </a:ext>
-            </a:extLst>
-          </p:cNvPr>
-          <p:cNvGrpSpPr/>
-          <p:nvPr/>
-        </p:nvGrpSpPr>
-        <p:grpSpPr>
-          <a:xfrm>
-            <a:off x="4757740" y="2671581"/>
-            <a:ext cx="1076632" cy="369332"/>
-            <a:chOff x="4704120" y="2356972"/>
-            <a:chExt cx="1076632" cy="369332"/>
-          </a:xfrm>
-        </p:grpSpPr>
-        <p:cxnSp>
-          <p:nvCxnSpPr>
-            <p:cNvPr id="11" name="Straight Arrow Connector 10">
-              <a:extLst>
-                <a:ext uri="{FF2B5EF4-FFF2-40B4-BE49-F238E27FC236}">
-                  <a16:creationId xmlns:a16="http://schemas.microsoft.com/office/drawing/2014/main" id="{57358A11-3E61-8BEB-F46A-34177B6E79B6}"/>
-                </a:ext>
-              </a:extLst>
-            </p:cNvPr>
-            <p:cNvCxnSpPr>
-              <a:cxnSpLocks/>
-            </p:cNvCxnSpPr>
-            <p:nvPr/>
-          </p:nvCxnSpPr>
-          <p:spPr>
-            <a:xfrm flipH="1">
-              <a:off x="4704120" y="2541638"/>
-              <a:ext cx="693174" cy="0"/>
-            </a:xfrm>
-            <a:prstGeom prst="straightConnector1">
-              <a:avLst/>
-            </a:prstGeom>
-            <a:ln w="38100">
-              <a:solidFill>
-                <a:srgbClr val="FF0000"/>
-              </a:solidFill>
-              <a:tailEnd type="triangle"/>
-            </a:ln>
-          </p:spPr>
-          <p:style>
-            <a:lnRef idx="1">
-              <a:schemeClr val="accent1"/>
-            </a:lnRef>
-            <a:fillRef idx="0">
-              <a:schemeClr val="accent1"/>
-            </a:fillRef>
-            <a:effectRef idx="0">
-              <a:schemeClr val="accent1"/>
-            </a:effectRef>
-            <a:fontRef idx="minor">
-              <a:schemeClr val="tx1"/>
-            </a:fontRef>
-          </p:style>
-        </p:cxnSp>
-        <p:sp>
-          <p:nvSpPr>
-            <p:cNvPr id="12" name="TextBox 11">
-              <a:extLst>
-                <a:ext uri="{FF2B5EF4-FFF2-40B4-BE49-F238E27FC236}">
-                  <a16:creationId xmlns:a16="http://schemas.microsoft.com/office/drawing/2014/main" id="{E5B663B2-153C-E7C4-F584-AEB5E2BC3ECC}"/>
-                </a:ext>
-              </a:extLst>
-            </p:cNvPr>
-            <p:cNvSpPr txBox="1"/>
-            <p:nvPr/>
-          </p:nvSpPr>
-          <p:spPr>
-            <a:xfrm>
-              <a:off x="5397294" y="2356972"/>
-              <a:ext cx="383458" cy="369332"/>
-            </a:xfrm>
-            <a:prstGeom prst="rect">
-              <a:avLst/>
-            </a:prstGeom>
-            <a:noFill/>
-          </p:spPr>
-          <p:txBody>
-            <a:bodyPr wrap="square" rtlCol="0">
-              <a:spAutoFit/>
-            </a:bodyPr>
-            <a:lstStyle/>
-            <a:p>
-              <a:r>
-                <a:rPr lang="en-US" dirty="0">
-                  <a:ln>
-                    <a:solidFill>
-                      <a:srgbClr val="FF0000"/>
-                    </a:solidFill>
-                  </a:ln>
-                  <a:solidFill>
-                    <a:srgbClr val="FF0000"/>
-                  </a:solidFill>
-                  <a:sym typeface="Wingdings" panose="05000000000000000000" pitchFamily="2" charset="2"/>
-                </a:rPr>
-                <a:t></a:t>
-              </a:r>
-              <a:endParaRPr lang="en-US" dirty="0">
-                <a:ln>
-                  <a:solidFill>
-                    <a:srgbClr val="FF0000"/>
-                  </a:solidFill>
-                </a:ln>
-                <a:solidFill>
-                  <a:srgbClr val="FF0000"/>
-                </a:solidFill>
-              </a:endParaRPr>
-            </a:p>
-          </p:txBody>
-        </p:sp>
-      </p:grpSp>
-      <p:grpSp>
-        <p:nvGrpSpPr>
-          <p:cNvPr id="13" name="Group 12">
-            <a:extLst>
-              <a:ext uri="{FF2B5EF4-FFF2-40B4-BE49-F238E27FC236}">
-                <a16:creationId xmlns:a16="http://schemas.microsoft.com/office/drawing/2014/main" id="{5A809B99-2008-C315-5AB2-CA0CE36203F2}"/>
-              </a:ext>
-            </a:extLst>
-          </p:cNvPr>
-          <p:cNvGrpSpPr/>
-          <p:nvPr/>
-        </p:nvGrpSpPr>
-        <p:grpSpPr>
-          <a:xfrm>
-            <a:off x="4535631" y="2864538"/>
-            <a:ext cx="1068643" cy="369332"/>
-            <a:chOff x="3647644" y="4910075"/>
-            <a:chExt cx="1068643" cy="369332"/>
-          </a:xfrm>
-        </p:grpSpPr>
-        <p:sp>
-          <p:nvSpPr>
-            <p:cNvPr id="14" name="TextBox 13">
-              <a:extLst>
-                <a:ext uri="{FF2B5EF4-FFF2-40B4-BE49-F238E27FC236}">
-                  <a16:creationId xmlns:a16="http://schemas.microsoft.com/office/drawing/2014/main" id="{EBC1EECA-EDAD-BD47-7C69-DC14FDD8D4E1}"/>
-                </a:ext>
-              </a:extLst>
-            </p:cNvPr>
-            <p:cNvSpPr txBox="1"/>
-            <p:nvPr/>
-          </p:nvSpPr>
-          <p:spPr>
-            <a:xfrm>
-              <a:off x="4332829" y="4910075"/>
-              <a:ext cx="383458" cy="369332"/>
-            </a:xfrm>
-            <a:prstGeom prst="rect">
-              <a:avLst/>
-            </a:prstGeom>
-            <a:noFill/>
-          </p:spPr>
-          <p:txBody>
-            <a:bodyPr wrap="square" rtlCol="0">
-              <a:spAutoFit/>
-            </a:bodyPr>
-            <a:lstStyle/>
-            <a:p>
-              <a:r>
-                <a:rPr lang="en-US" dirty="0">
-                  <a:ln>
-                    <a:solidFill>
-                      <a:srgbClr val="FF0000"/>
-                    </a:solidFill>
-                  </a:ln>
-                  <a:solidFill>
-                    <a:srgbClr val="FF0000"/>
-                  </a:solidFill>
-                  <a:sym typeface="Wingdings" panose="05000000000000000000" pitchFamily="2" charset="2"/>
-                </a:rPr>
-                <a:t></a:t>
-              </a:r>
-              <a:endParaRPr lang="en-US" dirty="0">
-                <a:ln>
-                  <a:solidFill>
-                    <a:srgbClr val="FF0000"/>
-                  </a:solidFill>
-                </a:ln>
-                <a:solidFill>
-                  <a:srgbClr val="FF0000"/>
-                </a:solidFill>
-              </a:endParaRPr>
-            </a:p>
-          </p:txBody>
-        </p:sp>
-        <p:cxnSp>
-          <p:nvCxnSpPr>
-            <p:cNvPr id="15" name="Straight Arrow Connector 14">
-              <a:extLst>
-                <a:ext uri="{FF2B5EF4-FFF2-40B4-BE49-F238E27FC236}">
-                  <a16:creationId xmlns:a16="http://schemas.microsoft.com/office/drawing/2014/main" id="{E5BD1DB4-A07A-1E45-F3B4-E9FE5CD0935F}"/>
-                </a:ext>
-              </a:extLst>
-            </p:cNvPr>
-            <p:cNvCxnSpPr>
-              <a:cxnSpLocks/>
-            </p:cNvCxnSpPr>
-            <p:nvPr/>
-          </p:nvCxnSpPr>
-          <p:spPr>
-            <a:xfrm flipH="1">
-              <a:off x="3647644" y="5094741"/>
-              <a:ext cx="693174" cy="0"/>
-            </a:xfrm>
-            <a:prstGeom prst="straightConnector1">
-              <a:avLst/>
-            </a:prstGeom>
-            <a:ln w="38100">
-              <a:solidFill>
-                <a:srgbClr val="FF0000"/>
-              </a:solidFill>
-              <a:tailEnd type="triangle"/>
-            </a:ln>
-          </p:spPr>
-          <p:style>
-            <a:lnRef idx="1">
-              <a:schemeClr val="accent1"/>
-            </a:lnRef>
-            <a:fillRef idx="0">
-              <a:schemeClr val="accent1"/>
-            </a:fillRef>
-            <a:effectRef idx="0">
-              <a:schemeClr val="accent1"/>
-            </a:effectRef>
-            <a:fontRef idx="minor">
-              <a:schemeClr val="tx1"/>
-            </a:fontRef>
-          </p:style>
-        </p:cxnSp>
-      </p:grpSp>
-      <p:grpSp>
-        <p:nvGrpSpPr>
-          <p:cNvPr id="16" name="Group 15">
-            <a:extLst>
-              <a:ext uri="{FF2B5EF4-FFF2-40B4-BE49-F238E27FC236}">
-                <a16:creationId xmlns:a16="http://schemas.microsoft.com/office/drawing/2014/main" id="{79443248-C07F-FC49-1072-F7B264E3FD9C}"/>
-              </a:ext>
-            </a:extLst>
-          </p:cNvPr>
-          <p:cNvGrpSpPr/>
-          <p:nvPr/>
-        </p:nvGrpSpPr>
-        <p:grpSpPr>
-          <a:xfrm>
-            <a:off x="4245336" y="3067163"/>
-            <a:ext cx="1064340" cy="369332"/>
-            <a:chOff x="3647644" y="5421073"/>
-            <a:chExt cx="1064340" cy="369332"/>
-          </a:xfrm>
-        </p:grpSpPr>
-        <p:sp>
-          <p:nvSpPr>
-            <p:cNvPr id="17" name="TextBox 16">
-              <a:extLst>
-                <a:ext uri="{FF2B5EF4-FFF2-40B4-BE49-F238E27FC236}">
-                  <a16:creationId xmlns:a16="http://schemas.microsoft.com/office/drawing/2014/main" id="{3CC1B05D-FB4F-8DD2-F563-C5E55BEB1066}"/>
-                </a:ext>
-              </a:extLst>
-            </p:cNvPr>
-            <p:cNvSpPr txBox="1"/>
-            <p:nvPr/>
-          </p:nvSpPr>
-          <p:spPr>
-            <a:xfrm>
-              <a:off x="4328526" y="5421073"/>
-              <a:ext cx="383458" cy="369332"/>
-            </a:xfrm>
-            <a:prstGeom prst="rect">
-              <a:avLst/>
-            </a:prstGeom>
-            <a:noFill/>
-          </p:spPr>
-          <p:txBody>
-            <a:bodyPr wrap="square" rtlCol="0">
-              <a:spAutoFit/>
-            </a:bodyPr>
-            <a:lstStyle/>
-            <a:p>
-              <a:r>
-                <a:rPr lang="en-US" dirty="0">
-                  <a:ln>
-                    <a:solidFill>
-                      <a:srgbClr val="FF0000"/>
-                    </a:solidFill>
-                  </a:ln>
-                  <a:solidFill>
-                    <a:srgbClr val="FF0000"/>
-                  </a:solidFill>
-                  <a:sym typeface="Wingdings" panose="05000000000000000000" pitchFamily="2" charset="2"/>
-                </a:rPr>
-                <a:t></a:t>
-              </a:r>
-              <a:endParaRPr lang="en-US" dirty="0">
-                <a:ln>
-                  <a:solidFill>
-                    <a:srgbClr val="FF0000"/>
-                  </a:solidFill>
-                </a:ln>
-                <a:solidFill>
-                  <a:srgbClr val="FF0000"/>
-                </a:solidFill>
-              </a:endParaRPr>
-            </a:p>
-          </p:txBody>
-        </p:sp>
-        <p:cxnSp>
-          <p:nvCxnSpPr>
-            <p:cNvPr id="18" name="Straight Arrow Connector 17">
-              <a:extLst>
-                <a:ext uri="{FF2B5EF4-FFF2-40B4-BE49-F238E27FC236}">
-                  <a16:creationId xmlns:a16="http://schemas.microsoft.com/office/drawing/2014/main" id="{A0F959A2-7BB7-8FE7-8A46-5862F90D6642}"/>
-                </a:ext>
-              </a:extLst>
-            </p:cNvPr>
-            <p:cNvCxnSpPr>
-              <a:cxnSpLocks/>
-            </p:cNvCxnSpPr>
-            <p:nvPr/>
-          </p:nvCxnSpPr>
-          <p:spPr>
-            <a:xfrm flipH="1">
-              <a:off x="3647644" y="5594437"/>
-              <a:ext cx="693174" cy="0"/>
-            </a:xfrm>
-            <a:prstGeom prst="straightConnector1">
-              <a:avLst/>
-            </a:prstGeom>
-            <a:ln w="38100">
-              <a:solidFill>
-                <a:srgbClr val="FF0000"/>
-              </a:solidFill>
-              <a:tailEnd type="triangle"/>
-            </a:ln>
-          </p:spPr>
-          <p:style>
-            <a:lnRef idx="1">
-              <a:schemeClr val="accent1"/>
-            </a:lnRef>
-            <a:fillRef idx="0">
-              <a:schemeClr val="accent1"/>
-            </a:fillRef>
-            <a:effectRef idx="0">
-              <a:schemeClr val="accent1"/>
-            </a:effectRef>
-            <a:fontRef idx="minor">
-              <a:schemeClr val="tx1"/>
-            </a:fontRef>
-          </p:style>
-        </p:cxnSp>
-      </p:grpSp>
-      <p:grpSp>
-        <p:nvGrpSpPr>
-          <p:cNvPr id="19" name="Group 18">
-            <a:extLst>
-              <a:ext uri="{FF2B5EF4-FFF2-40B4-BE49-F238E27FC236}">
-                <a16:creationId xmlns:a16="http://schemas.microsoft.com/office/drawing/2014/main" id="{42998E73-5A53-12A1-C245-7EC567E8A2BC}"/>
-              </a:ext>
-            </a:extLst>
-          </p:cNvPr>
-          <p:cNvGrpSpPr/>
-          <p:nvPr/>
-        </p:nvGrpSpPr>
-        <p:grpSpPr>
-          <a:xfrm>
-            <a:off x="3472536" y="3251829"/>
-            <a:ext cx="1068643" cy="369332"/>
-            <a:chOff x="3647644" y="5359159"/>
-            <a:chExt cx="1068643" cy="369332"/>
-          </a:xfrm>
-        </p:grpSpPr>
-        <p:sp>
-          <p:nvSpPr>
-            <p:cNvPr id="20" name="TextBox 19">
-              <a:extLst>
-                <a:ext uri="{FF2B5EF4-FFF2-40B4-BE49-F238E27FC236}">
-                  <a16:creationId xmlns:a16="http://schemas.microsoft.com/office/drawing/2014/main" id="{52CE05AA-3664-E3AF-7D45-A98F6EC8A43F}"/>
-                </a:ext>
-              </a:extLst>
-            </p:cNvPr>
-            <p:cNvSpPr txBox="1"/>
-            <p:nvPr/>
-          </p:nvSpPr>
-          <p:spPr>
-            <a:xfrm>
-              <a:off x="4332829" y="5359159"/>
-              <a:ext cx="383458" cy="369332"/>
-            </a:xfrm>
-            <a:prstGeom prst="rect">
-              <a:avLst/>
-            </a:prstGeom>
-            <a:noFill/>
-          </p:spPr>
-          <p:txBody>
-            <a:bodyPr wrap="square" rtlCol="0">
-              <a:spAutoFit/>
-            </a:bodyPr>
-            <a:lstStyle/>
-            <a:p>
-              <a:r>
-                <a:rPr lang="en-US" dirty="0">
-                  <a:ln>
-                    <a:solidFill>
-                      <a:srgbClr val="FF0000"/>
-                    </a:solidFill>
-                  </a:ln>
-                  <a:solidFill>
-                    <a:srgbClr val="FF0000"/>
-                  </a:solidFill>
-                  <a:sym typeface="Wingdings" panose="05000000000000000000" pitchFamily="2" charset="2"/>
-                </a:rPr>
-                <a:t></a:t>
-              </a:r>
-              <a:endParaRPr lang="en-US" dirty="0">
-                <a:ln>
-                  <a:solidFill>
-                    <a:srgbClr val="FF0000"/>
-                  </a:solidFill>
-                </a:ln>
-                <a:solidFill>
-                  <a:srgbClr val="FF0000"/>
-                </a:solidFill>
-              </a:endParaRPr>
-            </a:p>
-          </p:txBody>
-        </p:sp>
-        <p:cxnSp>
-          <p:nvCxnSpPr>
-            <p:cNvPr id="21" name="Straight Arrow Connector 20">
-              <a:extLst>
-                <a:ext uri="{FF2B5EF4-FFF2-40B4-BE49-F238E27FC236}">
-                  <a16:creationId xmlns:a16="http://schemas.microsoft.com/office/drawing/2014/main" id="{7E374A7B-372B-619B-36B6-26DB34A62176}"/>
-                </a:ext>
-              </a:extLst>
-            </p:cNvPr>
-            <p:cNvCxnSpPr>
-              <a:cxnSpLocks/>
-            </p:cNvCxnSpPr>
-            <p:nvPr/>
-          </p:nvCxnSpPr>
-          <p:spPr>
-            <a:xfrm flipH="1">
-              <a:off x="3647644" y="5541057"/>
-              <a:ext cx="693174" cy="0"/>
-            </a:xfrm>
-            <a:prstGeom prst="straightConnector1">
-              <a:avLst/>
-            </a:prstGeom>
-            <a:ln w="38100">
-              <a:solidFill>
-                <a:srgbClr val="FF0000"/>
-              </a:solidFill>
-              <a:tailEnd type="triangle"/>
-            </a:ln>
-          </p:spPr>
-          <p:style>
-            <a:lnRef idx="1">
-              <a:schemeClr val="accent1"/>
-            </a:lnRef>
-            <a:fillRef idx="0">
-              <a:schemeClr val="accent1"/>
-            </a:fillRef>
-            <a:effectRef idx="0">
-              <a:schemeClr val="accent1"/>
-            </a:effectRef>
-            <a:fontRef idx="minor">
-              <a:schemeClr val="tx1"/>
-            </a:fontRef>
-          </p:style>
-        </p:cxnSp>
-      </p:grpSp>
     </p:spTree>
     <p:extLst>
       <p:ext uri="{BB962C8B-B14F-4D97-AF65-F5344CB8AC3E}">
@@ -19897,10 +21144,10 @@
       </p:grpSpPr>
       <p:pic>
         <p:nvPicPr>
-          <p:cNvPr id="7" name="Picture 6">
+          <p:cNvPr id="20" name="Picture 19">
             <a:extLst>
               <a:ext uri="{FF2B5EF4-FFF2-40B4-BE49-F238E27FC236}">
-                <a16:creationId xmlns:a16="http://schemas.microsoft.com/office/drawing/2014/main" id="{62C922D9-F9F7-31CF-7238-D1C468C7586F}"/>
+                <a16:creationId xmlns:a16="http://schemas.microsoft.com/office/drawing/2014/main" id="{9FBE9974-5680-21AC-4A44-C1FD4BCA3130}"/>
               </a:ext>
             </a:extLst>
           </p:cNvPr>
@@ -19917,8 +21164,8 @@
         </p:blipFill>
         <p:spPr>
           <a:xfrm>
-            <a:off x="2076762" y="1373168"/>
-            <a:ext cx="4990476" cy="5285714"/>
+            <a:off x="2148216" y="1373168"/>
+            <a:ext cx="4847568" cy="5285714"/>
           </a:xfrm>
           <a:prstGeom prst="rect">
             <a:avLst/>
@@ -20016,7 +21263,7 @@
         </p:nvGrpSpPr>
         <p:grpSpPr>
           <a:xfrm>
-            <a:off x="3570695" y="2484085"/>
+            <a:off x="3593366" y="2453857"/>
             <a:ext cx="1076632" cy="369332"/>
             <a:chOff x="4968362" y="2079211"/>
             <a:chExt cx="1076632" cy="369332"/>
@@ -20136,7 +21383,7 @@
         </p:nvGrpSpPr>
         <p:grpSpPr>
           <a:xfrm>
-            <a:off x="3708746" y="2676246"/>
+            <a:off x="3731417" y="2646018"/>
             <a:ext cx="1076632" cy="369332"/>
             <a:chOff x="4704120" y="2356972"/>
             <a:chExt cx="1076632" cy="369332"/>
@@ -20256,7 +21503,7 @@
         </p:nvGrpSpPr>
         <p:grpSpPr>
           <a:xfrm>
-            <a:off x="3872917" y="2860912"/>
+            <a:off x="3895588" y="2830684"/>
             <a:ext cx="1068643" cy="369332"/>
             <a:chOff x="3647644" y="4910075"/>
             <a:chExt cx="1068643" cy="369332"/>
@@ -20376,7 +21623,7 @@
         </p:nvGrpSpPr>
         <p:grpSpPr>
           <a:xfrm>
-            <a:off x="5011437" y="3068063"/>
+            <a:off x="5034108" y="3037835"/>
             <a:ext cx="1064340" cy="369332"/>
             <a:chOff x="3647644" y="5421073"/>
             <a:chExt cx="1064340" cy="369332"/>
@@ -20496,7 +21743,7 @@
         </p:nvSpPr>
         <p:spPr>
           <a:xfrm>
-            <a:off x="4126136" y="3121051"/>
+            <a:off x="4148807" y="3090823"/>
             <a:ext cx="191070" cy="226705"/>
           </a:xfrm>
           <a:prstGeom prst="rect">
@@ -20548,7 +21795,7 @@
         </p:nvSpPr>
         <p:spPr>
           <a:xfrm>
-            <a:off x="4647414" y="3116891"/>
+            <a:off x="4670085" y="3086663"/>
             <a:ext cx="191070" cy="226705"/>
           </a:xfrm>
           <a:prstGeom prst="rect">
@@ -20586,6 +21833,46 @@
           </a:p>
         </p:txBody>
       </p:sp>
+      <p:sp>
+        <p:nvSpPr>
+          <p:cNvPr id="21" name="TextBox 20">
+            <a:extLst>
+              <a:ext uri="{FF2B5EF4-FFF2-40B4-BE49-F238E27FC236}">
+                <a16:creationId xmlns:a16="http://schemas.microsoft.com/office/drawing/2014/main" id="{19DE359D-65F6-9349-D872-95BFC6A68FF9}"/>
+              </a:ext>
+            </a:extLst>
+          </p:cNvPr>
+          <p:cNvSpPr txBox="1"/>
+          <p:nvPr/>
+        </p:nvSpPr>
+        <p:spPr>
+          <a:xfrm>
+            <a:off x="7252353" y="497779"/>
+            <a:ext cx="1514007" cy="923330"/>
+          </a:xfrm>
+          <a:prstGeom prst="rect">
+            <a:avLst/>
+          </a:prstGeom>
+          <a:noFill/>
+        </p:spPr>
+        <p:txBody>
+          <a:bodyPr wrap="square" rtlCol="0">
+            <a:spAutoFit/>
+          </a:bodyPr>
+          <a:lstStyle/>
+          <a:p>
+            <a:pPr algn="ctr"/>
+            <a:r>
+              <a:rPr lang="en-US" b="1" dirty="0">
+                <a:solidFill>
+                  <a:srgbClr val="00B050"/>
+                </a:solidFill>
+              </a:rPr>
+              <a:t>Note: You should not edit this file!</a:t>
+            </a:r>
+          </a:p>
+        </p:txBody>
+      </p:sp>
     </p:spTree>
     <p:extLst>
       <p:ext uri="{BB962C8B-B14F-4D97-AF65-F5344CB8AC3E}">
@@ -20620,7 +21907,7 @@
                             </p:stCondLst>
                             <p:childTnLst>
                               <p:par>
-                                <p:cTn id="5" presetID="22" presetClass="entr" presetSubtype="1" fill="hold" nodeType="afterEffect">
+                                <p:cTn id="5" presetID="2" presetClass="entr" presetSubtype="1" fill="hold" grpId="0" nodeType="afterEffect">
                                   <p:stCondLst>
                                     <p:cond delay="0"/>
                                   </p:stCondLst>
@@ -20633,7 +21920,89 @@
                                           </p:stCondLst>
                                         </p:cTn>
                                         <p:tgtEl>
-                                          <p:spTgt spid="7"/>
+                                          <p:spTgt spid="21"/>
+                                        </p:tgtEl>
+                                        <p:attrNameLst>
+                                          <p:attrName>style.visibility</p:attrName>
+                                        </p:attrNameLst>
+                                      </p:cBhvr>
+                                      <p:to>
+                                        <p:strVal val="visible"/>
+                                      </p:to>
+                                    </p:set>
+                                    <p:anim calcmode="lin" valueType="num">
+                                      <p:cBhvr additive="base">
+                                        <p:cTn id="7" dur="500" fill="hold"/>
+                                        <p:tgtEl>
+                                          <p:spTgt spid="21"/>
+                                        </p:tgtEl>
+                                        <p:attrNameLst>
+                                          <p:attrName>ppt_x</p:attrName>
+                                        </p:attrNameLst>
+                                      </p:cBhvr>
+                                      <p:tavLst>
+                                        <p:tav tm="0">
+                                          <p:val>
+                                            <p:strVal val="#ppt_x"/>
+                                          </p:val>
+                                        </p:tav>
+                                        <p:tav tm="100000">
+                                          <p:val>
+                                            <p:strVal val="#ppt_x"/>
+                                          </p:val>
+                                        </p:tav>
+                                      </p:tavLst>
+                                    </p:anim>
+                                    <p:anim calcmode="lin" valueType="num">
+                                      <p:cBhvr additive="base">
+                                        <p:cTn id="8" dur="500" fill="hold"/>
+                                        <p:tgtEl>
+                                          <p:spTgt spid="21"/>
+                                        </p:tgtEl>
+                                        <p:attrNameLst>
+                                          <p:attrName>ppt_y</p:attrName>
+                                        </p:attrNameLst>
+                                      </p:cBhvr>
+                                      <p:tavLst>
+                                        <p:tav tm="0">
+                                          <p:val>
+                                            <p:strVal val="0-#ppt_h/2"/>
+                                          </p:val>
+                                        </p:tav>
+                                        <p:tav tm="100000">
+                                          <p:val>
+                                            <p:strVal val="#ppt_y"/>
+                                          </p:val>
+                                        </p:tav>
+                                      </p:tavLst>
+                                    </p:anim>
+                                  </p:childTnLst>
+                                </p:cTn>
+                              </p:par>
+                            </p:childTnLst>
+                          </p:cTn>
+                        </p:par>
+                        <p:par>
+                          <p:cTn id="9" fill="hold">
+                            <p:stCondLst>
+                              <p:cond delay="500"/>
+                            </p:stCondLst>
+                            <p:childTnLst>
+                              <p:par>
+                                <p:cTn id="10" presetID="22" presetClass="entr" presetSubtype="1" fill="hold" nodeType="afterEffect">
+                                  <p:stCondLst>
+                                    <p:cond delay="0"/>
+                                  </p:stCondLst>
+                                  <p:childTnLst>
+                                    <p:set>
+                                      <p:cBhvr>
+                                        <p:cTn id="11" dur="1" fill="hold">
+                                          <p:stCondLst>
+                                            <p:cond delay="0"/>
+                                          </p:stCondLst>
+                                        </p:cTn>
+                                        <p:tgtEl>
+                                          <p:spTgt spid="20"/>
                                         </p:tgtEl>
                                         <p:attrNameLst>
                                           <p:attrName>style.visibility</p:attrName>
@@ -20645,9 +22014,9 @@
                                     </p:set>
                                     <p:animEffect transition="in" filter="wipe(up)">
                                       <p:cBhvr>
-                                        <p:cTn id="7" dur="500"/>
+                                        <p:cTn id="12" dur="500"/>
                                         <p:tgtEl>
-                                          <p:spTgt spid="7"/>
+                                          <p:spTgt spid="20"/>
                                         </p:tgtEl>
                                       </p:cBhvr>
                                     </p:animEffect>
@@ -20658,20 +22027,20 @@
                           </p:cTn>
                         </p:par>
                         <p:par>
-                          <p:cTn id="8" fill="hold">
+                          <p:cTn id="13" fill="hold">
                             <p:stCondLst>
-                              <p:cond delay="500"/>
+                              <p:cond delay="1000"/>
                             </p:stCondLst>
                             <p:childTnLst>
                               <p:par>
-                                <p:cTn id="9" presetID="22" presetClass="entr" presetSubtype="2" fill="hold" nodeType="afterEffect">
+                                <p:cTn id="14" presetID="22" presetClass="entr" presetSubtype="2" fill="hold" nodeType="afterEffect">
                                   <p:stCondLst>
                                     <p:cond delay="0"/>
                                   </p:stCondLst>
                                   <p:childTnLst>
                                     <p:set>
                                       <p:cBhvr>
-                                        <p:cTn id="10" dur="1" fill="hold">
+                                        <p:cTn id="15" dur="1" fill="hold">
                                           <p:stCondLst>
                                             <p:cond delay="0"/>
                                           </p:stCondLst>
@@ -20689,7 +22058,7 @@
                                     </p:set>
                                     <p:animEffect transition="in" filter="wipe(right)">
                                       <p:cBhvr>
-                                        <p:cTn id="11" dur="500"/>
+                                        <p:cTn id="16" dur="500"/>
                                         <p:tgtEl>
                                           <p:spTgt spid="8"/>
                                         </p:tgtEl>
@@ -20705,26 +22074,26 @@
                     </p:cTn>
                   </p:par>
                   <p:par>
-                    <p:cTn id="12" fill="hold">
+                    <p:cTn id="17" fill="hold">
                       <p:stCondLst>
                         <p:cond delay="indefinite"/>
                       </p:stCondLst>
                       <p:childTnLst>
                         <p:par>
-                          <p:cTn id="13" fill="hold">
+                          <p:cTn id="18" fill="hold">
                             <p:stCondLst>
                               <p:cond delay="0"/>
                             </p:stCondLst>
                             <p:childTnLst>
                               <p:par>
-                                <p:cTn id="14" presetID="22" presetClass="entr" presetSubtype="2" fill="hold" nodeType="clickEffect">
+                                <p:cTn id="19" presetID="22" presetClass="entr" presetSubtype="2" fill="hold" nodeType="clickEffect">
                                   <p:stCondLst>
                                     <p:cond delay="0"/>
                                   </p:stCondLst>
                                   <p:childTnLst>
                                     <p:set>
                                       <p:cBhvr>
-                                        <p:cTn id="15" dur="1" fill="hold">
+                                        <p:cTn id="20" dur="1" fill="hold">
                                           <p:stCondLst>
                                             <p:cond delay="0"/>
                                           </p:stCondLst>
@@ -20742,7 +22111,7 @@
                                     </p:set>
                                     <p:animEffect transition="in" filter="wipe(right)">
                                       <p:cBhvr>
-                                        <p:cTn id="16" dur="500"/>
+                                        <p:cTn id="21" dur="500"/>
                                         <p:tgtEl>
                                           <p:spTgt spid="11"/>
                                         </p:tgtEl>
@@ -20755,20 +22124,20 @@
                           </p:cTn>
                         </p:par>
                         <p:par>
-                          <p:cTn id="17" fill="hold">
+                          <p:cTn id="22" fill="hold">
                             <p:stCondLst>
                               <p:cond delay="500"/>
                             </p:stCondLst>
                             <p:childTnLst>
                               <p:par>
-                                <p:cTn id="18" presetID="22" presetClass="entr" presetSubtype="2" fill="hold" nodeType="afterEffect">
+                                <p:cTn id="23" presetID="22" presetClass="entr" presetSubtype="2" fill="hold" nodeType="afterEffect">
                                   <p:stCondLst>
                                     <p:cond delay="0"/>
                                   </p:stCondLst>
                                   <p:childTnLst>
                                     <p:set>
                                       <p:cBhvr>
-                                        <p:cTn id="19" dur="1" fill="hold">
+                                        <p:cTn id="24" dur="1" fill="hold">
                                           <p:stCondLst>
                                             <p:cond delay="0"/>
                                           </p:stCondLst>
@@ -20786,7 +22155,7 @@
                                     </p:set>
                                     <p:animEffect transition="in" filter="wipe(right)">
                                       <p:cBhvr>
-                                        <p:cTn id="20" dur="500"/>
+                                        <p:cTn id="25" dur="500"/>
                                         <p:tgtEl>
                                           <p:spTgt spid="14"/>
                                         </p:tgtEl>
@@ -20802,26 +22171,26 @@
                     </p:cTn>
                   </p:par>
                   <p:par>
-                    <p:cTn id="21" fill="hold">
+                    <p:cTn id="26" fill="hold">
                       <p:stCondLst>
                         <p:cond delay="indefinite"/>
                       </p:stCondLst>
                       <p:childTnLst>
                         <p:par>
-                          <p:cTn id="22" fill="hold">
+                          <p:cTn id="27" fill="hold">
                             <p:stCondLst>
                               <p:cond delay="0"/>
                             </p:stCondLst>
                             <p:childTnLst>
                               <p:par>
-                                <p:cTn id="23" presetID="22" presetClass="entr" presetSubtype="2" fill="hold" nodeType="clickEffect">
+                                <p:cTn id="28" presetID="22" presetClass="entr" presetSubtype="2" fill="hold" nodeType="clickEffect">
                                   <p:stCondLst>
                                     <p:cond delay="0"/>
                                   </p:stCondLst>
                                   <p:childTnLst>
                                     <p:set>
                                       <p:cBhvr>
-                                        <p:cTn id="24" dur="1" fill="hold">
+                                        <p:cTn id="29" dur="1" fill="hold">
                                           <p:stCondLst>
                                             <p:cond delay="0"/>
                                           </p:stCondLst>
@@ -20839,7 +22208,7 @@
                                     </p:set>
                                     <p:animEffect transition="in" filter="wipe(right)">
                                       <p:cBhvr>
-                                        <p:cTn id="25" dur="500"/>
+                                        <p:cTn id="30" dur="500"/>
                                         <p:tgtEl>
                                           <p:spTgt spid="17"/>
                                         </p:tgtEl>
@@ -20852,20 +22221,20 @@
                           </p:cTn>
                         </p:par>
                         <p:par>
-                          <p:cTn id="26" fill="hold">
+                          <p:cTn id="31" fill="hold">
                             <p:stCondLst>
                               <p:cond delay="500"/>
                             </p:stCondLst>
                             <p:childTnLst>
                               <p:par>
-                                <p:cTn id="27" presetID="16" presetClass="entr" presetSubtype="21" fill="hold" grpId="0" nodeType="afterEffect">
+                                <p:cTn id="32" presetID="16" presetClass="entr" presetSubtype="21" fill="hold" grpId="0" nodeType="afterEffect">
                                   <p:stCondLst>
                                     <p:cond delay="0"/>
                                   </p:stCondLst>
                                   <p:childTnLst>
                                     <p:set>
                                       <p:cBhvr>
-                                        <p:cTn id="28" dur="1" fill="hold">
+                                        <p:cTn id="33" dur="1" fill="hold">
                                           <p:stCondLst>
                                             <p:cond delay="0"/>
                                           </p:stCondLst>
@@ -20883,7 +22252,7 @@
                                     </p:set>
                                     <p:animEffect transition="in" filter="barn(inVertical)">
                                       <p:cBhvr>
-                                        <p:cTn id="29" dur="500"/>
+                                        <p:cTn id="34" dur="500"/>
                                         <p:tgtEl>
                                           <p:spTgt spid="3"/>
                                         </p:tgtEl>
@@ -20899,26 +22268,26 @@
                     </p:cTn>
                   </p:par>
                   <p:par>
-                    <p:cTn id="30" fill="hold">
+                    <p:cTn id="35" fill="hold">
                       <p:stCondLst>
                         <p:cond delay="indefinite"/>
                       </p:stCondLst>
                       <p:childTnLst>
                         <p:par>
-                          <p:cTn id="31" fill="hold">
+                          <p:cTn id="36" fill="hold">
                             <p:stCondLst>
                               <p:cond delay="0"/>
                             </p:stCondLst>
                             <p:childTnLst>
                               <p:par>
-                                <p:cTn id="32" presetID="16" presetClass="entr" presetSubtype="21" fill="hold" grpId="0" nodeType="clickEffect">
+                                <p:cTn id="37" presetID="16" presetClass="entr" presetSubtype="21" fill="hold" grpId="0" nodeType="clickEffect">
                                   <p:stCondLst>
                                     <p:cond delay="0"/>
                                   </p:stCondLst>
                                   <p:childTnLst>
                                     <p:set>
                                       <p:cBhvr>
-                                        <p:cTn id="33" dur="1" fill="hold">
+                                        <p:cTn id="38" dur="1" fill="hold">
                                           <p:stCondLst>
                                             <p:cond delay="0"/>
                                           </p:stCondLst>
@@ -20936,7 +22305,7 @@
                                     </p:set>
                                     <p:animEffect transition="in" filter="barn(inVertical)">
                                       <p:cBhvr>
-                                        <p:cTn id="34" dur="500"/>
+                                        <p:cTn id="39" dur="500"/>
                                         <p:tgtEl>
                                           <p:spTgt spid="5"/>
                                         </p:tgtEl>
@@ -20975,6 +22344,7 @@
     <p:bldLst>
       <p:bldP spid="3" grpId="0" animBg="1"/>
       <p:bldP spid="5" grpId="0" animBg="1"/>
+      <p:bldP spid="21" grpId="0"/>
     </p:bldLst>
   </p:timing>
 </p:sld>
@@ -25416,6 +26786,41 @@
           <a:chExt cx="0" cy="0"/>
         </a:xfrm>
       </p:grpSpPr>
+      <p:pic>
+        <p:nvPicPr>
+          <p:cNvPr id="11" name="Picture 10">
+            <a:extLst>
+              <a:ext uri="{FF2B5EF4-FFF2-40B4-BE49-F238E27FC236}">
+                <a16:creationId xmlns:a16="http://schemas.microsoft.com/office/drawing/2014/main" id="{6A60E3FA-451D-206B-A84F-9253032744DC}"/>
+              </a:ext>
+            </a:extLst>
+          </p:cNvPr>
+          <p:cNvPicPr>
+            <a:picLocks noChangeAspect="1"/>
+          </p:cNvPicPr>
+          <p:nvPr/>
+        </p:nvPicPr>
+        <p:blipFill>
+          <a:blip r:embed="rId2"/>
+          <a:stretch>
+            <a:fillRect/>
+          </a:stretch>
+        </p:blipFill>
+        <p:spPr>
+          <a:xfrm>
+            <a:off x="2198385" y="1323520"/>
+            <a:ext cx="4747231" cy="5340635"/>
+          </a:xfrm>
+          <a:prstGeom prst="rect">
+            <a:avLst/>
+          </a:prstGeom>
+          <a:ln>
+            <a:solidFill>
+              <a:schemeClr val="tx1"/>
+            </a:solidFill>
+          </a:ln>
+        </p:spPr>
+      </p:pic>
       <p:sp>
         <p:nvSpPr>
           <p:cNvPr id="2" name="Title 1">
@@ -25488,41 +26893,6 @@
           </a:p>
         </p:txBody>
       </p:sp>
-      <p:pic>
-        <p:nvPicPr>
-          <p:cNvPr id="5" name="Picture 4">
-            <a:extLst>
-              <a:ext uri="{FF2B5EF4-FFF2-40B4-BE49-F238E27FC236}">
-                <a16:creationId xmlns:a16="http://schemas.microsoft.com/office/drawing/2014/main" id="{F0616FAE-7F06-8247-60FC-01B4E2935CCE}"/>
-              </a:ext>
-            </a:extLst>
-          </p:cNvPr>
-          <p:cNvPicPr>
-            <a:picLocks noChangeAspect="1"/>
-          </p:cNvPicPr>
-          <p:nvPr/>
-        </p:nvPicPr>
-        <p:blipFill>
-          <a:blip r:embed="rId2"/>
-          <a:stretch>
-            <a:fillRect/>
-          </a:stretch>
-        </p:blipFill>
-        <p:spPr>
-          <a:xfrm>
-            <a:off x="2076762" y="1368809"/>
-            <a:ext cx="4990476" cy="5285714"/>
-          </a:xfrm>
-          <a:prstGeom prst="rect">
-            <a:avLst/>
-          </a:prstGeom>
-          <a:ln>
-            <a:solidFill>
-              <a:schemeClr val="tx1"/>
-            </a:solidFill>
-          </a:ln>
-        </p:spPr>
-      </p:pic>
       <p:grpSp>
         <p:nvGrpSpPr>
           <p:cNvPr id="3" name="Group 2">
@@ -25537,7 +26907,7 @@
         </p:nvGrpSpPr>
         <p:grpSpPr>
           <a:xfrm>
-            <a:off x="6528922" y="3059668"/>
+            <a:off x="6628995" y="2987362"/>
             <a:ext cx="1076632" cy="369332"/>
             <a:chOff x="4968362" y="2079211"/>
             <a:chExt cx="1076632" cy="369332"/>
@@ -25657,7 +27027,7 @@
         </p:nvSpPr>
         <p:spPr>
           <a:xfrm>
-            <a:off x="4420858" y="3121051"/>
+            <a:off x="4520931" y="3048745"/>
             <a:ext cx="1670103" cy="226705"/>
           </a:xfrm>
           <a:prstGeom prst="rect">
@@ -25711,7 +27081,7 @@
             </p:nvSpPr>
             <p:spPr>
               <a:xfrm>
-                <a:off x="3874862" y="2064879"/>
+                <a:off x="3973104" y="2241389"/>
                 <a:ext cx="2762094" cy="681982"/>
               </a:xfrm>
               <a:prstGeom prst="rect">
@@ -25882,7 +27252,7 @@
             </p:nvSpPr>
             <p:spPr>
               <a:xfrm>
-                <a:off x="3874862" y="2064879"/>
+                <a:off x="3973104" y="2241389"/>
                 <a:ext cx="2762094" cy="681982"/>
               </a:xfrm>
               <a:prstGeom prst="rect">
@@ -25910,6 +27280,46 @@
           </p:sp>
         </mc:Fallback>
       </mc:AlternateContent>
+      <p:sp>
+        <p:nvSpPr>
+          <p:cNvPr id="12" name="TextBox 11">
+            <a:extLst>
+              <a:ext uri="{FF2B5EF4-FFF2-40B4-BE49-F238E27FC236}">
+                <a16:creationId xmlns:a16="http://schemas.microsoft.com/office/drawing/2014/main" id="{84212677-7545-63FF-B5D0-A44102C88CE6}"/>
+              </a:ext>
+            </a:extLst>
+          </p:cNvPr>
+          <p:cNvSpPr txBox="1"/>
+          <p:nvPr/>
+        </p:nvSpPr>
+        <p:spPr>
+          <a:xfrm>
+            <a:off x="7252353" y="497779"/>
+            <a:ext cx="1514007" cy="923330"/>
+          </a:xfrm>
+          <a:prstGeom prst="rect">
+            <a:avLst/>
+          </a:prstGeom>
+          <a:noFill/>
+        </p:spPr>
+        <p:txBody>
+          <a:bodyPr wrap="square" rtlCol="0">
+            <a:spAutoFit/>
+          </a:bodyPr>
+          <a:lstStyle/>
+          <a:p>
+            <a:pPr algn="ctr"/>
+            <a:r>
+              <a:rPr lang="en-US" b="1" dirty="0">
+                <a:solidFill>
+                  <a:srgbClr val="00B050"/>
+                </a:solidFill>
+              </a:rPr>
+              <a:t>Note: You should not edit this file!</a:t>
+            </a:r>
+          </a:p>
+        </p:txBody>
+      </p:sp>
     </p:spTree>
     <p:extLst>
       <p:ext uri="{BB962C8B-B14F-4D97-AF65-F5344CB8AC3E}">
@@ -25944,7 +27354,7 @@
                             </p:stCondLst>
                             <p:childTnLst>
                               <p:par>
-                                <p:cTn id="5" presetID="22" presetClass="entr" presetSubtype="1" fill="hold" nodeType="afterEffect">
+                                <p:cTn id="5" presetID="2" presetClass="entr" presetSubtype="1" fill="hold" grpId="0" nodeType="afterEffect">
                                   <p:stCondLst>
                                     <p:cond delay="0"/>
                                   </p:stCondLst>
@@ -25957,7 +27367,89 @@
                                           </p:stCondLst>
                                         </p:cTn>
                                         <p:tgtEl>
-                                          <p:spTgt spid="5"/>
+                                          <p:spTgt spid="12"/>
+                                        </p:tgtEl>
+                                        <p:attrNameLst>
+                                          <p:attrName>style.visibility</p:attrName>
+                                        </p:attrNameLst>
+                                      </p:cBhvr>
+                                      <p:to>
+                                        <p:strVal val="visible"/>
+                                      </p:to>
+                                    </p:set>
+                                    <p:anim calcmode="lin" valueType="num">
+                                      <p:cBhvr additive="base">
+                                        <p:cTn id="7" dur="500" fill="hold"/>
+                                        <p:tgtEl>
+                                          <p:spTgt spid="12"/>
+                                        </p:tgtEl>
+                                        <p:attrNameLst>
+                                          <p:attrName>ppt_x</p:attrName>
+                                        </p:attrNameLst>
+                                      </p:cBhvr>
+                                      <p:tavLst>
+                                        <p:tav tm="0">
+                                          <p:val>
+                                            <p:strVal val="#ppt_x"/>
+                                          </p:val>
+                                        </p:tav>
+                                        <p:tav tm="100000">
+                                          <p:val>
+                                            <p:strVal val="#ppt_x"/>
+                                          </p:val>
+                                        </p:tav>
+                                      </p:tavLst>
+                                    </p:anim>
+                                    <p:anim calcmode="lin" valueType="num">
+                                      <p:cBhvr additive="base">
+                                        <p:cTn id="8" dur="500" fill="hold"/>
+                                        <p:tgtEl>
+                                          <p:spTgt spid="12"/>
+                                        </p:tgtEl>
+                                        <p:attrNameLst>
+                                          <p:attrName>ppt_y</p:attrName>
+                                        </p:attrNameLst>
+                                      </p:cBhvr>
+                                      <p:tavLst>
+                                        <p:tav tm="0">
+                                          <p:val>
+                                            <p:strVal val="0-#ppt_h/2"/>
+                                          </p:val>
+                                        </p:tav>
+                                        <p:tav tm="100000">
+                                          <p:val>
+                                            <p:strVal val="#ppt_y"/>
+                                          </p:val>
+                                        </p:tav>
+                                      </p:tavLst>
+                                    </p:anim>
+                                  </p:childTnLst>
+                                </p:cTn>
+                              </p:par>
+                            </p:childTnLst>
+                          </p:cTn>
+                        </p:par>
+                        <p:par>
+                          <p:cTn id="9" fill="hold">
+                            <p:stCondLst>
+                              <p:cond delay="500"/>
+                            </p:stCondLst>
+                            <p:childTnLst>
+                              <p:par>
+                                <p:cTn id="10" presetID="22" presetClass="entr" presetSubtype="1" fill="hold" nodeType="afterEffect">
+                                  <p:stCondLst>
+                                    <p:cond delay="0"/>
+                                  </p:stCondLst>
+                                  <p:childTnLst>
+                                    <p:set>
+                                      <p:cBhvr>
+                                        <p:cTn id="11" dur="1" fill="hold">
+                                          <p:stCondLst>
+                                            <p:cond delay="0"/>
+                                          </p:stCondLst>
+                                        </p:cTn>
+                                        <p:tgtEl>
+                                          <p:spTgt spid="11"/>
                                         </p:tgtEl>
                                         <p:attrNameLst>
                                           <p:attrName>style.visibility</p:attrName>
@@ -25969,9 +27461,9 @@
                                     </p:set>
                                     <p:animEffect transition="in" filter="wipe(up)">
                                       <p:cBhvr>
-                                        <p:cTn id="7" dur="500"/>
+                                        <p:cTn id="12" dur="500"/>
                                         <p:tgtEl>
-                                          <p:spTgt spid="5"/>
+                                          <p:spTgt spid="11"/>
                                         </p:tgtEl>
                                       </p:cBhvr>
                                     </p:animEffect>
@@ -25982,20 +27474,20 @@
                           </p:cTn>
                         </p:par>
                         <p:par>
-                          <p:cTn id="8" fill="hold">
+                          <p:cTn id="13" fill="hold">
                             <p:stCondLst>
-                              <p:cond delay="500"/>
+                              <p:cond delay="1000"/>
                             </p:stCondLst>
                             <p:childTnLst>
                               <p:par>
-                                <p:cTn id="9" presetID="22" presetClass="entr" presetSubtype="2" fill="hold" nodeType="afterEffect">
+                                <p:cTn id="14" presetID="22" presetClass="entr" presetSubtype="2" fill="hold" nodeType="afterEffect">
                                   <p:stCondLst>
                                     <p:cond delay="0"/>
                                   </p:stCondLst>
                                   <p:childTnLst>
                                     <p:set>
                                       <p:cBhvr>
-                                        <p:cTn id="10" dur="1" fill="hold">
+                                        <p:cTn id="15" dur="1" fill="hold">
                                           <p:stCondLst>
                                             <p:cond delay="0"/>
                                           </p:stCondLst>
@@ -26013,7 +27505,7 @@
                                     </p:set>
                                     <p:animEffect transition="in" filter="wipe(right)">
                                       <p:cBhvr>
-                                        <p:cTn id="11" dur="500"/>
+                                        <p:cTn id="16" dur="500"/>
                                         <p:tgtEl>
                                           <p:spTgt spid="3"/>
                                         </p:tgtEl>
@@ -26026,20 +27518,64 @@
                           </p:cTn>
                         </p:par>
                         <p:par>
-                          <p:cTn id="12" fill="hold">
+                          <p:cTn id="17" fill="hold">
                             <p:stCondLst>
-                              <p:cond delay="1000"/>
+                              <p:cond delay="1500"/>
                             </p:stCondLst>
                             <p:childTnLst>
                               <p:par>
-                                <p:cTn id="13" presetID="22" presetClass="entr" presetSubtype="8" fill="hold" grpId="0" nodeType="afterEffect">
+                                <p:cTn id="18" presetID="16" presetClass="entr" presetSubtype="21" fill="hold" grpId="0" nodeType="afterEffect">
                                   <p:stCondLst>
                                     <p:cond delay="0"/>
                                   </p:stCondLst>
                                   <p:childTnLst>
                                     <p:set>
                                       <p:cBhvr>
-                                        <p:cTn id="14" dur="1" fill="hold">
+                                        <p:cTn id="19" dur="1" fill="hold">
+                                          <p:stCondLst>
+                                            <p:cond delay="0"/>
+                                          </p:stCondLst>
+                                        </p:cTn>
+                                        <p:tgtEl>
+                                          <p:spTgt spid="8"/>
+                                        </p:tgtEl>
+                                        <p:attrNameLst>
+                                          <p:attrName>style.visibility</p:attrName>
+                                        </p:attrNameLst>
+                                      </p:cBhvr>
+                                      <p:to>
+                                        <p:strVal val="visible"/>
+                                      </p:to>
+                                    </p:set>
+                                    <p:animEffect transition="in" filter="barn(inVertical)">
+                                      <p:cBhvr>
+                                        <p:cTn id="20" dur="500"/>
+                                        <p:tgtEl>
+                                          <p:spTgt spid="8"/>
+                                        </p:tgtEl>
+                                      </p:cBhvr>
+                                    </p:animEffect>
+                                  </p:childTnLst>
+                                </p:cTn>
+                              </p:par>
+                            </p:childTnLst>
+                          </p:cTn>
+                        </p:par>
+                        <p:par>
+                          <p:cTn id="21" fill="hold">
+                            <p:stCondLst>
+                              <p:cond delay="2000"/>
+                            </p:stCondLst>
+                            <p:childTnLst>
+                              <p:par>
+                                <p:cTn id="22" presetID="22" presetClass="entr" presetSubtype="8" fill="hold" grpId="0" nodeType="afterEffect">
+                                  <p:stCondLst>
+                                    <p:cond delay="0"/>
+                                  </p:stCondLst>
+                                  <p:childTnLst>
+                                    <p:set>
+                                      <p:cBhvr>
+                                        <p:cTn id="23" dur="1" fill="hold">
                                           <p:stCondLst>
                                             <p:cond delay="0"/>
                                           </p:stCondLst>
@@ -26057,53 +27593,9 @@
                                     </p:set>
                                     <p:animEffect transition="in" filter="wipe(left)">
                                       <p:cBhvr>
-                                        <p:cTn id="15" dur="500"/>
+                                        <p:cTn id="24" dur="500"/>
                                         <p:tgtEl>
                                           <p:spTgt spid="9"/>
-                                        </p:tgtEl>
-                                      </p:cBhvr>
-                                    </p:animEffect>
-                                  </p:childTnLst>
-                                </p:cTn>
-                              </p:par>
-                            </p:childTnLst>
-                          </p:cTn>
-                        </p:par>
-                        <p:par>
-                          <p:cTn id="16" fill="hold">
-                            <p:stCondLst>
-                              <p:cond delay="1500"/>
-                            </p:stCondLst>
-                            <p:childTnLst>
-                              <p:par>
-                                <p:cTn id="17" presetID="16" presetClass="entr" presetSubtype="21" fill="hold" grpId="0" nodeType="afterEffect">
-                                  <p:stCondLst>
-                                    <p:cond delay="0"/>
-                                  </p:stCondLst>
-                                  <p:childTnLst>
-                                    <p:set>
-                                      <p:cBhvr>
-                                        <p:cTn id="18" dur="1" fill="hold">
-                                          <p:stCondLst>
-                                            <p:cond delay="0"/>
-                                          </p:stCondLst>
-                                        </p:cTn>
-                                        <p:tgtEl>
-                                          <p:spTgt spid="8"/>
-                                        </p:tgtEl>
-                                        <p:attrNameLst>
-                                          <p:attrName>style.visibility</p:attrName>
-                                        </p:attrNameLst>
-                                      </p:cBhvr>
-                                      <p:to>
-                                        <p:strVal val="visible"/>
-                                      </p:to>
-                                    </p:set>
-                                    <p:animEffect transition="in" filter="barn(inVertical)">
-                                      <p:cBhvr>
-                                        <p:cTn id="19" dur="500"/>
-                                        <p:tgtEl>
-                                          <p:spTgt spid="8"/>
                                         </p:tgtEl>
                                       </p:cBhvr>
                                     </p:animEffect>
@@ -26140,6 +27632,7 @@
     <p:bldLst>
       <p:bldP spid="8" grpId="0" animBg="1"/>
       <p:bldP spid="9" grpId="0"/>
+      <p:bldP spid="12" grpId="0"/>
     </p:bldLst>
   </p:timing>
 </p:sld>
@@ -26824,7 +28317,7 @@
                   <a:srgbClr val="7030A0"/>
                 </a:solidFill>
               </a:rPr>
-              <a:t>We reduced the run time by 90% by just thinking through the problem beyond brute force</a:t>
+              <a:t>We reduced the run time by 90% by just thinking carefully about the nature of the problem</a:t>
             </a:r>
           </a:p>
         </p:txBody>
@@ -40361,7 +41854,13 @@
   <p:cSld>
     <p:spTree>
       <p:nvGrpSpPr>
-        <p:cNvPr id="1" name=""/>
+        <p:cNvPr id="1" name="">
+          <a:extLst>
+            <a:ext uri="{FF2B5EF4-FFF2-40B4-BE49-F238E27FC236}">
+              <a16:creationId xmlns:a16="http://schemas.microsoft.com/office/drawing/2014/main" id="{7449AC88-FFD8-A528-09E6-B089BEE91091}"/>
+            </a:ext>
+          </a:extLst>
+        </p:cNvPr>
         <p:cNvGrpSpPr/>
         <p:nvPr/>
       </p:nvGrpSpPr>
@@ -40375,10 +41874,10 @@
       </p:grpSpPr>
       <p:pic>
         <p:nvPicPr>
-          <p:cNvPr id="6" name="Picture 5">
+          <p:cNvPr id="5" name="Picture 4">
             <a:extLst>
               <a:ext uri="{FF2B5EF4-FFF2-40B4-BE49-F238E27FC236}">
-                <a16:creationId xmlns:a16="http://schemas.microsoft.com/office/drawing/2014/main" id="{DD23B33A-801C-59E3-77C0-3E568E83229F}"/>
+                <a16:creationId xmlns:a16="http://schemas.microsoft.com/office/drawing/2014/main" id="{09438964-69B5-42A3-2142-D2052D1B1AB7}"/>
               </a:ext>
             </a:extLst>
           </p:cNvPr>
@@ -40395,8 +41894,8 @@
         </p:blipFill>
         <p:spPr>
           <a:xfrm>
-            <a:off x="1533905" y="1371139"/>
-            <a:ext cx="6076190" cy="5304762"/>
+            <a:off x="1573073" y="1362762"/>
+            <a:ext cx="5997854" cy="5299788"/>
           </a:xfrm>
           <a:prstGeom prst="rect">
             <a:avLst/>
@@ -40413,7 +41912,7 @@
           <p:cNvPr id="2" name="Title 1">
             <a:extLst>
               <a:ext uri="{FF2B5EF4-FFF2-40B4-BE49-F238E27FC236}">
-                <a16:creationId xmlns:a16="http://schemas.microsoft.com/office/drawing/2014/main" id="{B15B6439-41E6-140A-FAE2-84DA1CCE9574}"/>
+                <a16:creationId xmlns:a16="http://schemas.microsoft.com/office/drawing/2014/main" id="{18A07981-536B-1C50-0C87-6F1B51647CC9}"/>
               </a:ext>
             </a:extLst>
           </p:cNvPr>
@@ -40455,7 +41954,7 @@
           <p:cNvPr id="4" name="Slide Number Placeholder 3">
             <a:extLst>
               <a:ext uri="{FF2B5EF4-FFF2-40B4-BE49-F238E27FC236}">
-                <a16:creationId xmlns:a16="http://schemas.microsoft.com/office/drawing/2014/main" id="{80CC9F32-161F-C116-92EA-A6FCC6DD8558}"/>
+                <a16:creationId xmlns:a16="http://schemas.microsoft.com/office/drawing/2014/main" id="{6E8A669C-1208-4C08-E33B-C188148181CB}"/>
               </a:ext>
             </a:extLst>
           </p:cNvPr>
@@ -40485,7 +41984,7 @@
           <p:cNvPr id="38" name="Group 37">
             <a:extLst>
               <a:ext uri="{FF2B5EF4-FFF2-40B4-BE49-F238E27FC236}">
-                <a16:creationId xmlns:a16="http://schemas.microsoft.com/office/drawing/2014/main" id="{504E2A3F-16C3-E12E-96AC-1147D6989CB5}"/>
+                <a16:creationId xmlns:a16="http://schemas.microsoft.com/office/drawing/2014/main" id="{F2B5120E-E11C-830E-CBB0-9E74CC94AC1D}"/>
               </a:ext>
             </a:extLst>
           </p:cNvPr>
@@ -40494,7 +41993,7 @@
         </p:nvGrpSpPr>
         <p:grpSpPr>
           <a:xfrm>
-            <a:off x="5315055" y="3757988"/>
+            <a:off x="5270777" y="3619156"/>
             <a:ext cx="2501241" cy="523568"/>
             <a:chOff x="3305029" y="378029"/>
             <a:chExt cx="2501241" cy="523568"/>
@@ -40505,7 +42004,7 @@
             <p:cNvPr id="39" name="Rectangle 38">
               <a:extLst>
                 <a:ext uri="{FF2B5EF4-FFF2-40B4-BE49-F238E27FC236}">
-                  <a16:creationId xmlns:a16="http://schemas.microsoft.com/office/drawing/2014/main" id="{039470F8-1CFE-A10C-64B6-848FBB323632}"/>
+                  <a16:creationId xmlns:a16="http://schemas.microsoft.com/office/drawing/2014/main" id="{39E4EBE8-BFBD-20AC-69D5-7B3C9E6B3B82}"/>
                 </a:ext>
               </a:extLst>
             </p:cNvPr>
@@ -40554,7 +42053,7 @@
             <p:cNvPr id="40" name="Picture 39">
               <a:extLst>
                 <a:ext uri="{FF2B5EF4-FFF2-40B4-BE49-F238E27FC236}">
-                  <a16:creationId xmlns:a16="http://schemas.microsoft.com/office/drawing/2014/main" id="{86F44BA6-2A93-4D82-15A1-E1034958160E}"/>
+                  <a16:creationId xmlns:a16="http://schemas.microsoft.com/office/drawing/2014/main" id="{21F6F1A7-6E76-9D09-7338-84B797DB59A7}"/>
                 </a:ext>
               </a:extLst>
             </p:cNvPr>
@@ -40585,7 +42084,7 @@
           <p:cNvPr id="7" name="Group 6">
             <a:extLst>
               <a:ext uri="{FF2B5EF4-FFF2-40B4-BE49-F238E27FC236}">
-                <a16:creationId xmlns:a16="http://schemas.microsoft.com/office/drawing/2014/main" id="{8B0FEEED-4665-3AC4-28E2-7764E0F2C924}"/>
+                <a16:creationId xmlns:a16="http://schemas.microsoft.com/office/drawing/2014/main" id="{033C2190-2FB3-7DD0-094D-4F79A984B01E}"/>
               </a:ext>
             </a:extLst>
           </p:cNvPr>
@@ -40594,7 +42093,7 @@
         </p:nvGrpSpPr>
         <p:grpSpPr>
           <a:xfrm>
-            <a:off x="5847824" y="2289839"/>
+            <a:off x="5711798" y="2242729"/>
             <a:ext cx="1076632" cy="369332"/>
             <a:chOff x="4968362" y="2079211"/>
             <a:chExt cx="1076632" cy="369332"/>
@@ -40605,7 +42104,7 @@
             <p:cNvPr id="41" name="Straight Arrow Connector 40">
               <a:extLst>
                 <a:ext uri="{FF2B5EF4-FFF2-40B4-BE49-F238E27FC236}">
-                  <a16:creationId xmlns:a16="http://schemas.microsoft.com/office/drawing/2014/main" id="{E36E5DB9-7EA2-43EC-EF57-F243F7710FCB}"/>
+                  <a16:creationId xmlns:a16="http://schemas.microsoft.com/office/drawing/2014/main" id="{FE45CAE8-CD07-1D81-5D6D-BE02F6394DFC}"/>
                 </a:ext>
               </a:extLst>
             </p:cNvPr>
@@ -40649,7 +42148,7 @@
             <p:cNvPr id="42" name="TextBox 41">
               <a:extLst>
                 <a:ext uri="{FF2B5EF4-FFF2-40B4-BE49-F238E27FC236}">
-                  <a16:creationId xmlns:a16="http://schemas.microsoft.com/office/drawing/2014/main" id="{338A5934-2285-263A-1CDA-D502456E1B6F}"/>
+                  <a16:creationId xmlns:a16="http://schemas.microsoft.com/office/drawing/2014/main" id="{12A7D5FB-DC54-7DE9-28F6-DC86EED94F16}"/>
                 </a:ext>
               </a:extLst>
             </p:cNvPr>
@@ -40705,7 +42204,7 @@
           <p:cNvPr id="43" name="Group 42">
             <a:extLst>
               <a:ext uri="{FF2B5EF4-FFF2-40B4-BE49-F238E27FC236}">
-                <a16:creationId xmlns:a16="http://schemas.microsoft.com/office/drawing/2014/main" id="{A74DA7BB-247C-2566-A6E4-650EC7D016EA}"/>
+                <a16:creationId xmlns:a16="http://schemas.microsoft.com/office/drawing/2014/main" id="{86523A77-5633-64EE-13C8-27DD0AE5451C}"/>
               </a:ext>
             </a:extLst>
           </p:cNvPr>
@@ -40725,7 +42224,7 @@
             <p:cNvPr id="44" name="Straight Arrow Connector 43">
               <a:extLst>
                 <a:ext uri="{FF2B5EF4-FFF2-40B4-BE49-F238E27FC236}">
-                  <a16:creationId xmlns:a16="http://schemas.microsoft.com/office/drawing/2014/main" id="{1C33EFCF-977D-CF36-1992-80493003BFA0}"/>
+                  <a16:creationId xmlns:a16="http://schemas.microsoft.com/office/drawing/2014/main" id="{0A09A80F-E928-CE16-46C1-57243E25C2FA}"/>
                 </a:ext>
               </a:extLst>
             </p:cNvPr>
@@ -40769,7 +42268,7 @@
             <p:cNvPr id="45" name="TextBox 44">
               <a:extLst>
                 <a:ext uri="{FF2B5EF4-FFF2-40B4-BE49-F238E27FC236}">
-                  <a16:creationId xmlns:a16="http://schemas.microsoft.com/office/drawing/2014/main" id="{D1E13A85-0A95-7867-050E-4C544F004023}"/>
+                  <a16:creationId xmlns:a16="http://schemas.microsoft.com/office/drawing/2014/main" id="{281A65FD-F510-96FE-B743-9FE61FE7B3EA}"/>
                 </a:ext>
               </a:extLst>
             </p:cNvPr>
@@ -40825,7 +42324,7 @@
           <p:cNvPr id="46" name="Group 45">
             <a:extLst>
               <a:ext uri="{FF2B5EF4-FFF2-40B4-BE49-F238E27FC236}">
-                <a16:creationId xmlns:a16="http://schemas.microsoft.com/office/drawing/2014/main" id="{D2353C35-F163-0A58-1CFA-3E488C08EB81}"/>
+                <a16:creationId xmlns:a16="http://schemas.microsoft.com/office/drawing/2014/main" id="{85E0FAFF-01E5-EF58-D6A8-BB898D545488}"/>
               </a:ext>
             </a:extLst>
           </p:cNvPr>
@@ -40834,7 +42333,7 @@
         </p:nvGrpSpPr>
         <p:grpSpPr>
           <a:xfrm>
-            <a:off x="3221355" y="6101057"/>
+            <a:off x="3474485" y="6110311"/>
             <a:ext cx="1068643" cy="369332"/>
             <a:chOff x="3647644" y="4910075"/>
             <a:chExt cx="1068643" cy="369332"/>
@@ -40845,7 +42344,7 @@
             <p:cNvPr id="47" name="TextBox 46">
               <a:extLst>
                 <a:ext uri="{FF2B5EF4-FFF2-40B4-BE49-F238E27FC236}">
-                  <a16:creationId xmlns:a16="http://schemas.microsoft.com/office/drawing/2014/main" id="{4F28CF53-58BE-B8ED-146C-4EE9FB394A99}"/>
+                  <a16:creationId xmlns:a16="http://schemas.microsoft.com/office/drawing/2014/main" id="{F8AB5462-B586-B00E-362E-861A0F002E52}"/>
                 </a:ext>
               </a:extLst>
             </p:cNvPr>
@@ -40900,7 +42399,7 @@
             <p:cNvPr id="48" name="Straight Arrow Connector 47">
               <a:extLst>
                 <a:ext uri="{FF2B5EF4-FFF2-40B4-BE49-F238E27FC236}">
-                  <a16:creationId xmlns:a16="http://schemas.microsoft.com/office/drawing/2014/main" id="{7B53CBC8-5A33-F884-2B36-C5DB03D3B9D0}"/>
+                  <a16:creationId xmlns:a16="http://schemas.microsoft.com/office/drawing/2014/main" id="{009FB665-9BA5-B88B-543C-21D7E10F989F}"/>
                 </a:ext>
               </a:extLst>
             </p:cNvPr>
@@ -40945,7 +42444,7 @@
           <p:cNvPr id="49" name="Group 48">
             <a:extLst>
               <a:ext uri="{FF2B5EF4-FFF2-40B4-BE49-F238E27FC236}">
-                <a16:creationId xmlns:a16="http://schemas.microsoft.com/office/drawing/2014/main" id="{88AA792A-D2CE-D22D-80A7-B8AEEA797DBB}"/>
+                <a16:creationId xmlns:a16="http://schemas.microsoft.com/office/drawing/2014/main" id="{2598D9C1-4A09-E452-9724-154E1964E858}"/>
               </a:ext>
             </a:extLst>
           </p:cNvPr>
@@ -40954,7 +42453,7 @@
         </p:nvGrpSpPr>
         <p:grpSpPr>
           <a:xfrm>
-            <a:off x="2965038" y="3634734"/>
+            <a:off x="2995266" y="3544050"/>
             <a:ext cx="1064340" cy="369332"/>
             <a:chOff x="3647644" y="5421073"/>
             <a:chExt cx="1064340" cy="369332"/>
@@ -40965,7 +42464,7 @@
             <p:cNvPr id="50" name="TextBox 49">
               <a:extLst>
                 <a:ext uri="{FF2B5EF4-FFF2-40B4-BE49-F238E27FC236}">
-                  <a16:creationId xmlns:a16="http://schemas.microsoft.com/office/drawing/2014/main" id="{47D8BA5A-81FA-E07F-323D-44A019625329}"/>
+                  <a16:creationId xmlns:a16="http://schemas.microsoft.com/office/drawing/2014/main" id="{0C058A14-0CE7-D4DB-707D-47F6A95ED833}"/>
                 </a:ext>
               </a:extLst>
             </p:cNvPr>
@@ -41020,7 +42519,7 @@
             <p:cNvPr id="51" name="Straight Arrow Connector 50">
               <a:extLst>
                 <a:ext uri="{FF2B5EF4-FFF2-40B4-BE49-F238E27FC236}">
-                  <a16:creationId xmlns:a16="http://schemas.microsoft.com/office/drawing/2014/main" id="{468F6ACD-16B7-8988-D9D6-175F939F3412}"/>
+                  <a16:creationId xmlns:a16="http://schemas.microsoft.com/office/drawing/2014/main" id="{7E8599E7-E475-A0B1-832D-874F42ABA63E}"/>
                 </a:ext>
               </a:extLst>
             </p:cNvPr>
@@ -41065,7 +42564,7 @@
           <p:cNvPr id="52" name="Group 51">
             <a:extLst>
               <a:ext uri="{FF2B5EF4-FFF2-40B4-BE49-F238E27FC236}">
-                <a16:creationId xmlns:a16="http://schemas.microsoft.com/office/drawing/2014/main" id="{5B402E50-0893-753E-C6D4-64E173A7F422}"/>
+                <a16:creationId xmlns:a16="http://schemas.microsoft.com/office/drawing/2014/main" id="{708F0FB2-34B2-5BDA-F306-7C86DACFE504}"/>
               </a:ext>
             </a:extLst>
           </p:cNvPr>
@@ -41074,7 +42573,7 @@
         </p:nvGrpSpPr>
         <p:grpSpPr>
           <a:xfrm>
-            <a:off x="3983037" y="3816369"/>
+            <a:off x="3877239" y="3718128"/>
             <a:ext cx="1068643" cy="369332"/>
             <a:chOff x="3647644" y="5359159"/>
             <a:chExt cx="1068643" cy="369332"/>
@@ -41085,7 +42584,7 @@
             <p:cNvPr id="53" name="TextBox 52">
               <a:extLst>
                 <a:ext uri="{FF2B5EF4-FFF2-40B4-BE49-F238E27FC236}">
-                  <a16:creationId xmlns:a16="http://schemas.microsoft.com/office/drawing/2014/main" id="{1B45A550-6AFA-3952-6F43-E9C855CAB967}"/>
+                  <a16:creationId xmlns:a16="http://schemas.microsoft.com/office/drawing/2014/main" id="{23121A28-6322-1960-0FF3-04F1C714370D}"/>
                 </a:ext>
               </a:extLst>
             </p:cNvPr>
@@ -41140,7 +42639,7 @@
             <p:cNvPr id="54" name="Straight Arrow Connector 53">
               <a:extLst>
                 <a:ext uri="{FF2B5EF4-FFF2-40B4-BE49-F238E27FC236}">
-                  <a16:creationId xmlns:a16="http://schemas.microsoft.com/office/drawing/2014/main" id="{A95ED982-CCE7-75E0-A82A-390A5EA3C85B}"/>
+                  <a16:creationId xmlns:a16="http://schemas.microsoft.com/office/drawing/2014/main" id="{4FFBEC25-156A-2A9E-F8ED-3C83E18B4227}"/>
                 </a:ext>
               </a:extLst>
             </p:cNvPr>
@@ -41185,7 +42684,7 @@
           <p:cNvPr id="55" name="Group 54">
             <a:extLst>
               <a:ext uri="{FF2B5EF4-FFF2-40B4-BE49-F238E27FC236}">
-                <a16:creationId xmlns:a16="http://schemas.microsoft.com/office/drawing/2014/main" id="{409867B9-386F-E898-6613-8ECD9BAF183E}"/>
+                <a16:creationId xmlns:a16="http://schemas.microsoft.com/office/drawing/2014/main" id="{E87ABE6B-491E-25CA-6057-5D3A49D032F2}"/>
               </a:ext>
             </a:extLst>
           </p:cNvPr>
@@ -41194,7 +42693,7 @@
         </p:nvGrpSpPr>
         <p:grpSpPr>
           <a:xfrm>
-            <a:off x="2995115" y="6293218"/>
+            <a:off x="3282756" y="6293218"/>
             <a:ext cx="1076632" cy="369332"/>
             <a:chOff x="2157212" y="5356391"/>
             <a:chExt cx="1076632" cy="369332"/>
@@ -41205,7 +42704,7 @@
             <p:cNvPr id="56" name="TextBox 55">
               <a:extLst>
                 <a:ext uri="{FF2B5EF4-FFF2-40B4-BE49-F238E27FC236}">
-                  <a16:creationId xmlns:a16="http://schemas.microsoft.com/office/drawing/2014/main" id="{B7F43775-DD2D-26AE-09DE-E5D78600DD5D}"/>
+                  <a16:creationId xmlns:a16="http://schemas.microsoft.com/office/drawing/2014/main" id="{925E4BAD-F6FE-7DCF-7726-E087143F8CDA}"/>
                 </a:ext>
               </a:extLst>
             </p:cNvPr>
@@ -41260,7 +42759,7 @@
             <p:cNvPr id="57" name="Straight Arrow Connector 56">
               <a:extLst>
                 <a:ext uri="{FF2B5EF4-FFF2-40B4-BE49-F238E27FC236}">
-                  <a16:creationId xmlns:a16="http://schemas.microsoft.com/office/drawing/2014/main" id="{84889B35-A009-47CF-7187-6DAD868B8187}"/>
+                  <a16:creationId xmlns:a16="http://schemas.microsoft.com/office/drawing/2014/main" id="{46051EFC-FC17-EA42-06BE-8F4372DE185D}"/>
                 </a:ext>
               </a:extLst>
             </p:cNvPr>
@@ -41305,7 +42804,7 @@
           <p:cNvPr id="58" name="Group 57">
             <a:extLst>
               <a:ext uri="{FF2B5EF4-FFF2-40B4-BE49-F238E27FC236}">
-                <a16:creationId xmlns:a16="http://schemas.microsoft.com/office/drawing/2014/main" id="{7492C74F-4363-48BC-D30C-CDD534CD9545}"/>
+                <a16:creationId xmlns:a16="http://schemas.microsoft.com/office/drawing/2014/main" id="{B0C2F858-CB8B-2326-C433-492E2000FB1A}"/>
               </a:ext>
             </a:extLst>
           </p:cNvPr>
@@ -41314,7 +42813,7 @@
         </p:nvGrpSpPr>
         <p:grpSpPr>
           <a:xfrm>
-            <a:off x="4228212" y="4576585"/>
+            <a:off x="4162879" y="4454695"/>
             <a:ext cx="1076632" cy="369332"/>
             <a:chOff x="2157212" y="5356391"/>
             <a:chExt cx="1076632" cy="369332"/>
@@ -41325,7 +42824,7 @@
             <p:cNvPr id="59" name="TextBox 58">
               <a:extLst>
                 <a:ext uri="{FF2B5EF4-FFF2-40B4-BE49-F238E27FC236}">
-                  <a16:creationId xmlns:a16="http://schemas.microsoft.com/office/drawing/2014/main" id="{B8688292-396D-7BE8-500E-078FE67A885B}"/>
+                  <a16:creationId xmlns:a16="http://schemas.microsoft.com/office/drawing/2014/main" id="{5FA486A3-2704-481B-BC15-33631F1ACF2A}"/>
                 </a:ext>
               </a:extLst>
             </p:cNvPr>
@@ -41380,7 +42879,7 @@
             <p:cNvPr id="60" name="Straight Arrow Connector 59">
               <a:extLst>
                 <a:ext uri="{FF2B5EF4-FFF2-40B4-BE49-F238E27FC236}">
-                  <a16:creationId xmlns:a16="http://schemas.microsoft.com/office/drawing/2014/main" id="{350782C4-23ED-4749-2B1B-A49E15E9BBB9}"/>
+                  <a16:creationId xmlns:a16="http://schemas.microsoft.com/office/drawing/2014/main" id="{8A96A276-F643-2A4E-40EC-ABA5C9C7D6E6}"/>
                 </a:ext>
               </a:extLst>
             </p:cNvPr>
@@ -41425,7 +42924,7 @@
           <p:cNvPr id="61" name="Group 60">
             <a:extLst>
               <a:ext uri="{FF2B5EF4-FFF2-40B4-BE49-F238E27FC236}">
-                <a16:creationId xmlns:a16="http://schemas.microsoft.com/office/drawing/2014/main" id="{F2BB5366-46C6-DBF5-00BF-F4C2C09779FA}"/>
+                <a16:creationId xmlns:a16="http://schemas.microsoft.com/office/drawing/2014/main" id="{2D203362-EA81-1F9C-6995-2E2FEFC680E4}"/>
               </a:ext>
             </a:extLst>
           </p:cNvPr>
@@ -41434,7 +42933,7 @@
         </p:nvGrpSpPr>
         <p:grpSpPr>
           <a:xfrm>
-            <a:off x="4421897" y="4768746"/>
+            <a:off x="4403136" y="4631804"/>
             <a:ext cx="1076632" cy="369332"/>
             <a:chOff x="2157212" y="5356391"/>
             <a:chExt cx="1076632" cy="369332"/>
@@ -41445,7 +42944,7 @@
             <p:cNvPr id="62" name="TextBox 61">
               <a:extLst>
                 <a:ext uri="{FF2B5EF4-FFF2-40B4-BE49-F238E27FC236}">
-                  <a16:creationId xmlns:a16="http://schemas.microsoft.com/office/drawing/2014/main" id="{C1E2D325-3EBC-791B-D48A-47AB777FFF1C}"/>
+                  <a16:creationId xmlns:a16="http://schemas.microsoft.com/office/drawing/2014/main" id="{7226BF9B-F349-CBAC-5EF3-A19575CB97F0}"/>
                 </a:ext>
               </a:extLst>
             </p:cNvPr>
@@ -41500,7 +42999,7 @@
             <p:cNvPr id="63" name="Straight Arrow Connector 62">
               <a:extLst>
                 <a:ext uri="{FF2B5EF4-FFF2-40B4-BE49-F238E27FC236}">
-                  <a16:creationId xmlns:a16="http://schemas.microsoft.com/office/drawing/2014/main" id="{37F0762D-23B5-500C-35D7-064636E054E7}"/>
+                  <a16:creationId xmlns:a16="http://schemas.microsoft.com/office/drawing/2014/main" id="{E8B98B8E-0B67-0E13-BF19-68C537258091}"/>
                 </a:ext>
               </a:extLst>
             </p:cNvPr>
@@ -41545,7 +43044,7 @@
           <p:cNvPr id="64" name="Group 63">
             <a:extLst>
               <a:ext uri="{FF2B5EF4-FFF2-40B4-BE49-F238E27FC236}">
-                <a16:creationId xmlns:a16="http://schemas.microsoft.com/office/drawing/2014/main" id="{524BF00D-C7BB-F78E-78EB-745715ABB381}"/>
+                <a16:creationId xmlns:a16="http://schemas.microsoft.com/office/drawing/2014/main" id="{EB92D0E3-04EC-BEF3-19AD-882E2EC8C87B}"/>
               </a:ext>
             </a:extLst>
           </p:cNvPr>
@@ -41554,7 +43053,7 @@
         </p:nvGrpSpPr>
         <p:grpSpPr>
           <a:xfrm>
-            <a:off x="4463586" y="5082797"/>
+            <a:off x="4378405" y="4898030"/>
             <a:ext cx="1076632" cy="369332"/>
             <a:chOff x="2157212" y="5356391"/>
             <a:chExt cx="1076632" cy="369332"/>
@@ -41565,7 +43064,7 @@
             <p:cNvPr id="65" name="TextBox 64">
               <a:extLst>
                 <a:ext uri="{FF2B5EF4-FFF2-40B4-BE49-F238E27FC236}">
-                  <a16:creationId xmlns:a16="http://schemas.microsoft.com/office/drawing/2014/main" id="{F8F751E8-BD3B-8CF7-73F4-B86E7763ABDA}"/>
+                  <a16:creationId xmlns:a16="http://schemas.microsoft.com/office/drawing/2014/main" id="{62274C61-80BF-EF78-685C-6EA903C459D0}"/>
                 </a:ext>
               </a:extLst>
             </p:cNvPr>
@@ -41620,7 +43119,7 @@
             <p:cNvPr id="66" name="Straight Arrow Connector 65">
               <a:extLst>
                 <a:ext uri="{FF2B5EF4-FFF2-40B4-BE49-F238E27FC236}">
-                  <a16:creationId xmlns:a16="http://schemas.microsoft.com/office/drawing/2014/main" id="{07924A83-61CB-DD6E-C3F8-917774879283}"/>
+                  <a16:creationId xmlns:a16="http://schemas.microsoft.com/office/drawing/2014/main" id="{7036615D-ACB3-2C00-EA6E-1FA2CCCD0060}"/>
                 </a:ext>
               </a:extLst>
             </p:cNvPr>
@@ -41665,7 +43164,7 @@
           <p:cNvPr id="67" name="Group 66">
             <a:extLst>
               <a:ext uri="{FF2B5EF4-FFF2-40B4-BE49-F238E27FC236}">
-                <a16:creationId xmlns:a16="http://schemas.microsoft.com/office/drawing/2014/main" id="{C1684FDD-DF03-C68C-DA21-125B02DE1FF5}"/>
+                <a16:creationId xmlns:a16="http://schemas.microsoft.com/office/drawing/2014/main" id="{84E516BC-C5F3-4714-9A78-FBD357CCD560}"/>
               </a:ext>
             </a:extLst>
           </p:cNvPr>
@@ -41674,7 +43173,7 @@
         </p:nvGrpSpPr>
         <p:grpSpPr>
           <a:xfrm>
-            <a:off x="7438718" y="5399182"/>
+            <a:off x="7308206" y="5270658"/>
             <a:ext cx="1076632" cy="369332"/>
             <a:chOff x="2157212" y="5356391"/>
             <a:chExt cx="1076632" cy="369332"/>
@@ -41685,7 +43184,7 @@
             <p:cNvPr id="68" name="TextBox 67">
               <a:extLst>
                 <a:ext uri="{FF2B5EF4-FFF2-40B4-BE49-F238E27FC236}">
-                  <a16:creationId xmlns:a16="http://schemas.microsoft.com/office/drawing/2014/main" id="{222268F7-6058-0957-7A05-182C49B94BE6}"/>
+                  <a16:creationId xmlns:a16="http://schemas.microsoft.com/office/drawing/2014/main" id="{516E2E2B-E45D-0074-40E8-83107C7AE420}"/>
                 </a:ext>
               </a:extLst>
             </p:cNvPr>
@@ -41740,7 +43239,7 @@
             <p:cNvPr id="69" name="Straight Arrow Connector 68">
               <a:extLst>
                 <a:ext uri="{FF2B5EF4-FFF2-40B4-BE49-F238E27FC236}">
-                  <a16:creationId xmlns:a16="http://schemas.microsoft.com/office/drawing/2014/main" id="{D462E2BC-16FD-523B-9F09-1092959DA6B3}"/>
+                  <a16:creationId xmlns:a16="http://schemas.microsoft.com/office/drawing/2014/main" id="{71633785-7C58-9D5A-9657-00C991E4293B}"/>
                 </a:ext>
               </a:extLst>
             </p:cNvPr>
@@ -41780,10 +43279,50 @@
           </p:style>
         </p:cxnSp>
       </p:grpSp>
+      <p:sp>
+        <p:nvSpPr>
+          <p:cNvPr id="8" name="TextBox 7">
+            <a:extLst>
+              <a:ext uri="{FF2B5EF4-FFF2-40B4-BE49-F238E27FC236}">
+                <a16:creationId xmlns:a16="http://schemas.microsoft.com/office/drawing/2014/main" id="{5A3B9248-F250-F33E-CC24-FD6E30E61A7D}"/>
+              </a:ext>
+            </a:extLst>
+          </p:cNvPr>
+          <p:cNvSpPr txBox="1"/>
+          <p:nvPr/>
+        </p:nvSpPr>
+        <p:spPr>
+          <a:xfrm>
+            <a:off x="7281247" y="317413"/>
+            <a:ext cx="1514007" cy="923330"/>
+          </a:xfrm>
+          <a:prstGeom prst="rect">
+            <a:avLst/>
+          </a:prstGeom>
+          <a:noFill/>
+        </p:spPr>
+        <p:txBody>
+          <a:bodyPr wrap="square" rtlCol="0">
+            <a:spAutoFit/>
+          </a:bodyPr>
+          <a:lstStyle/>
+          <a:p>
+            <a:pPr algn="ctr"/>
+            <a:r>
+              <a:rPr lang="en-US" b="1" dirty="0">
+                <a:solidFill>
+                  <a:srgbClr val="00B050"/>
+                </a:solidFill>
+              </a:rPr>
+              <a:t>Note: You should not edit this file!</a:t>
+            </a:r>
+          </a:p>
+        </p:txBody>
+      </p:sp>
     </p:spTree>
     <p:extLst>
       <p:ext uri="{BB962C8B-B14F-4D97-AF65-F5344CB8AC3E}">
-        <p14:creationId xmlns:p14="http://schemas.microsoft.com/office/powerpoint/2010/main" val="3635290683"/>
+        <p14:creationId xmlns:p14="http://schemas.microsoft.com/office/powerpoint/2010/main" val="231316406"/>
       </p:ext>
     </p:extLst>
   </p:cSld>
@@ -41827,7 +43366,7 @@
                                           </p:stCondLst>
                                         </p:cTn>
                                         <p:tgtEl>
-                                          <p:spTgt spid="6"/>
+                                          <p:spTgt spid="5"/>
                                         </p:tgtEl>
                                         <p:attrNameLst>
                                           <p:attrName>style.visibility</p:attrName>
@@ -41841,7 +43380,7 @@
                                       <p:cBhvr>
                                         <p:cTn id="7" dur="500"/>
                                         <p:tgtEl>
-                                          <p:spTgt spid="6"/>
+                                          <p:spTgt spid="5"/>
                                         </p:tgtEl>
                                       </p:cBhvr>
                                     </p:animEffect>
@@ -41895,36 +43434,27 @@
                             </p:childTnLst>
                           </p:cTn>
                         </p:par>
-                      </p:childTnLst>
-                    </p:cTn>
-                  </p:par>
-                  <p:par>
-                    <p:cTn id="12" fill="hold">
-                      <p:stCondLst>
-                        <p:cond delay="indefinite"/>
-                      </p:stCondLst>
-                      <p:childTnLst>
                         <p:par>
-                          <p:cTn id="13" fill="hold">
+                          <p:cTn id="12" fill="hold">
                             <p:stCondLst>
-                              <p:cond delay="0"/>
+                              <p:cond delay="1000"/>
                             </p:stCondLst>
                             <p:childTnLst>
                               <p:par>
-                                <p:cTn id="14" presetID="22" presetClass="entr" presetSubtype="2" fill="hold" nodeType="clickEffect">
+                                <p:cTn id="13" presetID="2" presetClass="entr" presetSubtype="1" fill="hold" grpId="0" nodeType="afterEffect">
                                   <p:stCondLst>
                                     <p:cond delay="0"/>
                                   </p:stCondLst>
                                   <p:childTnLst>
                                     <p:set>
                                       <p:cBhvr>
-                                        <p:cTn id="15" dur="1" fill="hold">
+                                        <p:cTn id="14" dur="1" fill="hold">
                                           <p:stCondLst>
                                             <p:cond delay="0"/>
                                           </p:stCondLst>
                                         </p:cTn>
                                         <p:tgtEl>
-                                          <p:spTgt spid="43"/>
+                                          <p:spTgt spid="8"/>
                                         </p:tgtEl>
                                         <p:attrNameLst>
                                           <p:attrName>style.visibility</p:attrName>
@@ -41934,14 +43464,52 @@
                                         <p:strVal val="visible"/>
                                       </p:to>
                                     </p:set>
-                                    <p:animEffect transition="in" filter="wipe(right)">
-                                      <p:cBhvr>
-                                        <p:cTn id="16" dur="500"/>
+                                    <p:anim calcmode="lin" valueType="num">
+                                      <p:cBhvr additive="base">
+                                        <p:cTn id="15" dur="500" fill="hold"/>
                                         <p:tgtEl>
-                                          <p:spTgt spid="43"/>
+                                          <p:spTgt spid="8"/>
                                         </p:tgtEl>
+                                        <p:attrNameLst>
+                                          <p:attrName>ppt_x</p:attrName>
+                                        </p:attrNameLst>
                                       </p:cBhvr>
-                                    </p:animEffect>
+                                      <p:tavLst>
+                                        <p:tav tm="0">
+                                          <p:val>
+                                            <p:strVal val="#ppt_x"/>
+                                          </p:val>
+                                        </p:tav>
+                                        <p:tav tm="100000">
+                                          <p:val>
+                                            <p:strVal val="#ppt_x"/>
+                                          </p:val>
+                                        </p:tav>
+                                      </p:tavLst>
+                                    </p:anim>
+                                    <p:anim calcmode="lin" valueType="num">
+                                      <p:cBhvr additive="base">
+                                        <p:cTn id="16" dur="500" fill="hold"/>
+                                        <p:tgtEl>
+                                          <p:spTgt spid="8"/>
+                                        </p:tgtEl>
+                                        <p:attrNameLst>
+                                          <p:attrName>ppt_y</p:attrName>
+                                        </p:attrNameLst>
+                                      </p:cBhvr>
+                                      <p:tavLst>
+                                        <p:tav tm="0">
+                                          <p:val>
+                                            <p:strVal val="0-#ppt_h/2"/>
+                                          </p:val>
+                                        </p:tav>
+                                        <p:tav tm="100000">
+                                          <p:val>
+                                            <p:strVal val="#ppt_y"/>
+                                          </p:val>
+                                        </p:tav>
+                                      </p:tavLst>
+                                    </p:anim>
                                   </p:childTnLst>
                                 </p:cTn>
                               </p:par>
@@ -41977,7 +43545,7 @@
                                           </p:stCondLst>
                                         </p:cTn>
                                         <p:tgtEl>
-                                          <p:spTgt spid="46"/>
+                                          <p:spTgt spid="43"/>
                                         </p:tgtEl>
                                         <p:attrNameLst>
                                           <p:attrName>style.visibility</p:attrName>
@@ -41991,7 +43559,7 @@
                                       <p:cBhvr>
                                         <p:cTn id="21" dur="500"/>
                                         <p:tgtEl>
-                                          <p:spTgt spid="46"/>
+                                          <p:spTgt spid="43"/>
                                         </p:tgtEl>
                                       </p:cBhvr>
                                     </p:animEffect>
@@ -42030,7 +43598,7 @@
                                           </p:stCondLst>
                                         </p:cTn>
                                         <p:tgtEl>
-                                          <p:spTgt spid="49"/>
+                                          <p:spTgt spid="46"/>
                                         </p:tgtEl>
                                         <p:attrNameLst>
                                           <p:attrName>style.visibility</p:attrName>
@@ -42044,7 +43612,7 @@
                                       <p:cBhvr>
                                         <p:cTn id="26" dur="500"/>
                                         <p:tgtEl>
-                                          <p:spTgt spid="49"/>
+                                          <p:spTgt spid="46"/>
                                         </p:tgtEl>
                                       </p:cBhvr>
                                     </p:animEffect>
@@ -42083,7 +43651,7 @@
                                           </p:stCondLst>
                                         </p:cTn>
                                         <p:tgtEl>
-                                          <p:spTgt spid="52"/>
+                                          <p:spTgt spid="49"/>
                                         </p:tgtEl>
                                         <p:attrNameLst>
                                           <p:attrName>style.visibility</p:attrName>
@@ -42097,6 +43665,59 @@
                                       <p:cBhvr>
                                         <p:cTn id="31" dur="500"/>
                                         <p:tgtEl>
+                                          <p:spTgt spid="49"/>
+                                        </p:tgtEl>
+                                      </p:cBhvr>
+                                    </p:animEffect>
+                                  </p:childTnLst>
+                                </p:cTn>
+                              </p:par>
+                            </p:childTnLst>
+                          </p:cTn>
+                        </p:par>
+                      </p:childTnLst>
+                    </p:cTn>
+                  </p:par>
+                  <p:par>
+                    <p:cTn id="32" fill="hold">
+                      <p:stCondLst>
+                        <p:cond delay="indefinite"/>
+                      </p:stCondLst>
+                      <p:childTnLst>
+                        <p:par>
+                          <p:cTn id="33" fill="hold">
+                            <p:stCondLst>
+                              <p:cond delay="0"/>
+                            </p:stCondLst>
+                            <p:childTnLst>
+                              <p:par>
+                                <p:cTn id="34" presetID="22" presetClass="entr" presetSubtype="2" fill="hold" nodeType="clickEffect">
+                                  <p:stCondLst>
+                                    <p:cond delay="0"/>
+                                  </p:stCondLst>
+                                  <p:childTnLst>
+                                    <p:set>
+                                      <p:cBhvr>
+                                        <p:cTn id="35" dur="1" fill="hold">
+                                          <p:stCondLst>
+                                            <p:cond delay="0"/>
+                                          </p:stCondLst>
+                                        </p:cTn>
+                                        <p:tgtEl>
+                                          <p:spTgt spid="52"/>
+                                        </p:tgtEl>
+                                        <p:attrNameLst>
+                                          <p:attrName>style.visibility</p:attrName>
+                                        </p:attrNameLst>
+                                      </p:cBhvr>
+                                      <p:to>
+                                        <p:strVal val="visible"/>
+                                      </p:to>
+                                    </p:set>
+                                    <p:animEffect transition="in" filter="wipe(right)">
+                                      <p:cBhvr>
+                                        <p:cTn id="36" dur="500"/>
+                                        <p:tgtEl>
                                           <p:spTgt spid="52"/>
                                         </p:tgtEl>
                                       </p:cBhvr>
@@ -42108,20 +43729,20 @@
                           </p:cTn>
                         </p:par>
                         <p:par>
-                          <p:cTn id="32" fill="hold">
+                          <p:cTn id="37" fill="hold">
                             <p:stCondLst>
                               <p:cond delay="500"/>
                             </p:stCondLst>
                             <p:childTnLst>
                               <p:par>
-                                <p:cTn id="33" presetID="22" presetClass="entr" presetSubtype="8" fill="hold" nodeType="afterEffect">
+                                <p:cTn id="38" presetID="22" presetClass="entr" presetSubtype="8" fill="hold" nodeType="afterEffect">
                                   <p:stCondLst>
                                     <p:cond delay="0"/>
                                   </p:stCondLst>
                                   <p:childTnLst>
                                     <p:set>
                                       <p:cBhvr>
-                                        <p:cTn id="34" dur="1" fill="hold">
+                                        <p:cTn id="39" dur="1" fill="hold">
                                           <p:stCondLst>
                                             <p:cond delay="0"/>
                                           </p:stCondLst>
@@ -42139,62 +43760,9 @@
                                     </p:set>
                                     <p:animEffect transition="in" filter="wipe(left)">
                                       <p:cBhvr>
-                                        <p:cTn id="35" dur="500"/>
+                                        <p:cTn id="40" dur="500"/>
                                         <p:tgtEl>
                                           <p:spTgt spid="38"/>
-                                        </p:tgtEl>
-                                      </p:cBhvr>
-                                    </p:animEffect>
-                                  </p:childTnLst>
-                                </p:cTn>
-                              </p:par>
-                            </p:childTnLst>
-                          </p:cTn>
-                        </p:par>
-                      </p:childTnLst>
-                    </p:cTn>
-                  </p:par>
-                  <p:par>
-                    <p:cTn id="36" fill="hold">
-                      <p:stCondLst>
-                        <p:cond delay="indefinite"/>
-                      </p:stCondLst>
-                      <p:childTnLst>
-                        <p:par>
-                          <p:cTn id="37" fill="hold">
-                            <p:stCondLst>
-                              <p:cond delay="0"/>
-                            </p:stCondLst>
-                            <p:childTnLst>
-                              <p:par>
-                                <p:cTn id="38" presetID="22" presetClass="entr" presetSubtype="2" fill="hold" nodeType="clickEffect">
-                                  <p:stCondLst>
-                                    <p:cond delay="0"/>
-                                  </p:stCondLst>
-                                  <p:childTnLst>
-                                    <p:set>
-                                      <p:cBhvr>
-                                        <p:cTn id="39" dur="1" fill="hold">
-                                          <p:stCondLst>
-                                            <p:cond delay="0"/>
-                                          </p:stCondLst>
-                                        </p:cTn>
-                                        <p:tgtEl>
-                                          <p:spTgt spid="55"/>
-                                        </p:tgtEl>
-                                        <p:attrNameLst>
-                                          <p:attrName>style.visibility</p:attrName>
-                                        </p:attrNameLst>
-                                      </p:cBhvr>
-                                      <p:to>
-                                        <p:strVal val="visible"/>
-                                      </p:to>
-                                    </p:set>
-                                    <p:animEffect transition="in" filter="wipe(right)">
-                                      <p:cBhvr>
-                                        <p:cTn id="40" dur="500"/>
-                                        <p:tgtEl>
-                                          <p:spTgt spid="55"/>
                                         </p:tgtEl>
                                       </p:cBhvr>
                                     </p:animEffect>
@@ -42233,7 +43801,7 @@
                                           </p:stCondLst>
                                         </p:cTn>
                                         <p:tgtEl>
-                                          <p:spTgt spid="58"/>
+                                          <p:spTgt spid="55"/>
                                         </p:tgtEl>
                                         <p:attrNameLst>
                                           <p:attrName>style.visibility</p:attrName>
@@ -42247,7 +43815,7 @@
                                       <p:cBhvr>
                                         <p:cTn id="45" dur="500"/>
                                         <p:tgtEl>
-                                          <p:spTgt spid="58"/>
+                                          <p:spTgt spid="55"/>
                                         </p:tgtEl>
                                       </p:cBhvr>
                                     </p:animEffect>
@@ -42286,7 +43854,7 @@
                                           </p:stCondLst>
                                         </p:cTn>
                                         <p:tgtEl>
-                                          <p:spTgt spid="61"/>
+                                          <p:spTgt spid="58"/>
                                         </p:tgtEl>
                                         <p:attrNameLst>
                                           <p:attrName>style.visibility</p:attrName>
@@ -42300,7 +43868,7 @@
                                       <p:cBhvr>
                                         <p:cTn id="50" dur="500"/>
                                         <p:tgtEl>
-                                          <p:spTgt spid="61"/>
+                                          <p:spTgt spid="58"/>
                                         </p:tgtEl>
                                       </p:cBhvr>
                                     </p:animEffect>
@@ -42339,7 +43907,7 @@
                                           </p:stCondLst>
                                         </p:cTn>
                                         <p:tgtEl>
-                                          <p:spTgt spid="64"/>
+                                          <p:spTgt spid="61"/>
                                         </p:tgtEl>
                                         <p:attrNameLst>
                                           <p:attrName>style.visibility</p:attrName>
@@ -42353,7 +43921,7 @@
                                       <p:cBhvr>
                                         <p:cTn id="55" dur="500"/>
                                         <p:tgtEl>
-                                          <p:spTgt spid="64"/>
+                                          <p:spTgt spid="61"/>
                                         </p:tgtEl>
                                       </p:cBhvr>
                                     </p:animEffect>
@@ -42392,6 +43960,59 @@
                                           </p:stCondLst>
                                         </p:cTn>
                                         <p:tgtEl>
+                                          <p:spTgt spid="64"/>
+                                        </p:tgtEl>
+                                        <p:attrNameLst>
+                                          <p:attrName>style.visibility</p:attrName>
+                                        </p:attrNameLst>
+                                      </p:cBhvr>
+                                      <p:to>
+                                        <p:strVal val="visible"/>
+                                      </p:to>
+                                    </p:set>
+                                    <p:animEffect transition="in" filter="wipe(right)">
+                                      <p:cBhvr>
+                                        <p:cTn id="60" dur="500"/>
+                                        <p:tgtEl>
+                                          <p:spTgt spid="64"/>
+                                        </p:tgtEl>
+                                      </p:cBhvr>
+                                    </p:animEffect>
+                                  </p:childTnLst>
+                                </p:cTn>
+                              </p:par>
+                            </p:childTnLst>
+                          </p:cTn>
+                        </p:par>
+                      </p:childTnLst>
+                    </p:cTn>
+                  </p:par>
+                  <p:par>
+                    <p:cTn id="61" fill="hold">
+                      <p:stCondLst>
+                        <p:cond delay="indefinite"/>
+                      </p:stCondLst>
+                      <p:childTnLst>
+                        <p:par>
+                          <p:cTn id="62" fill="hold">
+                            <p:stCondLst>
+                              <p:cond delay="0"/>
+                            </p:stCondLst>
+                            <p:childTnLst>
+                              <p:par>
+                                <p:cTn id="63" presetID="22" presetClass="entr" presetSubtype="2" fill="hold" nodeType="clickEffect">
+                                  <p:stCondLst>
+                                    <p:cond delay="0"/>
+                                  </p:stCondLst>
+                                  <p:childTnLst>
+                                    <p:set>
+                                      <p:cBhvr>
+                                        <p:cTn id="64" dur="1" fill="hold">
+                                          <p:stCondLst>
+                                            <p:cond delay="0"/>
+                                          </p:stCondLst>
+                                        </p:cTn>
+                                        <p:tgtEl>
                                           <p:spTgt spid="67"/>
                                         </p:tgtEl>
                                         <p:attrNameLst>
@@ -42404,7 +44025,7 @@
                                     </p:set>
                                     <p:animEffect transition="in" filter="wipe(right)">
                                       <p:cBhvr>
-                                        <p:cTn id="60" dur="500"/>
+                                        <p:cTn id="65" dur="500"/>
                                         <p:tgtEl>
                                           <p:spTgt spid="67"/>
                                         </p:tgtEl>
@@ -42440,6 +44061,9 @@
         </p:cTn>
       </p:par>
     </p:tnLst>
+    <p:bldLst>
+      <p:bldP spid="8" grpId="0"/>
+    </p:bldLst>
   </p:timing>
 </p:sld>
 </file>
@@ -42888,7 +44512,13 @@
   <p:cSld>
     <p:spTree>
       <p:nvGrpSpPr>
-        <p:cNvPr id="1" name=""/>
+        <p:cNvPr id="1" name="">
+          <a:extLst>
+            <a:ext uri="{FF2B5EF4-FFF2-40B4-BE49-F238E27FC236}">
+              <a16:creationId xmlns:a16="http://schemas.microsoft.com/office/drawing/2014/main" id="{87DC42DA-BD9D-4384-014F-2EAD49C21F21}"/>
+            </a:ext>
+          </a:extLst>
+        </p:cNvPr>
         <p:cNvGrpSpPr/>
         <p:nvPr/>
       </p:nvGrpSpPr>
@@ -42900,12 +44530,47 @@
           <a:chExt cx="0" cy="0"/>
         </a:xfrm>
       </p:grpSpPr>
+      <p:pic>
+        <p:nvPicPr>
+          <p:cNvPr id="8" name="Picture 7">
+            <a:extLst>
+              <a:ext uri="{FF2B5EF4-FFF2-40B4-BE49-F238E27FC236}">
+                <a16:creationId xmlns:a16="http://schemas.microsoft.com/office/drawing/2014/main" id="{B3160DF3-4DFE-6629-6710-0AE6430B51D4}"/>
+              </a:ext>
+            </a:extLst>
+          </p:cNvPr>
+          <p:cNvPicPr>
+            <a:picLocks noChangeAspect="1"/>
+          </p:cNvPicPr>
+          <p:nvPr/>
+        </p:nvPicPr>
+        <p:blipFill>
+          <a:blip r:embed="rId2"/>
+          <a:stretch>
+            <a:fillRect/>
+          </a:stretch>
+        </p:blipFill>
+        <p:spPr>
+          <a:xfrm>
+            <a:off x="1462476" y="2322126"/>
+            <a:ext cx="6219048" cy="4142857"/>
+          </a:xfrm>
+          <a:prstGeom prst="rect">
+            <a:avLst/>
+          </a:prstGeom>
+          <a:ln>
+            <a:solidFill>
+              <a:schemeClr val="tx1"/>
+            </a:solidFill>
+          </a:ln>
+        </p:spPr>
+      </p:pic>
       <p:sp>
         <p:nvSpPr>
           <p:cNvPr id="2" name="Title 1">
             <a:extLst>
               <a:ext uri="{FF2B5EF4-FFF2-40B4-BE49-F238E27FC236}">
-                <a16:creationId xmlns:a16="http://schemas.microsoft.com/office/drawing/2014/main" id="{B15B6439-41E6-140A-FAE2-84DA1CCE9574}"/>
+                <a16:creationId xmlns:a16="http://schemas.microsoft.com/office/drawing/2014/main" id="{8906621A-581C-023B-6C37-0570A1E7B91D}"/>
               </a:ext>
             </a:extLst>
           </p:cNvPr>
@@ -42947,7 +44612,7 @@
           <p:cNvPr id="4" name="Slide Number Placeholder 3">
             <a:extLst>
               <a:ext uri="{FF2B5EF4-FFF2-40B4-BE49-F238E27FC236}">
-                <a16:creationId xmlns:a16="http://schemas.microsoft.com/office/drawing/2014/main" id="{80CC9F32-161F-C116-92EA-A6FCC6DD8558}"/>
+                <a16:creationId xmlns:a16="http://schemas.microsoft.com/office/drawing/2014/main" id="{F53DACB2-D4E4-9EFC-1F64-0AA68C3AEC7B}"/>
               </a:ext>
             </a:extLst>
           </p:cNvPr>
@@ -42972,47 +44637,12 @@
           </a:p>
         </p:txBody>
       </p:sp>
-      <p:pic>
-        <p:nvPicPr>
-          <p:cNvPr id="6" name="Picture 5">
-            <a:extLst>
-              <a:ext uri="{FF2B5EF4-FFF2-40B4-BE49-F238E27FC236}">
-                <a16:creationId xmlns:a16="http://schemas.microsoft.com/office/drawing/2014/main" id="{664C95B1-C721-A030-E04F-5F4D0D1AD64D}"/>
-              </a:ext>
-            </a:extLst>
-          </p:cNvPr>
-          <p:cNvPicPr>
-            <a:picLocks noChangeAspect="1"/>
-          </p:cNvPicPr>
-          <p:nvPr/>
-        </p:nvPicPr>
-        <p:blipFill>
-          <a:blip r:embed="rId2"/>
-          <a:stretch>
-            <a:fillRect/>
-          </a:stretch>
-        </p:blipFill>
-        <p:spPr>
-          <a:xfrm>
-            <a:off x="1491048" y="2339959"/>
-            <a:ext cx="6161905" cy="3961905"/>
-          </a:xfrm>
-          <a:prstGeom prst="rect">
-            <a:avLst/>
-          </a:prstGeom>
-          <a:ln>
-            <a:solidFill>
-              <a:schemeClr val="tx1"/>
-            </a:solidFill>
-          </a:ln>
-        </p:spPr>
-      </p:pic>
       <p:grpSp>
         <p:nvGrpSpPr>
           <p:cNvPr id="7" name="Group 6">
             <a:extLst>
               <a:ext uri="{FF2B5EF4-FFF2-40B4-BE49-F238E27FC236}">
-                <a16:creationId xmlns:a16="http://schemas.microsoft.com/office/drawing/2014/main" id="{06503B9E-32A4-A40E-855E-C46696256F5A}"/>
+                <a16:creationId xmlns:a16="http://schemas.microsoft.com/office/drawing/2014/main" id="{EDB894CE-F973-0662-CB73-4E11D52B6DB1}"/>
               </a:ext>
             </a:extLst>
           </p:cNvPr>
@@ -43021,7 +44651,7 @@
         </p:nvGrpSpPr>
         <p:grpSpPr>
           <a:xfrm>
-            <a:off x="3330857" y="5548082"/>
+            <a:off x="3618023" y="5721893"/>
             <a:ext cx="1076632" cy="369332"/>
             <a:chOff x="4968362" y="2079211"/>
             <a:chExt cx="1076632" cy="369332"/>
@@ -43032,7 +44662,7 @@
             <p:cNvPr id="41" name="Straight Arrow Connector 40">
               <a:extLst>
                 <a:ext uri="{FF2B5EF4-FFF2-40B4-BE49-F238E27FC236}">
-                  <a16:creationId xmlns:a16="http://schemas.microsoft.com/office/drawing/2014/main" id="{203161B5-868A-ED75-69CD-DF4368AFCCF0}"/>
+                  <a16:creationId xmlns:a16="http://schemas.microsoft.com/office/drawing/2014/main" id="{C6143900-FECA-2E1B-F54E-1588385A4E8D}"/>
                 </a:ext>
               </a:extLst>
             </p:cNvPr>
@@ -43076,7 +44706,7 @@
             <p:cNvPr id="42" name="TextBox 41">
               <a:extLst>
                 <a:ext uri="{FF2B5EF4-FFF2-40B4-BE49-F238E27FC236}">
-                  <a16:creationId xmlns:a16="http://schemas.microsoft.com/office/drawing/2014/main" id="{BFF8D8B5-24F4-B50E-6530-CE70D961D4CE}"/>
+                  <a16:creationId xmlns:a16="http://schemas.microsoft.com/office/drawing/2014/main" id="{0DF18CA0-1A52-1886-07E6-E9B0B8FAC07C}"/>
                 </a:ext>
               </a:extLst>
             </p:cNvPr>
@@ -43132,7 +44762,7 @@
           <p:cNvPr id="43" name="Group 42">
             <a:extLst>
               <a:ext uri="{FF2B5EF4-FFF2-40B4-BE49-F238E27FC236}">
-                <a16:creationId xmlns:a16="http://schemas.microsoft.com/office/drawing/2014/main" id="{1DBAB0D7-B49F-3701-641E-BC110EBB0B46}"/>
+                <a16:creationId xmlns:a16="http://schemas.microsoft.com/office/drawing/2014/main" id="{87D85D48-4D69-F094-3109-386E5CDFEAA7}"/>
               </a:ext>
             </a:extLst>
           </p:cNvPr>
@@ -43141,7 +44771,7 @@
         </p:nvGrpSpPr>
         <p:grpSpPr>
           <a:xfrm>
-            <a:off x="3149943" y="5741323"/>
+            <a:off x="3437109" y="5915134"/>
             <a:ext cx="1076632" cy="369332"/>
             <a:chOff x="4704120" y="2356972"/>
             <a:chExt cx="1076632" cy="369332"/>
@@ -43152,7 +44782,7 @@
             <p:cNvPr id="44" name="Straight Arrow Connector 43">
               <a:extLst>
                 <a:ext uri="{FF2B5EF4-FFF2-40B4-BE49-F238E27FC236}">
-                  <a16:creationId xmlns:a16="http://schemas.microsoft.com/office/drawing/2014/main" id="{F785F04F-65BC-9DF3-1F59-8A941D5C3220}"/>
+                  <a16:creationId xmlns:a16="http://schemas.microsoft.com/office/drawing/2014/main" id="{1323C8DE-46B1-84FB-5F87-942C91436958}"/>
                 </a:ext>
               </a:extLst>
             </p:cNvPr>
@@ -43196,7 +44826,7 @@
             <p:cNvPr id="45" name="TextBox 44">
               <a:extLst>
                 <a:ext uri="{FF2B5EF4-FFF2-40B4-BE49-F238E27FC236}">
-                  <a16:creationId xmlns:a16="http://schemas.microsoft.com/office/drawing/2014/main" id="{43A681D4-D29B-D6D4-37AE-2E8A3C101426}"/>
+                  <a16:creationId xmlns:a16="http://schemas.microsoft.com/office/drawing/2014/main" id="{113BE057-EE20-E8C4-85B5-94BF999B4149}"/>
                 </a:ext>
               </a:extLst>
             </p:cNvPr>
@@ -43252,7 +44882,7 @@
           <p:cNvPr id="46" name="Group 45">
             <a:extLst>
               <a:ext uri="{FF2B5EF4-FFF2-40B4-BE49-F238E27FC236}">
-                <a16:creationId xmlns:a16="http://schemas.microsoft.com/office/drawing/2014/main" id="{90BBDCC4-E67F-817E-93B7-BE395513D839}"/>
+                <a16:creationId xmlns:a16="http://schemas.microsoft.com/office/drawing/2014/main" id="{4F998F62-1359-F6AB-6733-2BC8A7180BB5}"/>
               </a:ext>
             </a:extLst>
           </p:cNvPr>
@@ -43261,7 +44891,7 @@
         </p:nvGrpSpPr>
         <p:grpSpPr>
           <a:xfrm>
-            <a:off x="3005362" y="2308091"/>
+            <a:off x="2888094" y="2317215"/>
             <a:ext cx="1068643" cy="369332"/>
             <a:chOff x="3647644" y="4910075"/>
             <a:chExt cx="1068643" cy="369332"/>
@@ -43272,7 +44902,7 @@
             <p:cNvPr id="47" name="TextBox 46">
               <a:extLst>
                 <a:ext uri="{FF2B5EF4-FFF2-40B4-BE49-F238E27FC236}">
-                  <a16:creationId xmlns:a16="http://schemas.microsoft.com/office/drawing/2014/main" id="{2A008AA2-E864-BDDD-63F6-0181B4BE8C93}"/>
+                  <a16:creationId xmlns:a16="http://schemas.microsoft.com/office/drawing/2014/main" id="{12D8B92C-7240-72A2-FAAE-18AA13C44877}"/>
                 </a:ext>
               </a:extLst>
             </p:cNvPr>
@@ -43327,7 +44957,7 @@
             <p:cNvPr id="48" name="Straight Arrow Connector 47">
               <a:extLst>
                 <a:ext uri="{FF2B5EF4-FFF2-40B4-BE49-F238E27FC236}">
-                  <a16:creationId xmlns:a16="http://schemas.microsoft.com/office/drawing/2014/main" id="{D108E3B3-E072-F9B7-A59C-C3C65F8E6B40}"/>
+                  <a16:creationId xmlns:a16="http://schemas.microsoft.com/office/drawing/2014/main" id="{F953194D-9242-F842-FC49-E92BD5A291C5}"/>
                 </a:ext>
               </a:extLst>
             </p:cNvPr>
@@ -43372,7 +45002,7 @@
           <p:cNvPr id="49" name="Group 48">
             <a:extLst>
               <a:ext uri="{FF2B5EF4-FFF2-40B4-BE49-F238E27FC236}">
-                <a16:creationId xmlns:a16="http://schemas.microsoft.com/office/drawing/2014/main" id="{327284A2-8F02-D0EC-99A5-D308309DF2BE}"/>
+                <a16:creationId xmlns:a16="http://schemas.microsoft.com/office/drawing/2014/main" id="{770B392E-4BAF-D9BE-3914-384F619EB44E}"/>
               </a:ext>
             </a:extLst>
           </p:cNvPr>
@@ -43392,7 +45022,7 @@
             <p:cNvPr id="50" name="TextBox 49">
               <a:extLst>
                 <a:ext uri="{FF2B5EF4-FFF2-40B4-BE49-F238E27FC236}">
-                  <a16:creationId xmlns:a16="http://schemas.microsoft.com/office/drawing/2014/main" id="{30B68CA0-1B5A-BB6F-CC12-328F182E53F4}"/>
+                  <a16:creationId xmlns:a16="http://schemas.microsoft.com/office/drawing/2014/main" id="{0F5FA7A4-0FE0-226A-2B90-8D7C3367B347}"/>
                 </a:ext>
               </a:extLst>
             </p:cNvPr>
@@ -43447,7 +45077,7 @@
             <p:cNvPr id="51" name="Straight Arrow Connector 50">
               <a:extLst>
                 <a:ext uri="{FF2B5EF4-FFF2-40B4-BE49-F238E27FC236}">
-                  <a16:creationId xmlns:a16="http://schemas.microsoft.com/office/drawing/2014/main" id="{87CFA582-6FCF-FF47-C224-64264236A545}"/>
+                  <a16:creationId xmlns:a16="http://schemas.microsoft.com/office/drawing/2014/main" id="{1BA043C4-DA94-1C00-51DB-4A46536D0B0F}"/>
                 </a:ext>
               </a:extLst>
             </p:cNvPr>
@@ -43492,7 +45122,7 @@
           <p:cNvPr id="52" name="Group 51">
             <a:extLst>
               <a:ext uri="{FF2B5EF4-FFF2-40B4-BE49-F238E27FC236}">
-                <a16:creationId xmlns:a16="http://schemas.microsoft.com/office/drawing/2014/main" id="{78BA3CDA-5625-75D1-306F-B4EF05E4FA45}"/>
+                <a16:creationId xmlns:a16="http://schemas.microsoft.com/office/drawing/2014/main" id="{81949916-44F8-5041-F36A-88FB3802A40A}"/>
               </a:ext>
             </a:extLst>
           </p:cNvPr>
@@ -43501,7 +45131,7 @@
         </p:nvGrpSpPr>
         <p:grpSpPr>
           <a:xfrm>
-            <a:off x="4115464" y="2684982"/>
+            <a:off x="4100350" y="2700096"/>
             <a:ext cx="1068643" cy="369332"/>
             <a:chOff x="3647644" y="5359159"/>
             <a:chExt cx="1068643" cy="369332"/>
@@ -43512,7 +45142,7 @@
             <p:cNvPr id="53" name="TextBox 52">
               <a:extLst>
                 <a:ext uri="{FF2B5EF4-FFF2-40B4-BE49-F238E27FC236}">
-                  <a16:creationId xmlns:a16="http://schemas.microsoft.com/office/drawing/2014/main" id="{57B17420-64E0-4AAA-C0BF-C0A9D58F4FE5}"/>
+                  <a16:creationId xmlns:a16="http://schemas.microsoft.com/office/drawing/2014/main" id="{619DFE69-6430-C3A7-042D-13A4E7C1EFF0}"/>
                 </a:ext>
               </a:extLst>
             </p:cNvPr>
@@ -43567,7 +45197,7 @@
             <p:cNvPr id="54" name="Straight Arrow Connector 53">
               <a:extLst>
                 <a:ext uri="{FF2B5EF4-FFF2-40B4-BE49-F238E27FC236}">
-                  <a16:creationId xmlns:a16="http://schemas.microsoft.com/office/drawing/2014/main" id="{8D2FA0E8-C265-B843-8F43-531CA8633F65}"/>
+                  <a16:creationId xmlns:a16="http://schemas.microsoft.com/office/drawing/2014/main" id="{E7F15623-1DF5-316D-361B-984FF7F88E52}"/>
                 </a:ext>
               </a:extLst>
             </p:cNvPr>
@@ -43612,7 +45242,7 @@
           <p:cNvPr id="55" name="Group 54">
             <a:extLst>
               <a:ext uri="{FF2B5EF4-FFF2-40B4-BE49-F238E27FC236}">
-                <a16:creationId xmlns:a16="http://schemas.microsoft.com/office/drawing/2014/main" id="{D451A8E4-B2B9-98CE-F048-F366AE055C97}"/>
+                <a16:creationId xmlns:a16="http://schemas.microsoft.com/office/drawing/2014/main" id="{2A633B24-B0A7-4335-0CD9-74321D1901BE}"/>
               </a:ext>
             </a:extLst>
           </p:cNvPr>
@@ -43632,7 +45262,7 @@
             <p:cNvPr id="56" name="TextBox 55">
               <a:extLst>
                 <a:ext uri="{FF2B5EF4-FFF2-40B4-BE49-F238E27FC236}">
-                  <a16:creationId xmlns:a16="http://schemas.microsoft.com/office/drawing/2014/main" id="{9C9EB4CC-7984-616C-76DC-FDC584DDD821}"/>
+                  <a16:creationId xmlns:a16="http://schemas.microsoft.com/office/drawing/2014/main" id="{20B2EC77-CE2C-68AA-5C0F-F607B08320ED}"/>
                 </a:ext>
               </a:extLst>
             </p:cNvPr>
@@ -43687,7 +45317,7 @@
             <p:cNvPr id="57" name="Straight Arrow Connector 56">
               <a:extLst>
                 <a:ext uri="{FF2B5EF4-FFF2-40B4-BE49-F238E27FC236}">
-                  <a16:creationId xmlns:a16="http://schemas.microsoft.com/office/drawing/2014/main" id="{B7DBCF40-9CF5-DDDA-EFAF-01044A0CD2E2}"/>
+                  <a16:creationId xmlns:a16="http://schemas.microsoft.com/office/drawing/2014/main" id="{509A860E-EBE2-A717-AF0F-BF4297F05A1C}"/>
                 </a:ext>
               </a:extLst>
             </p:cNvPr>
@@ -43732,7 +45362,7 @@
           <p:cNvPr id="58" name="Group 57">
             <a:extLst>
               <a:ext uri="{FF2B5EF4-FFF2-40B4-BE49-F238E27FC236}">
-                <a16:creationId xmlns:a16="http://schemas.microsoft.com/office/drawing/2014/main" id="{7BE00878-96B7-998E-3934-698BAE62695E}"/>
+                <a16:creationId xmlns:a16="http://schemas.microsoft.com/office/drawing/2014/main" id="{FC32CB83-CBA7-4BE3-1BDC-DAF0E9EFEAF0}"/>
               </a:ext>
             </a:extLst>
           </p:cNvPr>
@@ -43752,7 +45382,7 @@
             <p:cNvPr id="59" name="TextBox 58">
               <a:extLst>
                 <a:ext uri="{FF2B5EF4-FFF2-40B4-BE49-F238E27FC236}">
-                  <a16:creationId xmlns:a16="http://schemas.microsoft.com/office/drawing/2014/main" id="{F3217DFD-F618-43B0-6D80-B7C3DDDE432E}"/>
+                  <a16:creationId xmlns:a16="http://schemas.microsoft.com/office/drawing/2014/main" id="{B66D9669-E302-3B56-2708-ED448D490EA0}"/>
                 </a:ext>
               </a:extLst>
             </p:cNvPr>
@@ -43807,7 +45437,7 @@
             <p:cNvPr id="60" name="Straight Arrow Connector 59">
               <a:extLst>
                 <a:ext uri="{FF2B5EF4-FFF2-40B4-BE49-F238E27FC236}">
-                  <a16:creationId xmlns:a16="http://schemas.microsoft.com/office/drawing/2014/main" id="{17D06D06-B1BE-FE5E-FFB2-15E290948423}"/>
+                  <a16:creationId xmlns:a16="http://schemas.microsoft.com/office/drawing/2014/main" id="{A12DE4FD-1170-6B7A-07DE-A929FB15020E}"/>
                 </a:ext>
               </a:extLst>
             </p:cNvPr>
@@ -43852,7 +45482,7 @@
           <p:cNvPr id="61" name="Group 60">
             <a:extLst>
               <a:ext uri="{FF2B5EF4-FFF2-40B4-BE49-F238E27FC236}">
-                <a16:creationId xmlns:a16="http://schemas.microsoft.com/office/drawing/2014/main" id="{01EEEEBC-7787-453F-6105-47B9184BC086}"/>
+                <a16:creationId xmlns:a16="http://schemas.microsoft.com/office/drawing/2014/main" id="{F8704926-F639-5560-59BF-5C1F2C7AC318}"/>
               </a:ext>
             </a:extLst>
           </p:cNvPr>
@@ -43861,7 +45491,7 @@
         </p:nvGrpSpPr>
         <p:grpSpPr>
           <a:xfrm>
-            <a:off x="2914568" y="5929848"/>
+            <a:off x="3239519" y="6111216"/>
             <a:ext cx="1076632" cy="369332"/>
             <a:chOff x="2157212" y="5356391"/>
             <a:chExt cx="1076632" cy="369332"/>
@@ -43872,7 +45502,7 @@
             <p:cNvPr id="62" name="TextBox 61">
               <a:extLst>
                 <a:ext uri="{FF2B5EF4-FFF2-40B4-BE49-F238E27FC236}">
-                  <a16:creationId xmlns:a16="http://schemas.microsoft.com/office/drawing/2014/main" id="{6593526E-6B88-D1AF-55E5-413CA49D3A25}"/>
+                  <a16:creationId xmlns:a16="http://schemas.microsoft.com/office/drawing/2014/main" id="{99396A75-AD2D-97CE-9FE1-0AE78A9B886E}"/>
                 </a:ext>
               </a:extLst>
             </p:cNvPr>
@@ -43927,7 +45557,7 @@
             <p:cNvPr id="63" name="Straight Arrow Connector 62">
               <a:extLst>
                 <a:ext uri="{FF2B5EF4-FFF2-40B4-BE49-F238E27FC236}">
-                  <a16:creationId xmlns:a16="http://schemas.microsoft.com/office/drawing/2014/main" id="{DC56628E-0633-B035-370E-06A54361BBBD}"/>
+                  <a16:creationId xmlns:a16="http://schemas.microsoft.com/office/drawing/2014/main" id="{471A158E-C641-A01A-35F4-54B2D900A0E3}"/>
                 </a:ext>
               </a:extLst>
             </p:cNvPr>
@@ -43972,7 +45602,7 @@
           <p:cNvPr id="64" name="Group 63">
             <a:extLst>
               <a:ext uri="{FF2B5EF4-FFF2-40B4-BE49-F238E27FC236}">
-                <a16:creationId xmlns:a16="http://schemas.microsoft.com/office/drawing/2014/main" id="{7A0524DB-3E55-E566-0931-B8B78DA65BEE}"/>
+                <a16:creationId xmlns:a16="http://schemas.microsoft.com/office/drawing/2014/main" id="{49E59E8E-F773-0371-4E27-5BB4AC89ED47}"/>
               </a:ext>
             </a:extLst>
           </p:cNvPr>
@@ -43992,7 +45622,7 @@
             <p:cNvPr id="65" name="TextBox 64">
               <a:extLst>
                 <a:ext uri="{FF2B5EF4-FFF2-40B4-BE49-F238E27FC236}">
-                  <a16:creationId xmlns:a16="http://schemas.microsoft.com/office/drawing/2014/main" id="{8312EADE-F69C-E198-AA1F-DCA05C55B66F}"/>
+                  <a16:creationId xmlns:a16="http://schemas.microsoft.com/office/drawing/2014/main" id="{1BB131AC-03AF-41A0-F184-0C11D5D0FBF0}"/>
                 </a:ext>
               </a:extLst>
             </p:cNvPr>
@@ -44047,7 +45677,7 @@
             <p:cNvPr id="66" name="Straight Arrow Connector 65">
               <a:extLst>
                 <a:ext uri="{FF2B5EF4-FFF2-40B4-BE49-F238E27FC236}">
-                  <a16:creationId xmlns:a16="http://schemas.microsoft.com/office/drawing/2014/main" id="{871B4804-97A0-1418-B08D-F639FACFF149}"/>
+                  <a16:creationId xmlns:a16="http://schemas.microsoft.com/office/drawing/2014/main" id="{856A103F-73E8-C470-80E8-F43881064951}"/>
                 </a:ext>
               </a:extLst>
             </p:cNvPr>
@@ -44092,7 +45722,7 @@
           <p:cNvPr id="67" name="Group 66">
             <a:extLst>
               <a:ext uri="{FF2B5EF4-FFF2-40B4-BE49-F238E27FC236}">
-                <a16:creationId xmlns:a16="http://schemas.microsoft.com/office/drawing/2014/main" id="{B570153F-9ECA-7A69-6402-6D30D0A99DC9}"/>
+                <a16:creationId xmlns:a16="http://schemas.microsoft.com/office/drawing/2014/main" id="{93A34EB8-FFC1-A987-8BC2-284D2F9124EC}"/>
               </a:ext>
             </a:extLst>
           </p:cNvPr>
@@ -44112,7 +45742,7 @@
             <p:cNvPr id="68" name="TextBox 67">
               <a:extLst>
                 <a:ext uri="{FF2B5EF4-FFF2-40B4-BE49-F238E27FC236}">
-                  <a16:creationId xmlns:a16="http://schemas.microsoft.com/office/drawing/2014/main" id="{167A68BB-0343-1865-FB92-C819D4E96A8C}"/>
+                  <a16:creationId xmlns:a16="http://schemas.microsoft.com/office/drawing/2014/main" id="{EFE74ADC-4852-34EB-C6AE-E6A198CFF269}"/>
                 </a:ext>
               </a:extLst>
             </p:cNvPr>
@@ -44167,7 +45797,7 @@
             <p:cNvPr id="69" name="Straight Arrow Connector 68">
               <a:extLst>
                 <a:ext uri="{FF2B5EF4-FFF2-40B4-BE49-F238E27FC236}">
-                  <a16:creationId xmlns:a16="http://schemas.microsoft.com/office/drawing/2014/main" id="{B345346A-33BC-CEA9-8713-3D8853E1A3FD}"/>
+                  <a16:creationId xmlns:a16="http://schemas.microsoft.com/office/drawing/2014/main" id="{FEBEBDCD-D184-F990-5DA2-AA7A7759D9D8}"/>
                 </a:ext>
               </a:extLst>
             </p:cNvPr>
@@ -44212,7 +45842,7 @@
           <p:cNvPr id="70" name="Rectangle 69">
             <a:extLst>
               <a:ext uri="{FF2B5EF4-FFF2-40B4-BE49-F238E27FC236}">
-                <a16:creationId xmlns:a16="http://schemas.microsoft.com/office/drawing/2014/main" id="{133F8057-3148-78D0-0078-1BA6B8A63BE9}"/>
+                <a16:creationId xmlns:a16="http://schemas.microsoft.com/office/drawing/2014/main" id="{7CF45F7C-24C8-ADD3-F72C-0034C272E6E6}"/>
               </a:ext>
             </a:extLst>
           </p:cNvPr>
@@ -44244,7 +45874,7 @@
             </a:pPr>
             <a:r>
               <a:rPr lang="en-US" sz="2400" dirty="0"/>
-              <a:t>Write code to </a:t>
+              <a:t>Let’s </a:t>
             </a:r>
             <a:r>
               <a:rPr lang="en-US" sz="2400" b="1" dirty="0">
@@ -44261,10 +45891,50 @@
           </a:p>
         </p:txBody>
       </p:sp>
+      <p:sp>
+        <p:nvSpPr>
+          <p:cNvPr id="3" name="TextBox 2">
+            <a:extLst>
+              <a:ext uri="{FF2B5EF4-FFF2-40B4-BE49-F238E27FC236}">
+                <a16:creationId xmlns:a16="http://schemas.microsoft.com/office/drawing/2014/main" id="{E37343EC-8762-7914-7841-D348B94DFC46}"/>
+              </a:ext>
+            </a:extLst>
+          </p:cNvPr>
+          <p:cNvSpPr txBox="1"/>
+          <p:nvPr/>
+        </p:nvSpPr>
+        <p:spPr>
+          <a:xfrm>
+            <a:off x="7273690" y="566242"/>
+            <a:ext cx="1514007" cy="923330"/>
+          </a:xfrm>
+          <a:prstGeom prst="rect">
+            <a:avLst/>
+          </a:prstGeom>
+          <a:noFill/>
+        </p:spPr>
+        <p:txBody>
+          <a:bodyPr wrap="square" rtlCol="0">
+            <a:spAutoFit/>
+          </a:bodyPr>
+          <a:lstStyle/>
+          <a:p>
+            <a:pPr algn="ctr"/>
+            <a:r>
+              <a:rPr lang="en-US" b="1" dirty="0">
+                <a:solidFill>
+                  <a:srgbClr val="00B050"/>
+                </a:solidFill>
+              </a:rPr>
+              <a:t>Note: You should not edit this file!</a:t>
+            </a:r>
+          </a:p>
+        </p:txBody>
+      </p:sp>
     </p:spTree>
     <p:extLst>
       <p:ext uri="{BB962C8B-B14F-4D97-AF65-F5344CB8AC3E}">
-        <p14:creationId xmlns:p14="http://schemas.microsoft.com/office/powerpoint/2010/main" val="2883245856"/>
+        <p14:creationId xmlns:p14="http://schemas.microsoft.com/office/powerpoint/2010/main" val="678135208"/>
       </p:ext>
     </p:extLst>
   </p:cSld>
@@ -44308,7 +45978,7 @@
                                           </p:stCondLst>
                                         </p:cTn>
                                         <p:tgtEl>
-                                          <p:spTgt spid="6"/>
+                                          <p:spTgt spid="8"/>
                                         </p:tgtEl>
                                         <p:attrNameLst>
                                           <p:attrName>style.visibility</p:attrName>
@@ -44322,7 +45992,7 @@
                                       <p:cBhvr>
                                         <p:cTn id="7" dur="500"/>
                                         <p:tgtEl>
-                                          <p:spTgt spid="6"/>
+                                          <p:spTgt spid="8"/>
                                         </p:tgtEl>
                                       </p:cBhvr>
                                     </p:animEffect>
@@ -44376,36 +46046,27 @@
                             </p:childTnLst>
                           </p:cTn>
                         </p:par>
-                      </p:childTnLst>
-                    </p:cTn>
-                  </p:par>
-                  <p:par>
-                    <p:cTn id="12" fill="hold">
-                      <p:stCondLst>
-                        <p:cond delay="indefinite"/>
-                      </p:stCondLst>
-                      <p:childTnLst>
                         <p:par>
-                          <p:cTn id="13" fill="hold">
+                          <p:cTn id="12" fill="hold">
                             <p:stCondLst>
-                              <p:cond delay="0"/>
+                              <p:cond delay="1000"/>
                             </p:stCondLst>
                             <p:childTnLst>
                               <p:par>
-                                <p:cTn id="14" presetID="22" presetClass="entr" presetSubtype="2" fill="hold" nodeType="clickEffect">
+                                <p:cTn id="13" presetID="2" presetClass="entr" presetSubtype="1" fill="hold" grpId="0" nodeType="afterEffect">
                                   <p:stCondLst>
                                     <p:cond delay="0"/>
                                   </p:stCondLst>
                                   <p:childTnLst>
                                     <p:set>
                                       <p:cBhvr>
-                                        <p:cTn id="15" dur="1" fill="hold">
+                                        <p:cTn id="14" dur="1" fill="hold">
                                           <p:stCondLst>
                                             <p:cond delay="0"/>
                                           </p:stCondLst>
                                         </p:cTn>
                                         <p:tgtEl>
-                                          <p:spTgt spid="43"/>
+                                          <p:spTgt spid="3"/>
                                         </p:tgtEl>
                                         <p:attrNameLst>
                                           <p:attrName>style.visibility</p:attrName>
@@ -44415,14 +46076,52 @@
                                         <p:strVal val="visible"/>
                                       </p:to>
                                     </p:set>
-                                    <p:animEffect transition="in" filter="wipe(right)">
-                                      <p:cBhvr>
-                                        <p:cTn id="16" dur="500"/>
+                                    <p:anim calcmode="lin" valueType="num">
+                                      <p:cBhvr additive="base">
+                                        <p:cTn id="15" dur="500" fill="hold"/>
                                         <p:tgtEl>
-                                          <p:spTgt spid="43"/>
+                                          <p:spTgt spid="3"/>
                                         </p:tgtEl>
+                                        <p:attrNameLst>
+                                          <p:attrName>ppt_x</p:attrName>
+                                        </p:attrNameLst>
                                       </p:cBhvr>
-                                    </p:animEffect>
+                                      <p:tavLst>
+                                        <p:tav tm="0">
+                                          <p:val>
+                                            <p:strVal val="#ppt_x"/>
+                                          </p:val>
+                                        </p:tav>
+                                        <p:tav tm="100000">
+                                          <p:val>
+                                            <p:strVal val="#ppt_x"/>
+                                          </p:val>
+                                        </p:tav>
+                                      </p:tavLst>
+                                    </p:anim>
+                                    <p:anim calcmode="lin" valueType="num">
+                                      <p:cBhvr additive="base">
+                                        <p:cTn id="16" dur="500" fill="hold"/>
+                                        <p:tgtEl>
+                                          <p:spTgt spid="3"/>
+                                        </p:tgtEl>
+                                        <p:attrNameLst>
+                                          <p:attrName>ppt_y</p:attrName>
+                                        </p:attrNameLst>
+                                      </p:cBhvr>
+                                      <p:tavLst>
+                                        <p:tav tm="0">
+                                          <p:val>
+                                            <p:strVal val="0-#ppt_h/2"/>
+                                          </p:val>
+                                        </p:tav>
+                                        <p:tav tm="100000">
+                                          <p:val>
+                                            <p:strVal val="#ppt_y"/>
+                                          </p:val>
+                                        </p:tav>
+                                      </p:tavLst>
+                                    </p:anim>
                                   </p:childTnLst>
                                 </p:cTn>
                               </p:par>
@@ -44458,7 +46157,7 @@
                                           </p:stCondLst>
                                         </p:cTn>
                                         <p:tgtEl>
-                                          <p:spTgt spid="46"/>
+                                          <p:spTgt spid="43"/>
                                         </p:tgtEl>
                                         <p:attrNameLst>
                                           <p:attrName>style.visibility</p:attrName>
@@ -44472,7 +46171,7 @@
                                       <p:cBhvr>
                                         <p:cTn id="21" dur="500"/>
                                         <p:tgtEl>
-                                          <p:spTgt spid="46"/>
+                                          <p:spTgt spid="43"/>
                                         </p:tgtEl>
                                       </p:cBhvr>
                                     </p:animEffect>
@@ -44511,7 +46210,7 @@
                                           </p:stCondLst>
                                         </p:cTn>
                                         <p:tgtEl>
-                                          <p:spTgt spid="49"/>
+                                          <p:spTgt spid="46"/>
                                         </p:tgtEl>
                                         <p:attrNameLst>
                                           <p:attrName>style.visibility</p:attrName>
@@ -44525,7 +46224,7 @@
                                       <p:cBhvr>
                                         <p:cTn id="26" dur="500"/>
                                         <p:tgtEl>
-                                          <p:spTgt spid="49"/>
+                                          <p:spTgt spid="46"/>
                                         </p:tgtEl>
                                       </p:cBhvr>
                                     </p:animEffect>
@@ -44564,7 +46263,7 @@
                                           </p:stCondLst>
                                         </p:cTn>
                                         <p:tgtEl>
-                                          <p:spTgt spid="52"/>
+                                          <p:spTgt spid="49"/>
                                         </p:tgtEl>
                                         <p:attrNameLst>
                                           <p:attrName>style.visibility</p:attrName>
@@ -44578,7 +46277,7 @@
                                       <p:cBhvr>
                                         <p:cTn id="31" dur="500"/>
                                         <p:tgtEl>
-                                          <p:spTgt spid="52"/>
+                                          <p:spTgt spid="49"/>
                                         </p:tgtEl>
                                       </p:cBhvr>
                                     </p:animEffect>
@@ -44617,7 +46316,7 @@
                                           </p:stCondLst>
                                         </p:cTn>
                                         <p:tgtEl>
-                                          <p:spTgt spid="64"/>
+                                          <p:spTgt spid="52"/>
                                         </p:tgtEl>
                                         <p:attrNameLst>
                                           <p:attrName>style.visibility</p:attrName>
@@ -44631,7 +46330,7 @@
                                       <p:cBhvr>
                                         <p:cTn id="36" dur="500"/>
                                         <p:tgtEl>
-                                          <p:spTgt spid="64"/>
+                                          <p:spTgt spid="52"/>
                                         </p:tgtEl>
                                       </p:cBhvr>
                                     </p:animEffect>
@@ -44670,7 +46369,7 @@
                                           </p:stCondLst>
                                         </p:cTn>
                                         <p:tgtEl>
-                                          <p:spTgt spid="55"/>
+                                          <p:spTgt spid="64"/>
                                         </p:tgtEl>
                                         <p:attrNameLst>
                                           <p:attrName>style.visibility</p:attrName>
@@ -44684,7 +46383,7 @@
                                       <p:cBhvr>
                                         <p:cTn id="41" dur="500"/>
                                         <p:tgtEl>
-                                          <p:spTgt spid="55"/>
+                                          <p:spTgt spid="64"/>
                                         </p:tgtEl>
                                       </p:cBhvr>
                                     </p:animEffect>
@@ -44723,7 +46422,7 @@
                                           </p:stCondLst>
                                         </p:cTn>
                                         <p:tgtEl>
-                                          <p:spTgt spid="58"/>
+                                          <p:spTgt spid="55"/>
                                         </p:tgtEl>
                                         <p:attrNameLst>
                                           <p:attrName>style.visibility</p:attrName>
@@ -44737,7 +46436,7 @@
                                       <p:cBhvr>
                                         <p:cTn id="46" dur="500"/>
                                         <p:tgtEl>
-                                          <p:spTgt spid="58"/>
+                                          <p:spTgt spid="55"/>
                                         </p:tgtEl>
                                       </p:cBhvr>
                                     </p:animEffect>
@@ -44776,7 +46475,7 @@
                                           </p:stCondLst>
                                         </p:cTn>
                                         <p:tgtEl>
-                                          <p:spTgt spid="61"/>
+                                          <p:spTgt spid="58"/>
                                         </p:tgtEl>
                                         <p:attrNameLst>
                                           <p:attrName>style.visibility</p:attrName>
@@ -44790,7 +46489,7 @@
                                       <p:cBhvr>
                                         <p:cTn id="51" dur="500"/>
                                         <p:tgtEl>
-                                          <p:spTgt spid="61"/>
+                                          <p:spTgt spid="58"/>
                                         </p:tgtEl>
                                       </p:cBhvr>
                                     </p:animEffect>
@@ -44829,6 +46528,59 @@
                                           </p:stCondLst>
                                         </p:cTn>
                                         <p:tgtEl>
+                                          <p:spTgt spid="61"/>
+                                        </p:tgtEl>
+                                        <p:attrNameLst>
+                                          <p:attrName>style.visibility</p:attrName>
+                                        </p:attrNameLst>
+                                      </p:cBhvr>
+                                      <p:to>
+                                        <p:strVal val="visible"/>
+                                      </p:to>
+                                    </p:set>
+                                    <p:animEffect transition="in" filter="wipe(right)">
+                                      <p:cBhvr>
+                                        <p:cTn id="56" dur="500"/>
+                                        <p:tgtEl>
+                                          <p:spTgt spid="61"/>
+                                        </p:tgtEl>
+                                      </p:cBhvr>
+                                    </p:animEffect>
+                                  </p:childTnLst>
+                                </p:cTn>
+                              </p:par>
+                            </p:childTnLst>
+                          </p:cTn>
+                        </p:par>
+                      </p:childTnLst>
+                    </p:cTn>
+                  </p:par>
+                  <p:par>
+                    <p:cTn id="57" fill="hold">
+                      <p:stCondLst>
+                        <p:cond delay="indefinite"/>
+                      </p:stCondLst>
+                      <p:childTnLst>
+                        <p:par>
+                          <p:cTn id="58" fill="hold">
+                            <p:stCondLst>
+                              <p:cond delay="0"/>
+                            </p:stCondLst>
+                            <p:childTnLst>
+                              <p:par>
+                                <p:cTn id="59" presetID="22" presetClass="entr" presetSubtype="2" fill="hold" nodeType="clickEffect">
+                                  <p:stCondLst>
+                                    <p:cond delay="0"/>
+                                  </p:stCondLst>
+                                  <p:childTnLst>
+                                    <p:set>
+                                      <p:cBhvr>
+                                        <p:cTn id="60" dur="1" fill="hold">
+                                          <p:stCondLst>
+                                            <p:cond delay="0"/>
+                                          </p:stCondLst>
+                                        </p:cTn>
+                                        <p:tgtEl>
                                           <p:spTgt spid="67"/>
                                         </p:tgtEl>
                                         <p:attrNameLst>
@@ -44841,7 +46593,7 @@
                                     </p:set>
                                     <p:animEffect transition="in" filter="wipe(right)">
                                       <p:cBhvr>
-                                        <p:cTn id="56" dur="500"/>
+                                        <p:cTn id="61" dur="500"/>
                                         <p:tgtEl>
                                           <p:spTgt spid="67"/>
                                         </p:tgtEl>
@@ -44877,6 +46629,9 @@
         </p:cTn>
       </p:par>
     </p:tnLst>
+    <p:bldLst>
+      <p:bldP spid="3" grpId="0"/>
+    </p:bldLst>
   </p:timing>
 </p:sld>
 </file>

--- a/Session 10 - Random Numbers and Algorithms/Session 10 - Random Numbers and Algorithms.pptx
+++ b/Session 10 - Random Numbers and Algorithms/Session 10 - Random Numbers and Algorithms.pptx
@@ -292,7 +292,7 @@
           <a:p>
             <a:fld id="{A241AC98-512A-4A35-865E-757B6C1F07A2}" type="datetimeFigureOut">
               <a:rPr lang="en-US" smtClean="0"/>
-              <a:t>2/3/2024</a:t>
+              <a:t>2/12/2024</a:t>
             </a:fld>
             <a:endParaRPr lang="en-US"/>
           </a:p>
@@ -458,7 +458,7 @@
           <a:p>
             <a:fld id="{3854CEE7-15DE-41D9-8CA2-D1E137B1D850}" type="datetimeFigureOut">
               <a:rPr lang="en-US" smtClean="0"/>
-              <a:t>2/3/2024</a:t>
+              <a:t>2/12/2024</a:t>
             </a:fld>
             <a:endParaRPr lang="en-US"/>
           </a:p>
@@ -1361,7 +1361,7 @@
           <a:p>
             <a:fld id="{5555EB2C-244D-4423-AD97-018ED6478B87}" type="datetime1">
               <a:rPr lang="en-US" smtClean="0"/>
-              <a:t>2/3/2024</a:t>
+              <a:t>2/12/2024</a:t>
             </a:fld>
             <a:endParaRPr lang="en-US"/>
           </a:p>
@@ -1540,7 +1540,7 @@
           <a:p>
             <a:fld id="{A2B41D1F-7576-4C60-B4EB-5115BC56CF40}" type="datetime1">
               <a:rPr lang="en-US" smtClean="0"/>
-              <a:t>2/3/2024</a:t>
+              <a:t>2/12/2024</a:t>
             </a:fld>
             <a:endParaRPr lang="en-US"/>
           </a:p>
@@ -1732,7 +1732,7 @@
           <a:p>
             <a:fld id="{E79D1398-4D56-44F9-BA35-34ACF3159A64}" type="datetime1">
               <a:rPr lang="en-US" smtClean="0"/>
-              <a:t>2/3/2024</a:t>
+              <a:t>2/12/2024</a:t>
             </a:fld>
             <a:endParaRPr lang="en-US"/>
           </a:p>
@@ -1914,7 +1914,7 @@
           <a:p>
             <a:fld id="{A3CF632E-48CB-4EEB-A6B6-DEC7AD7CC976}" type="datetime1">
               <a:rPr lang="en-US" smtClean="0"/>
-              <a:t>2/3/2024</a:t>
+              <a:t>2/12/2024</a:t>
             </a:fld>
             <a:endParaRPr lang="en-US"/>
           </a:p>
@@ -2167,7 +2167,7 @@
           <a:p>
             <a:fld id="{BAEEE52C-3A57-458E-95F6-96B2FA9D1DD4}" type="datetime1">
               <a:rPr lang="en-US" smtClean="0"/>
-              <a:t>2/3/2024</a:t>
+              <a:t>2/12/2024</a:t>
             </a:fld>
             <a:endParaRPr lang="en-US"/>
           </a:p>
@@ -2411,7 +2411,7 @@
           <a:p>
             <a:fld id="{766FC747-A48A-4FF2-8EE4-3E95ECD1C2A8}" type="datetime1">
               <a:rPr lang="en-US" smtClean="0"/>
-              <a:t>2/3/2024</a:t>
+              <a:t>2/12/2024</a:t>
             </a:fld>
             <a:endParaRPr lang="en-US"/>
           </a:p>
@@ -2790,7 +2790,7 @@
           <a:p>
             <a:fld id="{C9BF5758-AB7F-463D-B638-E1729B95E126}" type="datetime1">
               <a:rPr lang="en-US" smtClean="0"/>
-              <a:t>2/3/2024</a:t>
+              <a:t>2/12/2024</a:t>
             </a:fld>
             <a:endParaRPr lang="en-US"/>
           </a:p>
@@ -2920,7 +2920,7 @@
           <a:p>
             <a:fld id="{F3718C77-7DD0-4738-BF52-D0EC9F78A76E}" type="datetime1">
               <a:rPr lang="en-US" smtClean="0"/>
-              <a:t>2/3/2024</a:t>
+              <a:t>2/12/2024</a:t>
             </a:fld>
             <a:endParaRPr lang="en-US"/>
           </a:p>
@@ -3027,7 +3027,7 @@
           <a:p>
             <a:fld id="{948970CF-13D9-4E1D-A74F-2CFE4953FCDB}" type="datetime1">
               <a:rPr lang="en-US" smtClean="0"/>
-              <a:t>2/3/2024</a:t>
+              <a:t>2/12/2024</a:t>
             </a:fld>
             <a:endParaRPr lang="en-US"/>
           </a:p>
@@ -3316,7 +3316,7 @@
           <a:p>
             <a:fld id="{F68C49B9-4E1C-4967-B9CF-0BF9FECBE837}" type="datetime1">
               <a:rPr lang="en-US" smtClean="0"/>
-              <a:t>2/3/2024</a:t>
+              <a:t>2/12/2024</a:t>
             </a:fld>
             <a:endParaRPr lang="en-US"/>
           </a:p>
@@ -3584,7 +3584,7 @@
           <a:p>
             <a:fld id="{7E338CBB-1F06-4333-9BBF-66628B15E581}" type="datetime1">
               <a:rPr lang="en-US" smtClean="0"/>
-              <a:t>2/3/2024</a:t>
+              <a:t>2/12/2024</a:t>
             </a:fld>
             <a:endParaRPr lang="en-US"/>
           </a:p>
@@ -3809,7 +3809,7 @@
           <a:p>
             <a:fld id="{705EC883-F03C-4CA3-AF62-BEF30EEA4F65}" type="datetime1">
               <a:rPr lang="en-US" smtClean="0"/>
-              <a:t>2/3/2024</a:t>
+              <a:t>2/12/2024</a:t>
             </a:fld>
             <a:endParaRPr lang="en-US"/>
           </a:p>
@@ -27065,8 +27065,8 @@
           </a:p>
         </p:txBody>
       </p:sp>
-      <mc:AlternateContent xmlns:mc="http://schemas.openxmlformats.org/markup-compatibility/2006">
-        <mc:Choice xmlns:a14="http://schemas.microsoft.com/office/drawing/2010/main" Requires="a14">
+      <mc:AlternateContent xmlns:mc="http://schemas.openxmlformats.org/markup-compatibility/2006" xmlns:a14="http://schemas.microsoft.com/office/drawing/2010/main">
+        <mc:Choice Requires="a14">
           <p:sp>
             <p:nvSpPr>
               <p:cNvPr id="9" name="TextBox 8">
@@ -27235,7 +27235,7 @@
             </p:txBody>
           </p:sp>
         </mc:Choice>
-        <mc:Fallback>
+        <mc:Fallback xmlns="">
           <p:sp>
             <p:nvSpPr>
               <p:cNvPr id="9" name="TextBox 8">
@@ -29246,7 +29246,19 @@
               <a:rPr lang="en-US" sz="3200" dirty="0">
                 <a:latin typeface="+mn-lt"/>
               </a:rPr>
-              <a:t> – Know You Know…</a:t>
+              <a:t> </a:t>
+            </a:r>
+            <a:r>
+              <a:rPr lang="en-US" sz="3200">
+                <a:latin typeface="+mn-lt"/>
+              </a:rPr>
+              <a:t>– Now </a:t>
+            </a:r>
+            <a:r>
+              <a:rPr lang="en-US" sz="3200" dirty="0">
+                <a:latin typeface="+mn-lt"/>
+              </a:rPr>
+              <a:t>You Know…</a:t>
             </a:r>
           </a:p>
         </p:txBody>
